--- a/企画や仕様(統合用)/String Territory(修正版).pptx
+++ b/企画や仕様(統合用)/String Territory(修正版).pptx
@@ -206,7 +206,7 @@
           <a:p>
             <a:fld id="{1B03BAC4-C04D-4969-A8BB-188AA8489B67}" type="datetimeFigureOut">
               <a:rPr kumimoji="1" lang="ja-JP" altLang="en-US" smtClean="0"/>
-              <a:t>2018/1/8</a:t>
+              <a:t>2018/1/15</a:t>
             </a:fld>
             <a:endParaRPr kumimoji="1" lang="ja-JP" altLang="en-US"/>
           </a:p>
@@ -1141,7 +1141,7 @@
           <a:p>
             <a:fld id="{99AF3CBB-D79F-447F-A9FD-6682532DA180}" type="datetimeFigureOut">
               <a:rPr kumimoji="1" lang="ja-JP" altLang="en-US" smtClean="0"/>
-              <a:t>2018/1/8</a:t>
+              <a:t>2018/1/15</a:t>
             </a:fld>
             <a:endParaRPr kumimoji="1" lang="ja-JP" altLang="en-US"/>
           </a:p>
@@ -1343,7 +1343,7 @@
           <a:p>
             <a:fld id="{99AF3CBB-D79F-447F-A9FD-6682532DA180}" type="datetimeFigureOut">
               <a:rPr kumimoji="1" lang="ja-JP" altLang="en-US" smtClean="0"/>
-              <a:t>2018/1/8</a:t>
+              <a:t>2018/1/15</a:t>
             </a:fld>
             <a:endParaRPr kumimoji="1" lang="ja-JP" altLang="en-US"/>
           </a:p>
@@ -1555,7 +1555,7 @@
           <a:p>
             <a:fld id="{99AF3CBB-D79F-447F-A9FD-6682532DA180}" type="datetimeFigureOut">
               <a:rPr kumimoji="1" lang="ja-JP" altLang="en-US" smtClean="0"/>
-              <a:t>2018/1/8</a:t>
+              <a:t>2018/1/15</a:t>
             </a:fld>
             <a:endParaRPr kumimoji="1" lang="ja-JP" altLang="en-US"/>
           </a:p>
@@ -1757,7 +1757,7 @@
           <a:p>
             <a:fld id="{99AF3CBB-D79F-447F-A9FD-6682532DA180}" type="datetimeFigureOut">
               <a:rPr kumimoji="1" lang="ja-JP" altLang="en-US" smtClean="0"/>
-              <a:t>2018/1/8</a:t>
+              <a:t>2018/1/15</a:t>
             </a:fld>
             <a:endParaRPr kumimoji="1" lang="ja-JP" altLang="en-US"/>
           </a:p>
@@ -2001,7 +2001,7 @@
           <a:p>
             <a:fld id="{99AF3CBB-D79F-447F-A9FD-6682532DA180}" type="datetimeFigureOut">
               <a:rPr kumimoji="1" lang="ja-JP" altLang="en-US" smtClean="0"/>
-              <a:t>2018/1/8</a:t>
+              <a:t>2018/1/15</a:t>
             </a:fld>
             <a:endParaRPr kumimoji="1" lang="ja-JP" altLang="en-US"/>
           </a:p>
@@ -2297,7 +2297,7 @@
           <a:p>
             <a:fld id="{99AF3CBB-D79F-447F-A9FD-6682532DA180}" type="datetimeFigureOut">
               <a:rPr kumimoji="1" lang="ja-JP" altLang="en-US" smtClean="0"/>
-              <a:t>2018/1/8</a:t>
+              <a:t>2018/1/15</a:t>
             </a:fld>
             <a:endParaRPr kumimoji="1" lang="ja-JP" altLang="en-US"/>
           </a:p>
@@ -2355,6 +2355,13 @@
   <p:clrMapOvr>
     <a:masterClrMapping/>
   </p:clrMapOvr>
+  <p:timing>
+    <p:tnLst>
+      <p:par>
+        <p:cTn id="1" dur="indefinite" restart="never" nodeType="tmRoot"/>
+      </p:par>
+    </p:tnLst>
+  </p:timing>
 </p:sldLayout>
 </file>
 
@@ -2728,7 +2735,7 @@
           <a:p>
             <a:fld id="{99AF3CBB-D79F-447F-A9FD-6682532DA180}" type="datetimeFigureOut">
               <a:rPr kumimoji="1" lang="ja-JP" altLang="en-US" smtClean="0"/>
-              <a:t>2018/1/8</a:t>
+              <a:t>2018/1/15</a:t>
             </a:fld>
             <a:endParaRPr kumimoji="1" lang="ja-JP" altLang="en-US"/>
           </a:p>
@@ -2806,6 +2813,42 @@
           <a:chExt cx="0" cy="0"/>
         </a:xfrm>
       </p:grpSpPr>
+      <p:pic>
+        <p:nvPicPr>
+          <p:cNvPr id="6" name="図 5"/>
+          <p:cNvPicPr>
+            <a:picLocks noChangeAspect="1"/>
+          </p:cNvPicPr>
+          <p:nvPr userDrawn="1"/>
+        </p:nvPicPr>
+        <p:blipFill rotWithShape="1">
+          <a:blip r:embed="rId2">
+            <a:duotone>
+              <a:schemeClr val="accent3">
+                <a:shade val="45000"/>
+                <a:satMod val="135000"/>
+              </a:schemeClr>
+              <a:prstClr val="white"/>
+            </a:duotone>
+            <a:extLst>
+              <a:ext uri="{28A0092B-C50C-407E-A947-70E740481C1C}">
+                <a14:useLocalDpi xmlns:a14="http://schemas.microsoft.com/office/drawing/2010/main" val="0"/>
+              </a:ext>
+            </a:extLst>
+          </a:blip>
+          <a:srcRect l="46501"/>
+          <a:stretch/>
+        </p:blipFill>
+        <p:spPr>
+          <a:xfrm flipV="1">
+            <a:off x="-1" y="884695"/>
+            <a:ext cx="5205457" cy="231153"/>
+          </a:xfrm>
+          <a:prstGeom prst="rect">
+            <a:avLst/>
+          </a:prstGeom>
+        </p:spPr>
+      </p:pic>
       <p:sp>
         <p:nvSpPr>
           <p:cNvPr id="2" name="Title 1"/>
@@ -2846,7 +2889,7 @@
           <a:p>
             <a:fld id="{99AF3CBB-D79F-447F-A9FD-6682532DA180}" type="datetimeFigureOut">
               <a:rPr kumimoji="1" lang="ja-JP" altLang="en-US" smtClean="0"/>
-              <a:t>2018/1/8</a:t>
+              <a:t>2018/1/15</a:t>
             </a:fld>
             <a:endParaRPr kumimoji="1" lang="ja-JP" altLang="en-US"/>
           </a:p>
@@ -2904,6 +2947,13 @@
   <p:clrMapOvr>
     <a:masterClrMapping/>
   </p:clrMapOvr>
+  <p:timing>
+    <p:tnLst>
+      <p:par>
+        <p:cTn id="1" dur="indefinite" restart="never" nodeType="tmRoot"/>
+      </p:par>
+    </p:tnLst>
+  </p:timing>
 </p:sldLayout>
 </file>
 
@@ -2941,7 +2991,7 @@
           <a:p>
             <a:fld id="{99AF3CBB-D79F-447F-A9FD-6682532DA180}" type="datetimeFigureOut">
               <a:rPr kumimoji="1" lang="ja-JP" altLang="en-US" smtClean="0"/>
-              <a:t>2018/1/8</a:t>
+              <a:t>2018/1/15</a:t>
             </a:fld>
             <a:endParaRPr kumimoji="1" lang="ja-JP" altLang="en-US"/>
           </a:p>
@@ -3250,7 +3300,7 @@
           <a:p>
             <a:fld id="{99AF3CBB-D79F-447F-A9FD-6682532DA180}" type="datetimeFigureOut">
               <a:rPr kumimoji="1" lang="ja-JP" altLang="en-US" smtClean="0"/>
-              <a:t>2018/1/8</a:t>
+              <a:t>2018/1/15</a:t>
             </a:fld>
             <a:endParaRPr kumimoji="1" lang="ja-JP" altLang="en-US"/>
           </a:p>
@@ -3507,7 +3557,7 @@
           <a:p>
             <a:fld id="{99AF3CBB-D79F-447F-A9FD-6682532DA180}" type="datetimeFigureOut">
               <a:rPr kumimoji="1" lang="ja-JP" altLang="en-US" smtClean="0"/>
-              <a:t>2018/1/8</a:t>
+              <a:t>2018/1/15</a:t>
             </a:fld>
             <a:endParaRPr kumimoji="1" lang="ja-JP" altLang="en-US"/>
           </a:p>
@@ -3600,6 +3650,13 @@
         </p:nvPicPr>
         <p:blipFill>
           <a:blip r:embed="rId13">
+            <a:duotone>
+              <a:schemeClr val="bg2">
+                <a:shade val="45000"/>
+                <a:satMod val="135000"/>
+              </a:schemeClr>
+              <a:prstClr val="white"/>
+            </a:duotone>
             <a:extLst>
               <a:ext uri="{28A0092B-C50C-407E-A947-70E740481C1C}">
                 <a14:useLocalDpi xmlns:a14="http://schemas.microsoft.com/office/drawing/2010/main" val="0"/>
@@ -3630,6 +3687,13 @@
         </p:nvPicPr>
         <p:blipFill>
           <a:blip r:embed="rId13">
+            <a:duotone>
+              <a:schemeClr val="bg2">
+                <a:shade val="45000"/>
+                <a:satMod val="135000"/>
+              </a:schemeClr>
+              <a:prstClr val="white"/>
+            </a:duotone>
             <a:extLst>
               <a:ext uri="{28A0092B-C50C-407E-A947-70E740481C1C}">
                 <a14:useLocalDpi xmlns:a14="http://schemas.microsoft.com/office/drawing/2010/main" val="0"/>
@@ -3812,7 +3876,7 @@
           <a:p>
             <a:fld id="{99AF3CBB-D79F-447F-A9FD-6682532DA180}" type="datetimeFigureOut">
               <a:rPr kumimoji="1" lang="ja-JP" altLang="en-US" smtClean="0"/>
-              <a:t>2018/1/8</a:t>
+              <a:t>2018/1/15</a:t>
             </a:fld>
             <a:endParaRPr kumimoji="1" lang="ja-JP" altLang="en-US"/>
           </a:p>
@@ -3917,6 +3981,13 @@
     <p:sldLayoutId id="2147483670" r:id="rId10"/>
     <p:sldLayoutId id="2147483671" r:id="rId11"/>
   </p:sldLayoutIdLst>
+  <p:timing>
+    <p:tnLst>
+      <p:par>
+        <p:cTn id="1" dur="indefinite" restart="never" nodeType="tmRoot"/>
+      </p:par>
+    </p:tnLst>
+  </p:timing>
   <p:txStyles>
     <p:titleStyle>
       <a:lvl1pPr algn="l" defTabSz="914400" rtl="0" eaLnBrk="1" latinLnBrk="0" hangingPunct="1">
@@ -4217,125 +4288,9 @@
           <a:chExt cx="0" cy="0"/>
         </a:xfrm>
       </p:grpSpPr>
-      <p:sp>
-        <p:nvSpPr>
-          <p:cNvPr id="4" name="テキスト ボックス 3"/>
-          <p:cNvSpPr txBox="1"/>
-          <p:nvPr/>
-        </p:nvSpPr>
-        <p:spPr>
-          <a:xfrm>
-            <a:off x="5261529" y="5110775"/>
-            <a:ext cx="4439528" cy="1200329"/>
-          </a:xfrm>
-          <a:prstGeom prst="rect">
-            <a:avLst/>
-          </a:prstGeom>
-          <a:noFill/>
-        </p:spPr>
-        <p:txBody>
-          <a:bodyPr wrap="square" rtlCol="0">
-            <a:spAutoFit/>
-          </a:bodyPr>
-          <a:lstStyle/>
-          <a:p>
-            <a:pPr algn="r"/>
-            <a:r>
-              <a:rPr lang="ja-JP" altLang="en-US" sz="2400" b="1" dirty="0" smtClean="0">
-                <a:latin typeface="メイリオ" panose="020B0604030504040204" pitchFamily="50" charset="-128"/>
-                <a:ea typeface="メイリオ" panose="020B0604030504040204" pitchFamily="50" charset="-128"/>
-              </a:rPr>
-              <a:t>ジャンル：３Ｄアクション</a:t>
-            </a:r>
-            <a:endParaRPr lang="en-US" altLang="ja-JP" sz="2400" b="1" dirty="0" smtClean="0">
-              <a:latin typeface="メイリオ" panose="020B0604030504040204" pitchFamily="50" charset="-128"/>
-              <a:ea typeface="メイリオ" panose="020B0604030504040204" pitchFamily="50" charset="-128"/>
-            </a:endParaRPr>
-          </a:p>
-          <a:p>
-            <a:pPr algn="r"/>
-            <a:r>
-              <a:rPr lang="ja-JP" altLang="en-US" sz="2400" b="1" dirty="0" smtClean="0">
-                <a:latin typeface="メイリオ" panose="020B0604030504040204" pitchFamily="50" charset="-128"/>
-                <a:ea typeface="メイリオ" panose="020B0604030504040204" pitchFamily="50" charset="-128"/>
-              </a:rPr>
-              <a:t>プラットフォーム：</a:t>
-            </a:r>
-            <a:r>
-              <a:rPr lang="en-US" altLang="ja-JP" sz="2400" b="1" dirty="0" smtClean="0">
-                <a:latin typeface="メイリオ" panose="020B0604030504040204" pitchFamily="50" charset="-128"/>
-                <a:ea typeface="メイリオ" panose="020B0604030504040204" pitchFamily="50" charset="-128"/>
-              </a:rPr>
-              <a:t>PC</a:t>
-            </a:r>
-          </a:p>
-          <a:p>
-            <a:pPr algn="r"/>
-            <a:r>
-              <a:rPr lang="ja-JP" altLang="en-US" sz="2400" b="1" dirty="0" smtClean="0">
-                <a:latin typeface="メイリオ" panose="020B0604030504040204" pitchFamily="50" charset="-128"/>
-                <a:ea typeface="メイリオ" panose="020B0604030504040204" pitchFamily="50" charset="-128"/>
-              </a:rPr>
-              <a:t>プレイ人数：１人</a:t>
-            </a:r>
-            <a:endParaRPr lang="en-US" altLang="ja-JP" sz="2400" b="1" dirty="0" smtClean="0">
-              <a:latin typeface="メイリオ" panose="020B0604030504040204" pitchFamily="50" charset="-128"/>
-              <a:ea typeface="メイリオ" panose="020B0604030504040204" pitchFamily="50" charset="-128"/>
-            </a:endParaRPr>
-          </a:p>
-        </p:txBody>
-      </p:sp>
-      <p:sp>
-        <p:nvSpPr>
-          <p:cNvPr id="5" name="角丸四角形 4"/>
-          <p:cNvSpPr/>
-          <p:nvPr/>
-        </p:nvSpPr>
-        <p:spPr>
-          <a:xfrm>
-            <a:off x="5566329" y="5011500"/>
-            <a:ext cx="4339671" cy="1415720"/>
-          </a:xfrm>
-          <a:prstGeom prst="roundRect">
-            <a:avLst/>
-          </a:prstGeom>
-          <a:noFill/>
-          <a:ln w="50800">
-            <a:solidFill>
-              <a:schemeClr val="bg1">
-                <a:lumMod val="50000"/>
-              </a:schemeClr>
-            </a:solidFill>
-          </a:ln>
-        </p:spPr>
-        <p:style>
-          <a:lnRef idx="2">
-            <a:schemeClr val="accent1">
-              <a:shade val="50000"/>
-            </a:schemeClr>
-          </a:lnRef>
-          <a:fillRef idx="1">
-            <a:schemeClr val="accent1"/>
-          </a:fillRef>
-          <a:effectRef idx="0">
-            <a:schemeClr val="accent1"/>
-          </a:effectRef>
-          <a:fontRef idx="minor">
-            <a:schemeClr val="lt1"/>
-          </a:fontRef>
-        </p:style>
-        <p:txBody>
-          <a:bodyPr rtlCol="0" anchor="ctr"/>
-          <a:lstStyle/>
-          <a:p>
-            <a:pPr algn="ctr"/>
-            <a:endParaRPr kumimoji="1" lang="ja-JP" altLang="en-US"/>
-          </a:p>
-        </p:txBody>
-      </p:sp>
       <p:pic>
         <p:nvPicPr>
-          <p:cNvPr id="3" name="図 2"/>
+          <p:cNvPr id="6" name="図 5"/>
           <p:cNvPicPr>
             <a:picLocks noChangeAspect="1"/>
           </p:cNvPicPr>
@@ -4355,8 +4310,153 @@
         </p:blipFill>
         <p:spPr>
           <a:xfrm>
-            <a:off x="23740" y="1246216"/>
-            <a:ext cx="9882260" cy="3748443"/>
+            <a:off x="-15435" y="0"/>
+            <a:ext cx="9936766" cy="5589431"/>
+          </a:xfrm>
+          <a:prstGeom prst="rect">
+            <a:avLst/>
+          </a:prstGeom>
+        </p:spPr>
+      </p:pic>
+      <p:sp>
+        <p:nvSpPr>
+          <p:cNvPr id="4" name="テキスト ボックス 3"/>
+          <p:cNvSpPr txBox="1"/>
+          <p:nvPr/>
+        </p:nvSpPr>
+        <p:spPr>
+          <a:xfrm>
+            <a:off x="5094104" y="5080121"/>
+            <a:ext cx="4439528" cy="1200329"/>
+          </a:xfrm>
+          <a:prstGeom prst="rect">
+            <a:avLst/>
+          </a:prstGeom>
+          <a:noFill/>
+        </p:spPr>
+        <p:txBody>
+          <a:bodyPr wrap="square" rtlCol="0">
+            <a:spAutoFit/>
+          </a:bodyPr>
+          <a:lstStyle/>
+          <a:p>
+            <a:pPr algn="r"/>
+            <a:r>
+              <a:rPr lang="ja-JP" altLang="en-US" sz="2400" b="1" dirty="0" smtClean="0">
+                <a:latin typeface="メイリオ" panose="020B0604030504040204" pitchFamily="50" charset="-128"/>
+                <a:ea typeface="メイリオ" panose="020B0604030504040204" pitchFamily="50" charset="-128"/>
+              </a:rPr>
+              <a:t>ジャンル：３Ｄアクション</a:t>
+            </a:r>
+            <a:endParaRPr lang="en-US" altLang="ja-JP" sz="2400" b="1" dirty="0" smtClean="0">
+              <a:latin typeface="メイリオ" panose="020B0604030504040204" pitchFamily="50" charset="-128"/>
+              <a:ea typeface="メイリオ" panose="020B0604030504040204" pitchFamily="50" charset="-128"/>
+            </a:endParaRPr>
+          </a:p>
+          <a:p>
+            <a:pPr algn="r"/>
+            <a:r>
+              <a:rPr lang="ja-JP" altLang="en-US" sz="2400" b="1" dirty="0" smtClean="0">
+                <a:latin typeface="メイリオ" panose="020B0604030504040204" pitchFamily="50" charset="-128"/>
+                <a:ea typeface="メイリオ" panose="020B0604030504040204" pitchFamily="50" charset="-128"/>
+              </a:rPr>
+              <a:t>プラットフォーム：</a:t>
+            </a:r>
+            <a:r>
+              <a:rPr lang="en-US" altLang="ja-JP" sz="2400" b="1" dirty="0" smtClean="0">
+                <a:latin typeface="メイリオ" panose="020B0604030504040204" pitchFamily="50" charset="-128"/>
+                <a:ea typeface="メイリオ" panose="020B0604030504040204" pitchFamily="50" charset="-128"/>
+              </a:rPr>
+              <a:t>PC</a:t>
+            </a:r>
+          </a:p>
+          <a:p>
+            <a:pPr algn="r"/>
+            <a:r>
+              <a:rPr lang="ja-JP" altLang="en-US" sz="2400" b="1" dirty="0" smtClean="0">
+                <a:latin typeface="メイリオ" panose="020B0604030504040204" pitchFamily="50" charset="-128"/>
+                <a:ea typeface="メイリオ" panose="020B0604030504040204" pitchFamily="50" charset="-128"/>
+              </a:rPr>
+              <a:t>プレイ人数：１人</a:t>
+            </a:r>
+            <a:endParaRPr lang="en-US" altLang="ja-JP" sz="2400" b="1" dirty="0" smtClean="0">
+              <a:latin typeface="メイリオ" panose="020B0604030504040204" pitchFamily="50" charset="-128"/>
+              <a:ea typeface="メイリオ" panose="020B0604030504040204" pitchFamily="50" charset="-128"/>
+            </a:endParaRPr>
+          </a:p>
+        </p:txBody>
+      </p:sp>
+      <p:sp>
+        <p:nvSpPr>
+          <p:cNvPr id="5" name="角丸四角形 4"/>
+          <p:cNvSpPr/>
+          <p:nvPr/>
+        </p:nvSpPr>
+        <p:spPr>
+          <a:xfrm>
+            <a:off x="5398904" y="4980846"/>
+            <a:ext cx="4339671" cy="1415720"/>
+          </a:xfrm>
+          <a:prstGeom prst="roundRect">
+            <a:avLst/>
+          </a:prstGeom>
+          <a:noFill/>
+          <a:ln w="50800">
+            <a:solidFill>
+              <a:schemeClr val="bg1">
+                <a:lumMod val="50000"/>
+              </a:schemeClr>
+            </a:solidFill>
+          </a:ln>
+        </p:spPr>
+        <p:style>
+          <a:lnRef idx="2">
+            <a:schemeClr val="accent1">
+              <a:shade val="50000"/>
+            </a:schemeClr>
+          </a:lnRef>
+          <a:fillRef idx="1">
+            <a:schemeClr val="accent1"/>
+          </a:fillRef>
+          <a:effectRef idx="0">
+            <a:schemeClr val="accent1"/>
+          </a:effectRef>
+          <a:fontRef idx="minor">
+            <a:schemeClr val="lt1"/>
+          </a:fontRef>
+        </p:style>
+        <p:txBody>
+          <a:bodyPr rtlCol="0" anchor="ctr"/>
+          <a:lstStyle/>
+          <a:p>
+            <a:pPr algn="ctr"/>
+            <a:endParaRPr kumimoji="1" lang="ja-JP" altLang="en-US"/>
+          </a:p>
+        </p:txBody>
+      </p:sp>
+      <p:pic>
+        <p:nvPicPr>
+          <p:cNvPr id="2" name="図 1"/>
+          <p:cNvPicPr>
+            <a:picLocks noChangeAspect="1"/>
+          </p:cNvPicPr>
+          <p:nvPr/>
+        </p:nvPicPr>
+        <p:blipFill rotWithShape="1">
+          <a:blip r:embed="rId3">
+            <a:extLst>
+              <a:ext uri="{28A0092B-C50C-407E-A947-70E740481C1C}">
+                <a14:useLocalDpi xmlns:a14="http://schemas.microsoft.com/office/drawing/2010/main" val="0"/>
+              </a:ext>
+            </a:extLst>
+          </a:blip>
+          <a:srcRect r="9027"/>
+          <a:stretch/>
+        </p:blipFill>
+        <p:spPr>
+          <a:xfrm>
+            <a:off x="0" y="-235917"/>
+            <a:ext cx="9581882" cy="5924623"/>
           </a:xfrm>
           <a:prstGeom prst="rect">
             <a:avLst/>
@@ -5202,6 +5302,42 @@
       </p:grpSpPr>
       <p:pic>
         <p:nvPicPr>
+          <p:cNvPr id="3" name="図 2"/>
+          <p:cNvPicPr>
+            <a:picLocks noChangeAspect="1"/>
+          </p:cNvPicPr>
+          <p:nvPr/>
+        </p:nvPicPr>
+        <p:blipFill rotWithShape="1">
+          <a:blip r:embed="rId2">
+            <a:duotone>
+              <a:schemeClr val="accent3">
+                <a:shade val="45000"/>
+                <a:satMod val="135000"/>
+              </a:schemeClr>
+              <a:prstClr val="white"/>
+            </a:duotone>
+            <a:extLst>
+              <a:ext uri="{28A0092B-C50C-407E-A947-70E740481C1C}">
+                <a14:useLocalDpi xmlns:a14="http://schemas.microsoft.com/office/drawing/2010/main" val="0"/>
+              </a:ext>
+            </a:extLst>
+          </a:blip>
+          <a:srcRect l="46501"/>
+          <a:stretch/>
+        </p:blipFill>
+        <p:spPr>
+          <a:xfrm flipV="1">
+            <a:off x="-1" y="884695"/>
+            <a:ext cx="5205457" cy="231153"/>
+          </a:xfrm>
+          <a:prstGeom prst="rect">
+            <a:avLst/>
+          </a:prstGeom>
+        </p:spPr>
+      </p:pic>
+      <p:pic>
+        <p:nvPicPr>
           <p:cNvPr id="46" name="図 45"/>
           <p:cNvPicPr>
             <a:picLocks noChangeAspect="1"/>
@@ -5209,7 +5345,7 @@
           <p:nvPr/>
         </p:nvPicPr>
         <p:blipFill>
-          <a:blip r:embed="rId2">
+          <a:blip r:embed="rId3">
             <a:extLst>
               <a:ext uri="{28A0092B-C50C-407E-A947-70E740481C1C}">
                 <a14:useLocalDpi xmlns:a14="http://schemas.microsoft.com/office/drawing/2010/main" val="0"/>
@@ -5380,90 +5516,6 @@
           </a:p>
         </p:txBody>
       </p:sp>
-      <p:sp>
-        <p:nvSpPr>
-          <p:cNvPr id="12" name="角丸四角形 11"/>
-          <p:cNvSpPr/>
-          <p:nvPr/>
-        </p:nvSpPr>
-        <p:spPr>
-          <a:xfrm rot="17980850">
-            <a:off x="6916101" y="1124963"/>
-            <a:ext cx="2030853" cy="45719"/>
-          </a:xfrm>
-          <a:prstGeom prst="roundRect">
-            <a:avLst/>
-          </a:prstGeom>
-          <a:solidFill>
-            <a:schemeClr val="accent1">
-              <a:lumMod val="60000"/>
-              <a:lumOff val="40000"/>
-            </a:schemeClr>
-          </a:solidFill>
-          <a:ln>
-            <a:solidFill>
-              <a:schemeClr val="tx1">
-                <a:lumMod val="85000"/>
-                <a:lumOff val="15000"/>
-              </a:schemeClr>
-            </a:solidFill>
-          </a:ln>
-        </p:spPr>
-        <p:style>
-          <a:lnRef idx="2">
-            <a:schemeClr val="accent1">
-              <a:shade val="50000"/>
-            </a:schemeClr>
-          </a:lnRef>
-          <a:fillRef idx="1">
-            <a:schemeClr val="accent1"/>
-          </a:fillRef>
-          <a:effectRef idx="0">
-            <a:schemeClr val="accent1"/>
-          </a:effectRef>
-          <a:fontRef idx="minor">
-            <a:schemeClr val="lt1"/>
-          </a:fontRef>
-        </p:style>
-        <p:txBody>
-          <a:bodyPr rtlCol="0" anchor="ctr"/>
-          <a:lstStyle/>
-          <a:p>
-            <a:pPr algn="ctr"/>
-            <a:endParaRPr kumimoji="1" lang="ja-JP" altLang="en-US"/>
-          </a:p>
-        </p:txBody>
-      </p:sp>
-      <p:pic>
-        <p:nvPicPr>
-          <p:cNvPr id="9" name="図 8"/>
-          <p:cNvPicPr>
-            <a:picLocks noChangeAspect="1"/>
-          </p:cNvPicPr>
-          <p:nvPr/>
-        </p:nvPicPr>
-        <p:blipFill>
-          <a:blip r:embed="rId3" cstate="print">
-            <a:extLst>
-              <a:ext uri="{28A0092B-C50C-407E-A947-70E740481C1C}">
-                <a14:useLocalDpi xmlns:a14="http://schemas.microsoft.com/office/drawing/2010/main" val="0"/>
-              </a:ext>
-            </a:extLst>
-          </a:blip>
-          <a:stretch>
-            <a:fillRect/>
-          </a:stretch>
-        </p:blipFill>
-        <p:spPr>
-          <a:xfrm rot="20459743">
-            <a:off x="6728837" y="1174867"/>
-            <a:ext cx="1724486" cy="1233980"/>
-          </a:xfrm>
-          <a:prstGeom prst="rect">
-            <a:avLst/>
-          </a:prstGeom>
-        </p:spPr>
-      </p:pic>
       <p:pic>
         <p:nvPicPr>
           <p:cNvPr id="27" name="図 26"/>
@@ -5513,7 +5565,7 @@
           <p:nvPr/>
         </p:nvPicPr>
         <p:blipFill>
-          <a:blip r:embed="rId2">
+          <a:blip r:embed="rId3">
             <a:extLst>
               <a:ext uri="{28A0092B-C50C-407E-A947-70E740481C1C}">
                 <a14:useLocalDpi xmlns:a14="http://schemas.microsoft.com/office/drawing/2010/main" val="0"/>
@@ -5749,7 +5801,7 @@
           <p:nvPr/>
         </p:nvPicPr>
         <p:blipFill>
-          <a:blip r:embed="rId2">
+          <a:blip r:embed="rId3">
             <a:extLst>
               <a:ext uri="{28A0092B-C50C-407E-A947-70E740481C1C}">
                 <a14:useLocalDpi xmlns:a14="http://schemas.microsoft.com/office/drawing/2010/main" val="0"/>
@@ -6006,7 +6058,7 @@
       </p:grpSpPr>
       <p:pic>
         <p:nvPicPr>
-          <p:cNvPr id="3" name="図 2"/>
+          <p:cNvPr id="4" name="図 3"/>
           <p:cNvPicPr>
             <a:picLocks noChangeAspect="1"/>
           </p:cNvPicPr>
@@ -6026,8 +6078,8 @@
         </p:blipFill>
         <p:spPr>
           <a:xfrm>
-            <a:off x="1055993" y="1412231"/>
-            <a:ext cx="8083379" cy="4532521"/>
+            <a:off x="1055992" y="1359262"/>
+            <a:ext cx="7884793" cy="4442137"/>
           </a:xfrm>
           <a:prstGeom prst="rect">
             <a:avLst/>
@@ -6078,7 +6130,7 @@
         </p:nvSpPr>
         <p:spPr>
           <a:xfrm>
-            <a:off x="429563" y="1012121"/>
+            <a:off x="0" y="1359262"/>
             <a:ext cx="1252859" cy="400110"/>
           </a:xfrm>
           <a:prstGeom prst="rect">
@@ -6149,52 +6201,16 @@
           </a:p>
         </p:txBody>
       </p:sp>
-      <p:sp>
-        <p:nvSpPr>
-          <p:cNvPr id="65" name="テキスト ボックス 64"/>
-          <p:cNvSpPr txBox="1"/>
-          <p:nvPr/>
-        </p:nvSpPr>
-        <p:spPr>
-          <a:xfrm>
-            <a:off x="1970067" y="6182327"/>
-            <a:ext cx="1865054" cy="400110"/>
-          </a:xfrm>
-          <a:prstGeom prst="rect">
-            <a:avLst/>
-          </a:prstGeom>
-          <a:noFill/>
-        </p:spPr>
-        <p:txBody>
-          <a:bodyPr wrap="square" rtlCol="0">
-            <a:spAutoFit/>
-          </a:bodyPr>
-          <a:lstStyle/>
-          <a:p>
-            <a:r>
-              <a:rPr kumimoji="1" lang="ja-JP" altLang="en-US" sz="2000" b="1" dirty="0" smtClean="0">
-                <a:latin typeface="メイリオ" panose="020B0604030504040204" pitchFamily="50" charset="-128"/>
-                <a:ea typeface="メイリオ" panose="020B0604030504040204" pitchFamily="50" charset="-128"/>
-              </a:rPr>
-              <a:t>貼られた糸</a:t>
-            </a:r>
-            <a:endParaRPr kumimoji="1" lang="ja-JP" altLang="en-US" sz="2000" b="1" dirty="0">
-              <a:latin typeface="メイリオ" panose="020B0604030504040204" pitchFamily="50" charset="-128"/>
-              <a:ea typeface="メイリオ" panose="020B0604030504040204" pitchFamily="50" charset="-128"/>
-            </a:endParaRPr>
-          </a:p>
-        </p:txBody>
-      </p:sp>
       <p:cxnSp>
         <p:nvCxnSpPr>
-          <p:cNvPr id="73" name="直線矢印コネクタ 72"/>
+          <p:cNvPr id="75" name="直線矢印コネクタ 74"/>
           <p:cNvCxnSpPr/>
           <p:nvPr/>
         </p:nvCxnSpPr>
         <p:spPr>
-          <a:xfrm flipV="1">
-            <a:off x="3103418" y="5309138"/>
-            <a:ext cx="181508" cy="892371"/>
+          <a:xfrm flipH="1" flipV="1">
+            <a:off x="5138670" y="4868214"/>
+            <a:ext cx="798647" cy="1333296"/>
           </a:xfrm>
           <a:prstGeom prst="straightConnector1">
             <a:avLst/>
@@ -6221,16 +6237,52 @@
           </a:fontRef>
         </p:style>
       </p:cxnSp>
+      <p:sp>
+        <p:nvSpPr>
+          <p:cNvPr id="15" name="テキスト ボックス 14"/>
+          <p:cNvSpPr txBox="1"/>
+          <p:nvPr/>
+        </p:nvSpPr>
+        <p:spPr>
+          <a:xfrm>
+            <a:off x="8008258" y="6298471"/>
+            <a:ext cx="1865054" cy="400110"/>
+          </a:xfrm>
+          <a:prstGeom prst="rect">
+            <a:avLst/>
+          </a:prstGeom>
+          <a:noFill/>
+        </p:spPr>
+        <p:txBody>
+          <a:bodyPr wrap="square" rtlCol="0">
+            <a:spAutoFit/>
+          </a:bodyPr>
+          <a:lstStyle/>
+          <a:p>
+            <a:r>
+              <a:rPr lang="ja-JP" altLang="en-US" sz="2000" b="1" dirty="0" smtClean="0">
+                <a:latin typeface="メイリオ" panose="020B0604030504040204" pitchFamily="50" charset="-128"/>
+                <a:ea typeface="メイリオ" panose="020B0604030504040204" pitchFamily="50" charset="-128"/>
+              </a:rPr>
+              <a:t>ミニマップ</a:t>
+            </a:r>
+            <a:endParaRPr kumimoji="1" lang="ja-JP" altLang="en-US" sz="2000" b="1" dirty="0">
+              <a:latin typeface="メイリオ" panose="020B0604030504040204" pitchFamily="50" charset="-128"/>
+              <a:ea typeface="メイリオ" panose="020B0604030504040204" pitchFamily="50" charset="-128"/>
+            </a:endParaRPr>
+          </a:p>
+        </p:txBody>
+      </p:sp>
       <p:cxnSp>
         <p:nvCxnSpPr>
-          <p:cNvPr id="75" name="直線矢印コネクタ 74"/>
+          <p:cNvPr id="16" name="直線矢印コネクタ 15"/>
           <p:cNvCxnSpPr/>
           <p:nvPr/>
         </p:nvCxnSpPr>
         <p:spPr>
           <a:xfrm flipH="1" flipV="1">
-            <a:off x="5380083" y="5309138"/>
-            <a:ext cx="557234" cy="892371"/>
+            <a:off x="8320906" y="5666704"/>
+            <a:ext cx="239414" cy="632923"/>
           </a:xfrm>
           <a:prstGeom prst="straightConnector1">
             <a:avLst/>
@@ -6257,58 +6309,6 @@
           </a:fontRef>
         </p:style>
       </p:cxnSp>
-      <p:sp>
-        <p:nvSpPr>
-          <p:cNvPr id="85" name="テキスト ボックス 84"/>
-          <p:cNvSpPr txBox="1"/>
-          <p:nvPr/>
-        </p:nvSpPr>
-        <p:spPr>
-          <a:xfrm>
-            <a:off x="7245137" y="1538252"/>
-            <a:ext cx="2145374" cy="523220"/>
-          </a:xfrm>
-          <a:prstGeom prst="rect">
-            <a:avLst/>
-          </a:prstGeom>
-          <a:noFill/>
-        </p:spPr>
-        <p:txBody>
-          <a:bodyPr wrap="square" rtlCol="0">
-            <a:spAutoFit/>
-          </a:bodyPr>
-          <a:lstStyle/>
-          <a:p>
-            <a:r>
-              <a:rPr lang="en-US" altLang="ja-JP" b="1" dirty="0" smtClean="0">
-                <a:solidFill>
-                  <a:schemeClr val="bg1"/>
-                </a:solidFill>
-                <a:latin typeface="メイリオ" panose="020B0604030504040204" pitchFamily="50" charset="-128"/>
-                <a:ea typeface="メイリオ" panose="020B0604030504040204" pitchFamily="50" charset="-128"/>
-              </a:rPr>
-              <a:t>TIME:</a:t>
-            </a:r>
-            <a:r>
-              <a:rPr lang="en-US" altLang="ja-JP" sz="2800" b="1" dirty="0" smtClean="0">
-                <a:solidFill>
-                  <a:schemeClr val="bg1"/>
-                </a:solidFill>
-                <a:latin typeface="メイリオ" panose="020B0604030504040204" pitchFamily="50" charset="-128"/>
-                <a:ea typeface="メイリオ" panose="020B0604030504040204" pitchFamily="50" charset="-128"/>
-              </a:rPr>
-              <a:t>29.5</a:t>
-            </a:r>
-            <a:endParaRPr kumimoji="1" lang="en-US" altLang="ja-JP" b="1" dirty="0" smtClean="0">
-              <a:solidFill>
-                <a:schemeClr val="bg1"/>
-              </a:solidFill>
-              <a:latin typeface="メイリオ" panose="020B0604030504040204" pitchFamily="50" charset="-128"/>
-              <a:ea typeface="メイリオ" panose="020B0604030504040204" pitchFamily="50" charset="-128"/>
-            </a:endParaRPr>
-          </a:p>
-        </p:txBody>
-      </p:sp>
     </p:spTree>
     <p:extLst>
       <p:ext uri="{BB962C8B-B14F-4D97-AF65-F5344CB8AC3E}">
@@ -6348,112 +6348,6 @@
       </p:grpSpPr>
       <p:sp>
         <p:nvSpPr>
-          <p:cNvPr id="44" name="角丸四角形 43"/>
-          <p:cNvSpPr/>
-          <p:nvPr/>
-        </p:nvSpPr>
-        <p:spPr>
-          <a:xfrm>
-            <a:off x="5276368" y="2398979"/>
-            <a:ext cx="4407960" cy="3810000"/>
-          </a:xfrm>
-          <a:prstGeom prst="roundRect">
-            <a:avLst>
-              <a:gd name="adj" fmla="val 0"/>
-            </a:avLst>
-          </a:prstGeom>
-          <a:solidFill>
-            <a:schemeClr val="accent1"/>
-          </a:solidFill>
-          <a:ln>
-            <a:solidFill>
-              <a:schemeClr val="tx1">
-                <a:lumMod val="95000"/>
-                <a:lumOff val="5000"/>
-              </a:schemeClr>
-            </a:solidFill>
-          </a:ln>
-        </p:spPr>
-        <p:style>
-          <a:lnRef idx="2">
-            <a:schemeClr val="accent1">
-              <a:shade val="50000"/>
-            </a:schemeClr>
-          </a:lnRef>
-          <a:fillRef idx="1">
-            <a:schemeClr val="accent1"/>
-          </a:fillRef>
-          <a:effectRef idx="0">
-            <a:schemeClr val="accent1"/>
-          </a:effectRef>
-          <a:fontRef idx="minor">
-            <a:schemeClr val="lt1"/>
-          </a:fontRef>
-        </p:style>
-        <p:txBody>
-          <a:bodyPr rtlCol="0" anchor="ctr"/>
-          <a:lstStyle/>
-          <a:p>
-            <a:pPr algn="ctr"/>
-            <a:endParaRPr kumimoji="1" lang="ja-JP" altLang="en-US"/>
-          </a:p>
-        </p:txBody>
-      </p:sp>
-      <p:sp>
-        <p:nvSpPr>
-          <p:cNvPr id="13" name="角丸四角形 12"/>
-          <p:cNvSpPr/>
-          <p:nvPr/>
-        </p:nvSpPr>
-        <p:spPr>
-          <a:xfrm>
-            <a:off x="221672" y="2398979"/>
-            <a:ext cx="4403630" cy="3810000"/>
-          </a:xfrm>
-          <a:prstGeom prst="roundRect">
-            <a:avLst>
-              <a:gd name="adj" fmla="val 0"/>
-            </a:avLst>
-          </a:prstGeom>
-          <a:solidFill>
-            <a:schemeClr val="accent1"/>
-          </a:solidFill>
-          <a:ln>
-            <a:solidFill>
-              <a:schemeClr val="tx1">
-                <a:lumMod val="95000"/>
-                <a:lumOff val="5000"/>
-              </a:schemeClr>
-            </a:solidFill>
-          </a:ln>
-        </p:spPr>
-        <p:style>
-          <a:lnRef idx="2">
-            <a:schemeClr val="accent1">
-              <a:shade val="50000"/>
-            </a:schemeClr>
-          </a:lnRef>
-          <a:fillRef idx="1">
-            <a:schemeClr val="accent1"/>
-          </a:fillRef>
-          <a:effectRef idx="0">
-            <a:schemeClr val="accent1"/>
-          </a:effectRef>
-          <a:fontRef idx="minor">
-            <a:schemeClr val="lt1"/>
-          </a:fontRef>
-        </p:style>
-        <p:txBody>
-          <a:bodyPr rtlCol="0" anchor="ctr"/>
-          <a:lstStyle/>
-          <a:p>
-            <a:pPr algn="ctr"/>
-            <a:endParaRPr kumimoji="1" lang="ja-JP" altLang="en-US"/>
-          </a:p>
-        </p:txBody>
-      </p:sp>
-      <p:sp>
-        <p:nvSpPr>
           <p:cNvPr id="2" name="タイトル 1"/>
           <p:cNvSpPr>
             <a:spLocks noGrp="1"/>
@@ -6580,7 +6474,7 @@
       </p:sp>
       <p:pic>
         <p:nvPicPr>
-          <p:cNvPr id="28" name="図 27"/>
+          <p:cNvPr id="3" name="図 2"/>
           <p:cNvPicPr>
             <a:picLocks noChangeAspect="1"/>
           </p:cNvPicPr>
@@ -6594,13 +6488,13 @@
               </a:ext>
             </a:extLst>
           </a:blip>
-          <a:srcRect l="21700" t="27354" r="27083"/>
+          <a:srcRect l="-41" r="-1273"/>
           <a:stretch/>
         </p:blipFill>
         <p:spPr>
           <a:xfrm>
-            <a:off x="2761198" y="2398979"/>
-            <a:ext cx="1727527" cy="2450321"/>
+            <a:off x="207002" y="2575922"/>
+            <a:ext cx="5383369" cy="2993575"/>
           </a:xfrm>
           <a:prstGeom prst="rect">
             <a:avLst/>
@@ -6609,229 +6503,33 @@
       </p:pic>
       <p:pic>
         <p:nvPicPr>
-          <p:cNvPr id="49" name="図 48"/>
+          <p:cNvPr id="5" name="図 4"/>
           <p:cNvPicPr>
             <a:picLocks noChangeAspect="1"/>
           </p:cNvPicPr>
           <p:nvPr/>
         </p:nvPicPr>
         <p:blipFill rotWithShape="1">
-          <a:blip r:embed="rId3">
+          <a:blip r:embed="rId4">
             <a:extLst>
               <a:ext uri="{28A0092B-C50C-407E-A947-70E740481C1C}">
                 <a14:useLocalDpi xmlns:a14="http://schemas.microsoft.com/office/drawing/2010/main" val="0"/>
               </a:ext>
             </a:extLst>
           </a:blip>
-          <a:srcRect l="35135" t="51206" r="30422"/>
+          <a:srcRect l="10867" r="12868"/>
           <a:stretch/>
         </p:blipFill>
         <p:spPr>
           <a:xfrm>
-            <a:off x="302247" y="2662214"/>
-            <a:ext cx="2161309" cy="3061855"/>
+            <a:off x="5764696" y="2575922"/>
+            <a:ext cx="4068417" cy="3005397"/>
           </a:xfrm>
           <a:prstGeom prst="rect">
             <a:avLst/>
           </a:prstGeom>
         </p:spPr>
       </p:pic>
-      <p:pic>
-        <p:nvPicPr>
-          <p:cNvPr id="8" name="図 7"/>
-          <p:cNvPicPr>
-            <a:picLocks noChangeAspect="1"/>
-          </p:cNvPicPr>
-          <p:nvPr/>
-        </p:nvPicPr>
-        <p:blipFill>
-          <a:blip r:embed="rId4" cstate="print">
-            <a:extLst>
-              <a:ext uri="{28A0092B-C50C-407E-A947-70E740481C1C}">
-                <a14:useLocalDpi xmlns:a14="http://schemas.microsoft.com/office/drawing/2010/main" val="0"/>
-              </a:ext>
-            </a:extLst>
-          </a:blip>
-          <a:stretch>
-            <a:fillRect/>
-          </a:stretch>
-        </p:blipFill>
-        <p:spPr>
-          <a:xfrm rot="7577164">
-            <a:off x="955251" y="4113925"/>
-            <a:ext cx="1033913" cy="739830"/>
-          </a:xfrm>
-          <a:prstGeom prst="rect">
-            <a:avLst/>
-          </a:prstGeom>
-        </p:spPr>
-      </p:pic>
-      <p:pic>
-        <p:nvPicPr>
-          <p:cNvPr id="10" name="図 9"/>
-          <p:cNvPicPr>
-            <a:picLocks noChangeAspect="1"/>
-          </p:cNvPicPr>
-          <p:nvPr/>
-        </p:nvPicPr>
-        <p:blipFill>
-          <a:blip r:embed="rId5">
-            <a:extLst>
-              <a:ext uri="{28A0092B-C50C-407E-A947-70E740481C1C}">
-                <a14:useLocalDpi xmlns:a14="http://schemas.microsoft.com/office/drawing/2010/main" val="0"/>
-              </a:ext>
-            </a:extLst>
-          </a:blip>
-          <a:stretch>
-            <a:fillRect/>
-          </a:stretch>
-        </p:blipFill>
-        <p:spPr>
-          <a:xfrm>
-            <a:off x="3414827" y="3507869"/>
-            <a:ext cx="459447" cy="447815"/>
-          </a:xfrm>
-          <a:prstGeom prst="rect">
-            <a:avLst/>
-          </a:prstGeom>
-        </p:spPr>
-      </p:pic>
-      <p:pic>
-        <p:nvPicPr>
-          <p:cNvPr id="36" name="図 35"/>
-          <p:cNvPicPr>
-            <a:picLocks noChangeAspect="1"/>
-          </p:cNvPicPr>
-          <p:nvPr/>
-        </p:nvPicPr>
-        <p:blipFill rotWithShape="1">
-          <a:blip r:embed="rId3">
-            <a:extLst>
-              <a:ext uri="{28A0092B-C50C-407E-A947-70E740481C1C}">
-                <a14:useLocalDpi xmlns:a14="http://schemas.microsoft.com/office/drawing/2010/main" val="0"/>
-              </a:ext>
-            </a:extLst>
-          </a:blip>
-          <a:srcRect l="21700" t="27354" r="27083"/>
-          <a:stretch/>
-        </p:blipFill>
-        <p:spPr>
-          <a:xfrm>
-            <a:off x="7763946" y="2398979"/>
-            <a:ext cx="1727527" cy="2450321"/>
-          </a:xfrm>
-          <a:prstGeom prst="rect">
-            <a:avLst/>
-          </a:prstGeom>
-        </p:spPr>
-      </p:pic>
-      <p:pic>
-        <p:nvPicPr>
-          <p:cNvPr id="37" name="図 36"/>
-          <p:cNvPicPr>
-            <a:picLocks noChangeAspect="1"/>
-          </p:cNvPicPr>
-          <p:nvPr/>
-        </p:nvPicPr>
-        <p:blipFill rotWithShape="1">
-          <a:blip r:embed="rId3">
-            <a:extLst>
-              <a:ext uri="{28A0092B-C50C-407E-A947-70E740481C1C}">
-                <a14:useLocalDpi xmlns:a14="http://schemas.microsoft.com/office/drawing/2010/main" val="0"/>
-              </a:ext>
-            </a:extLst>
-          </a:blip>
-          <a:srcRect l="35135" t="51206" r="30422"/>
-          <a:stretch/>
-        </p:blipFill>
-        <p:spPr>
-          <a:xfrm>
-            <a:off x="5304995" y="2662214"/>
-            <a:ext cx="2161309" cy="3061855"/>
-          </a:xfrm>
-          <a:prstGeom prst="rect">
-            <a:avLst/>
-          </a:prstGeom>
-        </p:spPr>
-      </p:pic>
-      <p:pic>
-        <p:nvPicPr>
-          <p:cNvPr id="38" name="図 37"/>
-          <p:cNvPicPr>
-            <a:picLocks noChangeAspect="1"/>
-          </p:cNvPicPr>
-          <p:nvPr/>
-        </p:nvPicPr>
-        <p:blipFill>
-          <a:blip r:embed="rId6" cstate="print">
-            <a:extLst>
-              <a:ext uri="{28A0092B-C50C-407E-A947-70E740481C1C}">
-                <a14:useLocalDpi xmlns:a14="http://schemas.microsoft.com/office/drawing/2010/main" val="0"/>
-              </a:ext>
-            </a:extLst>
-          </a:blip>
-          <a:stretch>
-            <a:fillRect/>
-          </a:stretch>
-        </p:blipFill>
-        <p:spPr>
-          <a:xfrm rot="2859423" flipV="1">
-            <a:off x="8322302" y="3650034"/>
-            <a:ext cx="652671" cy="479482"/>
-          </a:xfrm>
-          <a:prstGeom prst="rect">
-            <a:avLst/>
-          </a:prstGeom>
-        </p:spPr>
-      </p:pic>
-      <p:sp>
-        <p:nvSpPr>
-          <p:cNvPr id="15" name="角丸四角形 14"/>
-          <p:cNvSpPr/>
-          <p:nvPr/>
-        </p:nvSpPr>
-        <p:spPr>
-          <a:xfrm rot="20603880">
-            <a:off x="6309888" y="4274819"/>
-            <a:ext cx="2360489" cy="45719"/>
-          </a:xfrm>
-          <a:prstGeom prst="roundRect">
-            <a:avLst/>
-          </a:prstGeom>
-          <a:solidFill>
-            <a:schemeClr val="bg1"/>
-          </a:solidFill>
-          <a:ln>
-            <a:solidFill>
-              <a:schemeClr val="tx1"/>
-            </a:solidFill>
-          </a:ln>
-        </p:spPr>
-        <p:style>
-          <a:lnRef idx="2">
-            <a:schemeClr val="accent1">
-              <a:shade val="50000"/>
-            </a:schemeClr>
-          </a:lnRef>
-          <a:fillRef idx="1">
-            <a:schemeClr val="accent1"/>
-          </a:fillRef>
-          <a:effectRef idx="0">
-            <a:schemeClr val="accent1"/>
-          </a:effectRef>
-          <a:fontRef idx="minor">
-            <a:schemeClr val="lt1"/>
-          </a:fontRef>
-        </p:style>
-        <p:txBody>
-          <a:bodyPr rtlCol="0" anchor="ctr"/>
-          <a:lstStyle/>
-          <a:p>
-            <a:pPr algn="ctr"/>
-            <a:endParaRPr kumimoji="1" lang="ja-JP" altLang="en-US"/>
-          </a:p>
-        </p:txBody>
-      </p:sp>
       <p:sp>
         <p:nvSpPr>
           <p:cNvPr id="26" name="右矢印 25"/>
@@ -6840,7 +6538,7 @@
         </p:nvSpPr>
         <p:spPr>
           <a:xfrm>
-            <a:off x="4676223" y="3974210"/>
+            <a:off x="5374294" y="3684299"/>
             <a:ext cx="606479" cy="776819"/>
           </a:xfrm>
           <a:prstGeom prst="rightArrow">
@@ -6883,78 +6581,6 @@
           <a:p>
             <a:pPr algn="ctr"/>
             <a:endParaRPr kumimoji="1" lang="ja-JP" altLang="en-US"/>
-          </a:p>
-        </p:txBody>
-      </p:sp>
-      <p:sp>
-        <p:nvSpPr>
-          <p:cNvPr id="45" name="テキスト ボックス 44"/>
-          <p:cNvSpPr txBox="1"/>
-          <p:nvPr/>
-        </p:nvSpPr>
-        <p:spPr>
-          <a:xfrm>
-            <a:off x="1558591" y="4193141"/>
-            <a:ext cx="2278470" cy="369332"/>
-          </a:xfrm>
-          <a:prstGeom prst="rect">
-            <a:avLst/>
-          </a:prstGeom>
-          <a:noFill/>
-        </p:spPr>
-        <p:txBody>
-          <a:bodyPr wrap="square" rtlCol="0">
-            <a:spAutoFit/>
-          </a:bodyPr>
-          <a:lstStyle/>
-          <a:p>
-            <a:r>
-              <a:rPr kumimoji="1" lang="ja-JP" altLang="en-US" b="1" dirty="0" smtClean="0">
-                <a:latin typeface="メイリオ" panose="020B0604030504040204" pitchFamily="50" charset="-128"/>
-                <a:ea typeface="メイリオ" panose="020B0604030504040204" pitchFamily="50" charset="-128"/>
-              </a:rPr>
-              <a:t>ジャンプ時の画像</a:t>
-            </a:r>
-            <a:endParaRPr kumimoji="1" lang="ja-JP" altLang="en-US" b="1" dirty="0">
-              <a:latin typeface="メイリオ" panose="020B0604030504040204" pitchFamily="50" charset="-128"/>
-              <a:ea typeface="メイリオ" panose="020B0604030504040204" pitchFamily="50" charset="-128"/>
-            </a:endParaRPr>
-          </a:p>
-        </p:txBody>
-      </p:sp>
-      <p:sp>
-        <p:nvSpPr>
-          <p:cNvPr id="17" name="テキスト ボックス 16"/>
-          <p:cNvSpPr txBox="1"/>
-          <p:nvPr/>
-        </p:nvSpPr>
-        <p:spPr>
-          <a:xfrm>
-            <a:off x="6549983" y="4272093"/>
-            <a:ext cx="2278470" cy="369332"/>
-          </a:xfrm>
-          <a:prstGeom prst="rect">
-            <a:avLst/>
-          </a:prstGeom>
-          <a:noFill/>
-        </p:spPr>
-        <p:txBody>
-          <a:bodyPr wrap="square" rtlCol="0">
-            <a:spAutoFit/>
-          </a:bodyPr>
-          <a:lstStyle/>
-          <a:p>
-            <a:r>
-              <a:rPr kumimoji="1" lang="ja-JP" altLang="en-US" b="1" dirty="0" smtClean="0">
-                <a:latin typeface="メイリオ" panose="020B0604030504040204" pitchFamily="50" charset="-128"/>
-                <a:ea typeface="メイリオ" panose="020B0604030504040204" pitchFamily="50" charset="-128"/>
-              </a:rPr>
-              <a:t>ジャンプ時の画像</a:t>
-            </a:r>
-            <a:endParaRPr kumimoji="1" lang="ja-JP" altLang="en-US" b="1" dirty="0">
-              <a:latin typeface="メイリオ" panose="020B0604030504040204" pitchFamily="50" charset="-128"/>
-              <a:ea typeface="メイリオ" panose="020B0604030504040204" pitchFamily="50" charset="-128"/>
-            </a:endParaRPr>
           </a:p>
         </p:txBody>
       </p:sp>
@@ -6997,59 +6623,6 @@
       </p:grpSpPr>
       <p:sp>
         <p:nvSpPr>
-          <p:cNvPr id="44" name="角丸四角形 43"/>
-          <p:cNvSpPr/>
-          <p:nvPr/>
-        </p:nvSpPr>
-        <p:spPr>
-          <a:xfrm>
-            <a:off x="5157973" y="2319934"/>
-            <a:ext cx="4440069" cy="3741837"/>
-          </a:xfrm>
-          <a:prstGeom prst="roundRect">
-            <a:avLst>
-              <a:gd name="adj" fmla="val 0"/>
-            </a:avLst>
-          </a:prstGeom>
-          <a:solidFill>
-            <a:schemeClr val="accent1"/>
-          </a:solidFill>
-          <a:ln>
-            <a:solidFill>
-              <a:schemeClr val="tx1">
-                <a:lumMod val="95000"/>
-                <a:lumOff val="5000"/>
-              </a:schemeClr>
-            </a:solidFill>
-          </a:ln>
-        </p:spPr>
-        <p:style>
-          <a:lnRef idx="2">
-            <a:schemeClr val="accent1">
-              <a:shade val="50000"/>
-            </a:schemeClr>
-          </a:lnRef>
-          <a:fillRef idx="1">
-            <a:schemeClr val="accent1"/>
-          </a:fillRef>
-          <a:effectRef idx="0">
-            <a:schemeClr val="accent1"/>
-          </a:effectRef>
-          <a:fontRef idx="minor">
-            <a:schemeClr val="lt1"/>
-          </a:fontRef>
-        </p:style>
-        <p:txBody>
-          <a:bodyPr rtlCol="0" anchor="ctr"/>
-          <a:lstStyle/>
-          <a:p>
-            <a:pPr algn="ctr"/>
-            <a:endParaRPr kumimoji="1" lang="ja-JP" altLang="en-US"/>
-          </a:p>
-        </p:txBody>
-      </p:sp>
-      <p:sp>
-        <p:nvSpPr>
           <p:cNvPr id="2" name="タイトル 1"/>
           <p:cNvSpPr>
             <a:spLocks noGrp="1"/>
@@ -7071,34 +6644,13 @@
           <a:lstStyle/>
           <a:p>
             <a:r>
-              <a:rPr lang="ja-JP" altLang="en-US" sz="4388" dirty="0" smtClean="0">
+              <a:rPr lang="ja-JP" altLang="en-US" sz="4800" dirty="0" smtClean="0">
                 <a:latin typeface="HGS創英角ｺﾞｼｯｸUB" panose="020B0900000000000000" pitchFamily="50" charset="-128"/>
                 <a:ea typeface="HGS創英角ｺﾞｼｯｸUB" panose="020B0900000000000000" pitchFamily="50" charset="-128"/>
               </a:rPr>
-              <a:t>ゲームシステム</a:t>
-            </a:r>
-            <a:r>
-              <a:rPr lang="en-US" altLang="ja-JP" sz="4388" dirty="0" smtClean="0">
-                <a:latin typeface="HGS創英角ｺﾞｼｯｸUB" panose="020B0900000000000000" pitchFamily="50" charset="-128"/>
-                <a:ea typeface="HGS創英角ｺﾞｼｯｸUB" panose="020B0900000000000000" pitchFamily="50" charset="-128"/>
-              </a:rPr>
-              <a:t>(</a:t>
-            </a:r>
-            <a:r>
-              <a:rPr lang="ja-JP" altLang="en-US" sz="4388" dirty="0" smtClean="0">
-                <a:latin typeface="HGS創英角ｺﾞｼｯｸUB" panose="020B0900000000000000" pitchFamily="50" charset="-128"/>
-                <a:ea typeface="HGS創英角ｺﾞｼｯｸUB" panose="020B0900000000000000" pitchFamily="50" charset="-128"/>
-              </a:rPr>
-              <a:t>トラップ</a:t>
-            </a:r>
-            <a:r>
-              <a:rPr lang="en-US" altLang="ja-JP" sz="4388" dirty="0" smtClean="0">
-                <a:latin typeface="HGS創英角ｺﾞｼｯｸUB" panose="020B0900000000000000" pitchFamily="50" charset="-128"/>
-                <a:ea typeface="HGS創英角ｺﾞｼｯｸUB" panose="020B0900000000000000" pitchFamily="50" charset="-128"/>
-              </a:rPr>
-              <a:t>)</a:t>
-            </a:r>
-            <a:endParaRPr lang="ja-JP" altLang="en-US" sz="4388" dirty="0">
+              <a:t>糸のトラップ</a:t>
+            </a:r>
+            <a:endParaRPr lang="ja-JP" altLang="en-US" sz="4800" dirty="0">
               <a:latin typeface="HGS創英角ｺﾞｼｯｸUB" panose="020B0900000000000000" pitchFamily="50" charset="-128"/>
               <a:ea typeface="HGS創英角ｺﾞｼｯｸUB" panose="020B0900000000000000" pitchFamily="50" charset="-128"/>
             </a:endParaRPr>
@@ -7210,62 +6762,39 @@
           </a:p>
         </p:txBody>
       </p:sp>
-      <p:sp>
-        <p:nvSpPr>
-          <p:cNvPr id="12" name="角丸四角形 11"/>
-          <p:cNvSpPr/>
-          <p:nvPr/>
-        </p:nvSpPr>
-        <p:spPr>
-          <a:xfrm>
-            <a:off x="128773" y="2345334"/>
-            <a:ext cx="4440069" cy="3741837"/>
-          </a:xfrm>
-          <a:prstGeom prst="roundRect">
-            <a:avLst>
-              <a:gd name="adj" fmla="val 0"/>
-            </a:avLst>
-          </a:prstGeom>
-          <a:solidFill>
-            <a:schemeClr val="accent1"/>
-          </a:solidFill>
-          <a:ln>
-            <a:solidFill>
-              <a:schemeClr val="tx1">
-                <a:lumMod val="95000"/>
-                <a:lumOff val="5000"/>
-              </a:schemeClr>
-            </a:solidFill>
-          </a:ln>
-        </p:spPr>
-        <p:style>
-          <a:lnRef idx="2">
-            <a:schemeClr val="accent1">
-              <a:shade val="50000"/>
-            </a:schemeClr>
-          </a:lnRef>
-          <a:fillRef idx="1">
-            <a:schemeClr val="accent1"/>
-          </a:fillRef>
-          <a:effectRef idx="0">
-            <a:schemeClr val="accent1"/>
-          </a:effectRef>
-          <a:fontRef idx="minor">
-            <a:schemeClr val="lt1"/>
-          </a:fontRef>
-        </p:style>
-        <p:txBody>
-          <a:bodyPr rtlCol="0" anchor="ctr"/>
-          <a:lstStyle/>
-          <a:p>
-            <a:pPr algn="ctr"/>
-            <a:endParaRPr kumimoji="1" lang="ja-JP" altLang="en-US"/>
-          </a:p>
-        </p:txBody>
-      </p:sp>
       <p:pic>
         <p:nvPicPr>
-          <p:cNvPr id="18" name="図 17"/>
+          <p:cNvPr id="5" name="図 4"/>
+          <p:cNvPicPr>
+            <a:picLocks noChangeAspect="1"/>
+          </p:cNvPicPr>
+          <p:nvPr/>
+        </p:nvPicPr>
+        <p:blipFill>
+          <a:blip r:embed="rId3">
+            <a:extLst>
+              <a:ext uri="{28A0092B-C50C-407E-A947-70E740481C1C}">
+                <a14:useLocalDpi xmlns:a14="http://schemas.microsoft.com/office/drawing/2010/main" val="0"/>
+              </a:ext>
+            </a:extLst>
+          </a:blip>
+          <a:stretch>
+            <a:fillRect/>
+          </a:stretch>
+        </p:blipFill>
+        <p:spPr>
+          <a:xfrm>
+            <a:off x="3534354" y="3044920"/>
+            <a:ext cx="6175764" cy="3479304"/>
+          </a:xfrm>
+          <a:prstGeom prst="rect">
+            <a:avLst/>
+          </a:prstGeom>
+        </p:spPr>
+      </p:pic>
+      <p:pic>
+        <p:nvPicPr>
+          <p:cNvPr id="31" name="図 30"/>
           <p:cNvPicPr>
             <a:picLocks noChangeAspect="1"/>
           </p:cNvPicPr>
@@ -7279,736 +6808,19 @@
               </a:ext>
             </a:extLst>
           </a:blip>
-          <a:srcRect l="21700" t="49284" r="39907"/>
+          <a:srcRect l="9721" t="40351" r="52513" b="10895"/>
           <a:stretch/>
         </p:blipFill>
         <p:spPr>
           <a:xfrm>
-            <a:off x="3077640" y="2702275"/>
-            <a:ext cx="1491202" cy="1969855"/>
+            <a:off x="2385391" y="3193774"/>
+            <a:ext cx="2332383" cy="1696278"/>
           </a:xfrm>
           <a:prstGeom prst="rect">
             <a:avLst/>
           </a:prstGeom>
         </p:spPr>
       </p:pic>
-      <p:sp>
-        <p:nvSpPr>
-          <p:cNvPr id="14" name="角丸四角形 13"/>
-          <p:cNvSpPr/>
-          <p:nvPr/>
-        </p:nvSpPr>
-        <p:spPr>
-          <a:xfrm rot="19815626">
-            <a:off x="673858" y="4639325"/>
-            <a:ext cx="3738634" cy="138058"/>
-          </a:xfrm>
-          <a:prstGeom prst="roundRect">
-            <a:avLst/>
-          </a:prstGeom>
-          <a:solidFill>
-            <a:schemeClr val="accent1">
-              <a:lumMod val="60000"/>
-              <a:lumOff val="40000"/>
-            </a:schemeClr>
-          </a:solidFill>
-          <a:ln>
-            <a:solidFill>
-              <a:schemeClr val="tx1"/>
-            </a:solidFill>
-          </a:ln>
-        </p:spPr>
-        <p:style>
-          <a:lnRef idx="2">
-            <a:schemeClr val="accent1">
-              <a:shade val="50000"/>
-            </a:schemeClr>
-          </a:lnRef>
-          <a:fillRef idx="1">
-            <a:schemeClr val="accent1"/>
-          </a:fillRef>
-          <a:effectRef idx="0">
-            <a:schemeClr val="accent1"/>
-          </a:effectRef>
-          <a:fontRef idx="minor">
-            <a:schemeClr val="lt1"/>
-          </a:fontRef>
-        </p:style>
-        <p:txBody>
-          <a:bodyPr rtlCol="0" anchor="ctr"/>
-          <a:lstStyle/>
-          <a:p>
-            <a:pPr algn="ctr"/>
-            <a:endParaRPr kumimoji="1" lang="ja-JP" altLang="en-US"/>
-          </a:p>
-        </p:txBody>
-      </p:sp>
-      <p:pic>
-        <p:nvPicPr>
-          <p:cNvPr id="20" name="図 19"/>
-          <p:cNvPicPr>
-            <a:picLocks noChangeAspect="1"/>
-          </p:cNvPicPr>
-          <p:nvPr/>
-        </p:nvPicPr>
-        <p:blipFill rotWithShape="1">
-          <a:blip r:embed="rId3">
-            <a:extLst>
-              <a:ext uri="{28A0092B-C50C-407E-A947-70E740481C1C}">
-                <a14:useLocalDpi xmlns:a14="http://schemas.microsoft.com/office/drawing/2010/main" val="0"/>
-              </a:ext>
-            </a:extLst>
-          </a:blip>
-          <a:srcRect l="31234" t="49448" r="21094" b="15730"/>
-          <a:stretch/>
-        </p:blipFill>
-        <p:spPr>
-          <a:xfrm>
-            <a:off x="133350" y="4720936"/>
-            <a:ext cx="1851597" cy="1352550"/>
-          </a:xfrm>
-          <a:prstGeom prst="rect">
-            <a:avLst/>
-          </a:prstGeom>
-        </p:spPr>
-      </p:pic>
-      <p:sp>
-        <p:nvSpPr>
-          <p:cNvPr id="21" name="角丸四角形 20"/>
-          <p:cNvSpPr/>
-          <p:nvPr/>
-        </p:nvSpPr>
-        <p:spPr>
-          <a:xfrm rot="989341">
-            <a:off x="630501" y="3214071"/>
-            <a:ext cx="3738634" cy="138058"/>
-          </a:xfrm>
-          <a:prstGeom prst="roundRect">
-            <a:avLst/>
-          </a:prstGeom>
-          <a:solidFill>
-            <a:schemeClr val="accent1">
-              <a:lumMod val="60000"/>
-              <a:lumOff val="40000"/>
-            </a:schemeClr>
-          </a:solidFill>
-          <a:ln>
-            <a:solidFill>
-              <a:schemeClr val="tx1"/>
-            </a:solidFill>
-          </a:ln>
-        </p:spPr>
-        <p:style>
-          <a:lnRef idx="2">
-            <a:schemeClr val="accent1">
-              <a:shade val="50000"/>
-            </a:schemeClr>
-          </a:lnRef>
-          <a:fillRef idx="1">
-            <a:schemeClr val="accent1"/>
-          </a:fillRef>
-          <a:effectRef idx="0">
-            <a:schemeClr val="accent1"/>
-          </a:effectRef>
-          <a:fontRef idx="minor">
-            <a:schemeClr val="lt1"/>
-          </a:fontRef>
-        </p:style>
-        <p:txBody>
-          <a:bodyPr rtlCol="0" anchor="ctr"/>
-          <a:lstStyle/>
-          <a:p>
-            <a:pPr algn="ctr"/>
-            <a:endParaRPr kumimoji="1" lang="ja-JP" altLang="en-US"/>
-          </a:p>
-        </p:txBody>
-      </p:sp>
-      <p:pic>
-        <p:nvPicPr>
-          <p:cNvPr id="22" name="図 21"/>
-          <p:cNvPicPr>
-            <a:picLocks noChangeAspect="1"/>
-          </p:cNvPicPr>
-          <p:nvPr/>
-        </p:nvPicPr>
-        <p:blipFill rotWithShape="1">
-          <a:blip r:embed="rId3">
-            <a:extLst>
-              <a:ext uri="{28A0092B-C50C-407E-A947-70E740481C1C}">
-                <a14:useLocalDpi xmlns:a14="http://schemas.microsoft.com/office/drawing/2010/main" val="0"/>
-              </a:ext>
-            </a:extLst>
-          </a:blip>
-          <a:srcRect l="21700" t="49284" r="39907"/>
-          <a:stretch/>
-        </p:blipFill>
-        <p:spPr>
-          <a:xfrm>
-            <a:off x="8102263" y="2678425"/>
-            <a:ext cx="1491202" cy="1969855"/>
-          </a:xfrm>
-          <a:prstGeom prst="rect">
-            <a:avLst/>
-          </a:prstGeom>
-        </p:spPr>
-      </p:pic>
-      <p:sp>
-        <p:nvSpPr>
-          <p:cNvPr id="23" name="角丸四角形 22"/>
-          <p:cNvSpPr/>
-          <p:nvPr/>
-        </p:nvSpPr>
-        <p:spPr>
-          <a:xfrm rot="19815626">
-            <a:off x="5698481" y="4615475"/>
-            <a:ext cx="3738634" cy="138058"/>
-          </a:xfrm>
-          <a:prstGeom prst="roundRect">
-            <a:avLst/>
-          </a:prstGeom>
-          <a:solidFill>
-            <a:schemeClr val="accent1">
-              <a:lumMod val="60000"/>
-              <a:lumOff val="40000"/>
-            </a:schemeClr>
-          </a:solidFill>
-          <a:ln>
-            <a:solidFill>
-              <a:schemeClr val="tx1"/>
-            </a:solidFill>
-          </a:ln>
-        </p:spPr>
-        <p:style>
-          <a:lnRef idx="2">
-            <a:schemeClr val="accent1">
-              <a:shade val="50000"/>
-            </a:schemeClr>
-          </a:lnRef>
-          <a:fillRef idx="1">
-            <a:schemeClr val="accent1"/>
-          </a:fillRef>
-          <a:effectRef idx="0">
-            <a:schemeClr val="accent1"/>
-          </a:effectRef>
-          <a:fontRef idx="minor">
-            <a:schemeClr val="lt1"/>
-          </a:fontRef>
-        </p:style>
-        <p:txBody>
-          <a:bodyPr rtlCol="0" anchor="ctr"/>
-          <a:lstStyle/>
-          <a:p>
-            <a:pPr algn="ctr"/>
-            <a:endParaRPr kumimoji="1" lang="ja-JP" altLang="en-US"/>
-          </a:p>
-        </p:txBody>
-      </p:sp>
-      <p:pic>
-        <p:nvPicPr>
-          <p:cNvPr id="24" name="図 23"/>
-          <p:cNvPicPr>
-            <a:picLocks noChangeAspect="1"/>
-          </p:cNvPicPr>
-          <p:nvPr/>
-        </p:nvPicPr>
-        <p:blipFill rotWithShape="1">
-          <a:blip r:embed="rId3">
-            <a:extLst>
-              <a:ext uri="{28A0092B-C50C-407E-A947-70E740481C1C}">
-                <a14:useLocalDpi xmlns:a14="http://schemas.microsoft.com/office/drawing/2010/main" val="0"/>
-              </a:ext>
-            </a:extLst>
-          </a:blip>
-          <a:srcRect l="31234" t="49448" r="21094" b="15730"/>
-          <a:stretch/>
-        </p:blipFill>
-        <p:spPr>
-          <a:xfrm>
-            <a:off x="5157973" y="4697086"/>
-            <a:ext cx="1851597" cy="1352550"/>
-          </a:xfrm>
-          <a:prstGeom prst="rect">
-            <a:avLst/>
-          </a:prstGeom>
-        </p:spPr>
-      </p:pic>
-      <p:sp>
-        <p:nvSpPr>
-          <p:cNvPr id="25" name="角丸四角形 24"/>
-          <p:cNvSpPr/>
-          <p:nvPr/>
-        </p:nvSpPr>
-        <p:spPr>
-          <a:xfrm rot="989341">
-            <a:off x="5219424" y="3152799"/>
-            <a:ext cx="4179756" cy="112349"/>
-          </a:xfrm>
-          <a:prstGeom prst="roundRect">
-            <a:avLst/>
-          </a:prstGeom>
-          <a:solidFill>
-            <a:schemeClr val="accent1">
-              <a:lumMod val="60000"/>
-              <a:lumOff val="40000"/>
-            </a:schemeClr>
-          </a:solidFill>
-          <a:ln>
-            <a:solidFill>
-              <a:schemeClr val="tx1"/>
-            </a:solidFill>
-          </a:ln>
-        </p:spPr>
-        <p:style>
-          <a:lnRef idx="2">
-            <a:schemeClr val="accent1">
-              <a:shade val="50000"/>
-            </a:schemeClr>
-          </a:lnRef>
-          <a:fillRef idx="1">
-            <a:schemeClr val="accent1"/>
-          </a:fillRef>
-          <a:effectRef idx="0">
-            <a:schemeClr val="accent1"/>
-          </a:effectRef>
-          <a:fontRef idx="minor">
-            <a:schemeClr val="lt1"/>
-          </a:fontRef>
-        </p:style>
-        <p:txBody>
-          <a:bodyPr rtlCol="0" anchor="ctr"/>
-          <a:lstStyle/>
-          <a:p>
-            <a:pPr algn="ctr"/>
-            <a:endParaRPr kumimoji="1" lang="ja-JP" altLang="en-US"/>
-          </a:p>
-        </p:txBody>
-      </p:sp>
-      <p:sp>
-        <p:nvSpPr>
-          <p:cNvPr id="3" name="爆発 2 2"/>
-          <p:cNvSpPr/>
-          <p:nvPr/>
-        </p:nvSpPr>
-        <p:spPr>
-          <a:xfrm rot="1101274">
-            <a:off x="6552340" y="3635031"/>
-            <a:ext cx="1515159" cy="1883910"/>
-          </a:xfrm>
-          <a:prstGeom prst="irregularSeal2">
-            <a:avLst/>
-          </a:prstGeom>
-          <a:solidFill>
-            <a:srgbClr val="FFFF00"/>
-          </a:solidFill>
-          <a:ln>
-            <a:solidFill>
-              <a:srgbClr val="FF0000"/>
-            </a:solidFill>
-          </a:ln>
-        </p:spPr>
-        <p:style>
-          <a:lnRef idx="2">
-            <a:schemeClr val="accent1">
-              <a:shade val="50000"/>
-            </a:schemeClr>
-          </a:lnRef>
-          <a:fillRef idx="1">
-            <a:schemeClr val="accent1"/>
-          </a:fillRef>
-          <a:effectRef idx="0">
-            <a:schemeClr val="accent1"/>
-          </a:effectRef>
-          <a:fontRef idx="minor">
-            <a:schemeClr val="lt1"/>
-          </a:fontRef>
-        </p:style>
-        <p:txBody>
-          <a:bodyPr rtlCol="0" anchor="ctr"/>
-          <a:lstStyle/>
-          <a:p>
-            <a:pPr algn="ctr"/>
-            <a:endParaRPr kumimoji="1" lang="ja-JP" altLang="en-US"/>
-          </a:p>
-        </p:txBody>
-      </p:sp>
-      <p:sp>
-        <p:nvSpPr>
-          <p:cNvPr id="34" name="角丸四角形 33"/>
-          <p:cNvSpPr/>
-          <p:nvPr/>
-        </p:nvSpPr>
-        <p:spPr>
-          <a:xfrm rot="763634">
-            <a:off x="5151261" y="4343103"/>
-            <a:ext cx="2360489" cy="45719"/>
-          </a:xfrm>
-          <a:prstGeom prst="roundRect">
-            <a:avLst/>
-          </a:prstGeom>
-          <a:solidFill>
-            <a:srgbClr val="FF0000"/>
-          </a:solidFill>
-          <a:ln>
-            <a:solidFill>
-              <a:schemeClr val="tx1"/>
-            </a:solidFill>
-          </a:ln>
-        </p:spPr>
-        <p:style>
-          <a:lnRef idx="2">
-            <a:schemeClr val="accent1">
-              <a:shade val="50000"/>
-            </a:schemeClr>
-          </a:lnRef>
-          <a:fillRef idx="1">
-            <a:schemeClr val="accent1"/>
-          </a:fillRef>
-          <a:effectRef idx="0">
-            <a:schemeClr val="accent1"/>
-          </a:effectRef>
-          <a:fontRef idx="minor">
-            <a:schemeClr val="lt1"/>
-          </a:fontRef>
-        </p:style>
-        <p:txBody>
-          <a:bodyPr rtlCol="0" anchor="ctr"/>
-          <a:lstStyle/>
-          <a:p>
-            <a:pPr algn="ctr"/>
-            <a:endParaRPr kumimoji="1" lang="ja-JP" altLang="en-US"/>
-          </a:p>
-        </p:txBody>
-      </p:sp>
-      <p:pic>
-        <p:nvPicPr>
-          <p:cNvPr id="37" name="図 36"/>
-          <p:cNvPicPr>
-            <a:picLocks noChangeAspect="1"/>
-          </p:cNvPicPr>
-          <p:nvPr/>
-        </p:nvPicPr>
-        <p:blipFill>
-          <a:blip r:embed="rId4" cstate="print">
-            <a:extLst>
-              <a:ext uri="{28A0092B-C50C-407E-A947-70E740481C1C}">
-                <a14:useLocalDpi xmlns:a14="http://schemas.microsoft.com/office/drawing/2010/main" val="0"/>
-              </a:ext>
-            </a:extLst>
-          </a:blip>
-          <a:stretch>
-            <a:fillRect/>
-          </a:stretch>
-        </p:blipFill>
-        <p:spPr>
-          <a:xfrm rot="20183335" flipH="1">
-            <a:off x="6762061" y="4270275"/>
-            <a:ext cx="1032526" cy="756011"/>
-          </a:xfrm>
-          <a:prstGeom prst="rect">
-            <a:avLst/>
-          </a:prstGeom>
-        </p:spPr>
-      </p:pic>
-      <p:sp>
-        <p:nvSpPr>
-          <p:cNvPr id="39" name="十字形 38"/>
-          <p:cNvSpPr/>
-          <p:nvPr/>
-        </p:nvSpPr>
-        <p:spPr>
-          <a:xfrm>
-            <a:off x="7309221" y="4671988"/>
-            <a:ext cx="160587" cy="164455"/>
-          </a:xfrm>
-          <a:prstGeom prst="plus">
-            <a:avLst>
-              <a:gd name="adj" fmla="val 40225"/>
-            </a:avLst>
-          </a:prstGeom>
-          <a:solidFill>
-            <a:schemeClr val="bg1"/>
-          </a:solidFill>
-          <a:ln>
-            <a:noFill/>
-          </a:ln>
-        </p:spPr>
-        <p:style>
-          <a:lnRef idx="2">
-            <a:schemeClr val="accent1">
-              <a:shade val="50000"/>
-            </a:schemeClr>
-          </a:lnRef>
-          <a:fillRef idx="1">
-            <a:schemeClr val="accent1"/>
-          </a:fillRef>
-          <a:effectRef idx="0">
-            <a:schemeClr val="accent1"/>
-          </a:effectRef>
-          <a:fontRef idx="minor">
-            <a:schemeClr val="lt1"/>
-          </a:fontRef>
-        </p:style>
-        <p:txBody>
-          <a:bodyPr rtlCol="0" anchor="ctr"/>
-          <a:lstStyle/>
-          <a:p>
-            <a:pPr algn="ctr"/>
-            <a:endParaRPr kumimoji="1" lang="ja-JP" altLang="en-US"/>
-          </a:p>
-        </p:txBody>
-      </p:sp>
-      <p:sp>
-        <p:nvSpPr>
-          <p:cNvPr id="40" name="十字形 39"/>
-          <p:cNvSpPr/>
-          <p:nvPr/>
-        </p:nvSpPr>
-        <p:spPr>
-          <a:xfrm>
-            <a:off x="7454398" y="4566052"/>
-            <a:ext cx="160587" cy="164455"/>
-          </a:xfrm>
-          <a:prstGeom prst="plus">
-            <a:avLst>
-              <a:gd name="adj" fmla="val 40225"/>
-            </a:avLst>
-          </a:prstGeom>
-          <a:solidFill>
-            <a:schemeClr val="bg1"/>
-          </a:solidFill>
-          <a:ln>
-            <a:noFill/>
-          </a:ln>
-        </p:spPr>
-        <p:style>
-          <a:lnRef idx="2">
-            <a:schemeClr val="accent1">
-              <a:shade val="50000"/>
-            </a:schemeClr>
-          </a:lnRef>
-          <a:fillRef idx="1">
-            <a:schemeClr val="accent1"/>
-          </a:fillRef>
-          <a:effectRef idx="0">
-            <a:schemeClr val="accent1"/>
-          </a:effectRef>
-          <a:fontRef idx="minor">
-            <a:schemeClr val="lt1"/>
-          </a:fontRef>
-        </p:style>
-        <p:txBody>
-          <a:bodyPr rtlCol="0" anchor="ctr"/>
-          <a:lstStyle/>
-          <a:p>
-            <a:pPr algn="ctr"/>
-            <a:endParaRPr kumimoji="1" lang="ja-JP" altLang="en-US"/>
-          </a:p>
-        </p:txBody>
-      </p:sp>
-      <p:sp>
-        <p:nvSpPr>
-          <p:cNvPr id="28" name="角丸四角形 27"/>
-          <p:cNvSpPr/>
-          <p:nvPr/>
-        </p:nvSpPr>
-        <p:spPr>
-          <a:xfrm rot="763634" flipV="1">
-            <a:off x="141232" y="4130905"/>
-            <a:ext cx="1138064" cy="45719"/>
-          </a:xfrm>
-          <a:prstGeom prst="roundRect">
-            <a:avLst/>
-          </a:prstGeom>
-          <a:solidFill>
-            <a:srgbClr val="FF0000"/>
-          </a:solidFill>
-          <a:ln>
-            <a:solidFill>
-              <a:schemeClr val="tx1"/>
-            </a:solidFill>
-          </a:ln>
-        </p:spPr>
-        <p:style>
-          <a:lnRef idx="2">
-            <a:schemeClr val="accent1">
-              <a:shade val="50000"/>
-            </a:schemeClr>
-          </a:lnRef>
-          <a:fillRef idx="1">
-            <a:schemeClr val="accent1"/>
-          </a:fillRef>
-          <a:effectRef idx="0">
-            <a:schemeClr val="accent1"/>
-          </a:effectRef>
-          <a:fontRef idx="minor">
-            <a:schemeClr val="lt1"/>
-          </a:fontRef>
-        </p:style>
-        <p:txBody>
-          <a:bodyPr rtlCol="0" anchor="ctr"/>
-          <a:lstStyle/>
-          <a:p>
-            <a:pPr algn="ctr"/>
-            <a:endParaRPr kumimoji="1" lang="ja-JP" altLang="en-US"/>
-          </a:p>
-        </p:txBody>
-      </p:sp>
-      <p:pic>
-        <p:nvPicPr>
-          <p:cNvPr id="29" name="図 28"/>
-          <p:cNvPicPr>
-            <a:picLocks noChangeAspect="1"/>
-          </p:cNvPicPr>
-          <p:nvPr/>
-        </p:nvPicPr>
-        <p:blipFill>
-          <a:blip r:embed="rId4" cstate="print">
-            <a:extLst>
-              <a:ext uri="{28A0092B-C50C-407E-A947-70E740481C1C}">
-                <a14:useLocalDpi xmlns:a14="http://schemas.microsoft.com/office/drawing/2010/main" val="0"/>
-              </a:ext>
-            </a:extLst>
-          </a:blip>
-          <a:stretch>
-            <a:fillRect/>
-          </a:stretch>
-        </p:blipFill>
-        <p:spPr>
-          <a:xfrm rot="20183335" flipH="1">
-            <a:off x="554697" y="3878825"/>
-            <a:ext cx="1032526" cy="756011"/>
-          </a:xfrm>
-          <a:prstGeom prst="rect">
-            <a:avLst/>
-          </a:prstGeom>
-        </p:spPr>
-      </p:pic>
-      <p:sp>
-        <p:nvSpPr>
-          <p:cNvPr id="30" name="右矢印 29"/>
-          <p:cNvSpPr/>
-          <p:nvPr/>
-        </p:nvSpPr>
-        <p:spPr>
-          <a:xfrm>
-            <a:off x="4578766" y="3865973"/>
-            <a:ext cx="606479" cy="776819"/>
-          </a:xfrm>
-          <a:prstGeom prst="rightArrow">
-            <a:avLst>
-              <a:gd name="adj1" fmla="val 50000"/>
-              <a:gd name="adj2" fmla="val 62000"/>
-            </a:avLst>
-          </a:prstGeom>
-          <a:solidFill>
-            <a:srgbClr val="FFFF00"/>
-          </a:solidFill>
-          <a:ln>
-            <a:solidFill>
-              <a:schemeClr val="tx1">
-                <a:lumMod val="75000"/>
-                <a:lumOff val="25000"/>
-              </a:schemeClr>
-            </a:solidFill>
-          </a:ln>
-        </p:spPr>
-        <p:style>
-          <a:lnRef idx="2">
-            <a:schemeClr val="accent1">
-              <a:shade val="50000"/>
-            </a:schemeClr>
-          </a:lnRef>
-          <a:fillRef idx="1">
-            <a:schemeClr val="accent1"/>
-          </a:fillRef>
-          <a:effectRef idx="0">
-            <a:schemeClr val="accent1"/>
-          </a:effectRef>
-          <a:fontRef idx="minor">
-            <a:schemeClr val="lt1"/>
-          </a:fontRef>
-        </p:style>
-        <p:txBody>
-          <a:bodyPr rtlCol="0" anchor="ctr"/>
-          <a:lstStyle/>
-          <a:p>
-            <a:pPr algn="ctr"/>
-            <a:endParaRPr kumimoji="1" lang="ja-JP" altLang="en-US"/>
-          </a:p>
-        </p:txBody>
-      </p:sp>
-      <p:sp>
-        <p:nvSpPr>
-          <p:cNvPr id="26" name="テキスト ボックス 25"/>
-          <p:cNvSpPr txBox="1"/>
-          <p:nvPr/>
-        </p:nvSpPr>
-        <p:spPr>
-          <a:xfrm>
-            <a:off x="1558591" y="4193141"/>
-            <a:ext cx="2278470" cy="369332"/>
-          </a:xfrm>
-          <a:prstGeom prst="rect">
-            <a:avLst/>
-          </a:prstGeom>
-          <a:noFill/>
-        </p:spPr>
-        <p:txBody>
-          <a:bodyPr wrap="square" rtlCol="0">
-            <a:spAutoFit/>
-          </a:bodyPr>
-          <a:lstStyle/>
-          <a:p>
-            <a:r>
-              <a:rPr kumimoji="1" lang="ja-JP" altLang="en-US" b="1" dirty="0" smtClean="0">
-                <a:latin typeface="メイリオ" panose="020B0604030504040204" pitchFamily="50" charset="-128"/>
-                <a:ea typeface="メイリオ" panose="020B0604030504040204" pitchFamily="50" charset="-128"/>
-              </a:rPr>
-              <a:t>罠にかかる画像</a:t>
-            </a:r>
-            <a:endParaRPr kumimoji="1" lang="ja-JP" altLang="en-US" b="1" dirty="0">
-              <a:latin typeface="メイリオ" panose="020B0604030504040204" pitchFamily="50" charset="-128"/>
-              <a:ea typeface="メイリオ" panose="020B0604030504040204" pitchFamily="50" charset="-128"/>
-            </a:endParaRPr>
-          </a:p>
-        </p:txBody>
-      </p:sp>
-      <p:sp>
-        <p:nvSpPr>
-          <p:cNvPr id="27" name="テキスト ボックス 26"/>
-          <p:cNvSpPr txBox="1"/>
-          <p:nvPr/>
-        </p:nvSpPr>
-        <p:spPr>
-          <a:xfrm>
-            <a:off x="6376843" y="4207654"/>
-            <a:ext cx="2278470" cy="369332"/>
-          </a:xfrm>
-          <a:prstGeom prst="rect">
-            <a:avLst/>
-          </a:prstGeom>
-          <a:noFill/>
-        </p:spPr>
-        <p:txBody>
-          <a:bodyPr wrap="square" rtlCol="0">
-            <a:spAutoFit/>
-          </a:bodyPr>
-          <a:lstStyle/>
-          <a:p>
-            <a:r>
-              <a:rPr kumimoji="1" lang="ja-JP" altLang="en-US" b="1" dirty="0" smtClean="0">
-                <a:latin typeface="メイリオ" panose="020B0604030504040204" pitchFamily="50" charset="-128"/>
-                <a:ea typeface="メイリオ" panose="020B0604030504040204" pitchFamily="50" charset="-128"/>
-              </a:rPr>
-              <a:t>罠にかかる画像</a:t>
-            </a:r>
-            <a:endParaRPr kumimoji="1" lang="ja-JP" altLang="en-US" b="1" dirty="0">
-              <a:latin typeface="メイリオ" panose="020B0604030504040204" pitchFamily="50" charset="-128"/>
-              <a:ea typeface="メイリオ" panose="020B0604030504040204" pitchFamily="50" charset="-128"/>
-            </a:endParaRPr>
-          </a:p>
-        </p:txBody>
-      </p:sp>
     </p:spTree>
     <p:extLst>
       <p:ext uri="{BB962C8B-B14F-4D97-AF65-F5344CB8AC3E}">
@@ -8117,7 +6929,7 @@
         </p:spPr>
         <p:txBody>
           <a:bodyPr>
-            <a:normAutofit fontScale="90000"/>
+            <a:normAutofit/>
           </a:bodyPr>
           <a:lstStyle/>
           <a:p>
@@ -8126,28 +6938,7 @@
                 <a:latin typeface="HGS創英角ｺﾞｼｯｸUB" panose="020B0900000000000000" pitchFamily="50" charset="-128"/>
                 <a:ea typeface="HGS創英角ｺﾞｼｯｸUB" panose="020B0900000000000000" pitchFamily="50" charset="-128"/>
               </a:rPr>
-              <a:t>ゲームシステム</a:t>
-            </a:r>
-            <a:r>
-              <a:rPr lang="en-US" altLang="ja-JP" sz="4800" dirty="0" smtClean="0">
-                <a:latin typeface="HGS創英角ｺﾞｼｯｸUB" panose="020B0900000000000000" pitchFamily="50" charset="-128"/>
-                <a:ea typeface="HGS創英角ｺﾞｼｯｸUB" panose="020B0900000000000000" pitchFamily="50" charset="-128"/>
-              </a:rPr>
-              <a:t>(</a:t>
-            </a:r>
-            <a:r>
-              <a:rPr lang="ja-JP" altLang="en-US" sz="4800" dirty="0" smtClean="0">
-                <a:latin typeface="HGS創英角ｺﾞｼｯｸUB" panose="020B0900000000000000" pitchFamily="50" charset="-128"/>
-                <a:ea typeface="HGS創英角ｺﾞｼｯｸUB" panose="020B0900000000000000" pitchFamily="50" charset="-128"/>
-              </a:rPr>
-              <a:t>縄張りの奪い合い</a:t>
-            </a:r>
-            <a:r>
-              <a:rPr lang="en-US" altLang="ja-JP" sz="4800" dirty="0" smtClean="0">
-                <a:latin typeface="HGS創英角ｺﾞｼｯｸUB" panose="020B0900000000000000" pitchFamily="50" charset="-128"/>
-                <a:ea typeface="HGS創英角ｺﾞｼｯｸUB" panose="020B0900000000000000" pitchFamily="50" charset="-128"/>
-              </a:rPr>
-              <a:t>)</a:t>
+              <a:t>陣地の奪い合い</a:t>
             </a:r>
             <a:endParaRPr lang="ja-JP" altLang="en-US" sz="4388" dirty="0">
               <a:latin typeface="HGS創英角ｺﾞｼｯｸUB" panose="020B0900000000000000" pitchFamily="50" charset="-128"/>
@@ -8906,10 +7697,6 @@
               </a:rPr>
               <a:t>敵から木を奪った時の画像</a:t>
             </a:r>
-            <a:endParaRPr lang="ja-JP" altLang="en-US" sz="2000" b="1" dirty="0" smtClean="0">
-              <a:latin typeface="メイリオ" panose="020B0604030504040204" pitchFamily="50" charset="-128"/>
-              <a:ea typeface="メイリオ" panose="020B0604030504040204" pitchFamily="50" charset="-128"/>
-            </a:endParaRPr>
           </a:p>
         </p:txBody>
       </p:sp>
@@ -8942,10 +7729,6 @@
               </a:rPr>
               <a:t>敵から木を奪った時の画像</a:t>
             </a:r>
-            <a:endParaRPr lang="ja-JP" altLang="en-US" sz="2000" b="1" dirty="0" smtClean="0">
-              <a:latin typeface="メイリオ" panose="020B0604030504040204" pitchFamily="50" charset="-128"/>
-              <a:ea typeface="メイリオ" panose="020B0604030504040204" pitchFamily="50" charset="-128"/>
-            </a:endParaRPr>
           </a:p>
         </p:txBody>
       </p:sp>
@@ -9070,28 +7853,7 @@
                 <a:latin typeface="メイリオ" panose="020B0604030504040204" pitchFamily="50" charset="-128"/>
                 <a:ea typeface="メイリオ" panose="020B0604030504040204" pitchFamily="50" charset="-128"/>
               </a:rPr>
-              <a:t>とぶつかる時</a:t>
-            </a:r>
-            <a:r>
-              <a:rPr lang="ja-JP" altLang="en-US" sz="2000" b="1" dirty="0" smtClean="0">
-                <a:latin typeface="メイリオ" panose="020B0604030504040204" pitchFamily="50" charset="-128"/>
-                <a:ea typeface="メイリオ" panose="020B0604030504040204" pitchFamily="50" charset="-128"/>
-              </a:rPr>
-              <a:t>、</a:t>
-            </a:r>
-            <a:r>
-              <a:rPr lang="ja-JP" altLang="en-US" sz="2000" b="1" dirty="0" smtClean="0">
-                <a:latin typeface="メイリオ" panose="020B0604030504040204" pitchFamily="50" charset="-128"/>
-                <a:ea typeface="メイリオ" panose="020B0604030504040204" pitchFamily="50" charset="-128"/>
-              </a:rPr>
-              <a:t>避けて糸を奪う</a:t>
-            </a:r>
-            <a:r>
-              <a:rPr lang="ja-JP" altLang="en-US" sz="2000" b="1" dirty="0" smtClean="0">
-                <a:latin typeface="メイリオ" panose="020B0604030504040204" pitchFamily="50" charset="-128"/>
-                <a:ea typeface="メイリオ" panose="020B0604030504040204" pitchFamily="50" charset="-128"/>
-              </a:rPr>
-              <a:t>回避アクション</a:t>
+              <a:t>とぶつかる時、避けて糸を奪う回避アクション</a:t>
             </a:r>
             <a:endParaRPr lang="en-US" altLang="ja-JP" sz="2000" b="1" dirty="0" smtClean="0">
               <a:latin typeface="メイリオ" panose="020B0604030504040204" pitchFamily="50" charset="-128"/>
@@ -9207,21 +7969,7 @@
                 <a:latin typeface="メイリオ" panose="020B0604030504040204" pitchFamily="50" charset="-128"/>
                 <a:ea typeface="メイリオ" panose="020B0604030504040204" pitchFamily="50" charset="-128"/>
               </a:rPr>
-              <a:t>糸を奪い自分</a:t>
-            </a:r>
-            <a:r>
-              <a:rPr lang="ja-JP" altLang="en-US" sz="2000" b="1" dirty="0" smtClean="0">
-                <a:latin typeface="メイリオ" panose="020B0604030504040204" pitchFamily="50" charset="-128"/>
-                <a:ea typeface="メイリオ" panose="020B0604030504040204" pitchFamily="50" charset="-128"/>
-              </a:rPr>
-              <a:t>の糸</a:t>
-            </a:r>
-            <a:r>
-              <a:rPr lang="ja-JP" altLang="en-US" sz="2000" b="1" dirty="0" smtClean="0">
-                <a:latin typeface="メイリオ" panose="020B0604030504040204" pitchFamily="50" charset="-128"/>
-                <a:ea typeface="メイリオ" panose="020B0604030504040204" pitchFamily="50" charset="-128"/>
-              </a:rPr>
-              <a:t>に</a:t>
+              <a:t>糸を奪い自分の糸に</a:t>
             </a:r>
             <a:endParaRPr lang="en-US" altLang="ja-JP" sz="2000" b="1" dirty="0" smtClean="0">
               <a:latin typeface="メイリオ" panose="020B0604030504040204" pitchFamily="50" charset="-128"/>
@@ -9362,10 +8110,6 @@
               </a:rPr>
               <a:t>の画像</a:t>
             </a:r>
-            <a:endParaRPr lang="ja-JP" altLang="en-US" sz="2000" b="1" dirty="0" smtClean="0">
-              <a:latin typeface="メイリオ" panose="020B0604030504040204" pitchFamily="50" charset="-128"/>
-              <a:ea typeface="メイリオ" panose="020B0604030504040204" pitchFamily="50" charset="-128"/>
-            </a:endParaRPr>
           </a:p>
         </p:txBody>
       </p:sp>
@@ -9398,10 +8142,6 @@
               </a:rPr>
               <a:t>妨害アクションの画像</a:t>
             </a:r>
-            <a:endParaRPr lang="ja-JP" altLang="en-US" sz="2000" b="1" dirty="0" smtClean="0">
-              <a:latin typeface="メイリオ" panose="020B0604030504040204" pitchFamily="50" charset="-128"/>
-              <a:ea typeface="メイリオ" panose="020B0604030504040204" pitchFamily="50" charset="-128"/>
-            </a:endParaRPr>
           </a:p>
         </p:txBody>
       </p:sp>
@@ -9469,7 +8209,14 @@
                 <a:latin typeface="HGS創英角ｺﾞｼｯｸUB" panose="020B0900000000000000" pitchFamily="50" charset="-128"/>
                 <a:ea typeface="HGS創英角ｺﾞｼｯｸUB" panose="020B0900000000000000" pitchFamily="50" charset="-128"/>
               </a:rPr>
-              <a:t>縄張りのスコア</a:t>
+              <a:t>陣地の</a:t>
+            </a:r>
+            <a:r>
+              <a:rPr lang="ja-JP" altLang="en-US" sz="4388" dirty="0" smtClean="0">
+                <a:latin typeface="HGS創英角ｺﾞｼｯｸUB" panose="020B0900000000000000" pitchFamily="50" charset="-128"/>
+                <a:ea typeface="HGS創英角ｺﾞｼｯｸUB" panose="020B0900000000000000" pitchFamily="50" charset="-128"/>
+              </a:rPr>
+              <a:t>スコア</a:t>
             </a:r>
             <a:endParaRPr lang="ja-JP" altLang="en-US" sz="4388" dirty="0">
               <a:latin typeface="HGS創英角ｺﾞｼｯｸUB" panose="020B0900000000000000" pitchFamily="50" charset="-128"/>
@@ -9518,14 +8265,7 @@
                 <a:latin typeface="メイリオ" panose="020B0604030504040204" pitchFamily="50" charset="-128"/>
                 <a:ea typeface="メイリオ" panose="020B0604030504040204" pitchFamily="50" charset="-128"/>
               </a:rPr>
-              <a:t>縄張り</a:t>
-            </a:r>
-            <a:r>
-              <a:rPr lang="ja-JP" altLang="en-US" sz="2000" b="1" dirty="0" smtClean="0">
-                <a:latin typeface="メイリオ" panose="020B0604030504040204" pitchFamily="50" charset="-128"/>
-                <a:ea typeface="メイリオ" panose="020B0604030504040204" pitchFamily="50" charset="-128"/>
-              </a:rPr>
-              <a:t>は空中に貼ってある糸の長さ、貼った糸の数、</a:t>
+              <a:t>縄張りは空中に貼ってある糸の長さ、貼った糸の数、</a:t>
             </a:r>
             <a:endParaRPr lang="en-US" altLang="ja-JP" sz="2000" b="1" dirty="0" smtClean="0">
               <a:latin typeface="メイリオ" panose="020B0604030504040204" pitchFamily="50" charset="-128"/>
@@ -9612,10 +8352,6 @@
               </a:rPr>
               <a:t>リザルト画面</a:t>
             </a:r>
-            <a:endParaRPr lang="ja-JP" altLang="en-US" sz="2000" b="1" dirty="0" smtClean="0">
-              <a:latin typeface="メイリオ" panose="020B0604030504040204" pitchFamily="50" charset="-128"/>
-              <a:ea typeface="メイリオ" panose="020B0604030504040204" pitchFamily="50" charset="-128"/>
-            </a:endParaRPr>
           </a:p>
         </p:txBody>
       </p:sp>

--- a/企画や仕様(統合用)/String Territory(修正版).pptx
+++ b/企画や仕様(統合用)/String Territory(修正版).pptx
@@ -11,13 +11,13 @@
     <p:sldId id="256" r:id="rId2"/>
     <p:sldId id="257" r:id="rId3"/>
     <p:sldId id="259" r:id="rId4"/>
-    <p:sldId id="270" r:id="rId5"/>
-    <p:sldId id="260" r:id="rId6"/>
+    <p:sldId id="260" r:id="rId5"/>
+    <p:sldId id="271" r:id="rId6"/>
     <p:sldId id="264" r:id="rId7"/>
-    <p:sldId id="268" r:id="rId8"/>
-    <p:sldId id="267" r:id="rId9"/>
-    <p:sldId id="262" r:id="rId10"/>
-    <p:sldId id="269" r:id="rId11"/>
+    <p:sldId id="267" r:id="rId8"/>
+    <p:sldId id="270" r:id="rId9"/>
+    <p:sldId id="269" r:id="rId10"/>
+    <p:sldId id="272" r:id="rId11"/>
   </p:sldIdLst>
   <p:sldSz cx="9906000" cy="6858000" type="A4"/>
   <p:notesSz cx="6858000" cy="9144000"/>
@@ -206,7 +206,7 @@
           <a:p>
             <a:fld id="{1B03BAC4-C04D-4969-A8BB-188AA8489B67}" type="datetimeFigureOut">
               <a:rPr kumimoji="1" lang="ja-JP" altLang="en-US" smtClean="0"/>
-              <a:t>2018/1/15</a:t>
+              <a:t>2018/1/18</a:t>
             </a:fld>
             <a:endParaRPr kumimoji="1" lang="ja-JP" altLang="en-US"/>
           </a:p>
@@ -571,7 +571,7 @@
           <a:p>
             <a:fld id="{4EBB97A6-96AC-4930-A586-7B32CC3AFFC3}" type="slidenum">
               <a:rPr kumimoji="1" lang="ja-JP" altLang="en-US" smtClean="0"/>
-              <a:t>5</a:t>
+              <a:t>4</a:t>
             </a:fld>
             <a:endParaRPr kumimoji="1" lang="ja-JP" altLang="en-US"/>
           </a:p>
@@ -655,7 +655,7 @@
           <a:p>
             <a:fld id="{4EBB97A6-96AC-4930-A586-7B32CC3AFFC3}" type="slidenum">
               <a:rPr kumimoji="1" lang="ja-JP" altLang="en-US" smtClean="0"/>
-              <a:t>6</a:t>
+              <a:t>5</a:t>
             </a:fld>
             <a:endParaRPr kumimoji="1" lang="ja-JP" altLang="en-US"/>
           </a:p>
@@ -664,7 +664,7 @@
     </p:spTree>
     <p:extLst>
       <p:ext uri="{BB962C8B-B14F-4D97-AF65-F5344CB8AC3E}">
-        <p14:creationId xmlns:p14="http://schemas.microsoft.com/office/powerpoint/2010/main" val="1729258735"/>
+        <p14:creationId xmlns:p14="http://schemas.microsoft.com/office/powerpoint/2010/main" val="787722594"/>
       </p:ext>
     </p:extLst>
   </p:cSld>
@@ -739,7 +739,7 @@
           <a:p>
             <a:fld id="{4EBB97A6-96AC-4930-A586-7B32CC3AFFC3}" type="slidenum">
               <a:rPr kumimoji="1" lang="ja-JP" altLang="en-US" smtClean="0"/>
-              <a:t>7</a:t>
+              <a:t>6</a:t>
             </a:fld>
             <a:endParaRPr kumimoji="1" lang="ja-JP" altLang="en-US"/>
           </a:p>
@@ -748,7 +748,7 @@
     </p:spTree>
     <p:extLst>
       <p:ext uri="{BB962C8B-B14F-4D97-AF65-F5344CB8AC3E}">
-        <p14:creationId xmlns:p14="http://schemas.microsoft.com/office/powerpoint/2010/main" val="148438116"/>
+        <p14:creationId xmlns:p14="http://schemas.microsoft.com/office/powerpoint/2010/main" val="1729258735"/>
       </p:ext>
     </p:extLst>
   </p:cSld>
@@ -823,7 +823,7 @@
           <a:p>
             <a:fld id="{4EBB97A6-96AC-4930-A586-7B32CC3AFFC3}" type="slidenum">
               <a:rPr kumimoji="1" lang="ja-JP" altLang="en-US" smtClean="0"/>
-              <a:t>8</a:t>
+              <a:t>7</a:t>
             </a:fld>
             <a:endParaRPr kumimoji="1" lang="ja-JP" altLang="en-US"/>
           </a:p>
@@ -908,90 +908,6 @@
             <a:fld id="{4EBB97A6-96AC-4930-A586-7B32CC3AFFC3}" type="slidenum">
               <a:rPr kumimoji="1" lang="ja-JP" altLang="en-US" smtClean="0"/>
               <a:t>9</a:t>
-            </a:fld>
-            <a:endParaRPr kumimoji="1" lang="ja-JP" altLang="en-US"/>
-          </a:p>
-        </p:txBody>
-      </p:sp>
-    </p:spTree>
-    <p:extLst>
-      <p:ext uri="{BB962C8B-B14F-4D97-AF65-F5344CB8AC3E}">
-        <p14:creationId xmlns:p14="http://schemas.microsoft.com/office/powerpoint/2010/main" val="1390081223"/>
-      </p:ext>
-    </p:extLst>
-  </p:cSld>
-  <p:clrMapOvr>
-    <a:masterClrMapping/>
-  </p:clrMapOvr>
-</p:notes>
-</file>
-
-<file path=ppt/notesSlides/notesSlide6.xml><?xml version="1.0" encoding="utf-8"?>
-<p:notes xmlns:a="http://schemas.openxmlformats.org/drawingml/2006/main" xmlns:r="http://schemas.openxmlformats.org/officeDocument/2006/relationships" xmlns:p="http://schemas.openxmlformats.org/presentationml/2006/main">
-  <p:cSld>
-    <p:spTree>
-      <p:nvGrpSpPr>
-        <p:cNvPr id="1" name=""/>
-        <p:cNvGrpSpPr/>
-        <p:nvPr/>
-      </p:nvGrpSpPr>
-      <p:grpSpPr>
-        <a:xfrm>
-          <a:off x="0" y="0"/>
-          <a:ext cx="0" cy="0"/>
-          <a:chOff x="0" y="0"/>
-          <a:chExt cx="0" cy="0"/>
-        </a:xfrm>
-      </p:grpSpPr>
-      <p:sp>
-        <p:nvSpPr>
-          <p:cNvPr id="2" name="スライド イメージ プレースホルダー 1"/>
-          <p:cNvSpPr>
-            <a:spLocks noGrp="1" noRot="1" noChangeAspect="1"/>
-          </p:cNvSpPr>
-          <p:nvPr>
-            <p:ph type="sldImg"/>
-          </p:nvPr>
-        </p:nvSpPr>
-        <p:spPr/>
-      </p:sp>
-      <p:sp>
-        <p:nvSpPr>
-          <p:cNvPr id="3" name="ノート プレースホルダー 2"/>
-          <p:cNvSpPr>
-            <a:spLocks noGrp="1"/>
-          </p:cNvSpPr>
-          <p:nvPr>
-            <p:ph type="body" idx="1"/>
-          </p:nvPr>
-        </p:nvSpPr>
-        <p:spPr/>
-        <p:txBody>
-          <a:bodyPr/>
-          <a:lstStyle/>
-          <a:p>
-            <a:endParaRPr kumimoji="1" lang="ja-JP" altLang="en-US" dirty="0"/>
-          </a:p>
-        </p:txBody>
-      </p:sp>
-      <p:sp>
-        <p:nvSpPr>
-          <p:cNvPr id="4" name="スライド番号プレースホルダー 3"/>
-          <p:cNvSpPr>
-            <a:spLocks noGrp="1"/>
-          </p:cNvSpPr>
-          <p:nvPr>
-            <p:ph type="sldNum" sz="quarter" idx="10"/>
-          </p:nvPr>
-        </p:nvSpPr>
-        <p:spPr/>
-        <p:txBody>
-          <a:bodyPr/>
-          <a:lstStyle/>
-          <a:p>
-            <a:fld id="{4EBB97A6-96AC-4930-A586-7B32CC3AFFC3}" type="slidenum">
-              <a:rPr kumimoji="1" lang="ja-JP" altLang="en-US" smtClean="0"/>
-              <a:t>10</a:t>
             </a:fld>
             <a:endParaRPr kumimoji="1" lang="ja-JP" altLang="en-US"/>
           </a:p>
@@ -1141,7 +1057,7 @@
           <a:p>
             <a:fld id="{99AF3CBB-D79F-447F-A9FD-6682532DA180}" type="datetimeFigureOut">
               <a:rPr kumimoji="1" lang="ja-JP" altLang="en-US" smtClean="0"/>
-              <a:t>2018/1/15</a:t>
+              <a:t>2018/1/18</a:t>
             </a:fld>
             <a:endParaRPr kumimoji="1" lang="ja-JP" altLang="en-US"/>
           </a:p>
@@ -1343,7 +1259,7 @@
           <a:p>
             <a:fld id="{99AF3CBB-D79F-447F-A9FD-6682532DA180}" type="datetimeFigureOut">
               <a:rPr kumimoji="1" lang="ja-JP" altLang="en-US" smtClean="0"/>
-              <a:t>2018/1/15</a:t>
+              <a:t>2018/1/18</a:t>
             </a:fld>
             <a:endParaRPr kumimoji="1" lang="ja-JP" altLang="en-US"/>
           </a:p>
@@ -1555,7 +1471,7 @@
           <a:p>
             <a:fld id="{99AF3CBB-D79F-447F-A9FD-6682532DA180}" type="datetimeFigureOut">
               <a:rPr kumimoji="1" lang="ja-JP" altLang="en-US" smtClean="0"/>
-              <a:t>2018/1/15</a:t>
+              <a:t>2018/1/18</a:t>
             </a:fld>
             <a:endParaRPr kumimoji="1" lang="ja-JP" altLang="en-US"/>
           </a:p>
@@ -1757,7 +1673,7 @@
           <a:p>
             <a:fld id="{99AF3CBB-D79F-447F-A9FD-6682532DA180}" type="datetimeFigureOut">
               <a:rPr kumimoji="1" lang="ja-JP" altLang="en-US" smtClean="0"/>
-              <a:t>2018/1/15</a:t>
+              <a:t>2018/1/18</a:t>
             </a:fld>
             <a:endParaRPr kumimoji="1" lang="ja-JP" altLang="en-US"/>
           </a:p>
@@ -2001,7 +1917,7 @@
           <a:p>
             <a:fld id="{99AF3CBB-D79F-447F-A9FD-6682532DA180}" type="datetimeFigureOut">
               <a:rPr kumimoji="1" lang="ja-JP" altLang="en-US" smtClean="0"/>
-              <a:t>2018/1/15</a:t>
+              <a:t>2018/1/18</a:t>
             </a:fld>
             <a:endParaRPr kumimoji="1" lang="ja-JP" altLang="en-US"/>
           </a:p>
@@ -2297,7 +2213,7 @@
           <a:p>
             <a:fld id="{99AF3CBB-D79F-447F-A9FD-6682532DA180}" type="datetimeFigureOut">
               <a:rPr kumimoji="1" lang="ja-JP" altLang="en-US" smtClean="0"/>
-              <a:t>2018/1/15</a:t>
+              <a:t>2018/1/18</a:t>
             </a:fld>
             <a:endParaRPr kumimoji="1" lang="ja-JP" altLang="en-US"/>
           </a:p>
@@ -2735,7 +2651,7 @@
           <a:p>
             <a:fld id="{99AF3CBB-D79F-447F-A9FD-6682532DA180}" type="datetimeFigureOut">
               <a:rPr kumimoji="1" lang="ja-JP" altLang="en-US" smtClean="0"/>
-              <a:t>2018/1/15</a:t>
+              <a:t>2018/1/18</a:t>
             </a:fld>
             <a:endParaRPr kumimoji="1" lang="ja-JP" altLang="en-US"/>
           </a:p>
@@ -2889,7 +2805,7 @@
           <a:p>
             <a:fld id="{99AF3CBB-D79F-447F-A9FD-6682532DA180}" type="datetimeFigureOut">
               <a:rPr kumimoji="1" lang="ja-JP" altLang="en-US" smtClean="0"/>
-              <a:t>2018/1/15</a:t>
+              <a:t>2018/1/18</a:t>
             </a:fld>
             <a:endParaRPr kumimoji="1" lang="ja-JP" altLang="en-US"/>
           </a:p>
@@ -2991,7 +2907,7 @@
           <a:p>
             <a:fld id="{99AF3CBB-D79F-447F-A9FD-6682532DA180}" type="datetimeFigureOut">
               <a:rPr kumimoji="1" lang="ja-JP" altLang="en-US" smtClean="0"/>
-              <a:t>2018/1/15</a:t>
+              <a:t>2018/1/18</a:t>
             </a:fld>
             <a:endParaRPr kumimoji="1" lang="ja-JP" altLang="en-US"/>
           </a:p>
@@ -3300,7 +3216,7 @@
           <a:p>
             <a:fld id="{99AF3CBB-D79F-447F-A9FD-6682532DA180}" type="datetimeFigureOut">
               <a:rPr kumimoji="1" lang="ja-JP" altLang="en-US" smtClean="0"/>
-              <a:t>2018/1/15</a:t>
+              <a:t>2018/1/18</a:t>
             </a:fld>
             <a:endParaRPr kumimoji="1" lang="ja-JP" altLang="en-US"/>
           </a:p>
@@ -3557,7 +3473,7 @@
           <a:p>
             <a:fld id="{99AF3CBB-D79F-447F-A9FD-6682532DA180}" type="datetimeFigureOut">
               <a:rPr kumimoji="1" lang="ja-JP" altLang="en-US" smtClean="0"/>
-              <a:t>2018/1/15</a:t>
+              <a:t>2018/1/18</a:t>
             </a:fld>
             <a:endParaRPr kumimoji="1" lang="ja-JP" altLang="en-US"/>
           </a:p>
@@ -3876,7 +3792,7 @@
           <a:p>
             <a:fld id="{99AF3CBB-D79F-447F-A9FD-6682532DA180}" type="datetimeFigureOut">
               <a:rPr kumimoji="1" lang="ja-JP" altLang="en-US" smtClean="0"/>
-              <a:t>2018/1/15</a:t>
+              <a:t>2018/1/18</a:t>
             </a:fld>
             <a:endParaRPr kumimoji="1" lang="ja-JP" altLang="en-US"/>
           </a:p>
@@ -4500,127 +4416,16 @@
           <a:chExt cx="0" cy="0"/>
         </a:xfrm>
       </p:grpSpPr>
-      <p:sp>
-        <p:nvSpPr>
-          <p:cNvPr id="2" name="タイトル 1"/>
-          <p:cNvSpPr>
-            <a:spLocks noGrp="1"/>
-          </p:cNvSpPr>
-          <p:nvPr>
-            <p:ph type="title"/>
-          </p:nvPr>
-        </p:nvSpPr>
-        <p:spPr>
-          <a:xfrm>
-            <a:off x="0" y="0"/>
-            <a:ext cx="8543925" cy="1058863"/>
-          </a:xfrm>
-        </p:spPr>
-        <p:txBody>
-          <a:bodyPr>
-            <a:normAutofit/>
-          </a:bodyPr>
-          <a:lstStyle/>
-          <a:p>
-            <a:r>
-              <a:rPr lang="ja-JP" altLang="en-US" sz="4388" dirty="0" smtClean="0">
-                <a:latin typeface="HGS創英角ｺﾞｼｯｸUB" panose="020B0900000000000000" pitchFamily="50" charset="-128"/>
-                <a:ea typeface="HGS創英角ｺﾞｼｯｸUB" panose="020B0900000000000000" pitchFamily="50" charset="-128"/>
-              </a:rPr>
-              <a:t>ゲームポイント</a:t>
-            </a:r>
-            <a:endParaRPr lang="ja-JP" altLang="en-US" sz="4388" dirty="0">
-              <a:latin typeface="HGS創英角ｺﾞｼｯｸUB" panose="020B0900000000000000" pitchFamily="50" charset="-128"/>
-              <a:ea typeface="HGS創英角ｺﾞｼｯｸUB" panose="020B0900000000000000" pitchFamily="50" charset="-128"/>
-            </a:endParaRPr>
-          </a:p>
-        </p:txBody>
-      </p:sp>
-      <p:sp>
-        <p:nvSpPr>
-          <p:cNvPr id="4" name="テキスト ボックス 3"/>
-          <p:cNvSpPr txBox="1"/>
-          <p:nvPr/>
-        </p:nvSpPr>
-        <p:spPr>
-          <a:xfrm>
-            <a:off x="830350" y="2149814"/>
-            <a:ext cx="8273665" cy="1815882"/>
-          </a:xfrm>
-          <a:prstGeom prst="rect">
-            <a:avLst/>
-          </a:prstGeom>
-          <a:noFill/>
-        </p:spPr>
-        <p:txBody>
-          <a:bodyPr wrap="square" rtlCol="0">
-            <a:spAutoFit/>
-          </a:bodyPr>
-          <a:lstStyle/>
-          <a:p>
-            <a:r>
-              <a:rPr lang="ja-JP" altLang="en-US" sz="2800" b="1" dirty="0" smtClean="0">
-                <a:latin typeface="メイリオ" panose="020B0604030504040204" pitchFamily="50" charset="-128"/>
-                <a:ea typeface="メイリオ" panose="020B0604030504040204" pitchFamily="50" charset="-128"/>
-              </a:rPr>
-              <a:t>・移動だけで罠を貼りながら陣地を増やしていく</a:t>
-            </a:r>
-            <a:endParaRPr lang="en-US" altLang="ja-JP" sz="2800" b="1" dirty="0" smtClean="0">
-              <a:latin typeface="メイリオ" panose="020B0604030504040204" pitchFamily="50" charset="-128"/>
-              <a:ea typeface="メイリオ" panose="020B0604030504040204" pitchFamily="50" charset="-128"/>
-            </a:endParaRPr>
-          </a:p>
-          <a:p>
-            <a:endParaRPr lang="en-US" altLang="ja-JP" sz="2800" b="1" dirty="0">
-              <a:latin typeface="メイリオ" panose="020B0604030504040204" pitchFamily="50" charset="-128"/>
-              <a:ea typeface="メイリオ" panose="020B0604030504040204" pitchFamily="50" charset="-128"/>
-            </a:endParaRPr>
-          </a:p>
-          <a:p>
-            <a:r>
-              <a:rPr lang="ja-JP" altLang="en-US" sz="2800" b="1" dirty="0" smtClean="0">
-                <a:latin typeface="メイリオ" panose="020B0604030504040204" pitchFamily="50" charset="-128"/>
-                <a:ea typeface="メイリオ" panose="020B0604030504040204" pitchFamily="50" charset="-128"/>
-              </a:rPr>
-              <a:t>・移動や回避によって敵の陣地に潜入し、</a:t>
-            </a:r>
-            <a:endParaRPr lang="en-US" altLang="ja-JP" sz="2800" b="1" dirty="0" smtClean="0">
-              <a:latin typeface="メイリオ" panose="020B0604030504040204" pitchFamily="50" charset="-128"/>
-              <a:ea typeface="メイリオ" panose="020B0604030504040204" pitchFamily="50" charset="-128"/>
-            </a:endParaRPr>
-          </a:p>
-          <a:p>
-            <a:r>
-              <a:rPr lang="ja-JP" altLang="en-US" sz="2800" b="1" dirty="0">
-                <a:latin typeface="メイリオ" panose="020B0604030504040204" pitchFamily="50" charset="-128"/>
-                <a:ea typeface="メイリオ" panose="020B0604030504040204" pitchFamily="50" charset="-128"/>
-              </a:rPr>
-              <a:t>　</a:t>
-            </a:r>
-            <a:r>
-              <a:rPr lang="ja-JP" altLang="en-US" sz="2800" b="1" dirty="0" smtClean="0">
-                <a:latin typeface="メイリオ" panose="020B0604030504040204" pitchFamily="50" charset="-128"/>
-                <a:ea typeface="メイリオ" panose="020B0604030504040204" pitchFamily="50" charset="-128"/>
-              </a:rPr>
-              <a:t>敵の縄張りを奪っていく</a:t>
-            </a:r>
-            <a:endParaRPr lang="en-US" altLang="ja-JP" sz="2800" b="1" dirty="0" smtClean="0">
-              <a:latin typeface="メイリオ" panose="020B0604030504040204" pitchFamily="50" charset="-128"/>
-              <a:ea typeface="メイリオ" panose="020B0604030504040204" pitchFamily="50" charset="-128"/>
-            </a:endParaRPr>
-          </a:p>
-        </p:txBody>
-      </p:sp>
       <p:pic>
         <p:nvPicPr>
-          <p:cNvPr id="5" name="図 4"/>
+          <p:cNvPr id="3" name="図 2"/>
           <p:cNvPicPr>
             <a:picLocks noChangeAspect="1"/>
           </p:cNvPicPr>
           <p:nvPr/>
         </p:nvPicPr>
         <p:blipFill>
-          <a:blip r:embed="rId3">
+          <a:blip r:embed="rId2">
             <a:extLst>
               <a:ext uri="{28A0092B-C50C-407E-A947-70E740481C1C}">
                 <a14:useLocalDpi xmlns:a14="http://schemas.microsoft.com/office/drawing/2010/main" val="0"/>
@@ -4633,408 +4438,234 @@
         </p:blipFill>
         <p:spPr>
           <a:xfrm>
-            <a:off x="5924640" y="3965696"/>
-            <a:ext cx="1489344" cy="1489344"/>
+            <a:off x="1196273" y="1463159"/>
+            <a:ext cx="7884793" cy="4442137"/>
           </a:xfrm>
           <a:prstGeom prst="rect">
             <a:avLst/>
           </a:prstGeom>
         </p:spPr>
       </p:pic>
-      <p:cxnSp>
-        <p:nvCxnSpPr>
-          <p:cNvPr id="6" name="直線コネクタ 5"/>
-          <p:cNvCxnSpPr/>
+      <p:sp>
+        <p:nvSpPr>
+          <p:cNvPr id="4" name="正方形/長方形 3"/>
+          <p:cNvSpPr/>
           <p:nvPr/>
-        </p:nvCxnSpPr>
-        <p:spPr>
-          <a:xfrm flipH="1">
-            <a:off x="5078603" y="4188642"/>
-            <a:ext cx="486450" cy="1648156"/>
-          </a:xfrm>
-          <a:prstGeom prst="line">
+        </p:nvSpPr>
+        <p:spPr>
+          <a:xfrm>
+            <a:off x="7071960" y="4057832"/>
+            <a:ext cx="1453488" cy="1558343"/>
+          </a:xfrm>
+          <a:prstGeom prst="rect">
             <a:avLst/>
           </a:prstGeom>
-          <a:ln w="25400">
-            <a:solidFill>
-              <a:srgbClr val="FF0000"/>
-            </a:solidFill>
-          </a:ln>
         </p:spPr>
         <p:style>
-          <a:lnRef idx="1">
-            <a:schemeClr val="accent1"/>
+          <a:lnRef idx="2">
+            <a:schemeClr val="accent1">
+              <a:shade val="50000"/>
+            </a:schemeClr>
           </a:lnRef>
-          <a:fillRef idx="0">
+          <a:fillRef idx="1">
             <a:schemeClr val="accent1"/>
           </a:fillRef>
           <a:effectRef idx="0">
             <a:schemeClr val="accent1"/>
           </a:effectRef>
           <a:fontRef idx="minor">
-            <a:schemeClr val="tx1"/>
+            <a:schemeClr val="lt1"/>
           </a:fontRef>
         </p:style>
-      </p:cxnSp>
-      <p:pic>
-        <p:nvPicPr>
-          <p:cNvPr id="8" name="図 7"/>
-          <p:cNvPicPr>
-            <a:picLocks noChangeAspect="1"/>
-          </p:cNvPicPr>
+        <p:txBody>
+          <a:bodyPr rtlCol="0" anchor="ctr"/>
+          <a:lstStyle/>
+          <a:p>
+            <a:pPr algn="ctr"/>
+            <a:r>
+              <a:rPr kumimoji="1" lang="ja-JP" altLang="en-US" dirty="0" smtClean="0"/>
+              <a:t>ミニマップ</a:t>
+            </a:r>
+            <a:endParaRPr kumimoji="1" lang="ja-JP" altLang="en-US" dirty="0"/>
+          </a:p>
+        </p:txBody>
+      </p:sp>
+      <p:sp>
+        <p:nvSpPr>
+          <p:cNvPr id="5" name="テキスト ボックス 4"/>
+          <p:cNvSpPr txBox="1"/>
           <p:nvPr/>
-        </p:nvPicPr>
-        <p:blipFill>
-          <a:blip r:embed="rId3">
-            <a:extLst>
-              <a:ext uri="{28A0092B-C50C-407E-A947-70E740481C1C}">
-                <a14:useLocalDpi xmlns:a14="http://schemas.microsoft.com/office/drawing/2010/main" val="0"/>
-              </a:ext>
-            </a:extLst>
-          </a:blip>
-          <a:stretch>
-            <a:fillRect/>
-          </a:stretch>
-        </p:blipFill>
+        </p:nvSpPr>
         <p:spPr>
           <a:xfrm>
-            <a:off x="7400583" y="4043184"/>
-            <a:ext cx="2505417" cy="2505417"/>
+            <a:off x="1196273" y="5512158"/>
+            <a:ext cx="3491637" cy="461665"/>
           </a:xfrm>
           <a:prstGeom prst="rect">
             <a:avLst/>
           </a:prstGeom>
-        </p:spPr>
-      </p:pic>
-      <p:cxnSp>
-        <p:nvCxnSpPr>
-          <p:cNvPr id="9" name="直線コネクタ 8"/>
-          <p:cNvCxnSpPr/>
+          <a:noFill/>
+        </p:spPr>
+        <p:txBody>
+          <a:bodyPr wrap="square" rtlCol="0">
+            <a:spAutoFit/>
+          </a:bodyPr>
+          <a:lstStyle/>
+          <a:p>
+            <a:r>
+              <a:rPr kumimoji="1" lang="ja-JP" altLang="en-US" sz="2400" b="1" dirty="0" smtClean="0"/>
+              <a:t>行動ログ炉グログロ具</a:t>
+            </a:r>
+            <a:endParaRPr kumimoji="1" lang="ja-JP" altLang="en-US" sz="2400" b="1" dirty="0"/>
+          </a:p>
+        </p:txBody>
+      </p:sp>
+      <p:sp>
+        <p:nvSpPr>
+          <p:cNvPr id="6" name="角丸四角形 5"/>
+          <p:cNvSpPr/>
           <p:nvPr/>
-        </p:nvCxnSpPr>
-        <p:spPr>
-          <a:xfrm flipH="1">
-            <a:off x="5727143" y="5534881"/>
-            <a:ext cx="2813149" cy="696922"/>
-          </a:xfrm>
-          <a:prstGeom prst="line">
+        </p:nvSpPr>
+        <p:spPr>
+          <a:xfrm>
+            <a:off x="7045290" y="3442915"/>
+            <a:ext cx="1506828" cy="482623"/>
+          </a:xfrm>
+          <a:prstGeom prst="roundRect">
             <a:avLst/>
           </a:prstGeom>
-          <a:ln w="25400">
-            <a:solidFill>
-              <a:schemeClr val="accent1">
-                <a:lumMod val="40000"/>
-                <a:lumOff val="60000"/>
-              </a:schemeClr>
-            </a:solidFill>
-          </a:ln>
         </p:spPr>
         <p:style>
-          <a:lnRef idx="1">
-            <a:schemeClr val="accent1"/>
+          <a:lnRef idx="2">
+            <a:schemeClr val="accent1">
+              <a:shade val="50000"/>
+            </a:schemeClr>
           </a:lnRef>
-          <a:fillRef idx="0">
+          <a:fillRef idx="1">
             <a:schemeClr val="accent1"/>
           </a:fillRef>
           <a:effectRef idx="0">
             <a:schemeClr val="accent1"/>
           </a:effectRef>
           <a:fontRef idx="minor">
-            <a:schemeClr val="tx1"/>
+            <a:schemeClr val="lt1"/>
           </a:fontRef>
         </p:style>
-      </p:cxnSp>
-      <p:pic>
-        <p:nvPicPr>
-          <p:cNvPr id="10" name="図 9"/>
-          <p:cNvPicPr>
-            <a:picLocks noChangeAspect="1"/>
-          </p:cNvPicPr>
+        <p:txBody>
+          <a:bodyPr rtlCol="0" anchor="ctr"/>
+          <a:lstStyle/>
+          <a:p>
+            <a:pPr algn="ctr"/>
+            <a:r>
+              <a:rPr lang="ja-JP" altLang="en-US" dirty="0"/>
+              <a:t>先</a:t>
+            </a:r>
+            <a:r>
+              <a:rPr kumimoji="1" lang="ja-JP" altLang="en-US" dirty="0" smtClean="0"/>
+              <a:t>ゲージ</a:t>
+            </a:r>
+            <a:endParaRPr kumimoji="1" lang="ja-JP" altLang="en-US" dirty="0"/>
+          </a:p>
+        </p:txBody>
+      </p:sp>
+      <p:sp>
+        <p:nvSpPr>
+          <p:cNvPr id="7" name="角丸四角形 6"/>
+          <p:cNvSpPr/>
           <p:nvPr/>
-        </p:nvPicPr>
-        <p:blipFill>
-          <a:blip r:embed="rId4" cstate="print">
-            <a:extLst>
-              <a:ext uri="{28A0092B-C50C-407E-A947-70E740481C1C}">
-                <a14:useLocalDpi xmlns:a14="http://schemas.microsoft.com/office/drawing/2010/main" val="0"/>
-              </a:ext>
-            </a:extLst>
-          </a:blip>
-          <a:stretch>
-            <a:fillRect/>
-          </a:stretch>
-        </p:blipFill>
-        <p:spPr>
-          <a:xfrm rot="1139257">
-            <a:off x="5373348" y="5864406"/>
-            <a:ext cx="1159278" cy="829538"/>
-          </a:xfrm>
-          <a:prstGeom prst="rect">
+        </p:nvSpPr>
+        <p:spPr>
+          <a:xfrm>
+            <a:off x="3760994" y="5163683"/>
+            <a:ext cx="2755349" cy="221660"/>
+          </a:xfrm>
+          <a:prstGeom prst="roundRect">
             <a:avLst/>
           </a:prstGeom>
         </p:spPr>
-      </p:pic>
-      <p:cxnSp>
-        <p:nvCxnSpPr>
-          <p:cNvPr id="11" name="直線コネクタ 10"/>
-          <p:cNvCxnSpPr/>
-          <p:nvPr/>
-        </p:nvCxnSpPr>
-        <p:spPr>
-          <a:xfrm>
-            <a:off x="6618942" y="5013238"/>
-            <a:ext cx="1305997" cy="1467149"/>
-          </a:xfrm>
-          <a:prstGeom prst="line">
-            <a:avLst/>
-          </a:prstGeom>
-          <a:ln w="25400">
-            <a:solidFill>
-              <a:srgbClr val="FF0000"/>
-            </a:solidFill>
-          </a:ln>
-        </p:spPr>
         <p:style>
-          <a:lnRef idx="1">
-            <a:schemeClr val="accent1"/>
+          <a:lnRef idx="2">
+            <a:schemeClr val="accent1">
+              <a:shade val="50000"/>
+            </a:schemeClr>
           </a:lnRef>
-          <a:fillRef idx="0">
+          <a:fillRef idx="1">
             <a:schemeClr val="accent1"/>
           </a:fillRef>
           <a:effectRef idx="0">
             <a:schemeClr val="accent1"/>
           </a:effectRef>
           <a:fontRef idx="minor">
-            <a:schemeClr val="tx1"/>
+            <a:schemeClr val="lt1"/>
           </a:fontRef>
         </p:style>
-      </p:cxnSp>
-      <p:cxnSp>
-        <p:nvCxnSpPr>
-          <p:cNvPr id="12" name="直線コネクタ 11"/>
-          <p:cNvCxnSpPr/>
+        <p:txBody>
+          <a:bodyPr rtlCol="0" anchor="ctr"/>
+          <a:lstStyle/>
+          <a:p>
+            <a:pPr algn="ctr"/>
+            <a:r>
+              <a:rPr kumimoji="1" lang="ja-JP" altLang="en-US" dirty="0" smtClean="0"/>
+              <a:t>今いるゲージ</a:t>
+            </a:r>
+            <a:endParaRPr kumimoji="1" lang="ja-JP" altLang="en-US" dirty="0"/>
+          </a:p>
+        </p:txBody>
+      </p:sp>
+      <p:sp>
+        <p:nvSpPr>
+          <p:cNvPr id="8" name="楕円 7"/>
+          <p:cNvSpPr/>
           <p:nvPr/>
-        </p:nvCxnSpPr>
-        <p:spPr>
-          <a:xfrm flipH="1">
-            <a:off x="8175535" y="5534881"/>
-            <a:ext cx="367803" cy="1944698"/>
-          </a:xfrm>
-          <a:prstGeom prst="line">
+        </p:nvSpPr>
+        <p:spPr>
+          <a:xfrm>
+            <a:off x="7211803" y="1558345"/>
+            <a:ext cx="1313645" cy="515154"/>
+          </a:xfrm>
+          <a:prstGeom prst="ellipse">
             <a:avLst/>
           </a:prstGeom>
-          <a:ln w="25400">
-            <a:solidFill>
-              <a:schemeClr val="accent1">
-                <a:lumMod val="40000"/>
-                <a:lumOff val="60000"/>
-              </a:schemeClr>
-            </a:solidFill>
-          </a:ln>
         </p:spPr>
         <p:style>
-          <a:lnRef idx="1">
-            <a:schemeClr val="accent1"/>
+          <a:lnRef idx="2">
+            <a:schemeClr val="accent1">
+              <a:shade val="50000"/>
+            </a:schemeClr>
           </a:lnRef>
-          <a:fillRef idx="0">
+          <a:fillRef idx="1">
             <a:schemeClr val="accent1"/>
           </a:fillRef>
           <a:effectRef idx="0">
             <a:schemeClr val="accent1"/>
           </a:effectRef>
           <a:fontRef idx="minor">
-            <a:schemeClr val="tx1"/>
+            <a:schemeClr val="lt1"/>
           </a:fontRef>
         </p:style>
-      </p:cxnSp>
-      <p:pic>
-        <p:nvPicPr>
-          <p:cNvPr id="13" name="図 12"/>
-          <p:cNvPicPr>
-            <a:picLocks noChangeAspect="1"/>
-          </p:cNvPicPr>
-          <p:nvPr/>
-        </p:nvPicPr>
-        <p:blipFill>
-          <a:blip r:embed="rId5" cstate="print">
-            <a:extLst>
-              <a:ext uri="{28A0092B-C50C-407E-A947-70E740481C1C}">
-                <a14:useLocalDpi xmlns:a14="http://schemas.microsoft.com/office/drawing/2010/main" val="0"/>
-              </a:ext>
-            </a:extLst>
-          </a:blip>
-          <a:stretch>
-            <a:fillRect/>
-          </a:stretch>
-        </p:blipFill>
-        <p:spPr>
-          <a:xfrm flipH="1">
-            <a:off x="7238493" y="5844581"/>
-            <a:ext cx="1134899" cy="830968"/>
-          </a:xfrm>
-          <a:prstGeom prst="rect">
-            <a:avLst/>
-          </a:prstGeom>
-        </p:spPr>
-      </p:pic>
-      <p:cxnSp>
-        <p:nvCxnSpPr>
-          <p:cNvPr id="14" name="直線コネクタ 13"/>
-          <p:cNvCxnSpPr/>
-          <p:nvPr/>
-        </p:nvCxnSpPr>
-        <p:spPr>
-          <a:xfrm flipH="1">
-            <a:off x="4912919" y="5013238"/>
-            <a:ext cx="1734469" cy="981274"/>
-          </a:xfrm>
-          <a:prstGeom prst="line">
-            <a:avLst/>
-          </a:prstGeom>
-          <a:ln w="25400">
-            <a:solidFill>
-              <a:srgbClr val="FF0000"/>
-            </a:solidFill>
-          </a:ln>
-        </p:spPr>
-        <p:style>
-          <a:lnRef idx="1">
-            <a:schemeClr val="accent1"/>
-          </a:lnRef>
-          <a:fillRef idx="0">
-            <a:schemeClr val="accent1"/>
-          </a:fillRef>
-          <a:effectRef idx="0">
-            <a:schemeClr val="accent1"/>
-          </a:effectRef>
-          <a:fontRef idx="minor">
-            <a:schemeClr val="tx1"/>
-          </a:fontRef>
-        </p:style>
-      </p:cxnSp>
-      <p:pic>
-        <p:nvPicPr>
-          <p:cNvPr id="15" name="図 14"/>
-          <p:cNvPicPr>
-            <a:picLocks noChangeAspect="1"/>
-          </p:cNvPicPr>
-          <p:nvPr/>
-        </p:nvPicPr>
-        <p:blipFill>
-          <a:blip r:embed="rId3">
-            <a:extLst>
-              <a:ext uri="{28A0092B-C50C-407E-A947-70E740481C1C}">
-                <a14:useLocalDpi xmlns:a14="http://schemas.microsoft.com/office/drawing/2010/main" val="0"/>
-              </a:ext>
-            </a:extLst>
-          </a:blip>
-          <a:stretch>
-            <a:fillRect/>
-          </a:stretch>
-        </p:blipFill>
-        <p:spPr>
-          <a:xfrm>
-            <a:off x="3689240" y="4198144"/>
-            <a:ext cx="2505417" cy="2505417"/>
-          </a:xfrm>
-          <a:prstGeom prst="rect">
-            <a:avLst/>
-          </a:prstGeom>
-        </p:spPr>
-      </p:pic>
-      <p:cxnSp>
-        <p:nvCxnSpPr>
-          <p:cNvPr id="16" name="直線コネクタ 15"/>
-          <p:cNvCxnSpPr/>
-          <p:nvPr/>
-        </p:nvCxnSpPr>
-        <p:spPr>
-          <a:xfrm flipH="1">
-            <a:off x="4612124" y="6107486"/>
-            <a:ext cx="237293" cy="1337709"/>
-          </a:xfrm>
-          <a:prstGeom prst="line">
-            <a:avLst/>
-          </a:prstGeom>
-          <a:ln w="25400">
-            <a:solidFill>
-              <a:schemeClr val="accent1">
-                <a:lumMod val="40000"/>
-                <a:lumOff val="60000"/>
-              </a:schemeClr>
-            </a:solidFill>
-          </a:ln>
-        </p:spPr>
-        <p:style>
-          <a:lnRef idx="1">
-            <a:schemeClr val="accent1"/>
-          </a:lnRef>
-          <a:fillRef idx="0">
-            <a:schemeClr val="accent1"/>
-          </a:fillRef>
-          <a:effectRef idx="0">
-            <a:schemeClr val="accent1"/>
-          </a:effectRef>
-          <a:fontRef idx="minor">
-            <a:schemeClr val="tx1"/>
-          </a:fontRef>
-        </p:style>
-      </p:cxnSp>
-      <p:cxnSp>
-        <p:nvCxnSpPr>
-          <p:cNvPr id="17" name="直線コネクタ 16"/>
-          <p:cNvCxnSpPr/>
-          <p:nvPr/>
-        </p:nvCxnSpPr>
-        <p:spPr>
-          <a:xfrm flipH="1">
-            <a:off x="3266646" y="6104219"/>
-            <a:ext cx="1610603" cy="316621"/>
-          </a:xfrm>
-          <a:prstGeom prst="line">
-            <a:avLst/>
-          </a:prstGeom>
-          <a:ln w="25400">
-            <a:solidFill>
-              <a:schemeClr val="accent1">
-                <a:lumMod val="40000"/>
-                <a:lumOff val="60000"/>
-              </a:schemeClr>
-            </a:solidFill>
-          </a:ln>
-        </p:spPr>
-        <p:style>
-          <a:lnRef idx="1">
-            <a:schemeClr val="accent1"/>
-          </a:lnRef>
-          <a:fillRef idx="0">
-            <a:schemeClr val="accent1"/>
-          </a:fillRef>
-          <a:effectRef idx="0">
-            <a:schemeClr val="accent1"/>
-          </a:effectRef>
-          <a:fontRef idx="minor">
-            <a:schemeClr val="tx1"/>
-          </a:fontRef>
-        </p:style>
-      </p:cxnSp>
+        <p:txBody>
+          <a:bodyPr rtlCol="0" anchor="ctr"/>
+          <a:lstStyle/>
+          <a:p>
+            <a:pPr algn="ctr"/>
+            <a:r>
+              <a:rPr kumimoji="1" lang="ja-JP" altLang="en-US" dirty="0" smtClean="0"/>
+              <a:t>タイマ</a:t>
+            </a:r>
+            <a:endParaRPr kumimoji="1" lang="ja-JP" altLang="en-US" dirty="0"/>
+          </a:p>
+        </p:txBody>
+      </p:sp>
     </p:spTree>
     <p:extLst>
       <p:ext uri="{BB962C8B-B14F-4D97-AF65-F5344CB8AC3E}">
-        <p14:creationId xmlns:p14="http://schemas.microsoft.com/office/powerpoint/2010/main" val="1057348968"/>
+        <p14:creationId xmlns:p14="http://schemas.microsoft.com/office/powerpoint/2010/main" val="355548349"/>
       </p:ext>
     </p:extLst>
   </p:cSld>
   <p:clrMapOvr>
     <a:masterClrMapping/>
   </p:clrMapOvr>
-  <p:timing>
-    <p:tnLst>
-      <p:par>
-        <p:cTn id="1" dur="indefinite" restart="never" nodeType="tmRoot"/>
-      </p:par>
-    </p:tnLst>
-  </p:timing>
 </p:sld>
 </file>
 
@@ -5139,7 +4770,7 @@
         </p:blipFill>
         <p:spPr>
           <a:xfrm>
-            <a:off x="7908527" y="3449782"/>
+            <a:off x="8019363" y="3673903"/>
             <a:ext cx="1845074" cy="1780944"/>
           </a:xfrm>
           <a:prstGeom prst="rect">
@@ -5147,93 +4778,6 @@
           </a:prstGeom>
         </p:spPr>
       </p:pic>
-      <p:sp>
-        <p:nvSpPr>
-          <p:cNvPr id="2" name="タイトル 1"/>
-          <p:cNvSpPr>
-            <a:spLocks noGrp="1"/>
-          </p:cNvSpPr>
-          <p:nvPr>
-            <p:ph type="title"/>
-          </p:nvPr>
-        </p:nvSpPr>
-        <p:spPr>
-          <a:xfrm>
-            <a:off x="0" y="0"/>
-            <a:ext cx="8543925" cy="1058863"/>
-          </a:xfrm>
-        </p:spPr>
-        <p:txBody>
-          <a:bodyPr>
-            <a:normAutofit/>
-          </a:bodyPr>
-          <a:lstStyle/>
-          <a:p>
-            <a:r>
-              <a:rPr lang="ja-JP" altLang="en-US" sz="4800" dirty="0">
-                <a:latin typeface="HGS創英角ｺﾞｼｯｸUB" panose="020B0900000000000000" pitchFamily="50" charset="-128"/>
-                <a:ea typeface="HGS創英角ｺﾞｼｯｸUB" panose="020B0900000000000000" pitchFamily="50" charset="-128"/>
-              </a:rPr>
-              <a:t>コンセプト</a:t>
-            </a:r>
-            <a:endParaRPr lang="ja-JP" altLang="en-US" sz="4388" dirty="0">
-              <a:latin typeface="HGS創英角ｺﾞｼｯｸUB" panose="020B0900000000000000" pitchFamily="50" charset="-128"/>
-              <a:ea typeface="HGS創英角ｺﾞｼｯｸUB" panose="020B0900000000000000" pitchFamily="50" charset="-128"/>
-            </a:endParaRPr>
-          </a:p>
-        </p:txBody>
-      </p:sp>
-      <p:sp>
-        <p:nvSpPr>
-          <p:cNvPr id="3" name="テキスト ボックス 2"/>
-          <p:cNvSpPr txBox="1"/>
-          <p:nvPr/>
-        </p:nvSpPr>
-        <p:spPr>
-          <a:xfrm>
-            <a:off x="0" y="3204407"/>
-            <a:ext cx="9906000" cy="584775"/>
-          </a:xfrm>
-          <a:prstGeom prst="rect">
-            <a:avLst/>
-          </a:prstGeom>
-          <a:noFill/>
-        </p:spPr>
-        <p:txBody>
-          <a:bodyPr wrap="square" rtlCol="0">
-            <a:spAutoFit/>
-          </a:bodyPr>
-          <a:lstStyle/>
-          <a:p>
-            <a:pPr algn="ctr"/>
-            <a:r>
-              <a:rPr kumimoji="1" lang="ja-JP" altLang="en-US" sz="3200" b="1" dirty="0" smtClean="0">
-                <a:latin typeface="メイリオ" panose="020B0604030504040204" pitchFamily="50" charset="-128"/>
-                <a:ea typeface="メイリオ" panose="020B0604030504040204" pitchFamily="50" charset="-128"/>
-              </a:rPr>
-              <a:t>縦横無尽に糸を張り巡らせる</a:t>
-            </a:r>
-            <a:r>
-              <a:rPr lang="en-US" altLang="ja-JP" sz="3200" b="1" dirty="0" smtClean="0">
-                <a:latin typeface="メイリオ" panose="020B0604030504040204" pitchFamily="50" charset="-128"/>
-                <a:ea typeface="メイリオ" panose="020B0604030504040204" pitchFamily="50" charset="-128"/>
-              </a:rPr>
-              <a:t>3D</a:t>
-            </a:r>
-            <a:r>
-              <a:rPr lang="ja-JP" altLang="en-US" sz="3200" b="1" dirty="0" smtClean="0">
-                <a:latin typeface="メイリオ" panose="020B0604030504040204" pitchFamily="50" charset="-128"/>
-                <a:ea typeface="メイリオ" panose="020B0604030504040204" pitchFamily="50" charset="-128"/>
-              </a:rPr>
-              <a:t>アクション</a:t>
-            </a:r>
-            <a:endParaRPr kumimoji="1" lang="ja-JP" altLang="en-US" sz="3200" b="1" dirty="0">
-              <a:latin typeface="メイリオ" panose="020B0604030504040204" pitchFamily="50" charset="-128"/>
-              <a:ea typeface="メイリオ" panose="020B0604030504040204" pitchFamily="50" charset="-128"/>
-            </a:endParaRPr>
-          </a:p>
-        </p:txBody>
-      </p:sp>
       <p:pic>
         <p:nvPicPr>
           <p:cNvPr id="6" name="図 5"/>
@@ -5255,7 +4799,7 @@
         </p:blipFill>
         <p:spPr>
           <a:xfrm>
-            <a:off x="-41563" y="1621281"/>
+            <a:off x="-41563" y="1517111"/>
             <a:ext cx="1953491" cy="1925782"/>
           </a:xfrm>
           <a:prstGeom prst="rect">
@@ -5263,6 +4807,303 @@
           </a:prstGeom>
         </p:spPr>
       </p:pic>
+      <p:sp>
+        <p:nvSpPr>
+          <p:cNvPr id="7" name="テキスト ボックス 30"/>
+          <p:cNvSpPr txBox="1"/>
+          <p:nvPr/>
+        </p:nvSpPr>
+        <p:spPr>
+          <a:xfrm>
+            <a:off x="0" y="3185103"/>
+            <a:ext cx="9906000" cy="584775"/>
+          </a:xfrm>
+          <a:prstGeom prst="rect">
+            <a:avLst/>
+          </a:prstGeom>
+          <a:noFill/>
+        </p:spPr>
+        <p:txBody>
+          <a:bodyPr wrap="square" rtlCol="0">
+            <a:spAutoFit/>
+          </a:bodyPr>
+          <a:lstStyle>
+            <a:defPPr>
+              <a:defRPr lang="ja-JP"/>
+            </a:defPPr>
+            <a:lvl1pPr marL="0" algn="l" defTabSz="914400" rtl="0" eaLnBrk="1" latinLnBrk="0" hangingPunct="1">
+              <a:defRPr kumimoji="1" sz="1800" kern="1200">
+                <a:solidFill>
+                  <a:schemeClr val="tx1"/>
+                </a:solidFill>
+                <a:latin typeface="+mn-lt"/>
+                <a:ea typeface="+mn-ea"/>
+                <a:cs typeface="+mn-cs"/>
+              </a:defRPr>
+            </a:lvl1pPr>
+            <a:lvl2pPr marL="457200" algn="l" defTabSz="914400" rtl="0" eaLnBrk="1" latinLnBrk="0" hangingPunct="1">
+              <a:defRPr kumimoji="1" sz="1800" kern="1200">
+                <a:solidFill>
+                  <a:schemeClr val="tx1"/>
+                </a:solidFill>
+                <a:latin typeface="+mn-lt"/>
+                <a:ea typeface="+mn-ea"/>
+                <a:cs typeface="+mn-cs"/>
+              </a:defRPr>
+            </a:lvl2pPr>
+            <a:lvl3pPr marL="914400" algn="l" defTabSz="914400" rtl="0" eaLnBrk="1" latinLnBrk="0" hangingPunct="1">
+              <a:defRPr kumimoji="1" sz="1800" kern="1200">
+                <a:solidFill>
+                  <a:schemeClr val="tx1"/>
+                </a:solidFill>
+                <a:latin typeface="+mn-lt"/>
+                <a:ea typeface="+mn-ea"/>
+                <a:cs typeface="+mn-cs"/>
+              </a:defRPr>
+            </a:lvl3pPr>
+            <a:lvl4pPr marL="1371600" algn="l" defTabSz="914400" rtl="0" eaLnBrk="1" latinLnBrk="0" hangingPunct="1">
+              <a:defRPr kumimoji="1" sz="1800" kern="1200">
+                <a:solidFill>
+                  <a:schemeClr val="tx1"/>
+                </a:solidFill>
+                <a:latin typeface="+mn-lt"/>
+                <a:ea typeface="+mn-ea"/>
+                <a:cs typeface="+mn-cs"/>
+              </a:defRPr>
+            </a:lvl4pPr>
+            <a:lvl5pPr marL="1828800" algn="l" defTabSz="914400" rtl="0" eaLnBrk="1" latinLnBrk="0" hangingPunct="1">
+              <a:defRPr kumimoji="1" sz="1800" kern="1200">
+                <a:solidFill>
+                  <a:schemeClr val="tx1"/>
+                </a:solidFill>
+                <a:latin typeface="+mn-lt"/>
+                <a:ea typeface="+mn-ea"/>
+                <a:cs typeface="+mn-cs"/>
+              </a:defRPr>
+            </a:lvl5pPr>
+            <a:lvl6pPr marL="2286000" algn="l" defTabSz="914400" rtl="0" eaLnBrk="1" latinLnBrk="0" hangingPunct="1">
+              <a:defRPr kumimoji="1" sz="1800" kern="1200">
+                <a:solidFill>
+                  <a:schemeClr val="tx1"/>
+                </a:solidFill>
+                <a:latin typeface="+mn-lt"/>
+                <a:ea typeface="+mn-ea"/>
+                <a:cs typeface="+mn-cs"/>
+              </a:defRPr>
+            </a:lvl6pPr>
+            <a:lvl7pPr marL="2743200" algn="l" defTabSz="914400" rtl="0" eaLnBrk="1" latinLnBrk="0" hangingPunct="1">
+              <a:defRPr kumimoji="1" sz="1800" kern="1200">
+                <a:solidFill>
+                  <a:schemeClr val="tx1"/>
+                </a:solidFill>
+                <a:latin typeface="+mn-lt"/>
+                <a:ea typeface="+mn-ea"/>
+                <a:cs typeface="+mn-cs"/>
+              </a:defRPr>
+            </a:lvl7pPr>
+            <a:lvl8pPr marL="3200400" algn="l" defTabSz="914400" rtl="0" eaLnBrk="1" latinLnBrk="0" hangingPunct="1">
+              <a:defRPr kumimoji="1" sz="1800" kern="1200">
+                <a:solidFill>
+                  <a:schemeClr val="tx1"/>
+                </a:solidFill>
+                <a:latin typeface="+mn-lt"/>
+                <a:ea typeface="+mn-ea"/>
+                <a:cs typeface="+mn-cs"/>
+              </a:defRPr>
+            </a:lvl8pPr>
+            <a:lvl9pPr marL="3657600" algn="l" defTabSz="914400" rtl="0" eaLnBrk="1" latinLnBrk="0" hangingPunct="1">
+              <a:defRPr kumimoji="1" sz="1800" kern="1200">
+                <a:solidFill>
+                  <a:schemeClr val="tx1"/>
+                </a:solidFill>
+                <a:latin typeface="+mn-lt"/>
+                <a:ea typeface="+mn-ea"/>
+                <a:cs typeface="+mn-cs"/>
+              </a:defRPr>
+            </a:lvl9pPr>
+          </a:lstStyle>
+          <a:p>
+            <a:pPr algn="ctr"/>
+            <a:r>
+              <a:rPr lang="ja-JP" altLang="en-US" sz="3200" dirty="0" smtClean="0">
+                <a:solidFill>
+                  <a:schemeClr val="bg1"/>
+                </a:solidFill>
+                <a:effectLst>
+                  <a:glow rad="139700">
+                    <a:schemeClr val="tx1">
+                      <a:alpha val="70000"/>
+                    </a:schemeClr>
+                  </a:glow>
+                </a:effectLst>
+                <a:latin typeface="+mn-ea"/>
+              </a:rPr>
+              <a:t>縦横無尽に糸を張り巡らせる３Ｄアクション</a:t>
+            </a:r>
+            <a:endParaRPr kumimoji="1" lang="ja-JP" altLang="en-US" sz="3200" b="1" dirty="0">
+              <a:solidFill>
+                <a:schemeClr val="bg1"/>
+              </a:solidFill>
+              <a:effectLst>
+                <a:glow rad="139700">
+                  <a:schemeClr val="tx1">
+                    <a:alpha val="70000"/>
+                  </a:schemeClr>
+                </a:glow>
+              </a:effectLst>
+              <a:latin typeface="+mn-ea"/>
+            </a:endParaRPr>
+          </a:p>
+        </p:txBody>
+      </p:sp>
+      <p:sp>
+        <p:nvSpPr>
+          <p:cNvPr id="8" name="テキスト ボックス 30"/>
+          <p:cNvSpPr txBox="1"/>
+          <p:nvPr/>
+        </p:nvSpPr>
+        <p:spPr>
+          <a:xfrm>
+            <a:off x="0" y="47908"/>
+            <a:ext cx="9906000" cy="830997"/>
+          </a:xfrm>
+          <a:prstGeom prst="rect">
+            <a:avLst/>
+          </a:prstGeom>
+          <a:noFill/>
+        </p:spPr>
+        <p:txBody>
+          <a:bodyPr wrap="square" rtlCol="0">
+            <a:spAutoFit/>
+          </a:bodyPr>
+          <a:lstStyle>
+            <a:defPPr>
+              <a:defRPr lang="ja-JP"/>
+            </a:defPPr>
+            <a:lvl1pPr marL="0" algn="l" defTabSz="914400" rtl="0" eaLnBrk="1" latinLnBrk="0" hangingPunct="1">
+              <a:defRPr kumimoji="1" sz="1800" kern="1200">
+                <a:solidFill>
+                  <a:schemeClr val="tx1"/>
+                </a:solidFill>
+                <a:latin typeface="+mn-lt"/>
+                <a:ea typeface="+mn-ea"/>
+                <a:cs typeface="+mn-cs"/>
+              </a:defRPr>
+            </a:lvl1pPr>
+            <a:lvl2pPr marL="457200" algn="l" defTabSz="914400" rtl="0" eaLnBrk="1" latinLnBrk="0" hangingPunct="1">
+              <a:defRPr kumimoji="1" sz="1800" kern="1200">
+                <a:solidFill>
+                  <a:schemeClr val="tx1"/>
+                </a:solidFill>
+                <a:latin typeface="+mn-lt"/>
+                <a:ea typeface="+mn-ea"/>
+                <a:cs typeface="+mn-cs"/>
+              </a:defRPr>
+            </a:lvl2pPr>
+            <a:lvl3pPr marL="914400" algn="l" defTabSz="914400" rtl="0" eaLnBrk="1" latinLnBrk="0" hangingPunct="1">
+              <a:defRPr kumimoji="1" sz="1800" kern="1200">
+                <a:solidFill>
+                  <a:schemeClr val="tx1"/>
+                </a:solidFill>
+                <a:latin typeface="+mn-lt"/>
+                <a:ea typeface="+mn-ea"/>
+                <a:cs typeface="+mn-cs"/>
+              </a:defRPr>
+            </a:lvl3pPr>
+            <a:lvl4pPr marL="1371600" algn="l" defTabSz="914400" rtl="0" eaLnBrk="1" latinLnBrk="0" hangingPunct="1">
+              <a:defRPr kumimoji="1" sz="1800" kern="1200">
+                <a:solidFill>
+                  <a:schemeClr val="tx1"/>
+                </a:solidFill>
+                <a:latin typeface="+mn-lt"/>
+                <a:ea typeface="+mn-ea"/>
+                <a:cs typeface="+mn-cs"/>
+              </a:defRPr>
+            </a:lvl4pPr>
+            <a:lvl5pPr marL="1828800" algn="l" defTabSz="914400" rtl="0" eaLnBrk="1" latinLnBrk="0" hangingPunct="1">
+              <a:defRPr kumimoji="1" sz="1800" kern="1200">
+                <a:solidFill>
+                  <a:schemeClr val="tx1"/>
+                </a:solidFill>
+                <a:latin typeface="+mn-lt"/>
+                <a:ea typeface="+mn-ea"/>
+                <a:cs typeface="+mn-cs"/>
+              </a:defRPr>
+            </a:lvl5pPr>
+            <a:lvl6pPr marL="2286000" algn="l" defTabSz="914400" rtl="0" eaLnBrk="1" latinLnBrk="0" hangingPunct="1">
+              <a:defRPr kumimoji="1" sz="1800" kern="1200">
+                <a:solidFill>
+                  <a:schemeClr val="tx1"/>
+                </a:solidFill>
+                <a:latin typeface="+mn-lt"/>
+                <a:ea typeface="+mn-ea"/>
+                <a:cs typeface="+mn-cs"/>
+              </a:defRPr>
+            </a:lvl6pPr>
+            <a:lvl7pPr marL="2743200" algn="l" defTabSz="914400" rtl="0" eaLnBrk="1" latinLnBrk="0" hangingPunct="1">
+              <a:defRPr kumimoji="1" sz="1800" kern="1200">
+                <a:solidFill>
+                  <a:schemeClr val="tx1"/>
+                </a:solidFill>
+                <a:latin typeface="+mn-lt"/>
+                <a:ea typeface="+mn-ea"/>
+                <a:cs typeface="+mn-cs"/>
+              </a:defRPr>
+            </a:lvl7pPr>
+            <a:lvl8pPr marL="3200400" algn="l" defTabSz="914400" rtl="0" eaLnBrk="1" latinLnBrk="0" hangingPunct="1">
+              <a:defRPr kumimoji="1" sz="1800" kern="1200">
+                <a:solidFill>
+                  <a:schemeClr val="tx1"/>
+                </a:solidFill>
+                <a:latin typeface="+mn-lt"/>
+                <a:ea typeface="+mn-ea"/>
+                <a:cs typeface="+mn-cs"/>
+              </a:defRPr>
+            </a:lvl8pPr>
+            <a:lvl9pPr marL="3657600" algn="l" defTabSz="914400" rtl="0" eaLnBrk="1" latinLnBrk="0" hangingPunct="1">
+              <a:defRPr kumimoji="1" sz="1800" kern="1200">
+                <a:solidFill>
+                  <a:schemeClr val="tx1"/>
+                </a:solidFill>
+                <a:latin typeface="+mn-lt"/>
+                <a:ea typeface="+mn-ea"/>
+                <a:cs typeface="+mn-cs"/>
+              </a:defRPr>
+            </a:lvl9pPr>
+          </a:lstStyle>
+          <a:p>
+            <a:r>
+              <a:rPr lang="ja-JP" altLang="en-US" sz="4800" b="1" dirty="0">
+                <a:solidFill>
+                  <a:schemeClr val="bg1"/>
+                </a:solidFill>
+                <a:effectLst>
+                  <a:glow rad="139700">
+                    <a:schemeClr val="tx1">
+                      <a:alpha val="70000"/>
+                    </a:schemeClr>
+                  </a:glow>
+                </a:effectLst>
+                <a:latin typeface="+mn-ea"/>
+              </a:rPr>
+              <a:t>コンセプト</a:t>
+            </a:r>
+            <a:endParaRPr kumimoji="1" lang="ja-JP" altLang="en-US" sz="4800" b="1" dirty="0">
+              <a:solidFill>
+                <a:schemeClr val="bg1"/>
+              </a:solidFill>
+              <a:effectLst>
+                <a:glow rad="139700">
+                  <a:schemeClr val="tx1">
+                    <a:alpha val="70000"/>
+                  </a:schemeClr>
+                </a:glow>
+              </a:effectLst>
+              <a:latin typeface="+mn-ea"/>
+            </a:endParaRPr>
+          </a:p>
+        </p:txBody>
+      </p:sp>
     </p:spTree>
     <p:extLst>
       <p:ext uri="{BB962C8B-B14F-4D97-AF65-F5344CB8AC3E}">
@@ -5403,42 +5244,6 @@
       </p:cxnSp>
       <p:sp>
         <p:nvSpPr>
-          <p:cNvPr id="2" name="タイトル 1"/>
-          <p:cNvSpPr>
-            <a:spLocks noGrp="1"/>
-          </p:cNvSpPr>
-          <p:nvPr>
-            <p:ph type="title"/>
-          </p:nvPr>
-        </p:nvSpPr>
-        <p:spPr>
-          <a:xfrm>
-            <a:off x="0" y="0"/>
-            <a:ext cx="8543925" cy="1058863"/>
-          </a:xfrm>
-        </p:spPr>
-        <p:txBody>
-          <a:bodyPr>
-            <a:normAutofit/>
-          </a:bodyPr>
-          <a:lstStyle/>
-          <a:p>
-            <a:r>
-              <a:rPr lang="ja-JP" altLang="en-US" sz="4800" dirty="0" smtClean="0">
-                <a:latin typeface="HGS創英角ｺﾞｼｯｸUB" panose="020B0900000000000000" pitchFamily="50" charset="-128"/>
-                <a:ea typeface="HGS創英角ｺﾞｼｯｸUB" panose="020B0900000000000000" pitchFamily="50" charset="-128"/>
-              </a:rPr>
-              <a:t>ゲーム概要</a:t>
-            </a:r>
-            <a:endParaRPr lang="ja-JP" altLang="en-US" sz="4388" dirty="0">
-              <a:latin typeface="HGS創英角ｺﾞｼｯｸUB" panose="020B0900000000000000" pitchFamily="50" charset="-128"/>
-              <a:ea typeface="HGS創英角ｺﾞｼｯｸUB" panose="020B0900000000000000" pitchFamily="50" charset="-128"/>
-            </a:endParaRPr>
-          </a:p>
-        </p:txBody>
-      </p:sp>
-      <p:sp>
-        <p:nvSpPr>
           <p:cNvPr id="4" name="テキスト ボックス 3"/>
           <p:cNvSpPr txBox="1"/>
           <p:nvPr/>
@@ -6019,6 +5824,154 @@
           </a:prstGeom>
         </p:spPr>
       </p:pic>
+      <p:sp>
+        <p:nvSpPr>
+          <p:cNvPr id="22" name="テキスト ボックス 30"/>
+          <p:cNvSpPr txBox="1"/>
+          <p:nvPr/>
+        </p:nvSpPr>
+        <p:spPr>
+          <a:xfrm>
+            <a:off x="0" y="47908"/>
+            <a:ext cx="9906000" cy="830997"/>
+          </a:xfrm>
+          <a:prstGeom prst="rect">
+            <a:avLst/>
+          </a:prstGeom>
+          <a:noFill/>
+        </p:spPr>
+        <p:txBody>
+          <a:bodyPr wrap="square" rtlCol="0">
+            <a:spAutoFit/>
+          </a:bodyPr>
+          <a:lstStyle>
+            <a:defPPr>
+              <a:defRPr lang="ja-JP"/>
+            </a:defPPr>
+            <a:lvl1pPr marL="0" algn="l" defTabSz="914400" rtl="0" eaLnBrk="1" latinLnBrk="0" hangingPunct="1">
+              <a:defRPr kumimoji="1" sz="1800" kern="1200">
+                <a:solidFill>
+                  <a:schemeClr val="tx1"/>
+                </a:solidFill>
+                <a:latin typeface="+mn-lt"/>
+                <a:ea typeface="+mn-ea"/>
+                <a:cs typeface="+mn-cs"/>
+              </a:defRPr>
+            </a:lvl1pPr>
+            <a:lvl2pPr marL="457200" algn="l" defTabSz="914400" rtl="0" eaLnBrk="1" latinLnBrk="0" hangingPunct="1">
+              <a:defRPr kumimoji="1" sz="1800" kern="1200">
+                <a:solidFill>
+                  <a:schemeClr val="tx1"/>
+                </a:solidFill>
+                <a:latin typeface="+mn-lt"/>
+                <a:ea typeface="+mn-ea"/>
+                <a:cs typeface="+mn-cs"/>
+              </a:defRPr>
+            </a:lvl2pPr>
+            <a:lvl3pPr marL="914400" algn="l" defTabSz="914400" rtl="0" eaLnBrk="1" latinLnBrk="0" hangingPunct="1">
+              <a:defRPr kumimoji="1" sz="1800" kern="1200">
+                <a:solidFill>
+                  <a:schemeClr val="tx1"/>
+                </a:solidFill>
+                <a:latin typeface="+mn-lt"/>
+                <a:ea typeface="+mn-ea"/>
+                <a:cs typeface="+mn-cs"/>
+              </a:defRPr>
+            </a:lvl3pPr>
+            <a:lvl4pPr marL="1371600" algn="l" defTabSz="914400" rtl="0" eaLnBrk="1" latinLnBrk="0" hangingPunct="1">
+              <a:defRPr kumimoji="1" sz="1800" kern="1200">
+                <a:solidFill>
+                  <a:schemeClr val="tx1"/>
+                </a:solidFill>
+                <a:latin typeface="+mn-lt"/>
+                <a:ea typeface="+mn-ea"/>
+                <a:cs typeface="+mn-cs"/>
+              </a:defRPr>
+            </a:lvl4pPr>
+            <a:lvl5pPr marL="1828800" algn="l" defTabSz="914400" rtl="0" eaLnBrk="1" latinLnBrk="0" hangingPunct="1">
+              <a:defRPr kumimoji="1" sz="1800" kern="1200">
+                <a:solidFill>
+                  <a:schemeClr val="tx1"/>
+                </a:solidFill>
+                <a:latin typeface="+mn-lt"/>
+                <a:ea typeface="+mn-ea"/>
+                <a:cs typeface="+mn-cs"/>
+              </a:defRPr>
+            </a:lvl5pPr>
+            <a:lvl6pPr marL="2286000" algn="l" defTabSz="914400" rtl="0" eaLnBrk="1" latinLnBrk="0" hangingPunct="1">
+              <a:defRPr kumimoji="1" sz="1800" kern="1200">
+                <a:solidFill>
+                  <a:schemeClr val="tx1"/>
+                </a:solidFill>
+                <a:latin typeface="+mn-lt"/>
+                <a:ea typeface="+mn-ea"/>
+                <a:cs typeface="+mn-cs"/>
+              </a:defRPr>
+            </a:lvl6pPr>
+            <a:lvl7pPr marL="2743200" algn="l" defTabSz="914400" rtl="0" eaLnBrk="1" latinLnBrk="0" hangingPunct="1">
+              <a:defRPr kumimoji="1" sz="1800" kern="1200">
+                <a:solidFill>
+                  <a:schemeClr val="tx1"/>
+                </a:solidFill>
+                <a:latin typeface="+mn-lt"/>
+                <a:ea typeface="+mn-ea"/>
+                <a:cs typeface="+mn-cs"/>
+              </a:defRPr>
+            </a:lvl7pPr>
+            <a:lvl8pPr marL="3200400" algn="l" defTabSz="914400" rtl="0" eaLnBrk="1" latinLnBrk="0" hangingPunct="1">
+              <a:defRPr kumimoji="1" sz="1800" kern="1200">
+                <a:solidFill>
+                  <a:schemeClr val="tx1"/>
+                </a:solidFill>
+                <a:latin typeface="+mn-lt"/>
+                <a:ea typeface="+mn-ea"/>
+                <a:cs typeface="+mn-cs"/>
+              </a:defRPr>
+            </a:lvl8pPr>
+            <a:lvl9pPr marL="3657600" algn="l" defTabSz="914400" rtl="0" eaLnBrk="1" latinLnBrk="0" hangingPunct="1">
+              <a:defRPr kumimoji="1" sz="1800" kern="1200">
+                <a:solidFill>
+                  <a:schemeClr val="tx1"/>
+                </a:solidFill>
+                <a:latin typeface="+mn-lt"/>
+                <a:ea typeface="+mn-ea"/>
+                <a:cs typeface="+mn-cs"/>
+              </a:defRPr>
+            </a:lvl9pPr>
+          </a:lstStyle>
+          <a:p>
+            <a:r>
+              <a:rPr lang="ja-JP" altLang="en-US" sz="4800" b="1" dirty="0" smtClean="0">
+                <a:solidFill>
+                  <a:schemeClr val="bg1"/>
+                </a:solidFill>
+                <a:effectLst>
+                  <a:glow rad="139700">
+                    <a:schemeClr val="tx1">
+                      <a:alpha val="70000"/>
+                    </a:schemeClr>
+                  </a:glow>
+                </a:effectLst>
+                <a:latin typeface="+mn-ea"/>
+              </a:rPr>
+              <a:t>ゲーム概要</a:t>
+            </a:r>
+            <a:endParaRPr kumimoji="1" lang="ja-JP" altLang="en-US" sz="4800" b="1" dirty="0">
+              <a:solidFill>
+                <a:schemeClr val="bg1"/>
+              </a:solidFill>
+              <a:effectLst>
+                <a:glow rad="139700">
+                  <a:schemeClr val="tx1">
+                    <a:alpha val="70000"/>
+                  </a:schemeClr>
+                </a:glow>
+              </a:effectLst>
+              <a:latin typeface="+mn-ea"/>
+            </a:endParaRPr>
+          </a:p>
+        </p:txBody>
+      </p:sp>
     </p:spTree>
     <p:extLst>
       <p:ext uri="{BB962C8B-B14F-4D97-AF65-F5344CB8AC3E}">
@@ -6056,197 +6009,218 @@
           <a:chExt cx="0" cy="0"/>
         </a:xfrm>
       </p:grpSpPr>
+      <p:sp>
+        <p:nvSpPr>
+          <p:cNvPr id="4" name="テキスト ボックス 3"/>
+          <p:cNvSpPr txBox="1"/>
+          <p:nvPr/>
+        </p:nvSpPr>
+        <p:spPr>
+          <a:xfrm>
+            <a:off x="642972" y="1479104"/>
+            <a:ext cx="8655073" cy="1015663"/>
+          </a:xfrm>
+          <a:prstGeom prst="rect">
+            <a:avLst/>
+          </a:prstGeom>
+          <a:noFill/>
+        </p:spPr>
+        <p:txBody>
+          <a:bodyPr wrap="square" rtlCol="0">
+            <a:spAutoFit/>
+          </a:bodyPr>
+          <a:lstStyle/>
+          <a:p>
+            <a:r>
+              <a:rPr lang="ja-JP" altLang="en-US" sz="2000" b="1" dirty="0" smtClean="0">
+                <a:latin typeface="メイリオ" panose="020B0604030504040204" pitchFamily="50" charset="-128"/>
+                <a:ea typeface="メイリオ" panose="020B0604030504040204" pitchFamily="50" charset="-128"/>
+              </a:rPr>
+              <a:t>フィールド全体には木がいくつも置かれている</a:t>
+            </a:r>
+            <a:endParaRPr lang="en-US" altLang="ja-JP" sz="2000" b="1" dirty="0" smtClean="0">
+              <a:latin typeface="メイリオ" panose="020B0604030504040204" pitchFamily="50" charset="-128"/>
+              <a:ea typeface="メイリオ" panose="020B0604030504040204" pitchFamily="50" charset="-128"/>
+            </a:endParaRPr>
+          </a:p>
+          <a:p>
+            <a:r>
+              <a:rPr kumimoji="1" lang="ja-JP" altLang="en-US" sz="2000" b="1" dirty="0">
+                <a:latin typeface="メイリオ" panose="020B0604030504040204" pitchFamily="50" charset="-128"/>
+                <a:ea typeface="メイリオ" panose="020B0604030504040204" pitchFamily="50" charset="-128"/>
+              </a:rPr>
+              <a:t>プレイヤ</a:t>
+            </a:r>
+            <a:r>
+              <a:rPr lang="ja-JP" altLang="en-US" sz="2000" b="1" dirty="0">
+                <a:latin typeface="メイリオ" panose="020B0604030504040204" pitchFamily="50" charset="-128"/>
+                <a:ea typeface="メイリオ" panose="020B0604030504040204" pitchFamily="50" charset="-128"/>
+              </a:rPr>
+              <a:t>ーは木にカーソルを合わせることでその地点</a:t>
+            </a:r>
+            <a:r>
+              <a:rPr lang="ja-JP" altLang="en-US" sz="2000" b="1" dirty="0" smtClean="0">
+                <a:latin typeface="メイリオ" panose="020B0604030504040204" pitchFamily="50" charset="-128"/>
+                <a:ea typeface="メイリオ" panose="020B0604030504040204" pitchFamily="50" charset="-128"/>
+              </a:rPr>
+              <a:t>に跳ぶ</a:t>
+            </a:r>
+            <a:endParaRPr lang="en-US" altLang="ja-JP" sz="2000" b="1" dirty="0" smtClean="0">
+              <a:latin typeface="メイリオ" panose="020B0604030504040204" pitchFamily="50" charset="-128"/>
+              <a:ea typeface="メイリオ" panose="020B0604030504040204" pitchFamily="50" charset="-128"/>
+            </a:endParaRPr>
+          </a:p>
+          <a:p>
+            <a:r>
+              <a:rPr lang="ja-JP" altLang="en-US" sz="2000" b="1" dirty="0">
+                <a:latin typeface="メイリオ" panose="020B0604030504040204" pitchFamily="50" charset="-128"/>
+                <a:ea typeface="メイリオ" panose="020B0604030504040204" pitchFamily="50" charset="-128"/>
+              </a:rPr>
+              <a:t>木に着地</a:t>
+            </a:r>
+            <a:r>
+              <a:rPr lang="ja-JP" altLang="en-US" sz="2000" b="1" dirty="0" smtClean="0">
+                <a:latin typeface="メイリオ" panose="020B0604030504040204" pitchFamily="50" charset="-128"/>
+                <a:ea typeface="メイリオ" panose="020B0604030504040204" pitchFamily="50" charset="-128"/>
+              </a:rPr>
+              <a:t>した時、木と木の間に糸</a:t>
+            </a:r>
+            <a:r>
+              <a:rPr lang="ja-JP" altLang="en-US" sz="2000" b="1" dirty="0">
+                <a:latin typeface="メイリオ" panose="020B0604030504040204" pitchFamily="50" charset="-128"/>
+                <a:ea typeface="メイリオ" panose="020B0604030504040204" pitchFamily="50" charset="-128"/>
+              </a:rPr>
+              <a:t>が貼られる</a:t>
+            </a:r>
+            <a:endParaRPr kumimoji="1" lang="ja-JP" altLang="en-US" sz="2000" b="1" dirty="0">
+              <a:latin typeface="メイリオ" panose="020B0604030504040204" pitchFamily="50" charset="-128"/>
+              <a:ea typeface="メイリオ" panose="020B0604030504040204" pitchFamily="50" charset="-128"/>
+            </a:endParaRPr>
+          </a:p>
+        </p:txBody>
+      </p:sp>
       <p:pic>
         <p:nvPicPr>
-          <p:cNvPr id="4" name="図 3"/>
+          <p:cNvPr id="3" name="図 2"/>
           <p:cNvPicPr>
             <a:picLocks noChangeAspect="1"/>
           </p:cNvPicPr>
           <p:nvPr/>
         </p:nvPicPr>
-        <p:blipFill>
-          <a:blip r:embed="rId2">
+        <p:blipFill rotWithShape="1">
+          <a:blip r:embed="rId3" cstate="print">
             <a:extLst>
               <a:ext uri="{28A0092B-C50C-407E-A947-70E740481C1C}">
                 <a14:useLocalDpi xmlns:a14="http://schemas.microsoft.com/office/drawing/2010/main" val="0"/>
               </a:ext>
             </a:extLst>
           </a:blip>
-          <a:stretch>
-            <a:fillRect/>
-          </a:stretch>
+          <a:srcRect l="-41" r="-1273"/>
+          <a:stretch/>
         </p:blipFill>
         <p:spPr>
           <a:xfrm>
-            <a:off x="1055992" y="1359262"/>
-            <a:ext cx="7884793" cy="4442137"/>
+            <a:off x="235623" y="2723432"/>
+            <a:ext cx="4734886" cy="2632968"/>
           </a:xfrm>
           <a:prstGeom prst="rect">
             <a:avLst/>
           </a:prstGeom>
         </p:spPr>
       </p:pic>
-      <p:sp>
-        <p:nvSpPr>
-          <p:cNvPr id="2" name="タイトル 1"/>
-          <p:cNvSpPr>
-            <a:spLocks noGrp="1"/>
-          </p:cNvSpPr>
-          <p:nvPr>
-            <p:ph type="title"/>
-          </p:nvPr>
-        </p:nvSpPr>
+      <p:pic>
+        <p:nvPicPr>
+          <p:cNvPr id="5" name="図 4"/>
+          <p:cNvPicPr>
+            <a:picLocks noChangeAspect="1"/>
+          </p:cNvPicPr>
+          <p:nvPr/>
+        </p:nvPicPr>
+        <p:blipFill rotWithShape="1">
+          <a:blip r:embed="rId4" cstate="print">
+            <a:extLst>
+              <a:ext uri="{28A0092B-C50C-407E-A947-70E740481C1C}">
+                <a14:useLocalDpi xmlns:a14="http://schemas.microsoft.com/office/drawing/2010/main" val="0"/>
+              </a:ext>
+            </a:extLst>
+          </a:blip>
+          <a:srcRect l="97" r="195"/>
+          <a:stretch/>
+        </p:blipFill>
         <p:spPr>
           <a:xfrm>
-            <a:off x="0" y="0"/>
-            <a:ext cx="8543925" cy="1058863"/>
-          </a:xfrm>
-        </p:spPr>
-        <p:txBody>
-          <a:bodyPr>
-            <a:normAutofit/>
-          </a:bodyPr>
-          <a:lstStyle/>
-          <a:p>
-            <a:r>
-              <a:rPr lang="ja-JP" altLang="en-US" sz="4388" dirty="0" smtClean="0">
-                <a:latin typeface="HGS創英角ｺﾞｼｯｸUB" panose="020B0900000000000000" pitchFamily="50" charset="-128"/>
-                <a:ea typeface="HGS創英角ｺﾞｼｯｸUB" panose="020B0900000000000000" pitchFamily="50" charset="-128"/>
-              </a:rPr>
-              <a:t>画面イメージ</a:t>
-            </a:r>
-            <a:endParaRPr lang="ja-JP" altLang="en-US" sz="4388" dirty="0">
-              <a:latin typeface="HGS創英角ｺﾞｼｯｸUB" panose="020B0900000000000000" pitchFamily="50" charset="-128"/>
-              <a:ea typeface="HGS創英角ｺﾞｼｯｸUB" panose="020B0900000000000000" pitchFamily="50" charset="-128"/>
-            </a:endParaRPr>
-          </a:p>
-        </p:txBody>
-      </p:sp>
-      <p:sp>
-        <p:nvSpPr>
-          <p:cNvPr id="63" name="テキスト ボックス 62"/>
-          <p:cNvSpPr txBox="1"/>
-          <p:nvPr/>
-        </p:nvSpPr>
-        <p:spPr>
-          <a:xfrm>
-            <a:off x="0" y="1359262"/>
-            <a:ext cx="1252859" cy="400110"/>
+            <a:off x="5177313" y="2723432"/>
+            <a:ext cx="4659847" cy="2632967"/>
           </a:xfrm>
           <a:prstGeom prst="rect">
             <a:avLst/>
           </a:prstGeom>
-          <a:noFill/>
-        </p:spPr>
-        <p:txBody>
-          <a:bodyPr wrap="square" rtlCol="0">
-            <a:spAutoFit/>
-          </a:bodyPr>
-          <a:lstStyle/>
-          <a:p>
-            <a:r>
-              <a:rPr kumimoji="1" lang="ja-JP" altLang="en-US" sz="2000" b="1" dirty="0" smtClean="0">
-                <a:latin typeface="メイリオ" panose="020B0604030504040204" pitchFamily="50" charset="-128"/>
-                <a:ea typeface="メイリオ" panose="020B0604030504040204" pitchFamily="50" charset="-128"/>
-              </a:rPr>
-              <a:t>糸残量</a:t>
-            </a:r>
-            <a:endParaRPr kumimoji="1" lang="ja-JP" altLang="en-US" sz="2000" b="1" dirty="0">
-              <a:latin typeface="メイリオ" panose="020B0604030504040204" pitchFamily="50" charset="-128"/>
-              <a:ea typeface="メイリオ" panose="020B0604030504040204" pitchFamily="50" charset="-128"/>
-            </a:endParaRPr>
-          </a:p>
-        </p:txBody>
-      </p:sp>
-      <p:sp>
-        <p:nvSpPr>
-          <p:cNvPr id="64" name="テキスト ボックス 63"/>
-          <p:cNvSpPr txBox="1"/>
+        </p:spPr>
+      </p:pic>
+      <p:sp>
+        <p:nvSpPr>
+          <p:cNvPr id="26" name="右矢印 25"/>
+          <p:cNvSpPr/>
           <p:nvPr/>
         </p:nvSpPr>
         <p:spPr>
           <a:xfrm>
-            <a:off x="5380083" y="6298120"/>
-            <a:ext cx="1865054" cy="400110"/>
-          </a:xfrm>
-          <a:prstGeom prst="rect">
-            <a:avLst/>
+            <a:off x="4770672" y="3651505"/>
+            <a:ext cx="606479" cy="776819"/>
+          </a:xfrm>
+          <a:prstGeom prst="rightArrow">
+            <a:avLst>
+              <a:gd name="adj1" fmla="val 50000"/>
+              <a:gd name="adj2" fmla="val 62000"/>
+            </a:avLst>
           </a:prstGeom>
-          <a:noFill/>
-        </p:spPr>
-        <p:txBody>
-          <a:bodyPr wrap="square" rtlCol="0">
-            <a:spAutoFit/>
-          </a:bodyPr>
-          <a:lstStyle/>
-          <a:p>
-            <a:r>
-              <a:rPr lang="ja-JP" altLang="en-US" sz="2000" b="1" dirty="0">
-                <a:latin typeface="メイリオ" panose="020B0604030504040204" pitchFamily="50" charset="-128"/>
-                <a:ea typeface="メイリオ" panose="020B0604030504040204" pitchFamily="50" charset="-128"/>
-              </a:rPr>
-              <a:t>プレイヤ</a:t>
-            </a:r>
-            <a:r>
-              <a:rPr lang="ja-JP" altLang="en-US" sz="2000" b="1" dirty="0" smtClean="0">
-                <a:latin typeface="メイリオ" panose="020B0604030504040204" pitchFamily="50" charset="-128"/>
-                <a:ea typeface="メイリオ" panose="020B0604030504040204" pitchFamily="50" charset="-128"/>
-              </a:rPr>
-              <a:t>ー</a:t>
-            </a:r>
-            <a:endParaRPr kumimoji="1" lang="ja-JP" altLang="en-US" sz="2000" b="1" dirty="0">
-              <a:latin typeface="メイリオ" panose="020B0604030504040204" pitchFamily="50" charset="-128"/>
-              <a:ea typeface="メイリオ" panose="020B0604030504040204" pitchFamily="50" charset="-128"/>
-            </a:endParaRPr>
-          </a:p>
-        </p:txBody>
-      </p:sp>
-      <p:cxnSp>
-        <p:nvCxnSpPr>
-          <p:cNvPr id="75" name="直線矢印コネクタ 74"/>
-          <p:cNvCxnSpPr/>
-          <p:nvPr/>
-        </p:nvCxnSpPr>
-        <p:spPr>
-          <a:xfrm flipH="1" flipV="1">
-            <a:off x="5138670" y="4868214"/>
-            <a:ext cx="798647" cy="1333296"/>
-          </a:xfrm>
-          <a:prstGeom prst="straightConnector1">
-            <a:avLst/>
-          </a:prstGeom>
-          <a:ln w="57150">
+          <a:solidFill>
+            <a:srgbClr val="FFFF00"/>
+          </a:solidFill>
+          <a:ln>
             <a:solidFill>
-              <a:srgbClr val="FFFF00"/>
+              <a:schemeClr val="tx1">
+                <a:lumMod val="75000"/>
+                <a:lumOff val="25000"/>
+              </a:schemeClr>
             </a:solidFill>
-            <a:tailEnd type="triangle"/>
           </a:ln>
         </p:spPr>
         <p:style>
-          <a:lnRef idx="1">
-            <a:schemeClr val="accent1"/>
+          <a:lnRef idx="2">
+            <a:schemeClr val="accent1">
+              <a:shade val="50000"/>
+            </a:schemeClr>
           </a:lnRef>
-          <a:fillRef idx="0">
+          <a:fillRef idx="1">
             <a:schemeClr val="accent1"/>
           </a:fillRef>
           <a:effectRef idx="0">
             <a:schemeClr val="accent1"/>
           </a:effectRef>
           <a:fontRef idx="minor">
-            <a:schemeClr val="tx1"/>
+            <a:schemeClr val="lt1"/>
           </a:fontRef>
         </p:style>
-      </p:cxnSp>
-      <p:sp>
-        <p:nvSpPr>
-          <p:cNvPr id="15" name="テキスト ボックス 14"/>
+        <p:txBody>
+          <a:bodyPr rtlCol="0" anchor="ctr"/>
+          <a:lstStyle/>
+          <a:p>
+            <a:pPr algn="ctr"/>
+            <a:endParaRPr kumimoji="1" lang="ja-JP" altLang="en-US"/>
+          </a:p>
+        </p:txBody>
+      </p:sp>
+      <p:sp>
+        <p:nvSpPr>
+          <p:cNvPr id="8" name="テキスト ボックス 30"/>
           <p:cNvSpPr txBox="1"/>
           <p:nvPr/>
         </p:nvSpPr>
         <p:spPr>
           <a:xfrm>
-            <a:off x="8008258" y="6298471"/>
-            <a:ext cx="1865054" cy="400110"/>
+            <a:off x="235623" y="5385007"/>
+            <a:ext cx="4734885" cy="400110"/>
           </a:xfrm>
           <a:prstGeom prst="rect">
             <a:avLst/>
@@ -6257,62 +6231,500 @@
           <a:bodyPr wrap="square" rtlCol="0">
             <a:spAutoFit/>
           </a:bodyPr>
-          <a:lstStyle/>
-          <a:p>
+          <a:lstStyle>
+            <a:defPPr>
+              <a:defRPr lang="ja-JP"/>
+            </a:defPPr>
+            <a:lvl1pPr marL="0" algn="l" defTabSz="914400" rtl="0" eaLnBrk="1" latinLnBrk="0" hangingPunct="1">
+              <a:defRPr kumimoji="1" sz="1800" kern="1200">
+                <a:solidFill>
+                  <a:schemeClr val="tx1"/>
+                </a:solidFill>
+                <a:latin typeface="+mn-lt"/>
+                <a:ea typeface="+mn-ea"/>
+                <a:cs typeface="+mn-cs"/>
+              </a:defRPr>
+            </a:lvl1pPr>
+            <a:lvl2pPr marL="457200" algn="l" defTabSz="914400" rtl="0" eaLnBrk="1" latinLnBrk="0" hangingPunct="1">
+              <a:defRPr kumimoji="1" sz="1800" kern="1200">
+                <a:solidFill>
+                  <a:schemeClr val="tx1"/>
+                </a:solidFill>
+                <a:latin typeface="+mn-lt"/>
+                <a:ea typeface="+mn-ea"/>
+                <a:cs typeface="+mn-cs"/>
+              </a:defRPr>
+            </a:lvl2pPr>
+            <a:lvl3pPr marL="914400" algn="l" defTabSz="914400" rtl="0" eaLnBrk="1" latinLnBrk="0" hangingPunct="1">
+              <a:defRPr kumimoji="1" sz="1800" kern="1200">
+                <a:solidFill>
+                  <a:schemeClr val="tx1"/>
+                </a:solidFill>
+                <a:latin typeface="+mn-lt"/>
+                <a:ea typeface="+mn-ea"/>
+                <a:cs typeface="+mn-cs"/>
+              </a:defRPr>
+            </a:lvl3pPr>
+            <a:lvl4pPr marL="1371600" algn="l" defTabSz="914400" rtl="0" eaLnBrk="1" latinLnBrk="0" hangingPunct="1">
+              <a:defRPr kumimoji="1" sz="1800" kern="1200">
+                <a:solidFill>
+                  <a:schemeClr val="tx1"/>
+                </a:solidFill>
+                <a:latin typeface="+mn-lt"/>
+                <a:ea typeface="+mn-ea"/>
+                <a:cs typeface="+mn-cs"/>
+              </a:defRPr>
+            </a:lvl4pPr>
+            <a:lvl5pPr marL="1828800" algn="l" defTabSz="914400" rtl="0" eaLnBrk="1" latinLnBrk="0" hangingPunct="1">
+              <a:defRPr kumimoji="1" sz="1800" kern="1200">
+                <a:solidFill>
+                  <a:schemeClr val="tx1"/>
+                </a:solidFill>
+                <a:latin typeface="+mn-lt"/>
+                <a:ea typeface="+mn-ea"/>
+                <a:cs typeface="+mn-cs"/>
+              </a:defRPr>
+            </a:lvl5pPr>
+            <a:lvl6pPr marL="2286000" algn="l" defTabSz="914400" rtl="0" eaLnBrk="1" latinLnBrk="0" hangingPunct="1">
+              <a:defRPr kumimoji="1" sz="1800" kern="1200">
+                <a:solidFill>
+                  <a:schemeClr val="tx1"/>
+                </a:solidFill>
+                <a:latin typeface="+mn-lt"/>
+                <a:ea typeface="+mn-ea"/>
+                <a:cs typeface="+mn-cs"/>
+              </a:defRPr>
+            </a:lvl6pPr>
+            <a:lvl7pPr marL="2743200" algn="l" defTabSz="914400" rtl="0" eaLnBrk="1" latinLnBrk="0" hangingPunct="1">
+              <a:defRPr kumimoji="1" sz="1800" kern="1200">
+                <a:solidFill>
+                  <a:schemeClr val="tx1"/>
+                </a:solidFill>
+                <a:latin typeface="+mn-lt"/>
+                <a:ea typeface="+mn-ea"/>
+                <a:cs typeface="+mn-cs"/>
+              </a:defRPr>
+            </a:lvl7pPr>
+            <a:lvl8pPr marL="3200400" algn="l" defTabSz="914400" rtl="0" eaLnBrk="1" latinLnBrk="0" hangingPunct="1">
+              <a:defRPr kumimoji="1" sz="1800" kern="1200">
+                <a:solidFill>
+                  <a:schemeClr val="tx1"/>
+                </a:solidFill>
+                <a:latin typeface="+mn-lt"/>
+                <a:ea typeface="+mn-ea"/>
+                <a:cs typeface="+mn-cs"/>
+              </a:defRPr>
+            </a:lvl8pPr>
+            <a:lvl9pPr marL="3657600" algn="l" defTabSz="914400" rtl="0" eaLnBrk="1" latinLnBrk="0" hangingPunct="1">
+              <a:defRPr kumimoji="1" sz="1800" kern="1200">
+                <a:solidFill>
+                  <a:schemeClr val="tx1"/>
+                </a:solidFill>
+                <a:latin typeface="+mn-lt"/>
+                <a:ea typeface="+mn-ea"/>
+                <a:cs typeface="+mn-cs"/>
+              </a:defRPr>
+            </a:lvl9pPr>
+          </a:lstStyle>
+          <a:p>
+            <a:pPr algn="ctr"/>
             <a:r>
               <a:rPr lang="ja-JP" altLang="en-US" sz="2000" b="1" dirty="0" smtClean="0">
-                <a:latin typeface="メイリオ" panose="020B0604030504040204" pitchFamily="50" charset="-128"/>
-                <a:ea typeface="メイリオ" panose="020B0604030504040204" pitchFamily="50" charset="-128"/>
+                <a:solidFill>
+                  <a:schemeClr val="bg1"/>
+                </a:solidFill>
+                <a:effectLst>
+                  <a:glow rad="139700">
+                    <a:schemeClr val="tx1">
+                      <a:alpha val="70000"/>
+                    </a:schemeClr>
+                  </a:glow>
+                </a:effectLst>
+                <a:latin typeface="+mn-ea"/>
               </a:rPr>
-              <a:t>ミニマップ</a:t>
-            </a:r>
-            <a:endParaRPr kumimoji="1" lang="ja-JP" altLang="en-US" sz="2000" b="1" dirty="0">
-              <a:latin typeface="メイリオ" panose="020B0604030504040204" pitchFamily="50" charset="-128"/>
-              <a:ea typeface="メイリオ" panose="020B0604030504040204" pitchFamily="50" charset="-128"/>
+              <a:t>行きたい木へ</a:t>
+            </a:r>
+            <a:r>
+              <a:rPr lang="ja-JP" altLang="en-US" sz="2000" b="1" dirty="0" smtClean="0">
+                <a:solidFill>
+                  <a:schemeClr val="bg1"/>
+                </a:solidFill>
+                <a:effectLst>
+                  <a:glow rad="139700">
+                    <a:schemeClr val="tx1">
+                      <a:alpha val="70000"/>
+                    </a:schemeClr>
+                  </a:glow>
+                </a:effectLst>
+                <a:latin typeface="+mn-ea"/>
+              </a:rPr>
+              <a:t>ジャンプ</a:t>
+            </a:r>
+            <a:r>
+              <a:rPr lang="ja-JP" altLang="en-US" sz="2000" b="1" dirty="0">
+                <a:solidFill>
+                  <a:schemeClr val="bg1"/>
+                </a:solidFill>
+                <a:effectLst>
+                  <a:glow rad="139700">
+                    <a:schemeClr val="tx1">
+                      <a:alpha val="70000"/>
+                    </a:schemeClr>
+                  </a:glow>
+                </a:effectLst>
+                <a:latin typeface="+mn-ea"/>
+              </a:rPr>
+              <a:t>！</a:t>
+            </a:r>
+            <a:endParaRPr lang="en-US" altLang="ja-JP" sz="2000" b="1" dirty="0" smtClean="0">
+              <a:solidFill>
+                <a:schemeClr val="bg1"/>
+              </a:solidFill>
+              <a:effectLst>
+                <a:glow rad="139700">
+                  <a:schemeClr val="tx1">
+                    <a:alpha val="70000"/>
+                  </a:schemeClr>
+                </a:glow>
+              </a:effectLst>
+              <a:latin typeface="+mn-ea"/>
             </a:endParaRPr>
           </a:p>
         </p:txBody>
       </p:sp>
-      <p:cxnSp>
-        <p:nvCxnSpPr>
-          <p:cNvPr id="16" name="直線矢印コネクタ 15"/>
-          <p:cNvCxnSpPr/>
+      <p:sp>
+        <p:nvSpPr>
+          <p:cNvPr id="9" name="テキスト ボックス 30"/>
+          <p:cNvSpPr txBox="1"/>
           <p:nvPr/>
-        </p:nvCxnSpPr>
-        <p:spPr>
-          <a:xfrm flipH="1" flipV="1">
-            <a:off x="8320906" y="5666704"/>
-            <a:ext cx="239414" cy="632923"/>
-          </a:xfrm>
-          <a:prstGeom prst="straightConnector1">
+        </p:nvSpPr>
+        <p:spPr>
+          <a:xfrm>
+            <a:off x="5162845" y="5385007"/>
+            <a:ext cx="4734885" cy="400110"/>
+          </a:xfrm>
+          <a:prstGeom prst="rect">
             <a:avLst/>
           </a:prstGeom>
-          <a:ln w="57150">
-            <a:solidFill>
-              <a:srgbClr val="FFFF00"/>
-            </a:solidFill>
-            <a:tailEnd type="triangle"/>
-          </a:ln>
-        </p:spPr>
-        <p:style>
-          <a:lnRef idx="1">
-            <a:schemeClr val="accent1"/>
-          </a:lnRef>
-          <a:fillRef idx="0">
-            <a:schemeClr val="accent1"/>
-          </a:fillRef>
-          <a:effectRef idx="0">
-            <a:schemeClr val="accent1"/>
-          </a:effectRef>
-          <a:fontRef idx="minor">
-            <a:schemeClr val="tx1"/>
-          </a:fontRef>
-        </p:style>
-      </p:cxnSp>
+          <a:noFill/>
+        </p:spPr>
+        <p:txBody>
+          <a:bodyPr wrap="square" rtlCol="0">
+            <a:spAutoFit/>
+          </a:bodyPr>
+          <a:lstStyle>
+            <a:defPPr>
+              <a:defRPr lang="ja-JP"/>
+            </a:defPPr>
+            <a:lvl1pPr marL="0" algn="l" defTabSz="914400" rtl="0" eaLnBrk="1" latinLnBrk="0" hangingPunct="1">
+              <a:defRPr kumimoji="1" sz="1800" kern="1200">
+                <a:solidFill>
+                  <a:schemeClr val="tx1"/>
+                </a:solidFill>
+                <a:latin typeface="+mn-lt"/>
+                <a:ea typeface="+mn-ea"/>
+                <a:cs typeface="+mn-cs"/>
+              </a:defRPr>
+            </a:lvl1pPr>
+            <a:lvl2pPr marL="457200" algn="l" defTabSz="914400" rtl="0" eaLnBrk="1" latinLnBrk="0" hangingPunct="1">
+              <a:defRPr kumimoji="1" sz="1800" kern="1200">
+                <a:solidFill>
+                  <a:schemeClr val="tx1"/>
+                </a:solidFill>
+                <a:latin typeface="+mn-lt"/>
+                <a:ea typeface="+mn-ea"/>
+                <a:cs typeface="+mn-cs"/>
+              </a:defRPr>
+            </a:lvl2pPr>
+            <a:lvl3pPr marL="914400" algn="l" defTabSz="914400" rtl="0" eaLnBrk="1" latinLnBrk="0" hangingPunct="1">
+              <a:defRPr kumimoji="1" sz="1800" kern="1200">
+                <a:solidFill>
+                  <a:schemeClr val="tx1"/>
+                </a:solidFill>
+                <a:latin typeface="+mn-lt"/>
+                <a:ea typeface="+mn-ea"/>
+                <a:cs typeface="+mn-cs"/>
+              </a:defRPr>
+            </a:lvl3pPr>
+            <a:lvl4pPr marL="1371600" algn="l" defTabSz="914400" rtl="0" eaLnBrk="1" latinLnBrk="0" hangingPunct="1">
+              <a:defRPr kumimoji="1" sz="1800" kern="1200">
+                <a:solidFill>
+                  <a:schemeClr val="tx1"/>
+                </a:solidFill>
+                <a:latin typeface="+mn-lt"/>
+                <a:ea typeface="+mn-ea"/>
+                <a:cs typeface="+mn-cs"/>
+              </a:defRPr>
+            </a:lvl4pPr>
+            <a:lvl5pPr marL="1828800" algn="l" defTabSz="914400" rtl="0" eaLnBrk="1" latinLnBrk="0" hangingPunct="1">
+              <a:defRPr kumimoji="1" sz="1800" kern="1200">
+                <a:solidFill>
+                  <a:schemeClr val="tx1"/>
+                </a:solidFill>
+                <a:latin typeface="+mn-lt"/>
+                <a:ea typeface="+mn-ea"/>
+                <a:cs typeface="+mn-cs"/>
+              </a:defRPr>
+            </a:lvl5pPr>
+            <a:lvl6pPr marL="2286000" algn="l" defTabSz="914400" rtl="0" eaLnBrk="1" latinLnBrk="0" hangingPunct="1">
+              <a:defRPr kumimoji="1" sz="1800" kern="1200">
+                <a:solidFill>
+                  <a:schemeClr val="tx1"/>
+                </a:solidFill>
+                <a:latin typeface="+mn-lt"/>
+                <a:ea typeface="+mn-ea"/>
+                <a:cs typeface="+mn-cs"/>
+              </a:defRPr>
+            </a:lvl6pPr>
+            <a:lvl7pPr marL="2743200" algn="l" defTabSz="914400" rtl="0" eaLnBrk="1" latinLnBrk="0" hangingPunct="1">
+              <a:defRPr kumimoji="1" sz="1800" kern="1200">
+                <a:solidFill>
+                  <a:schemeClr val="tx1"/>
+                </a:solidFill>
+                <a:latin typeface="+mn-lt"/>
+                <a:ea typeface="+mn-ea"/>
+                <a:cs typeface="+mn-cs"/>
+              </a:defRPr>
+            </a:lvl7pPr>
+            <a:lvl8pPr marL="3200400" algn="l" defTabSz="914400" rtl="0" eaLnBrk="1" latinLnBrk="0" hangingPunct="1">
+              <a:defRPr kumimoji="1" sz="1800" kern="1200">
+                <a:solidFill>
+                  <a:schemeClr val="tx1"/>
+                </a:solidFill>
+                <a:latin typeface="+mn-lt"/>
+                <a:ea typeface="+mn-ea"/>
+                <a:cs typeface="+mn-cs"/>
+              </a:defRPr>
+            </a:lvl8pPr>
+            <a:lvl9pPr marL="3657600" algn="l" defTabSz="914400" rtl="0" eaLnBrk="1" latinLnBrk="0" hangingPunct="1">
+              <a:defRPr kumimoji="1" sz="1800" kern="1200">
+                <a:solidFill>
+                  <a:schemeClr val="tx1"/>
+                </a:solidFill>
+                <a:latin typeface="+mn-lt"/>
+                <a:ea typeface="+mn-ea"/>
+                <a:cs typeface="+mn-cs"/>
+              </a:defRPr>
+            </a:lvl9pPr>
+          </a:lstStyle>
+          <a:p>
+            <a:pPr algn="ctr"/>
+            <a:r>
+              <a:rPr lang="ja-JP" altLang="en-US" sz="2000" b="1" dirty="0">
+                <a:solidFill>
+                  <a:schemeClr val="bg1"/>
+                </a:solidFill>
+                <a:effectLst>
+                  <a:glow rad="139700">
+                    <a:schemeClr val="tx1">
+                      <a:alpha val="70000"/>
+                    </a:schemeClr>
+                  </a:glow>
+                </a:effectLst>
+                <a:latin typeface="+mn-ea"/>
+              </a:rPr>
+              <a:t>木</a:t>
+            </a:r>
+            <a:r>
+              <a:rPr lang="ja-JP" altLang="en-US" sz="2000" b="1" dirty="0" smtClean="0">
+                <a:solidFill>
+                  <a:schemeClr val="bg1"/>
+                </a:solidFill>
+                <a:effectLst>
+                  <a:glow rad="139700">
+                    <a:schemeClr val="tx1">
+                      <a:alpha val="70000"/>
+                    </a:schemeClr>
+                  </a:glow>
+                </a:effectLst>
+                <a:latin typeface="+mn-ea"/>
+              </a:rPr>
+              <a:t>の</a:t>
+            </a:r>
+            <a:r>
+              <a:rPr kumimoji="1" lang="ja-JP" altLang="en-US" sz="2000" b="1" dirty="0" smtClean="0">
+                <a:solidFill>
+                  <a:schemeClr val="bg1"/>
+                </a:solidFill>
+                <a:effectLst>
+                  <a:glow rad="139700">
+                    <a:schemeClr val="tx1">
+                      <a:alpha val="70000"/>
+                    </a:schemeClr>
+                  </a:glow>
+                </a:effectLst>
+                <a:latin typeface="+mn-ea"/>
+              </a:rPr>
+              <a:t>間に糸が張られる</a:t>
+            </a:r>
+            <a:endParaRPr kumimoji="1" lang="ja-JP" altLang="en-US" sz="2000" b="1" dirty="0">
+              <a:solidFill>
+                <a:schemeClr val="bg1"/>
+              </a:solidFill>
+              <a:effectLst>
+                <a:glow rad="139700">
+                  <a:schemeClr val="tx1">
+                    <a:alpha val="70000"/>
+                  </a:schemeClr>
+                </a:glow>
+              </a:effectLst>
+              <a:latin typeface="+mn-ea"/>
+            </a:endParaRPr>
+          </a:p>
+        </p:txBody>
+      </p:sp>
+      <p:sp>
+        <p:nvSpPr>
+          <p:cNvPr id="10" name="テキスト ボックス 30"/>
+          <p:cNvSpPr txBox="1"/>
+          <p:nvPr/>
+        </p:nvSpPr>
+        <p:spPr>
+          <a:xfrm>
+            <a:off x="0" y="47908"/>
+            <a:ext cx="9906000" cy="830997"/>
+          </a:xfrm>
+          <a:prstGeom prst="rect">
+            <a:avLst/>
+          </a:prstGeom>
+          <a:noFill/>
+        </p:spPr>
+        <p:txBody>
+          <a:bodyPr wrap="square" rtlCol="0">
+            <a:spAutoFit/>
+          </a:bodyPr>
+          <a:lstStyle>
+            <a:defPPr>
+              <a:defRPr lang="ja-JP"/>
+            </a:defPPr>
+            <a:lvl1pPr marL="0" algn="l" defTabSz="914400" rtl="0" eaLnBrk="1" latinLnBrk="0" hangingPunct="1">
+              <a:defRPr kumimoji="1" sz="1800" kern="1200">
+                <a:solidFill>
+                  <a:schemeClr val="tx1"/>
+                </a:solidFill>
+                <a:latin typeface="+mn-lt"/>
+                <a:ea typeface="+mn-ea"/>
+                <a:cs typeface="+mn-cs"/>
+              </a:defRPr>
+            </a:lvl1pPr>
+            <a:lvl2pPr marL="457200" algn="l" defTabSz="914400" rtl="0" eaLnBrk="1" latinLnBrk="0" hangingPunct="1">
+              <a:defRPr kumimoji="1" sz="1800" kern="1200">
+                <a:solidFill>
+                  <a:schemeClr val="tx1"/>
+                </a:solidFill>
+                <a:latin typeface="+mn-lt"/>
+                <a:ea typeface="+mn-ea"/>
+                <a:cs typeface="+mn-cs"/>
+              </a:defRPr>
+            </a:lvl2pPr>
+            <a:lvl3pPr marL="914400" algn="l" defTabSz="914400" rtl="0" eaLnBrk="1" latinLnBrk="0" hangingPunct="1">
+              <a:defRPr kumimoji="1" sz="1800" kern="1200">
+                <a:solidFill>
+                  <a:schemeClr val="tx1"/>
+                </a:solidFill>
+                <a:latin typeface="+mn-lt"/>
+                <a:ea typeface="+mn-ea"/>
+                <a:cs typeface="+mn-cs"/>
+              </a:defRPr>
+            </a:lvl3pPr>
+            <a:lvl4pPr marL="1371600" algn="l" defTabSz="914400" rtl="0" eaLnBrk="1" latinLnBrk="0" hangingPunct="1">
+              <a:defRPr kumimoji="1" sz="1800" kern="1200">
+                <a:solidFill>
+                  <a:schemeClr val="tx1"/>
+                </a:solidFill>
+                <a:latin typeface="+mn-lt"/>
+                <a:ea typeface="+mn-ea"/>
+                <a:cs typeface="+mn-cs"/>
+              </a:defRPr>
+            </a:lvl4pPr>
+            <a:lvl5pPr marL="1828800" algn="l" defTabSz="914400" rtl="0" eaLnBrk="1" latinLnBrk="0" hangingPunct="1">
+              <a:defRPr kumimoji="1" sz="1800" kern="1200">
+                <a:solidFill>
+                  <a:schemeClr val="tx1"/>
+                </a:solidFill>
+                <a:latin typeface="+mn-lt"/>
+                <a:ea typeface="+mn-ea"/>
+                <a:cs typeface="+mn-cs"/>
+              </a:defRPr>
+            </a:lvl5pPr>
+            <a:lvl6pPr marL="2286000" algn="l" defTabSz="914400" rtl="0" eaLnBrk="1" latinLnBrk="0" hangingPunct="1">
+              <a:defRPr kumimoji="1" sz="1800" kern="1200">
+                <a:solidFill>
+                  <a:schemeClr val="tx1"/>
+                </a:solidFill>
+                <a:latin typeface="+mn-lt"/>
+                <a:ea typeface="+mn-ea"/>
+                <a:cs typeface="+mn-cs"/>
+              </a:defRPr>
+            </a:lvl6pPr>
+            <a:lvl7pPr marL="2743200" algn="l" defTabSz="914400" rtl="0" eaLnBrk="1" latinLnBrk="0" hangingPunct="1">
+              <a:defRPr kumimoji="1" sz="1800" kern="1200">
+                <a:solidFill>
+                  <a:schemeClr val="tx1"/>
+                </a:solidFill>
+                <a:latin typeface="+mn-lt"/>
+                <a:ea typeface="+mn-ea"/>
+                <a:cs typeface="+mn-cs"/>
+              </a:defRPr>
+            </a:lvl7pPr>
+            <a:lvl8pPr marL="3200400" algn="l" defTabSz="914400" rtl="0" eaLnBrk="1" latinLnBrk="0" hangingPunct="1">
+              <a:defRPr kumimoji="1" sz="1800" kern="1200">
+                <a:solidFill>
+                  <a:schemeClr val="tx1"/>
+                </a:solidFill>
+                <a:latin typeface="+mn-lt"/>
+                <a:ea typeface="+mn-ea"/>
+                <a:cs typeface="+mn-cs"/>
+              </a:defRPr>
+            </a:lvl8pPr>
+            <a:lvl9pPr marL="3657600" algn="l" defTabSz="914400" rtl="0" eaLnBrk="1" latinLnBrk="0" hangingPunct="1">
+              <a:defRPr kumimoji="1" sz="1800" kern="1200">
+                <a:solidFill>
+                  <a:schemeClr val="tx1"/>
+                </a:solidFill>
+                <a:latin typeface="+mn-lt"/>
+                <a:ea typeface="+mn-ea"/>
+                <a:cs typeface="+mn-cs"/>
+              </a:defRPr>
+            </a:lvl9pPr>
+          </a:lstStyle>
+          <a:p>
+            <a:r>
+              <a:rPr lang="ja-JP" altLang="en-US" sz="4800" b="1" dirty="0" smtClean="0">
+                <a:solidFill>
+                  <a:schemeClr val="bg1"/>
+                </a:solidFill>
+                <a:effectLst>
+                  <a:glow rad="139700">
+                    <a:schemeClr val="tx1">
+                      <a:alpha val="70000"/>
+                    </a:schemeClr>
+                  </a:glow>
+                </a:effectLst>
+                <a:latin typeface="+mn-ea"/>
+              </a:rPr>
+              <a:t>ゲームシステム</a:t>
+            </a:r>
+            <a:endParaRPr kumimoji="1" lang="ja-JP" altLang="en-US" sz="4800" b="1" dirty="0">
+              <a:solidFill>
+                <a:schemeClr val="bg1"/>
+              </a:solidFill>
+              <a:effectLst>
+                <a:glow rad="139700">
+                  <a:schemeClr val="tx1">
+                    <a:alpha val="70000"/>
+                  </a:schemeClr>
+                </a:glow>
+              </a:effectLst>
+              <a:latin typeface="+mn-ea"/>
+            </a:endParaRPr>
+          </a:p>
+        </p:txBody>
+      </p:sp>
     </p:spTree>
     <p:extLst>
       <p:ext uri="{BB962C8B-B14F-4D97-AF65-F5344CB8AC3E}">
-        <p14:creationId xmlns:p14="http://schemas.microsoft.com/office/powerpoint/2010/main" val="3913288961"/>
+        <p14:creationId xmlns:p14="http://schemas.microsoft.com/office/powerpoint/2010/main" val="266739692"/>
       </p:ext>
     </p:extLst>
   </p:cSld>
@@ -6348,50 +6760,14 @@
       </p:grpSpPr>
       <p:sp>
         <p:nvSpPr>
-          <p:cNvPr id="2" name="タイトル 1"/>
-          <p:cNvSpPr>
-            <a:spLocks noGrp="1"/>
-          </p:cNvSpPr>
-          <p:nvPr>
-            <p:ph type="title"/>
-          </p:nvPr>
-        </p:nvSpPr>
-        <p:spPr>
-          <a:xfrm>
-            <a:off x="0" y="0"/>
-            <a:ext cx="8543925" cy="1058863"/>
-          </a:xfrm>
-        </p:spPr>
-        <p:txBody>
-          <a:bodyPr>
-            <a:normAutofit/>
-          </a:bodyPr>
-          <a:lstStyle/>
-          <a:p>
-            <a:r>
-              <a:rPr lang="ja-JP" altLang="en-US" sz="4800" dirty="0" smtClean="0">
-                <a:latin typeface="HGS創英角ｺﾞｼｯｸUB" panose="020B0900000000000000" pitchFamily="50" charset="-128"/>
-                <a:ea typeface="HGS創英角ｺﾞｼｯｸUB" panose="020B0900000000000000" pitchFamily="50" charset="-128"/>
-              </a:rPr>
-              <a:t>ゲームシステム</a:t>
-            </a:r>
-            <a:endParaRPr lang="ja-JP" altLang="en-US" sz="4388" dirty="0">
-              <a:latin typeface="HGS創英角ｺﾞｼｯｸUB" panose="020B0900000000000000" pitchFamily="50" charset="-128"/>
-              <a:ea typeface="HGS創英角ｺﾞｼｯｸUB" panose="020B0900000000000000" pitchFamily="50" charset="-128"/>
-            </a:endParaRPr>
-          </a:p>
-        </p:txBody>
-      </p:sp>
-      <p:sp>
-        <p:nvSpPr>
           <p:cNvPr id="4" name="テキスト ボックス 3"/>
           <p:cNvSpPr txBox="1"/>
           <p:nvPr/>
         </p:nvSpPr>
         <p:spPr>
           <a:xfrm>
-            <a:off x="849777" y="1383316"/>
-            <a:ext cx="8655073" cy="1015663"/>
+            <a:off x="435774" y="1607517"/>
+            <a:ext cx="4057074" cy="2554545"/>
           </a:xfrm>
           <a:prstGeom prst="rect">
             <a:avLst/>
@@ -6405,11 +6781,18 @@
           <a:lstStyle/>
           <a:p>
             <a:r>
+              <a:rPr kumimoji="1" lang="ja-JP" altLang="en-US" sz="2000" b="1" dirty="0" smtClean="0">
+                <a:latin typeface="メイリオ" panose="020B0604030504040204" pitchFamily="50" charset="-128"/>
+                <a:ea typeface="メイリオ" panose="020B0604030504040204" pitchFamily="50" charset="-128"/>
+              </a:rPr>
+              <a:t>プレイヤーは木にいることで</a:t>
+            </a:r>
+            <a:r>
               <a:rPr lang="ja-JP" altLang="en-US" sz="2000" b="1" dirty="0" smtClean="0">
                 <a:latin typeface="メイリオ" panose="020B0604030504040204" pitchFamily="50" charset="-128"/>
                 <a:ea typeface="メイリオ" panose="020B0604030504040204" pitchFamily="50" charset="-128"/>
               </a:rPr>
-              <a:t>フィールド全体には木がいくつも置かれている</a:t>
+              <a:t>陣地メーターが貯まる</a:t>
             </a:r>
             <a:endParaRPr lang="en-US" altLang="ja-JP" sz="2000" b="1" dirty="0" smtClean="0">
               <a:latin typeface="メイリオ" panose="020B0604030504040204" pitchFamily="50" charset="-128"/>
@@ -6418,25 +6801,32 @@
           </a:p>
           <a:p>
             <a:r>
-              <a:rPr kumimoji="1" lang="ja-JP" altLang="en-US" sz="2000" b="1" dirty="0">
-                <a:latin typeface="メイリオ" panose="020B0604030504040204" pitchFamily="50" charset="-128"/>
-                <a:ea typeface="メイリオ" panose="020B0604030504040204" pitchFamily="50" charset="-128"/>
-              </a:rPr>
-              <a:t>プレイヤ</a:t>
-            </a:r>
-            <a:r>
               <a:rPr lang="ja-JP" altLang="en-US" sz="2000" b="1" dirty="0">
                 <a:latin typeface="メイリオ" panose="020B0604030504040204" pitchFamily="50" charset="-128"/>
                 <a:ea typeface="メイリオ" panose="020B0604030504040204" pitchFamily="50" charset="-128"/>
               </a:rPr>
-              <a:t>ーは木にカーソルを合わせることでその地点</a:t>
+              <a:t>メータ</a:t>
             </a:r>
             <a:r>
               <a:rPr lang="ja-JP" altLang="en-US" sz="2000" b="1" dirty="0" smtClean="0">
                 <a:latin typeface="メイリオ" panose="020B0604030504040204" pitchFamily="50" charset="-128"/>
                 <a:ea typeface="メイリオ" panose="020B0604030504040204" pitchFamily="50" charset="-128"/>
               </a:rPr>
-              <a:t>に跳ぶ</a:t>
+              <a:t>ー</a:t>
+            </a:r>
+            <a:r>
+              <a:rPr lang="ja-JP" altLang="en-US" sz="2000" b="1" dirty="0">
+                <a:latin typeface="メイリオ" panose="020B0604030504040204" pitchFamily="50" charset="-128"/>
+                <a:ea typeface="メイリオ" panose="020B0604030504040204" pitchFamily="50" charset="-128"/>
+              </a:rPr>
+              <a:t>の</a:t>
+            </a:r>
+            <a:r>
+              <a:rPr lang="ja-JP" altLang="en-US" sz="2000" b="1" dirty="0" smtClean="0">
+                <a:latin typeface="メイリオ" panose="020B0604030504040204" pitchFamily="50" charset="-128"/>
+                <a:ea typeface="メイリオ" panose="020B0604030504040204" pitchFamily="50" charset="-128"/>
+              </a:rPr>
+              <a:t>基準値を超えると自分の陣地になる</a:t>
             </a:r>
             <a:endParaRPr lang="en-US" altLang="ja-JP" sz="2000" b="1" dirty="0" smtClean="0">
               <a:latin typeface="メイリオ" panose="020B0604030504040204" pitchFamily="50" charset="-128"/>
@@ -6444,63 +6834,75 @@
             </a:endParaRPr>
           </a:p>
           <a:p>
+            <a:endParaRPr lang="en-US" altLang="ja-JP" sz="2000" b="1" dirty="0" smtClean="0">
+              <a:latin typeface="メイリオ" panose="020B0604030504040204" pitchFamily="50" charset="-128"/>
+              <a:ea typeface="メイリオ" panose="020B0604030504040204" pitchFamily="50" charset="-128"/>
+            </a:endParaRPr>
+          </a:p>
+          <a:p>
             <a:r>
               <a:rPr lang="ja-JP" altLang="en-US" sz="2000" b="1" dirty="0">
                 <a:latin typeface="メイリオ" panose="020B0604030504040204" pitchFamily="50" charset="-128"/>
                 <a:ea typeface="メイリオ" panose="020B0604030504040204" pitchFamily="50" charset="-128"/>
               </a:rPr>
-              <a:t>木に着地</a:t>
+              <a:t>糸に繋がれた木から陣取ってない木</a:t>
             </a:r>
             <a:r>
               <a:rPr lang="ja-JP" altLang="en-US" sz="2000" b="1" dirty="0" smtClean="0">
                 <a:latin typeface="メイリオ" panose="020B0604030504040204" pitchFamily="50" charset="-128"/>
                 <a:ea typeface="メイリオ" panose="020B0604030504040204" pitchFamily="50" charset="-128"/>
               </a:rPr>
-              <a:t>した時、木と木の間に糸</a:t>
+              <a:t>に跳んだ場合、糸</a:t>
             </a:r>
             <a:r>
               <a:rPr lang="ja-JP" altLang="en-US" sz="2000" b="1" dirty="0">
                 <a:latin typeface="メイリオ" panose="020B0604030504040204" pitchFamily="50" charset="-128"/>
                 <a:ea typeface="メイリオ" panose="020B0604030504040204" pitchFamily="50" charset="-128"/>
               </a:rPr>
-              <a:t>が貼られる</a:t>
-            </a:r>
-            <a:endParaRPr kumimoji="1" lang="ja-JP" altLang="en-US" sz="2000" b="1" dirty="0">
+              <a:t>が</a:t>
+            </a:r>
+            <a:r>
+              <a:rPr lang="en-US" altLang="ja-JP" sz="2000" b="1" dirty="0">
+                <a:latin typeface="メイリオ" panose="020B0604030504040204" pitchFamily="50" charset="-128"/>
+                <a:ea typeface="メイリオ" panose="020B0604030504040204" pitchFamily="50" charset="-128"/>
+              </a:rPr>
+              <a:t>2</a:t>
+            </a:r>
+            <a:r>
+              <a:rPr lang="ja-JP" altLang="en-US" sz="2000" b="1" dirty="0">
+                <a:latin typeface="メイリオ" panose="020B0604030504040204" pitchFamily="50" charset="-128"/>
+                <a:ea typeface="メイリオ" panose="020B0604030504040204" pitchFamily="50" charset="-128"/>
+              </a:rPr>
+              <a:t>本の木</a:t>
+            </a:r>
+            <a:r>
+              <a:rPr lang="ja-JP" altLang="en-US" sz="2000" b="1" dirty="0" smtClean="0">
+                <a:latin typeface="メイリオ" panose="020B0604030504040204" pitchFamily="50" charset="-128"/>
+                <a:ea typeface="メイリオ" panose="020B0604030504040204" pitchFamily="50" charset="-128"/>
+              </a:rPr>
+              <a:t>に繋がっていれば</a:t>
+            </a:r>
+            <a:r>
+              <a:rPr lang="ja-JP" altLang="en-US" sz="2000" b="1" dirty="0">
+                <a:latin typeface="メイリオ" panose="020B0604030504040204" pitchFamily="50" charset="-128"/>
+                <a:ea typeface="メイリオ" panose="020B0604030504040204" pitchFamily="50" charset="-128"/>
+              </a:rPr>
+              <a:t>早く陣地を</a:t>
+            </a:r>
+            <a:r>
+              <a:rPr lang="ja-JP" altLang="en-US" sz="2000" b="1" dirty="0" smtClean="0">
+                <a:latin typeface="メイリオ" panose="020B0604030504040204" pitchFamily="50" charset="-128"/>
+                <a:ea typeface="メイリオ" panose="020B0604030504040204" pitchFamily="50" charset="-128"/>
+              </a:rPr>
+              <a:t>取れる</a:t>
+            </a:r>
+            <a:endParaRPr lang="en-US" altLang="ja-JP" sz="2000" b="1" dirty="0" smtClean="0">
               <a:latin typeface="メイリオ" panose="020B0604030504040204" pitchFamily="50" charset="-128"/>
               <a:ea typeface="メイリオ" panose="020B0604030504040204" pitchFamily="50" charset="-128"/>
             </a:endParaRPr>
           </a:p>
         </p:txBody>
       </p:sp>
-      <p:pic>
-        <p:nvPicPr>
-          <p:cNvPr id="3" name="図 2"/>
-          <p:cNvPicPr>
-            <a:picLocks noChangeAspect="1"/>
-          </p:cNvPicPr>
-          <p:nvPr/>
-        </p:nvPicPr>
-        <p:blipFill rotWithShape="1">
-          <a:blip r:embed="rId3">
-            <a:extLst>
-              <a:ext uri="{28A0092B-C50C-407E-A947-70E740481C1C}">
-                <a14:useLocalDpi xmlns:a14="http://schemas.microsoft.com/office/drawing/2010/main" val="0"/>
-              </a:ext>
-            </a:extLst>
-          </a:blip>
-          <a:srcRect l="-41" r="-1273"/>
-          <a:stretch/>
-        </p:blipFill>
-        <p:spPr>
-          <a:xfrm>
-            <a:off x="207002" y="2575922"/>
-            <a:ext cx="5383369" cy="2993575"/>
-          </a:xfrm>
-          <a:prstGeom prst="rect">
-            <a:avLst/>
-          </a:prstGeom>
-        </p:spPr>
-      </p:pic>
       <p:pic>
         <p:nvPicPr>
           <p:cNvPr id="5" name="図 4"/>
@@ -6510,20 +6912,20 @@
           <p:nvPr/>
         </p:nvPicPr>
         <p:blipFill rotWithShape="1">
-          <a:blip r:embed="rId4">
+          <a:blip r:embed="rId3" cstate="print">
             <a:extLst>
               <a:ext uri="{28A0092B-C50C-407E-A947-70E740481C1C}">
                 <a14:useLocalDpi xmlns:a14="http://schemas.microsoft.com/office/drawing/2010/main" val="0"/>
               </a:ext>
             </a:extLst>
           </a:blip>
-          <a:srcRect l="10867" r="12868"/>
+          <a:srcRect l="97" r="195"/>
           <a:stretch/>
         </p:blipFill>
         <p:spPr>
           <a:xfrm>
-            <a:off x="5764696" y="2575922"/>
-            <a:ext cx="4068417" cy="3005397"/>
+            <a:off x="4909089" y="1599245"/>
+            <a:ext cx="4528826" cy="2558936"/>
           </a:xfrm>
           <a:prstGeom prst="rect">
             <a:avLst/>
@@ -6532,32 +6934,87 @@
       </p:pic>
       <p:sp>
         <p:nvSpPr>
-          <p:cNvPr id="26" name="右矢印 25"/>
+          <p:cNvPr id="7" name="テキスト ボックス 6"/>
+          <p:cNvSpPr txBox="1"/>
+          <p:nvPr/>
+        </p:nvSpPr>
+        <p:spPr>
+          <a:xfrm>
+            <a:off x="5039933" y="4608411"/>
+            <a:ext cx="4606344" cy="1631216"/>
+          </a:xfrm>
+          <a:prstGeom prst="rect">
+            <a:avLst/>
+          </a:prstGeom>
+          <a:noFill/>
+        </p:spPr>
+        <p:txBody>
+          <a:bodyPr wrap="square" rtlCol="0">
+            <a:spAutoFit/>
+          </a:bodyPr>
+          <a:lstStyle/>
+          <a:p>
+            <a:r>
+              <a:rPr lang="ja-JP" altLang="en-US" sz="2000" b="1" dirty="0" smtClean="0">
+                <a:latin typeface="メイリオ" panose="020B0604030504040204" pitchFamily="50" charset="-128"/>
+                <a:ea typeface="メイリオ" panose="020B0604030504040204" pitchFamily="50" charset="-128"/>
+              </a:rPr>
+              <a:t>敵の木に着地したら敵の陣地メーターが減って</a:t>
+            </a:r>
+            <a:r>
+              <a:rPr lang="ja-JP" altLang="en-US" sz="2000" b="1" dirty="0" smtClean="0">
+                <a:latin typeface="メイリオ" panose="020B0604030504040204" pitchFamily="50" charset="-128"/>
+                <a:ea typeface="メイリオ" panose="020B0604030504040204" pitchFamily="50" charset="-128"/>
+              </a:rPr>
+              <a:t>いく</a:t>
+            </a:r>
+            <a:endParaRPr lang="en-US" altLang="ja-JP" sz="2000" b="1" dirty="0" smtClean="0">
+              <a:latin typeface="メイリオ" panose="020B0604030504040204" pitchFamily="50" charset="-128"/>
+              <a:ea typeface="メイリオ" panose="020B0604030504040204" pitchFamily="50" charset="-128"/>
+            </a:endParaRPr>
+          </a:p>
+          <a:p>
+            <a:endParaRPr lang="en-US" altLang="ja-JP" sz="2000" b="1" dirty="0">
+              <a:latin typeface="メイリオ" panose="020B0604030504040204" pitchFamily="50" charset="-128"/>
+              <a:ea typeface="メイリオ" panose="020B0604030504040204" pitchFamily="50" charset="-128"/>
+            </a:endParaRPr>
+          </a:p>
+          <a:p>
+            <a:r>
+              <a:rPr lang="ja-JP" altLang="en-US" sz="2000" b="1" dirty="0" smtClean="0">
+                <a:latin typeface="メイリオ" panose="020B0604030504040204" pitchFamily="50" charset="-128"/>
+                <a:ea typeface="メイリオ" panose="020B0604030504040204" pitchFamily="50" charset="-128"/>
+              </a:rPr>
+              <a:t>陣地メーターを</a:t>
+            </a:r>
+            <a:r>
+              <a:rPr lang="ja-JP" altLang="en-US" sz="2000" b="1" dirty="0" smtClean="0">
+                <a:latin typeface="メイリオ" panose="020B0604030504040204" pitchFamily="50" charset="-128"/>
+                <a:ea typeface="メイリオ" panose="020B0604030504040204" pitchFamily="50" charset="-128"/>
+              </a:rPr>
+              <a:t>０にすることで敵から木を奪う</a:t>
+            </a:r>
+            <a:endParaRPr lang="en-US" altLang="ja-JP" sz="2000" b="1" dirty="0" smtClean="0">
+              <a:latin typeface="メイリオ" panose="020B0604030504040204" pitchFamily="50" charset="-128"/>
+              <a:ea typeface="メイリオ" panose="020B0604030504040204" pitchFamily="50" charset="-128"/>
+            </a:endParaRPr>
+          </a:p>
+        </p:txBody>
+      </p:sp>
+      <p:sp>
+        <p:nvSpPr>
+          <p:cNvPr id="6" name="正方形/長方形 5"/>
           <p:cNvSpPr/>
           <p:nvPr/>
         </p:nvSpPr>
         <p:spPr>
           <a:xfrm>
-            <a:off x="5374294" y="3684299"/>
-            <a:ext cx="606479" cy="776819"/>
-          </a:xfrm>
-          <a:prstGeom prst="rightArrow">
-            <a:avLst>
-              <a:gd name="adj1" fmla="val 50000"/>
-              <a:gd name="adj2" fmla="val 62000"/>
-            </a:avLst>
+            <a:off x="324210" y="4158181"/>
+            <a:ext cx="4584879" cy="2564591"/>
+          </a:xfrm>
+          <a:prstGeom prst="rect">
+            <a:avLst/>
           </a:prstGeom>
-          <a:solidFill>
-            <a:srgbClr val="FFFF00"/>
-          </a:solidFill>
-          <a:ln>
-            <a:solidFill>
-              <a:schemeClr val="tx1">
-                <a:lumMod val="75000"/>
-                <a:lumOff val="25000"/>
-              </a:schemeClr>
-            </a:solidFill>
-          </a:ln>
         </p:spPr>
         <p:style>
           <a:lnRef idx="2">
@@ -6584,10 +7041,250 @@
           </a:p>
         </p:txBody>
       </p:sp>
+      <p:sp>
+        <p:nvSpPr>
+          <p:cNvPr id="9" name="テキスト ボックス 8"/>
+          <p:cNvSpPr txBox="1"/>
+          <p:nvPr/>
+        </p:nvSpPr>
+        <p:spPr>
+          <a:xfrm>
+            <a:off x="4909089" y="3881182"/>
+            <a:ext cx="2084048" cy="276999"/>
+          </a:xfrm>
+          <a:prstGeom prst="rect">
+            <a:avLst/>
+          </a:prstGeom>
+          <a:noFill/>
+        </p:spPr>
+        <p:txBody>
+          <a:bodyPr wrap="square" rtlCol="0">
+            <a:spAutoFit/>
+          </a:bodyPr>
+          <a:lstStyle/>
+          <a:p>
+            <a:r>
+              <a:rPr kumimoji="1" lang="en-US" altLang="ja-JP" sz="1200" b="1" dirty="0" smtClean="0">
+                <a:solidFill>
+                  <a:srgbClr val="FF0000"/>
+                </a:solidFill>
+              </a:rPr>
+              <a:t>※</a:t>
+            </a:r>
+            <a:r>
+              <a:rPr kumimoji="1" lang="ja-JP" altLang="en-US" sz="1200" b="1" dirty="0" smtClean="0">
+                <a:solidFill>
+                  <a:srgbClr val="FF0000"/>
+                </a:solidFill>
+              </a:rPr>
+              <a:t>メーター付きで修正する</a:t>
+            </a:r>
+            <a:endParaRPr kumimoji="1" lang="ja-JP" altLang="en-US" sz="1200" b="1" dirty="0">
+              <a:solidFill>
+                <a:srgbClr val="FF0000"/>
+              </a:solidFill>
+            </a:endParaRPr>
+          </a:p>
+        </p:txBody>
+      </p:sp>
+      <p:sp>
+        <p:nvSpPr>
+          <p:cNvPr id="11" name="テキスト ボックス 10"/>
+          <p:cNvSpPr txBox="1"/>
+          <p:nvPr/>
+        </p:nvSpPr>
+        <p:spPr>
+          <a:xfrm>
+            <a:off x="324210" y="6445773"/>
+            <a:ext cx="2084048" cy="276999"/>
+          </a:xfrm>
+          <a:prstGeom prst="rect">
+            <a:avLst/>
+          </a:prstGeom>
+          <a:noFill/>
+        </p:spPr>
+        <p:txBody>
+          <a:bodyPr wrap="square" rtlCol="0">
+            <a:spAutoFit/>
+          </a:bodyPr>
+          <a:lstStyle/>
+          <a:p>
+            <a:r>
+              <a:rPr kumimoji="1" lang="en-US" altLang="ja-JP" sz="1200" b="1" dirty="0" smtClean="0">
+                <a:solidFill>
+                  <a:srgbClr val="FF0000"/>
+                </a:solidFill>
+              </a:rPr>
+              <a:t>※</a:t>
+            </a:r>
+            <a:r>
+              <a:rPr kumimoji="1" lang="ja-JP" altLang="en-US" sz="1200" b="1" dirty="0" smtClean="0">
+                <a:solidFill>
+                  <a:srgbClr val="FF0000"/>
+                </a:solidFill>
+              </a:rPr>
+              <a:t>奪う画像追加</a:t>
+            </a:r>
+            <a:endParaRPr kumimoji="1" lang="ja-JP" altLang="en-US" sz="1200" b="1" dirty="0">
+              <a:solidFill>
+                <a:srgbClr val="FF0000"/>
+              </a:solidFill>
+            </a:endParaRPr>
+          </a:p>
+        </p:txBody>
+      </p:sp>
+      <p:sp>
+        <p:nvSpPr>
+          <p:cNvPr id="13" name="テキスト ボックス 30"/>
+          <p:cNvSpPr txBox="1"/>
+          <p:nvPr/>
+        </p:nvSpPr>
+        <p:spPr>
+          <a:xfrm>
+            <a:off x="0" y="47908"/>
+            <a:ext cx="9906000" cy="830997"/>
+          </a:xfrm>
+          <a:prstGeom prst="rect">
+            <a:avLst/>
+          </a:prstGeom>
+          <a:noFill/>
+        </p:spPr>
+        <p:txBody>
+          <a:bodyPr wrap="square" rtlCol="0">
+            <a:spAutoFit/>
+          </a:bodyPr>
+          <a:lstStyle>
+            <a:defPPr>
+              <a:defRPr lang="ja-JP"/>
+            </a:defPPr>
+            <a:lvl1pPr marL="0" algn="l" defTabSz="914400" rtl="0" eaLnBrk="1" latinLnBrk="0" hangingPunct="1">
+              <a:defRPr kumimoji="1" sz="1800" kern="1200">
+                <a:solidFill>
+                  <a:schemeClr val="tx1"/>
+                </a:solidFill>
+                <a:latin typeface="+mn-lt"/>
+                <a:ea typeface="+mn-ea"/>
+                <a:cs typeface="+mn-cs"/>
+              </a:defRPr>
+            </a:lvl1pPr>
+            <a:lvl2pPr marL="457200" algn="l" defTabSz="914400" rtl="0" eaLnBrk="1" latinLnBrk="0" hangingPunct="1">
+              <a:defRPr kumimoji="1" sz="1800" kern="1200">
+                <a:solidFill>
+                  <a:schemeClr val="tx1"/>
+                </a:solidFill>
+                <a:latin typeface="+mn-lt"/>
+                <a:ea typeface="+mn-ea"/>
+                <a:cs typeface="+mn-cs"/>
+              </a:defRPr>
+            </a:lvl2pPr>
+            <a:lvl3pPr marL="914400" algn="l" defTabSz="914400" rtl="0" eaLnBrk="1" latinLnBrk="0" hangingPunct="1">
+              <a:defRPr kumimoji="1" sz="1800" kern="1200">
+                <a:solidFill>
+                  <a:schemeClr val="tx1"/>
+                </a:solidFill>
+                <a:latin typeface="+mn-lt"/>
+                <a:ea typeface="+mn-ea"/>
+                <a:cs typeface="+mn-cs"/>
+              </a:defRPr>
+            </a:lvl3pPr>
+            <a:lvl4pPr marL="1371600" algn="l" defTabSz="914400" rtl="0" eaLnBrk="1" latinLnBrk="0" hangingPunct="1">
+              <a:defRPr kumimoji="1" sz="1800" kern="1200">
+                <a:solidFill>
+                  <a:schemeClr val="tx1"/>
+                </a:solidFill>
+                <a:latin typeface="+mn-lt"/>
+                <a:ea typeface="+mn-ea"/>
+                <a:cs typeface="+mn-cs"/>
+              </a:defRPr>
+            </a:lvl4pPr>
+            <a:lvl5pPr marL="1828800" algn="l" defTabSz="914400" rtl="0" eaLnBrk="1" latinLnBrk="0" hangingPunct="1">
+              <a:defRPr kumimoji="1" sz="1800" kern="1200">
+                <a:solidFill>
+                  <a:schemeClr val="tx1"/>
+                </a:solidFill>
+                <a:latin typeface="+mn-lt"/>
+                <a:ea typeface="+mn-ea"/>
+                <a:cs typeface="+mn-cs"/>
+              </a:defRPr>
+            </a:lvl5pPr>
+            <a:lvl6pPr marL="2286000" algn="l" defTabSz="914400" rtl="0" eaLnBrk="1" latinLnBrk="0" hangingPunct="1">
+              <a:defRPr kumimoji="1" sz="1800" kern="1200">
+                <a:solidFill>
+                  <a:schemeClr val="tx1"/>
+                </a:solidFill>
+                <a:latin typeface="+mn-lt"/>
+                <a:ea typeface="+mn-ea"/>
+                <a:cs typeface="+mn-cs"/>
+              </a:defRPr>
+            </a:lvl6pPr>
+            <a:lvl7pPr marL="2743200" algn="l" defTabSz="914400" rtl="0" eaLnBrk="1" latinLnBrk="0" hangingPunct="1">
+              <a:defRPr kumimoji="1" sz="1800" kern="1200">
+                <a:solidFill>
+                  <a:schemeClr val="tx1"/>
+                </a:solidFill>
+                <a:latin typeface="+mn-lt"/>
+                <a:ea typeface="+mn-ea"/>
+                <a:cs typeface="+mn-cs"/>
+              </a:defRPr>
+            </a:lvl7pPr>
+            <a:lvl8pPr marL="3200400" algn="l" defTabSz="914400" rtl="0" eaLnBrk="1" latinLnBrk="0" hangingPunct="1">
+              <a:defRPr kumimoji="1" sz="1800" kern="1200">
+                <a:solidFill>
+                  <a:schemeClr val="tx1"/>
+                </a:solidFill>
+                <a:latin typeface="+mn-lt"/>
+                <a:ea typeface="+mn-ea"/>
+                <a:cs typeface="+mn-cs"/>
+              </a:defRPr>
+            </a:lvl8pPr>
+            <a:lvl9pPr marL="3657600" algn="l" defTabSz="914400" rtl="0" eaLnBrk="1" latinLnBrk="0" hangingPunct="1">
+              <a:defRPr kumimoji="1" sz="1800" kern="1200">
+                <a:solidFill>
+                  <a:schemeClr val="tx1"/>
+                </a:solidFill>
+                <a:latin typeface="+mn-lt"/>
+                <a:ea typeface="+mn-ea"/>
+                <a:cs typeface="+mn-cs"/>
+              </a:defRPr>
+            </a:lvl9pPr>
+          </a:lstStyle>
+          <a:p>
+            <a:r>
+              <a:rPr kumimoji="1" lang="ja-JP" altLang="en-US" sz="4800" b="1" dirty="0" smtClean="0">
+                <a:solidFill>
+                  <a:schemeClr val="bg1"/>
+                </a:solidFill>
+                <a:effectLst>
+                  <a:glow rad="139700">
+                    <a:schemeClr val="tx1">
+                      <a:alpha val="70000"/>
+                    </a:schemeClr>
+                  </a:glow>
+                </a:effectLst>
+                <a:latin typeface="+mn-ea"/>
+              </a:rPr>
+              <a:t>陣地の奪い合い</a:t>
+            </a:r>
+            <a:endParaRPr kumimoji="1" lang="ja-JP" altLang="en-US" sz="4800" b="1" dirty="0">
+              <a:solidFill>
+                <a:schemeClr val="bg1"/>
+              </a:solidFill>
+              <a:effectLst>
+                <a:glow rad="139700">
+                  <a:schemeClr val="tx1">
+                    <a:alpha val="70000"/>
+                  </a:schemeClr>
+                </a:glow>
+              </a:effectLst>
+              <a:latin typeface="+mn-ea"/>
+            </a:endParaRPr>
+          </a:p>
+        </p:txBody>
+      </p:sp>
     </p:spTree>
     <p:extLst>
       <p:ext uri="{BB962C8B-B14F-4D97-AF65-F5344CB8AC3E}">
-        <p14:creationId xmlns:p14="http://schemas.microsoft.com/office/powerpoint/2010/main" val="266739692"/>
+        <p14:creationId xmlns:p14="http://schemas.microsoft.com/office/powerpoint/2010/main" val="2584090394"/>
       </p:ext>
     </p:extLst>
   </p:cSld>
@@ -6621,147 +7318,6 @@
           <a:chExt cx="0" cy="0"/>
         </a:xfrm>
       </p:grpSpPr>
-      <p:sp>
-        <p:nvSpPr>
-          <p:cNvPr id="2" name="タイトル 1"/>
-          <p:cNvSpPr>
-            <a:spLocks noGrp="1"/>
-          </p:cNvSpPr>
-          <p:nvPr>
-            <p:ph type="title"/>
-          </p:nvPr>
-        </p:nvSpPr>
-        <p:spPr>
-          <a:xfrm>
-            <a:off x="0" y="0"/>
-            <a:ext cx="8543925" cy="1058863"/>
-          </a:xfrm>
-        </p:spPr>
-        <p:txBody>
-          <a:bodyPr>
-            <a:normAutofit/>
-          </a:bodyPr>
-          <a:lstStyle/>
-          <a:p>
-            <a:r>
-              <a:rPr lang="ja-JP" altLang="en-US" sz="4800" dirty="0" smtClean="0">
-                <a:latin typeface="HGS創英角ｺﾞｼｯｸUB" panose="020B0900000000000000" pitchFamily="50" charset="-128"/>
-                <a:ea typeface="HGS創英角ｺﾞｼｯｸUB" panose="020B0900000000000000" pitchFamily="50" charset="-128"/>
-              </a:rPr>
-              <a:t>糸のトラップ</a:t>
-            </a:r>
-            <a:endParaRPr lang="ja-JP" altLang="en-US" sz="4800" dirty="0">
-              <a:latin typeface="HGS創英角ｺﾞｼｯｸUB" panose="020B0900000000000000" pitchFamily="50" charset="-128"/>
-              <a:ea typeface="HGS創英角ｺﾞｼｯｸUB" panose="020B0900000000000000" pitchFamily="50" charset="-128"/>
-            </a:endParaRPr>
-          </a:p>
-        </p:txBody>
-      </p:sp>
-      <p:sp>
-        <p:nvSpPr>
-          <p:cNvPr id="4" name="テキスト ボックス 3"/>
-          <p:cNvSpPr txBox="1"/>
-          <p:nvPr/>
-        </p:nvSpPr>
-        <p:spPr>
-          <a:xfrm>
-            <a:off x="637646" y="1435885"/>
-            <a:ext cx="8960396" cy="707886"/>
-          </a:xfrm>
-          <a:prstGeom prst="rect">
-            <a:avLst/>
-          </a:prstGeom>
-          <a:noFill/>
-        </p:spPr>
-        <p:txBody>
-          <a:bodyPr wrap="square" rtlCol="0">
-            <a:spAutoFit/>
-          </a:bodyPr>
-          <a:lstStyle/>
-          <a:p>
-            <a:r>
-              <a:rPr lang="ja-JP" altLang="en-US" sz="2000" b="1" dirty="0" smtClean="0">
-                <a:latin typeface="メイリオ" panose="020B0604030504040204" pitchFamily="50" charset="-128"/>
-                <a:ea typeface="メイリオ" panose="020B0604030504040204" pitchFamily="50" charset="-128"/>
-              </a:rPr>
-              <a:t>糸</a:t>
-            </a:r>
-            <a:r>
-              <a:rPr lang="ja-JP" altLang="en-US" sz="2000" b="1" dirty="0">
-                <a:latin typeface="メイリオ" panose="020B0604030504040204" pitchFamily="50" charset="-128"/>
-                <a:ea typeface="メイリオ" panose="020B0604030504040204" pitchFamily="50" charset="-128"/>
-              </a:rPr>
-              <a:t>は罠にすることができ</a:t>
-            </a:r>
-            <a:r>
-              <a:rPr lang="ja-JP" altLang="en-US" sz="2000" b="1" dirty="0" smtClean="0">
-                <a:latin typeface="メイリオ" panose="020B0604030504040204" pitchFamily="50" charset="-128"/>
-                <a:ea typeface="メイリオ" panose="020B0604030504040204" pitchFamily="50" charset="-128"/>
-              </a:rPr>
-              <a:t>、敵</a:t>
-            </a:r>
-            <a:r>
-              <a:rPr lang="ja-JP" altLang="en-US" sz="2000" b="1" dirty="0">
-                <a:latin typeface="メイリオ" panose="020B0604030504040204" pitchFamily="50" charset="-128"/>
-                <a:ea typeface="メイリオ" panose="020B0604030504040204" pitchFamily="50" charset="-128"/>
-              </a:rPr>
-              <a:t>にくっつく</a:t>
-            </a:r>
-            <a:r>
-              <a:rPr lang="ja-JP" altLang="en-US" sz="2000" b="1" dirty="0" smtClean="0">
-                <a:latin typeface="メイリオ" panose="020B0604030504040204" pitchFamily="50" charset="-128"/>
-                <a:ea typeface="メイリオ" panose="020B0604030504040204" pitchFamily="50" charset="-128"/>
-              </a:rPr>
-              <a:t>と数秒間動けなくさせ下</a:t>
-            </a:r>
-            <a:r>
-              <a:rPr lang="ja-JP" altLang="en-US" sz="2000" b="1" dirty="0">
-                <a:latin typeface="メイリオ" panose="020B0604030504040204" pitchFamily="50" charset="-128"/>
-                <a:ea typeface="メイリオ" panose="020B0604030504040204" pitchFamily="50" charset="-128"/>
-              </a:rPr>
-              <a:t>に</a:t>
-            </a:r>
-            <a:r>
-              <a:rPr lang="ja-JP" altLang="en-US" sz="2000" b="1" dirty="0" smtClean="0">
-                <a:latin typeface="メイリオ" panose="020B0604030504040204" pitchFamily="50" charset="-128"/>
-                <a:ea typeface="メイリオ" panose="020B0604030504040204" pitchFamily="50" charset="-128"/>
-              </a:rPr>
-              <a:t>落とす</a:t>
-            </a:r>
-            <a:endParaRPr lang="en-US" altLang="ja-JP" sz="2000" b="1" dirty="0" smtClean="0">
-              <a:latin typeface="メイリオ" panose="020B0604030504040204" pitchFamily="50" charset="-128"/>
-              <a:ea typeface="メイリオ" panose="020B0604030504040204" pitchFamily="50" charset="-128"/>
-            </a:endParaRPr>
-          </a:p>
-          <a:p>
-            <a:r>
-              <a:rPr lang="ja-JP" altLang="en-US" sz="2000" b="1" dirty="0" smtClean="0">
-                <a:latin typeface="メイリオ" panose="020B0604030504040204" pitchFamily="50" charset="-128"/>
-                <a:ea typeface="メイリオ" panose="020B0604030504040204" pitchFamily="50" charset="-128"/>
-              </a:rPr>
-              <a:t>木の周りに</a:t>
-            </a:r>
-            <a:r>
-              <a:rPr lang="ja-JP" altLang="en-US" sz="2000" b="1" dirty="0">
-                <a:latin typeface="メイリオ" panose="020B0604030504040204" pitchFamily="50" charset="-128"/>
-                <a:ea typeface="メイリオ" panose="020B0604030504040204" pitchFamily="50" charset="-128"/>
-              </a:rPr>
-              <a:t>糸を回すことで着地位置に罠を</a:t>
-            </a:r>
-            <a:r>
-              <a:rPr lang="ja-JP" altLang="en-US" sz="2000" b="1" dirty="0" smtClean="0">
-                <a:latin typeface="メイリオ" panose="020B0604030504040204" pitchFamily="50" charset="-128"/>
-                <a:ea typeface="メイリオ" panose="020B0604030504040204" pitchFamily="50" charset="-128"/>
-              </a:rPr>
-              <a:t>仕掛ける</a:t>
-            </a:r>
-            <a:endParaRPr kumimoji="1" lang="ja-JP" altLang="en-US" sz="2000" b="1" dirty="0">
-              <a:latin typeface="メイリオ" panose="020B0604030504040204" pitchFamily="50" charset="-128"/>
-              <a:ea typeface="メイリオ" panose="020B0604030504040204" pitchFamily="50" charset="-128"/>
-            </a:endParaRPr>
-          </a:p>
-        </p:txBody>
-      </p:sp>
       <p:pic>
         <p:nvPicPr>
           <p:cNvPr id="5" name="図 4"/>
@@ -6771,7 +7327,7 @@
           <p:nvPr/>
         </p:nvPicPr>
         <p:blipFill>
-          <a:blip r:embed="rId3">
+          <a:blip r:embed="rId3" cstate="print">
             <a:extLst>
               <a:ext uri="{28A0092B-C50C-407E-A947-70E740481C1C}">
                 <a14:useLocalDpi xmlns:a14="http://schemas.microsoft.com/office/drawing/2010/main" val="0"/>
@@ -6784,8 +7340,8 @@
         </p:blipFill>
         <p:spPr>
           <a:xfrm>
-            <a:off x="3534354" y="3044920"/>
-            <a:ext cx="6175764" cy="3479304"/>
+            <a:off x="357666" y="3693747"/>
+            <a:ext cx="4307768" cy="2426912"/>
           </a:xfrm>
           <a:prstGeom prst="rect">
             <a:avLst/>
@@ -6794,33 +7350,661 @@
       </p:pic>
       <p:pic>
         <p:nvPicPr>
-          <p:cNvPr id="31" name="図 30"/>
+          <p:cNvPr id="6" name="図 5"/>
           <p:cNvPicPr>
             <a:picLocks noChangeAspect="1"/>
           </p:cNvPicPr>
           <p:nvPr/>
         </p:nvPicPr>
-        <p:blipFill rotWithShape="1">
-          <a:blip r:embed="rId3">
+        <p:blipFill>
+          <a:blip r:embed="rId3" cstate="print">
             <a:extLst>
               <a:ext uri="{28A0092B-C50C-407E-A947-70E740481C1C}">
                 <a14:useLocalDpi xmlns:a14="http://schemas.microsoft.com/office/drawing/2010/main" val="0"/>
               </a:ext>
             </a:extLst>
           </a:blip>
-          <a:srcRect l="9721" t="40351" r="52513" b="10895"/>
-          <a:stretch/>
+          <a:stretch>
+            <a:fillRect/>
+          </a:stretch>
         </p:blipFill>
         <p:spPr>
           <a:xfrm>
-            <a:off x="2385391" y="3193774"/>
-            <a:ext cx="2332383" cy="1696278"/>
+            <a:off x="5264516" y="3709468"/>
+            <a:ext cx="4307768" cy="2426912"/>
           </a:xfrm>
           <a:prstGeom prst="rect">
             <a:avLst/>
           </a:prstGeom>
         </p:spPr>
       </p:pic>
+      <p:sp>
+        <p:nvSpPr>
+          <p:cNvPr id="8" name="テキスト ボックス 7"/>
+          <p:cNvSpPr txBox="1"/>
+          <p:nvPr/>
+        </p:nvSpPr>
+        <p:spPr>
+          <a:xfrm>
+            <a:off x="5264516" y="5846503"/>
+            <a:ext cx="2900690" cy="276999"/>
+          </a:xfrm>
+          <a:prstGeom prst="rect">
+            <a:avLst/>
+          </a:prstGeom>
+          <a:noFill/>
+        </p:spPr>
+        <p:txBody>
+          <a:bodyPr wrap="square" rtlCol="0">
+            <a:spAutoFit/>
+          </a:bodyPr>
+          <a:lstStyle/>
+          <a:p>
+            <a:r>
+              <a:rPr kumimoji="1" lang="en-US" altLang="ja-JP" sz="1200" b="1" dirty="0" smtClean="0">
+                <a:solidFill>
+                  <a:srgbClr val="FF0000"/>
+                </a:solidFill>
+              </a:rPr>
+              <a:t>※</a:t>
+            </a:r>
+            <a:r>
+              <a:rPr lang="ja-JP" altLang="en-US" sz="1200" b="1" dirty="0">
+                <a:solidFill>
+                  <a:srgbClr val="FF0000"/>
+                </a:solidFill>
+              </a:rPr>
+              <a:t>トラップ</a:t>
+            </a:r>
+            <a:r>
+              <a:rPr lang="ja-JP" altLang="en-US" sz="1200" b="1" dirty="0" smtClean="0">
+                <a:solidFill>
+                  <a:srgbClr val="FF0000"/>
+                </a:solidFill>
+              </a:rPr>
+              <a:t>に掛かった画像に修正</a:t>
+            </a:r>
+            <a:endParaRPr kumimoji="1" lang="ja-JP" altLang="en-US" sz="1200" b="1" dirty="0">
+              <a:solidFill>
+                <a:srgbClr val="FF0000"/>
+              </a:solidFill>
+            </a:endParaRPr>
+          </a:p>
+        </p:txBody>
+      </p:sp>
+      <p:sp>
+        <p:nvSpPr>
+          <p:cNvPr id="9" name="右矢印 8"/>
+          <p:cNvSpPr/>
+          <p:nvPr/>
+        </p:nvSpPr>
+        <p:spPr>
+          <a:xfrm>
+            <a:off x="4565144" y="4642432"/>
+            <a:ext cx="934135" cy="810570"/>
+          </a:xfrm>
+          <a:prstGeom prst="rightArrow">
+            <a:avLst>
+              <a:gd name="adj1" fmla="val 50000"/>
+              <a:gd name="adj2" fmla="val 67388"/>
+            </a:avLst>
+          </a:prstGeom>
+          <a:solidFill>
+            <a:srgbClr val="FFFF00"/>
+          </a:solidFill>
+          <a:ln>
+            <a:solidFill>
+              <a:schemeClr val="tx1">
+                <a:lumMod val="75000"/>
+                <a:lumOff val="25000"/>
+              </a:schemeClr>
+            </a:solidFill>
+          </a:ln>
+        </p:spPr>
+        <p:style>
+          <a:lnRef idx="2">
+            <a:schemeClr val="accent1">
+              <a:shade val="50000"/>
+            </a:schemeClr>
+          </a:lnRef>
+          <a:fillRef idx="1">
+            <a:schemeClr val="accent1"/>
+          </a:fillRef>
+          <a:effectRef idx="0">
+            <a:schemeClr val="accent1"/>
+          </a:effectRef>
+          <a:fontRef idx="minor">
+            <a:schemeClr val="lt1"/>
+          </a:fontRef>
+        </p:style>
+        <p:txBody>
+          <a:bodyPr rtlCol="0" anchor="ctr"/>
+          <a:lstStyle/>
+          <a:p>
+            <a:pPr algn="ctr"/>
+            <a:endParaRPr kumimoji="1" lang="ja-JP" altLang="en-US"/>
+          </a:p>
+        </p:txBody>
+      </p:sp>
+      <p:sp>
+        <p:nvSpPr>
+          <p:cNvPr id="10" name="テキスト ボックス 9"/>
+          <p:cNvSpPr txBox="1"/>
+          <p:nvPr/>
+        </p:nvSpPr>
+        <p:spPr>
+          <a:xfrm>
+            <a:off x="698613" y="1439739"/>
+            <a:ext cx="4346477" cy="1323439"/>
+          </a:xfrm>
+          <a:prstGeom prst="rect">
+            <a:avLst/>
+          </a:prstGeom>
+          <a:noFill/>
+        </p:spPr>
+        <p:txBody>
+          <a:bodyPr wrap="square" rtlCol="0">
+            <a:spAutoFit/>
+          </a:bodyPr>
+          <a:lstStyle/>
+          <a:p>
+            <a:r>
+              <a:rPr lang="ja-JP" altLang="en-US" sz="2000" b="1" dirty="0" smtClean="0">
+                <a:latin typeface="メイリオ" panose="020B0604030504040204" pitchFamily="50" charset="-128"/>
+                <a:ea typeface="メイリオ" panose="020B0604030504040204" pitchFamily="50" charset="-128"/>
+              </a:rPr>
+              <a:t>糸を連続で２本張ると巣を作れる</a:t>
+            </a:r>
+            <a:endParaRPr lang="en-US" altLang="ja-JP" sz="2000" b="1" dirty="0" smtClean="0">
+              <a:latin typeface="メイリオ" panose="020B0604030504040204" pitchFamily="50" charset="-128"/>
+              <a:ea typeface="メイリオ" panose="020B0604030504040204" pitchFamily="50" charset="-128"/>
+            </a:endParaRPr>
+          </a:p>
+          <a:p>
+            <a:endParaRPr lang="en-US" altLang="ja-JP" sz="2000" b="1" dirty="0">
+              <a:latin typeface="メイリオ" panose="020B0604030504040204" pitchFamily="50" charset="-128"/>
+              <a:ea typeface="メイリオ" panose="020B0604030504040204" pitchFamily="50" charset="-128"/>
+            </a:endParaRPr>
+          </a:p>
+          <a:p>
+            <a:r>
+              <a:rPr lang="ja-JP" altLang="en-US" sz="2000" b="1" dirty="0" smtClean="0">
+                <a:latin typeface="メイリオ" panose="020B0604030504040204" pitchFamily="50" charset="-128"/>
+                <a:ea typeface="メイリオ" panose="020B0604030504040204" pitchFamily="50" charset="-128"/>
+              </a:rPr>
+              <a:t>巣を作ることによって広い範囲を</a:t>
+            </a:r>
+            <a:endParaRPr lang="en-US" altLang="ja-JP" sz="2000" b="1" dirty="0" smtClean="0">
+              <a:latin typeface="メイリオ" panose="020B0604030504040204" pitchFamily="50" charset="-128"/>
+              <a:ea typeface="メイリオ" panose="020B0604030504040204" pitchFamily="50" charset="-128"/>
+            </a:endParaRPr>
+          </a:p>
+          <a:p>
+            <a:r>
+              <a:rPr lang="ja-JP" altLang="en-US" sz="2000" b="1" dirty="0">
+                <a:latin typeface="メイリオ" panose="020B0604030504040204" pitchFamily="50" charset="-128"/>
+                <a:ea typeface="メイリオ" panose="020B0604030504040204" pitchFamily="50" charset="-128"/>
+              </a:rPr>
+              <a:t>陣取</a:t>
+            </a:r>
+            <a:r>
+              <a:rPr lang="ja-JP" altLang="en-US" sz="2000" b="1" dirty="0" smtClean="0">
+                <a:latin typeface="メイリオ" panose="020B0604030504040204" pitchFamily="50" charset="-128"/>
+                <a:ea typeface="メイリオ" panose="020B0604030504040204" pitchFamily="50" charset="-128"/>
+              </a:rPr>
+              <a:t>ることができる</a:t>
+            </a:r>
+            <a:endParaRPr lang="en-US" altLang="ja-JP" sz="2000" b="1" dirty="0" smtClean="0">
+              <a:latin typeface="メイリオ" panose="020B0604030504040204" pitchFamily="50" charset="-128"/>
+              <a:ea typeface="メイリオ" panose="020B0604030504040204" pitchFamily="50" charset="-128"/>
+            </a:endParaRPr>
+          </a:p>
+        </p:txBody>
+      </p:sp>
+      <p:sp>
+        <p:nvSpPr>
+          <p:cNvPr id="12" name="角丸四角形 11"/>
+          <p:cNvSpPr/>
+          <p:nvPr/>
+        </p:nvSpPr>
+        <p:spPr>
+          <a:xfrm>
+            <a:off x="5070153" y="1038216"/>
+            <a:ext cx="3031767" cy="2076078"/>
+          </a:xfrm>
+          <a:prstGeom prst="roundRect">
+            <a:avLst>
+              <a:gd name="adj" fmla="val 0"/>
+            </a:avLst>
+          </a:prstGeom>
+          <a:solidFill>
+            <a:schemeClr val="accent1"/>
+          </a:solidFill>
+          <a:ln>
+            <a:solidFill>
+              <a:schemeClr val="tx1">
+                <a:lumMod val="95000"/>
+                <a:lumOff val="5000"/>
+              </a:schemeClr>
+            </a:solidFill>
+          </a:ln>
+        </p:spPr>
+        <p:style>
+          <a:lnRef idx="2">
+            <a:schemeClr val="accent1">
+              <a:shade val="50000"/>
+            </a:schemeClr>
+          </a:lnRef>
+          <a:fillRef idx="1">
+            <a:schemeClr val="accent1"/>
+          </a:fillRef>
+          <a:effectRef idx="0">
+            <a:schemeClr val="accent1"/>
+          </a:effectRef>
+          <a:fontRef idx="minor">
+            <a:schemeClr val="lt1"/>
+          </a:fontRef>
+        </p:style>
+        <p:txBody>
+          <a:bodyPr rtlCol="0" anchor="ctr"/>
+          <a:lstStyle/>
+          <a:p>
+            <a:pPr algn="ctr"/>
+            <a:endParaRPr kumimoji="1" lang="ja-JP" altLang="en-US"/>
+          </a:p>
+        </p:txBody>
+      </p:sp>
+      <p:sp>
+        <p:nvSpPr>
+          <p:cNvPr id="13" name="テキスト ボックス 12"/>
+          <p:cNvSpPr txBox="1"/>
+          <p:nvPr/>
+        </p:nvSpPr>
+        <p:spPr>
+          <a:xfrm>
+            <a:off x="5070153" y="2852394"/>
+            <a:ext cx="2084048" cy="276999"/>
+          </a:xfrm>
+          <a:prstGeom prst="rect">
+            <a:avLst/>
+          </a:prstGeom>
+          <a:noFill/>
+        </p:spPr>
+        <p:txBody>
+          <a:bodyPr wrap="square" rtlCol="0">
+            <a:spAutoFit/>
+          </a:bodyPr>
+          <a:lstStyle/>
+          <a:p>
+            <a:r>
+              <a:rPr kumimoji="1" lang="en-US" altLang="ja-JP" sz="1200" b="1" dirty="0" smtClean="0">
+                <a:solidFill>
+                  <a:srgbClr val="FF0000"/>
+                </a:solidFill>
+              </a:rPr>
+              <a:t>※</a:t>
+            </a:r>
+            <a:r>
+              <a:rPr kumimoji="1" lang="ja-JP" altLang="en-US" sz="1200" b="1" dirty="0" smtClean="0">
+                <a:solidFill>
+                  <a:srgbClr val="FF0000"/>
+                </a:solidFill>
+              </a:rPr>
+              <a:t>蜘蛛の巣の画像</a:t>
+            </a:r>
+            <a:endParaRPr kumimoji="1" lang="ja-JP" altLang="en-US" sz="1200" b="1" dirty="0">
+              <a:solidFill>
+                <a:srgbClr val="FF0000"/>
+              </a:solidFill>
+            </a:endParaRPr>
+          </a:p>
+        </p:txBody>
+      </p:sp>
+      <p:sp>
+        <p:nvSpPr>
+          <p:cNvPr id="14" name="テキスト ボックス 30"/>
+          <p:cNvSpPr txBox="1"/>
+          <p:nvPr/>
+        </p:nvSpPr>
+        <p:spPr>
+          <a:xfrm>
+            <a:off x="1" y="3185866"/>
+            <a:ext cx="9905999" cy="461665"/>
+          </a:xfrm>
+          <a:prstGeom prst="rect">
+            <a:avLst/>
+          </a:prstGeom>
+          <a:noFill/>
+        </p:spPr>
+        <p:txBody>
+          <a:bodyPr wrap="square" rtlCol="0">
+            <a:spAutoFit/>
+          </a:bodyPr>
+          <a:lstStyle>
+            <a:defPPr>
+              <a:defRPr lang="ja-JP"/>
+            </a:defPPr>
+            <a:lvl1pPr marL="0" algn="l" defTabSz="914400" rtl="0" eaLnBrk="1" latinLnBrk="0" hangingPunct="1">
+              <a:defRPr kumimoji="1" sz="1800" kern="1200">
+                <a:solidFill>
+                  <a:schemeClr val="tx1"/>
+                </a:solidFill>
+                <a:latin typeface="+mn-lt"/>
+                <a:ea typeface="+mn-ea"/>
+                <a:cs typeface="+mn-cs"/>
+              </a:defRPr>
+            </a:lvl1pPr>
+            <a:lvl2pPr marL="457200" algn="l" defTabSz="914400" rtl="0" eaLnBrk="1" latinLnBrk="0" hangingPunct="1">
+              <a:defRPr kumimoji="1" sz="1800" kern="1200">
+                <a:solidFill>
+                  <a:schemeClr val="tx1"/>
+                </a:solidFill>
+                <a:latin typeface="+mn-lt"/>
+                <a:ea typeface="+mn-ea"/>
+                <a:cs typeface="+mn-cs"/>
+              </a:defRPr>
+            </a:lvl2pPr>
+            <a:lvl3pPr marL="914400" algn="l" defTabSz="914400" rtl="0" eaLnBrk="1" latinLnBrk="0" hangingPunct="1">
+              <a:defRPr kumimoji="1" sz="1800" kern="1200">
+                <a:solidFill>
+                  <a:schemeClr val="tx1"/>
+                </a:solidFill>
+                <a:latin typeface="+mn-lt"/>
+                <a:ea typeface="+mn-ea"/>
+                <a:cs typeface="+mn-cs"/>
+              </a:defRPr>
+            </a:lvl3pPr>
+            <a:lvl4pPr marL="1371600" algn="l" defTabSz="914400" rtl="0" eaLnBrk="1" latinLnBrk="0" hangingPunct="1">
+              <a:defRPr kumimoji="1" sz="1800" kern="1200">
+                <a:solidFill>
+                  <a:schemeClr val="tx1"/>
+                </a:solidFill>
+                <a:latin typeface="+mn-lt"/>
+                <a:ea typeface="+mn-ea"/>
+                <a:cs typeface="+mn-cs"/>
+              </a:defRPr>
+            </a:lvl4pPr>
+            <a:lvl5pPr marL="1828800" algn="l" defTabSz="914400" rtl="0" eaLnBrk="1" latinLnBrk="0" hangingPunct="1">
+              <a:defRPr kumimoji="1" sz="1800" kern="1200">
+                <a:solidFill>
+                  <a:schemeClr val="tx1"/>
+                </a:solidFill>
+                <a:latin typeface="+mn-lt"/>
+                <a:ea typeface="+mn-ea"/>
+                <a:cs typeface="+mn-cs"/>
+              </a:defRPr>
+            </a:lvl5pPr>
+            <a:lvl6pPr marL="2286000" algn="l" defTabSz="914400" rtl="0" eaLnBrk="1" latinLnBrk="0" hangingPunct="1">
+              <a:defRPr kumimoji="1" sz="1800" kern="1200">
+                <a:solidFill>
+                  <a:schemeClr val="tx1"/>
+                </a:solidFill>
+                <a:latin typeface="+mn-lt"/>
+                <a:ea typeface="+mn-ea"/>
+                <a:cs typeface="+mn-cs"/>
+              </a:defRPr>
+            </a:lvl6pPr>
+            <a:lvl7pPr marL="2743200" algn="l" defTabSz="914400" rtl="0" eaLnBrk="1" latinLnBrk="0" hangingPunct="1">
+              <a:defRPr kumimoji="1" sz="1800" kern="1200">
+                <a:solidFill>
+                  <a:schemeClr val="tx1"/>
+                </a:solidFill>
+                <a:latin typeface="+mn-lt"/>
+                <a:ea typeface="+mn-ea"/>
+                <a:cs typeface="+mn-cs"/>
+              </a:defRPr>
+            </a:lvl7pPr>
+            <a:lvl8pPr marL="3200400" algn="l" defTabSz="914400" rtl="0" eaLnBrk="1" latinLnBrk="0" hangingPunct="1">
+              <a:defRPr kumimoji="1" sz="1800" kern="1200">
+                <a:solidFill>
+                  <a:schemeClr val="tx1"/>
+                </a:solidFill>
+                <a:latin typeface="+mn-lt"/>
+                <a:ea typeface="+mn-ea"/>
+                <a:cs typeface="+mn-cs"/>
+              </a:defRPr>
+            </a:lvl8pPr>
+            <a:lvl9pPr marL="3657600" algn="l" defTabSz="914400" rtl="0" eaLnBrk="1" latinLnBrk="0" hangingPunct="1">
+              <a:defRPr kumimoji="1" sz="1800" kern="1200">
+                <a:solidFill>
+                  <a:schemeClr val="tx1"/>
+                </a:solidFill>
+                <a:latin typeface="+mn-lt"/>
+                <a:ea typeface="+mn-ea"/>
+                <a:cs typeface="+mn-cs"/>
+              </a:defRPr>
+            </a:lvl9pPr>
+          </a:lstStyle>
+          <a:p>
+            <a:pPr algn="ctr"/>
+            <a:r>
+              <a:rPr lang="ja-JP" altLang="en-US" sz="2400" b="1" dirty="0">
+                <a:solidFill>
+                  <a:schemeClr val="bg1"/>
+                </a:solidFill>
+                <a:effectLst>
+                  <a:glow rad="139700">
+                    <a:schemeClr val="tx1">
+                      <a:alpha val="70000"/>
+                    </a:schemeClr>
+                  </a:glow>
+                </a:effectLst>
+                <a:latin typeface="+mn-ea"/>
+              </a:rPr>
+              <a:t>糸</a:t>
+            </a:r>
+            <a:r>
+              <a:rPr lang="ja-JP" altLang="en-US" sz="2400" b="1" dirty="0" smtClean="0">
+                <a:solidFill>
+                  <a:schemeClr val="bg1"/>
+                </a:solidFill>
+                <a:effectLst>
+                  <a:glow rad="139700">
+                    <a:schemeClr val="tx1">
+                      <a:alpha val="70000"/>
+                    </a:schemeClr>
+                  </a:glow>
+                </a:effectLst>
+                <a:latin typeface="+mn-ea"/>
+              </a:rPr>
+              <a:t>は</a:t>
+            </a:r>
+            <a:r>
+              <a:rPr lang="ja-JP" altLang="en-US" sz="2400" b="1" dirty="0">
+                <a:solidFill>
+                  <a:schemeClr val="bg1"/>
+                </a:solidFill>
+                <a:effectLst>
+                  <a:glow rad="139700">
+                    <a:schemeClr val="tx1">
+                      <a:alpha val="70000"/>
+                    </a:schemeClr>
+                  </a:glow>
+                </a:effectLst>
+                <a:latin typeface="+mn-ea"/>
+              </a:rPr>
+              <a:t>罠</a:t>
+            </a:r>
+            <a:r>
+              <a:rPr lang="ja-JP" altLang="en-US" sz="2400" b="1" dirty="0" smtClean="0">
+                <a:solidFill>
+                  <a:schemeClr val="bg1"/>
+                </a:solidFill>
+                <a:effectLst>
+                  <a:glow rad="139700">
+                    <a:schemeClr val="tx1">
+                      <a:alpha val="70000"/>
+                    </a:schemeClr>
+                  </a:glow>
+                </a:effectLst>
+                <a:latin typeface="+mn-ea"/>
+              </a:rPr>
+              <a:t>にすることができ、敵にくっつくと数秒間動けなくできる</a:t>
+            </a:r>
+            <a:endParaRPr lang="en-US" altLang="ja-JP" sz="2400" b="1" dirty="0" smtClean="0">
+              <a:solidFill>
+                <a:schemeClr val="bg1"/>
+              </a:solidFill>
+              <a:effectLst>
+                <a:glow rad="139700">
+                  <a:schemeClr val="tx1">
+                    <a:alpha val="70000"/>
+                  </a:schemeClr>
+                </a:glow>
+              </a:effectLst>
+              <a:latin typeface="+mn-ea"/>
+            </a:endParaRPr>
+          </a:p>
+        </p:txBody>
+      </p:sp>
+      <p:sp>
+        <p:nvSpPr>
+          <p:cNvPr id="16" name="テキスト ボックス 30"/>
+          <p:cNvSpPr txBox="1"/>
+          <p:nvPr/>
+        </p:nvSpPr>
+        <p:spPr>
+          <a:xfrm>
+            <a:off x="0" y="47908"/>
+            <a:ext cx="9906000" cy="830997"/>
+          </a:xfrm>
+          <a:prstGeom prst="rect">
+            <a:avLst/>
+          </a:prstGeom>
+          <a:noFill/>
+        </p:spPr>
+        <p:txBody>
+          <a:bodyPr wrap="square" rtlCol="0">
+            <a:spAutoFit/>
+          </a:bodyPr>
+          <a:lstStyle>
+            <a:defPPr>
+              <a:defRPr lang="ja-JP"/>
+            </a:defPPr>
+            <a:lvl1pPr marL="0" algn="l" defTabSz="914400" rtl="0" eaLnBrk="1" latinLnBrk="0" hangingPunct="1">
+              <a:defRPr kumimoji="1" sz="1800" kern="1200">
+                <a:solidFill>
+                  <a:schemeClr val="tx1"/>
+                </a:solidFill>
+                <a:latin typeface="+mn-lt"/>
+                <a:ea typeface="+mn-ea"/>
+                <a:cs typeface="+mn-cs"/>
+              </a:defRPr>
+            </a:lvl1pPr>
+            <a:lvl2pPr marL="457200" algn="l" defTabSz="914400" rtl="0" eaLnBrk="1" latinLnBrk="0" hangingPunct="1">
+              <a:defRPr kumimoji="1" sz="1800" kern="1200">
+                <a:solidFill>
+                  <a:schemeClr val="tx1"/>
+                </a:solidFill>
+                <a:latin typeface="+mn-lt"/>
+                <a:ea typeface="+mn-ea"/>
+                <a:cs typeface="+mn-cs"/>
+              </a:defRPr>
+            </a:lvl2pPr>
+            <a:lvl3pPr marL="914400" algn="l" defTabSz="914400" rtl="0" eaLnBrk="1" latinLnBrk="0" hangingPunct="1">
+              <a:defRPr kumimoji="1" sz="1800" kern="1200">
+                <a:solidFill>
+                  <a:schemeClr val="tx1"/>
+                </a:solidFill>
+                <a:latin typeface="+mn-lt"/>
+                <a:ea typeface="+mn-ea"/>
+                <a:cs typeface="+mn-cs"/>
+              </a:defRPr>
+            </a:lvl3pPr>
+            <a:lvl4pPr marL="1371600" algn="l" defTabSz="914400" rtl="0" eaLnBrk="1" latinLnBrk="0" hangingPunct="1">
+              <a:defRPr kumimoji="1" sz="1800" kern="1200">
+                <a:solidFill>
+                  <a:schemeClr val="tx1"/>
+                </a:solidFill>
+                <a:latin typeface="+mn-lt"/>
+                <a:ea typeface="+mn-ea"/>
+                <a:cs typeface="+mn-cs"/>
+              </a:defRPr>
+            </a:lvl4pPr>
+            <a:lvl5pPr marL="1828800" algn="l" defTabSz="914400" rtl="0" eaLnBrk="1" latinLnBrk="0" hangingPunct="1">
+              <a:defRPr kumimoji="1" sz="1800" kern="1200">
+                <a:solidFill>
+                  <a:schemeClr val="tx1"/>
+                </a:solidFill>
+                <a:latin typeface="+mn-lt"/>
+                <a:ea typeface="+mn-ea"/>
+                <a:cs typeface="+mn-cs"/>
+              </a:defRPr>
+            </a:lvl5pPr>
+            <a:lvl6pPr marL="2286000" algn="l" defTabSz="914400" rtl="0" eaLnBrk="1" latinLnBrk="0" hangingPunct="1">
+              <a:defRPr kumimoji="1" sz="1800" kern="1200">
+                <a:solidFill>
+                  <a:schemeClr val="tx1"/>
+                </a:solidFill>
+                <a:latin typeface="+mn-lt"/>
+                <a:ea typeface="+mn-ea"/>
+                <a:cs typeface="+mn-cs"/>
+              </a:defRPr>
+            </a:lvl6pPr>
+            <a:lvl7pPr marL="2743200" algn="l" defTabSz="914400" rtl="0" eaLnBrk="1" latinLnBrk="0" hangingPunct="1">
+              <a:defRPr kumimoji="1" sz="1800" kern="1200">
+                <a:solidFill>
+                  <a:schemeClr val="tx1"/>
+                </a:solidFill>
+                <a:latin typeface="+mn-lt"/>
+                <a:ea typeface="+mn-ea"/>
+                <a:cs typeface="+mn-cs"/>
+              </a:defRPr>
+            </a:lvl7pPr>
+            <a:lvl8pPr marL="3200400" algn="l" defTabSz="914400" rtl="0" eaLnBrk="1" latinLnBrk="0" hangingPunct="1">
+              <a:defRPr kumimoji="1" sz="1800" kern="1200">
+                <a:solidFill>
+                  <a:schemeClr val="tx1"/>
+                </a:solidFill>
+                <a:latin typeface="+mn-lt"/>
+                <a:ea typeface="+mn-ea"/>
+                <a:cs typeface="+mn-cs"/>
+              </a:defRPr>
+            </a:lvl8pPr>
+            <a:lvl9pPr marL="3657600" algn="l" defTabSz="914400" rtl="0" eaLnBrk="1" latinLnBrk="0" hangingPunct="1">
+              <a:defRPr kumimoji="1" sz="1800" kern="1200">
+                <a:solidFill>
+                  <a:schemeClr val="tx1"/>
+                </a:solidFill>
+                <a:latin typeface="+mn-lt"/>
+                <a:ea typeface="+mn-ea"/>
+                <a:cs typeface="+mn-cs"/>
+              </a:defRPr>
+            </a:lvl9pPr>
+          </a:lstStyle>
+          <a:p>
+            <a:r>
+              <a:rPr lang="ja-JP" altLang="en-US" sz="4800" b="1" dirty="0" smtClean="0">
+                <a:solidFill>
+                  <a:schemeClr val="bg1"/>
+                </a:solidFill>
+                <a:effectLst>
+                  <a:glow rad="139700">
+                    <a:schemeClr val="tx1">
+                      <a:alpha val="70000"/>
+                    </a:schemeClr>
+                  </a:glow>
+                </a:effectLst>
+                <a:latin typeface="+mn-ea"/>
+              </a:rPr>
+              <a:t>糸の活用</a:t>
+            </a:r>
+            <a:endParaRPr kumimoji="1" lang="ja-JP" altLang="en-US" sz="4800" b="1" dirty="0">
+              <a:solidFill>
+                <a:schemeClr val="bg1"/>
+              </a:solidFill>
+              <a:effectLst>
+                <a:glow rad="139700">
+                  <a:schemeClr val="tx1">
+                    <a:alpha val="70000"/>
+                  </a:schemeClr>
+                </a:glow>
+              </a:effectLst>
+              <a:latin typeface="+mn-ea"/>
+            </a:endParaRPr>
+          </a:p>
+        </p:txBody>
+      </p:sp>
     </p:spTree>
     <p:extLst>
       <p:ext uri="{BB962C8B-B14F-4D97-AF65-F5344CB8AC3E}">
@@ -6860,14 +8044,84 @@
       </p:grpSpPr>
       <p:sp>
         <p:nvSpPr>
-          <p:cNvPr id="48" name="角丸四角形 47"/>
+          <p:cNvPr id="4" name="テキスト ボックス 3"/>
+          <p:cNvSpPr txBox="1"/>
+          <p:nvPr/>
+        </p:nvSpPr>
+        <p:spPr>
+          <a:xfrm>
+            <a:off x="1485931" y="1268341"/>
+            <a:ext cx="7103887" cy="707886"/>
+          </a:xfrm>
+          <a:prstGeom prst="rect">
+            <a:avLst/>
+          </a:prstGeom>
+          <a:noFill/>
+        </p:spPr>
+        <p:txBody>
+          <a:bodyPr wrap="square" rtlCol="0">
+            <a:spAutoFit/>
+          </a:bodyPr>
+          <a:lstStyle/>
+          <a:p>
+            <a:r>
+              <a:rPr lang="ja-JP" altLang="en-US" sz="2000" b="1" dirty="0">
+                <a:latin typeface="メイリオ" panose="020B0604030504040204" pitchFamily="50" charset="-128"/>
+                <a:ea typeface="メイリオ" panose="020B0604030504040204" pitchFamily="50" charset="-128"/>
+              </a:rPr>
+              <a:t>敵</a:t>
+            </a:r>
+            <a:r>
+              <a:rPr lang="ja-JP" altLang="en-US" sz="2000" b="1" dirty="0" smtClean="0">
+                <a:latin typeface="メイリオ" panose="020B0604030504040204" pitchFamily="50" charset="-128"/>
+                <a:ea typeface="メイリオ" panose="020B0604030504040204" pitchFamily="50" charset="-128"/>
+              </a:rPr>
+              <a:t>の</a:t>
+            </a:r>
+            <a:r>
+              <a:rPr lang="ja-JP" altLang="en-US" sz="2000" b="1" dirty="0">
+                <a:latin typeface="メイリオ" panose="020B0604030504040204" pitchFamily="50" charset="-128"/>
+                <a:ea typeface="メイリオ" panose="020B0604030504040204" pitchFamily="50" charset="-128"/>
+              </a:rPr>
+              <a:t>糸</a:t>
+            </a:r>
+            <a:r>
+              <a:rPr lang="ja-JP" altLang="en-US" sz="2000" b="1" dirty="0" smtClean="0">
+                <a:latin typeface="メイリオ" panose="020B0604030504040204" pitchFamily="50" charset="-128"/>
+                <a:ea typeface="メイリオ" panose="020B0604030504040204" pitchFamily="50" charset="-128"/>
+              </a:rPr>
+              <a:t>とぶつかる時、避けて糸を奪う回避アクション</a:t>
+            </a:r>
+            <a:endParaRPr lang="en-US" altLang="ja-JP" sz="2000" b="1" dirty="0" smtClean="0">
+              <a:latin typeface="メイリオ" panose="020B0604030504040204" pitchFamily="50" charset="-128"/>
+              <a:ea typeface="メイリオ" panose="020B0604030504040204" pitchFamily="50" charset="-128"/>
+            </a:endParaRPr>
+          </a:p>
+          <a:p>
+            <a:r>
+              <a:rPr lang="ja-JP" altLang="en-US" sz="2000" b="1" dirty="0" smtClean="0">
+                <a:latin typeface="メイリオ" panose="020B0604030504040204" pitchFamily="50" charset="-128"/>
+                <a:ea typeface="メイリオ" panose="020B0604030504040204" pitchFamily="50" charset="-128"/>
+              </a:rPr>
+              <a:t>止まってる敵に体当たりで敵を叩き落とす妨害アクション</a:t>
+            </a:r>
+            <a:endParaRPr lang="en-US" altLang="ja-JP" sz="2000" b="1" dirty="0" smtClean="0">
+              <a:latin typeface="メイリオ" panose="020B0604030504040204" pitchFamily="50" charset="-128"/>
+              <a:ea typeface="メイリオ" panose="020B0604030504040204" pitchFamily="50" charset="-128"/>
+            </a:endParaRPr>
+          </a:p>
+        </p:txBody>
+      </p:sp>
+      <p:sp>
+        <p:nvSpPr>
+          <p:cNvPr id="22" name="角丸四角形 21"/>
           <p:cNvSpPr/>
           <p:nvPr/>
         </p:nvSpPr>
         <p:spPr>
           <a:xfrm>
-            <a:off x="333475" y="2385647"/>
-            <a:ext cx="4322547" cy="3810000"/>
+            <a:off x="391421" y="2958604"/>
+            <a:ext cx="4097452" cy="3591954"/>
           </a:xfrm>
           <a:prstGeom prst="roundRect">
             <a:avLst>
@@ -6913,50 +8167,14 @@
       </p:sp>
       <p:sp>
         <p:nvSpPr>
-          <p:cNvPr id="2" name="タイトル 1"/>
-          <p:cNvSpPr>
-            <a:spLocks noGrp="1"/>
-          </p:cNvSpPr>
-          <p:nvPr>
-            <p:ph type="title"/>
-          </p:nvPr>
-        </p:nvSpPr>
-        <p:spPr>
-          <a:xfrm>
-            <a:off x="0" y="0"/>
-            <a:ext cx="9810206" cy="1058863"/>
-          </a:xfrm>
-        </p:spPr>
-        <p:txBody>
-          <a:bodyPr>
-            <a:normAutofit/>
-          </a:bodyPr>
-          <a:lstStyle/>
-          <a:p>
-            <a:r>
-              <a:rPr lang="ja-JP" altLang="en-US" sz="4800" dirty="0" smtClean="0">
-                <a:latin typeface="HGS創英角ｺﾞｼｯｸUB" panose="020B0900000000000000" pitchFamily="50" charset="-128"/>
-                <a:ea typeface="HGS創英角ｺﾞｼｯｸUB" panose="020B0900000000000000" pitchFamily="50" charset="-128"/>
-              </a:rPr>
-              <a:t>陣地の奪い合い</a:t>
-            </a:r>
-            <a:endParaRPr lang="ja-JP" altLang="en-US" sz="4388" dirty="0">
-              <a:latin typeface="HGS創英角ｺﾞｼｯｸUB" panose="020B0900000000000000" pitchFamily="50" charset="-128"/>
-              <a:ea typeface="HGS創英角ｺﾞｼｯｸUB" panose="020B0900000000000000" pitchFamily="50" charset="-128"/>
-            </a:endParaRPr>
-          </a:p>
-        </p:txBody>
-      </p:sp>
-      <p:sp>
-        <p:nvSpPr>
-          <p:cNvPr id="4" name="テキスト ボックス 3"/>
+          <p:cNvPr id="23" name="テキスト ボックス 22"/>
           <p:cNvSpPr txBox="1"/>
           <p:nvPr/>
         </p:nvSpPr>
         <p:spPr>
           <a:xfrm>
-            <a:off x="557677" y="1271519"/>
-            <a:ext cx="8960396" cy="1015663"/>
+            <a:off x="391422" y="2558494"/>
+            <a:ext cx="4831742" cy="400110"/>
           </a:xfrm>
           <a:prstGeom prst="rect">
             <a:avLst/>
@@ -6974,31 +8192,59 @@
                 <a:latin typeface="メイリオ" panose="020B0604030504040204" pitchFamily="50" charset="-128"/>
                 <a:ea typeface="メイリオ" panose="020B0604030504040204" pitchFamily="50" charset="-128"/>
               </a:rPr>
-              <a:t>木は張り付いた糸でプレイヤーの縄張りの木となる</a:t>
-            </a:r>
-          </a:p>
-          <a:p>
+              <a:t>回避により敵</a:t>
+            </a:r>
+            <a:r>
+              <a:rPr lang="ja-JP" altLang="en-US" sz="2000" b="1" dirty="0">
+                <a:latin typeface="メイリオ" panose="020B0604030504040204" pitchFamily="50" charset="-128"/>
+                <a:ea typeface="メイリオ" panose="020B0604030504040204" pitchFamily="50" charset="-128"/>
+              </a:rPr>
+              <a:t>の</a:t>
+            </a:r>
             <a:r>
               <a:rPr lang="ja-JP" altLang="en-US" sz="2000" b="1" dirty="0" smtClean="0">
                 <a:latin typeface="メイリオ" panose="020B0604030504040204" pitchFamily="50" charset="-128"/>
                 <a:ea typeface="メイリオ" panose="020B0604030504040204" pitchFamily="50" charset="-128"/>
               </a:rPr>
-              <a:t>敵の木を奪うには張り巡らせた敵の糸よりも多く自分の糸を貼ることで、</a:t>
+              <a:t>糸を奪い自分の糸に</a:t>
             </a:r>
             <a:endParaRPr lang="en-US" altLang="ja-JP" sz="2000" b="1" dirty="0" smtClean="0">
               <a:latin typeface="メイリオ" panose="020B0604030504040204" pitchFamily="50" charset="-128"/>
               <a:ea typeface="メイリオ" panose="020B0604030504040204" pitchFamily="50" charset="-128"/>
             </a:endParaRPr>
           </a:p>
+        </p:txBody>
+      </p:sp>
+      <p:sp>
+        <p:nvSpPr>
+          <p:cNvPr id="24" name="テキスト ボックス 23"/>
+          <p:cNvSpPr txBox="1"/>
+          <p:nvPr/>
+        </p:nvSpPr>
+        <p:spPr>
+          <a:xfrm>
+            <a:off x="5037874" y="6150448"/>
+            <a:ext cx="4831742" cy="400110"/>
+          </a:xfrm>
+          <a:prstGeom prst="rect">
+            <a:avLst/>
+          </a:prstGeom>
+          <a:noFill/>
+        </p:spPr>
+        <p:txBody>
+          <a:bodyPr wrap="square" rtlCol="0">
+            <a:spAutoFit/>
+          </a:bodyPr>
+          <a:lstStyle/>
           <a:p>
             <a:r>
               <a:rPr lang="ja-JP" altLang="en-US" sz="2000" b="1" dirty="0" smtClean="0">
                 <a:latin typeface="メイリオ" panose="020B0604030504040204" pitchFamily="50" charset="-128"/>
                 <a:ea typeface="メイリオ" panose="020B0604030504040204" pitchFamily="50" charset="-128"/>
               </a:rPr>
-              <a:t>自分の木にすることが可能</a:t>
-            </a:r>
-            <a:endParaRPr lang="ja-JP" altLang="en-US" sz="2000" b="1" dirty="0">
+              <a:t>体当たりで敵を地面に叩き落とす</a:t>
+            </a:r>
+            <a:endParaRPr lang="en-US" altLang="ja-JP" sz="2000" b="1" dirty="0" smtClean="0">
               <a:latin typeface="メイリオ" panose="020B0604030504040204" pitchFamily="50" charset="-128"/>
               <a:ea typeface="メイリオ" panose="020B0604030504040204" pitchFamily="50" charset="-128"/>
             </a:endParaRPr>
@@ -7007,24 +8253,29 @@
       </p:sp>
       <p:sp>
         <p:nvSpPr>
-          <p:cNvPr id="49" name="角丸四角形 48"/>
+          <p:cNvPr id="25" name="角丸四角形 24"/>
           <p:cNvSpPr/>
           <p:nvPr/>
         </p:nvSpPr>
         <p:spPr>
-          <a:xfrm rot="763634">
-            <a:off x="2543036" y="4718514"/>
-            <a:ext cx="2136458" cy="70557"/>
+          <a:xfrm>
+            <a:off x="5037874" y="2454730"/>
+            <a:ext cx="4097452" cy="3591954"/>
           </a:xfrm>
           <a:prstGeom prst="roundRect">
-            <a:avLst/>
+            <a:avLst>
+              <a:gd name="adj" fmla="val 0"/>
+            </a:avLst>
           </a:prstGeom>
           <a:solidFill>
-            <a:srgbClr val="FF0000"/>
+            <a:schemeClr val="accent1"/>
           </a:solidFill>
           <a:ln>
             <a:solidFill>
-              <a:schemeClr val="tx1"/>
+              <a:schemeClr val="tx1">
+                <a:lumMod val="95000"/>
+                <a:lumOff val="5000"/>
+              </a:schemeClr>
             </a:solidFill>
           </a:ln>
         </p:spPr>
@@ -7055,629 +8306,14 @@
       </p:sp>
       <p:sp>
         <p:nvSpPr>
-          <p:cNvPr id="50" name="角丸四角形 49"/>
-          <p:cNvSpPr/>
-          <p:nvPr/>
-        </p:nvSpPr>
-        <p:spPr>
-          <a:xfrm rot="20863825">
-            <a:off x="2506078" y="4242275"/>
-            <a:ext cx="2167766" cy="65285"/>
-          </a:xfrm>
-          <a:prstGeom prst="roundRect">
-            <a:avLst/>
-          </a:prstGeom>
-          <a:solidFill>
-            <a:srgbClr val="FF0000"/>
-          </a:solidFill>
-          <a:ln>
-            <a:solidFill>
-              <a:schemeClr val="tx1"/>
-            </a:solidFill>
-          </a:ln>
-        </p:spPr>
-        <p:style>
-          <a:lnRef idx="2">
-            <a:schemeClr val="accent1">
-              <a:shade val="50000"/>
-            </a:schemeClr>
-          </a:lnRef>
-          <a:fillRef idx="1">
-            <a:schemeClr val="accent1"/>
-          </a:fillRef>
-          <a:effectRef idx="0">
-            <a:schemeClr val="accent1"/>
-          </a:effectRef>
-          <a:fontRef idx="minor">
-            <a:schemeClr val="lt1"/>
-          </a:fontRef>
-        </p:style>
-        <p:txBody>
-          <a:bodyPr rtlCol="0" anchor="ctr"/>
-          <a:lstStyle/>
-          <a:p>
-            <a:pPr algn="ctr"/>
-            <a:endParaRPr kumimoji="1" lang="ja-JP" altLang="en-US"/>
-          </a:p>
-        </p:txBody>
-      </p:sp>
-      <p:sp>
-        <p:nvSpPr>
-          <p:cNvPr id="70" name="角丸四角形 69"/>
-          <p:cNvSpPr/>
-          <p:nvPr/>
-        </p:nvSpPr>
-        <p:spPr>
-          <a:xfrm>
-            <a:off x="5175573" y="2385647"/>
-            <a:ext cx="4322547" cy="3810000"/>
-          </a:xfrm>
-          <a:prstGeom prst="roundRect">
-            <a:avLst>
-              <a:gd name="adj" fmla="val 0"/>
-            </a:avLst>
-          </a:prstGeom>
-          <a:solidFill>
-            <a:schemeClr val="accent1"/>
-          </a:solidFill>
-          <a:ln>
-            <a:solidFill>
-              <a:schemeClr val="tx1">
-                <a:lumMod val="95000"/>
-                <a:lumOff val="5000"/>
-              </a:schemeClr>
-            </a:solidFill>
-          </a:ln>
-        </p:spPr>
-        <p:style>
-          <a:lnRef idx="2">
-            <a:schemeClr val="accent1">
-              <a:shade val="50000"/>
-            </a:schemeClr>
-          </a:lnRef>
-          <a:fillRef idx="1">
-            <a:schemeClr val="accent1"/>
-          </a:fillRef>
-          <a:effectRef idx="0">
-            <a:schemeClr val="accent1"/>
-          </a:effectRef>
-          <a:fontRef idx="minor">
-            <a:schemeClr val="lt1"/>
-          </a:fontRef>
-        </p:style>
-        <p:txBody>
-          <a:bodyPr rtlCol="0" anchor="ctr"/>
-          <a:lstStyle/>
-          <a:p>
-            <a:pPr algn="ctr"/>
-            <a:endParaRPr kumimoji="1" lang="ja-JP" altLang="en-US"/>
-          </a:p>
-        </p:txBody>
-      </p:sp>
-      <p:sp>
-        <p:nvSpPr>
-          <p:cNvPr id="71" name="角丸四角形 70"/>
-          <p:cNvSpPr/>
-          <p:nvPr/>
-        </p:nvSpPr>
-        <p:spPr>
-          <a:xfrm rot="763634">
-            <a:off x="7385134" y="4718514"/>
-            <a:ext cx="2136458" cy="70557"/>
-          </a:xfrm>
-          <a:prstGeom prst="roundRect">
-            <a:avLst/>
-          </a:prstGeom>
-          <a:solidFill>
-            <a:srgbClr val="FF0000"/>
-          </a:solidFill>
-          <a:ln>
-            <a:solidFill>
-              <a:schemeClr val="tx1"/>
-            </a:solidFill>
-          </a:ln>
-        </p:spPr>
-        <p:style>
-          <a:lnRef idx="2">
-            <a:schemeClr val="accent1">
-              <a:shade val="50000"/>
-            </a:schemeClr>
-          </a:lnRef>
-          <a:fillRef idx="1">
-            <a:schemeClr val="accent1"/>
-          </a:fillRef>
-          <a:effectRef idx="0">
-            <a:schemeClr val="accent1"/>
-          </a:effectRef>
-          <a:fontRef idx="minor">
-            <a:schemeClr val="lt1"/>
-          </a:fontRef>
-        </p:style>
-        <p:txBody>
-          <a:bodyPr rtlCol="0" anchor="ctr"/>
-          <a:lstStyle/>
-          <a:p>
-            <a:pPr algn="ctr"/>
-            <a:endParaRPr kumimoji="1" lang="ja-JP" altLang="en-US"/>
-          </a:p>
-        </p:txBody>
-      </p:sp>
-      <p:sp>
-        <p:nvSpPr>
-          <p:cNvPr id="72" name="角丸四角形 71"/>
-          <p:cNvSpPr/>
-          <p:nvPr/>
-        </p:nvSpPr>
-        <p:spPr>
-          <a:xfrm rot="20863825">
-            <a:off x="7348176" y="4242275"/>
-            <a:ext cx="2167766" cy="65285"/>
-          </a:xfrm>
-          <a:prstGeom prst="roundRect">
-            <a:avLst/>
-          </a:prstGeom>
-          <a:solidFill>
-            <a:srgbClr val="FF0000"/>
-          </a:solidFill>
-          <a:ln>
-            <a:solidFill>
-              <a:schemeClr val="tx1"/>
-            </a:solidFill>
-          </a:ln>
-        </p:spPr>
-        <p:style>
-          <a:lnRef idx="2">
-            <a:schemeClr val="accent1">
-              <a:shade val="50000"/>
-            </a:schemeClr>
-          </a:lnRef>
-          <a:fillRef idx="1">
-            <a:schemeClr val="accent1"/>
-          </a:fillRef>
-          <a:effectRef idx="0">
-            <a:schemeClr val="accent1"/>
-          </a:effectRef>
-          <a:fontRef idx="minor">
-            <a:schemeClr val="lt1"/>
-          </a:fontRef>
-        </p:style>
-        <p:txBody>
-          <a:bodyPr rtlCol="0" anchor="ctr"/>
-          <a:lstStyle/>
-          <a:p>
-            <a:pPr algn="ctr"/>
-            <a:endParaRPr kumimoji="1" lang="ja-JP" altLang="en-US"/>
-          </a:p>
-        </p:txBody>
-      </p:sp>
-      <p:pic>
-        <p:nvPicPr>
-          <p:cNvPr id="73" name="図 72"/>
-          <p:cNvPicPr>
-            <a:picLocks noChangeAspect="1"/>
-          </p:cNvPicPr>
-          <p:nvPr/>
-        </p:nvPicPr>
-        <p:blipFill rotWithShape="1">
-          <a:blip r:embed="rId3">
-            <a:extLst>
-              <a:ext uri="{28A0092B-C50C-407E-A947-70E740481C1C}">
-                <a14:useLocalDpi xmlns:a14="http://schemas.microsoft.com/office/drawing/2010/main" val="0"/>
-              </a:ext>
-            </a:extLst>
-          </a:blip>
-          <a:srcRect l="3236" t="34907" r="2605" b="3267"/>
-          <a:stretch/>
-        </p:blipFill>
-        <p:spPr>
-          <a:xfrm>
-            <a:off x="5133703" y="2385647"/>
-            <a:ext cx="4676503" cy="3070589"/>
-          </a:xfrm>
-          <a:prstGeom prst="rect">
-            <a:avLst/>
-          </a:prstGeom>
-        </p:spPr>
-      </p:pic>
-      <p:sp>
-        <p:nvSpPr>
-          <p:cNvPr id="74" name="角丸四角形 73"/>
-          <p:cNvSpPr/>
-          <p:nvPr/>
-        </p:nvSpPr>
-        <p:spPr>
-          <a:xfrm rot="256952">
-            <a:off x="5278488" y="4024625"/>
-            <a:ext cx="2132756" cy="45719"/>
-          </a:xfrm>
-          <a:prstGeom prst="roundRect">
-            <a:avLst/>
-          </a:prstGeom>
-          <a:solidFill>
-            <a:schemeClr val="accent1">
-              <a:lumMod val="60000"/>
-              <a:lumOff val="40000"/>
-            </a:schemeClr>
-          </a:solidFill>
-          <a:ln>
-            <a:solidFill>
-              <a:schemeClr val="tx1"/>
-            </a:solidFill>
-          </a:ln>
-        </p:spPr>
-        <p:style>
-          <a:lnRef idx="2">
-            <a:schemeClr val="accent1">
-              <a:shade val="50000"/>
-            </a:schemeClr>
-          </a:lnRef>
-          <a:fillRef idx="1">
-            <a:schemeClr val="accent1"/>
-          </a:fillRef>
-          <a:effectRef idx="0">
-            <a:schemeClr val="accent1"/>
-          </a:effectRef>
-          <a:fontRef idx="minor">
-            <a:schemeClr val="lt1"/>
-          </a:fontRef>
-        </p:style>
-        <p:txBody>
-          <a:bodyPr rtlCol="0" anchor="ctr"/>
-          <a:lstStyle/>
-          <a:p>
-            <a:pPr algn="ctr"/>
-            <a:endParaRPr kumimoji="1" lang="ja-JP" altLang="en-US"/>
-          </a:p>
-        </p:txBody>
-      </p:sp>
-      <p:sp>
-        <p:nvSpPr>
-          <p:cNvPr id="75" name="角丸四角形 74"/>
-          <p:cNvSpPr/>
-          <p:nvPr/>
-        </p:nvSpPr>
-        <p:spPr>
-          <a:xfrm rot="20863825">
-            <a:off x="5255369" y="4417967"/>
-            <a:ext cx="2197595" cy="45719"/>
-          </a:xfrm>
-          <a:prstGeom prst="roundRect">
-            <a:avLst/>
-          </a:prstGeom>
-          <a:solidFill>
-            <a:schemeClr val="accent1">
-              <a:lumMod val="60000"/>
-              <a:lumOff val="40000"/>
-            </a:schemeClr>
-          </a:solidFill>
-          <a:ln>
-            <a:solidFill>
-              <a:schemeClr val="tx1"/>
-            </a:solidFill>
-          </a:ln>
-        </p:spPr>
-        <p:style>
-          <a:lnRef idx="2">
-            <a:schemeClr val="accent1">
-              <a:shade val="50000"/>
-            </a:schemeClr>
-          </a:lnRef>
-          <a:fillRef idx="1">
-            <a:schemeClr val="accent1"/>
-          </a:fillRef>
-          <a:effectRef idx="0">
-            <a:schemeClr val="accent1"/>
-          </a:effectRef>
-          <a:fontRef idx="minor">
-            <a:schemeClr val="lt1"/>
-          </a:fontRef>
-        </p:style>
-        <p:txBody>
-          <a:bodyPr rtlCol="0" anchor="ctr"/>
-          <a:lstStyle/>
-          <a:p>
-            <a:pPr algn="ctr"/>
-            <a:endParaRPr kumimoji="1" lang="ja-JP" altLang="en-US"/>
-          </a:p>
-        </p:txBody>
-      </p:sp>
-      <p:sp>
-        <p:nvSpPr>
-          <p:cNvPr id="76" name="角丸四角形 75"/>
-          <p:cNvSpPr/>
-          <p:nvPr/>
-        </p:nvSpPr>
-        <p:spPr>
-          <a:xfrm rot="19228374">
-            <a:off x="6107122" y="5166490"/>
-            <a:ext cx="1477435" cy="69371"/>
-          </a:xfrm>
-          <a:prstGeom prst="roundRect">
-            <a:avLst/>
-          </a:prstGeom>
-          <a:solidFill>
-            <a:schemeClr val="accent1">
-              <a:lumMod val="60000"/>
-              <a:lumOff val="40000"/>
-            </a:schemeClr>
-          </a:solidFill>
-          <a:ln>
-            <a:solidFill>
-              <a:schemeClr val="tx1"/>
-            </a:solidFill>
-          </a:ln>
-        </p:spPr>
-        <p:style>
-          <a:lnRef idx="2">
-            <a:schemeClr val="accent1">
-              <a:shade val="50000"/>
-            </a:schemeClr>
-          </a:lnRef>
-          <a:fillRef idx="1">
-            <a:schemeClr val="accent1"/>
-          </a:fillRef>
-          <a:effectRef idx="0">
-            <a:schemeClr val="accent1"/>
-          </a:effectRef>
-          <a:fontRef idx="minor">
-            <a:schemeClr val="lt1"/>
-          </a:fontRef>
-        </p:style>
-        <p:txBody>
-          <a:bodyPr rtlCol="0" anchor="ctr"/>
-          <a:lstStyle/>
-          <a:p>
-            <a:pPr algn="ctr"/>
-            <a:endParaRPr kumimoji="1" lang="ja-JP" altLang="en-US"/>
-          </a:p>
-        </p:txBody>
-      </p:sp>
-      <p:sp>
-        <p:nvSpPr>
-          <p:cNvPr id="77" name="角丸四角形 76"/>
-          <p:cNvSpPr/>
-          <p:nvPr/>
-        </p:nvSpPr>
-        <p:spPr>
-          <a:xfrm rot="2305190">
-            <a:off x="5307847" y="4004786"/>
-            <a:ext cx="2360489" cy="45719"/>
-          </a:xfrm>
-          <a:prstGeom prst="roundRect">
-            <a:avLst/>
-          </a:prstGeom>
-          <a:solidFill>
-            <a:schemeClr val="accent1">
-              <a:lumMod val="60000"/>
-              <a:lumOff val="40000"/>
-            </a:schemeClr>
-          </a:solidFill>
-          <a:ln>
-            <a:solidFill>
-              <a:schemeClr val="tx1"/>
-            </a:solidFill>
-          </a:ln>
-        </p:spPr>
-        <p:style>
-          <a:lnRef idx="2">
-            <a:schemeClr val="accent1">
-              <a:shade val="50000"/>
-            </a:schemeClr>
-          </a:lnRef>
-          <a:fillRef idx="1">
-            <a:schemeClr val="accent1"/>
-          </a:fillRef>
-          <a:effectRef idx="0">
-            <a:schemeClr val="accent1"/>
-          </a:effectRef>
-          <a:fontRef idx="minor">
-            <a:schemeClr val="lt1"/>
-          </a:fontRef>
-        </p:style>
-        <p:txBody>
-          <a:bodyPr rtlCol="0" anchor="ctr"/>
-          <a:lstStyle/>
-          <a:p>
-            <a:pPr algn="ctr"/>
-            <a:endParaRPr kumimoji="1" lang="ja-JP" altLang="en-US"/>
-          </a:p>
-        </p:txBody>
-      </p:sp>
-      <p:sp>
-        <p:nvSpPr>
-          <p:cNvPr id="80" name="右矢印 79"/>
-          <p:cNvSpPr/>
-          <p:nvPr/>
-        </p:nvSpPr>
-        <p:spPr>
-          <a:xfrm>
-            <a:off x="4684602" y="3735613"/>
-            <a:ext cx="533690" cy="1110067"/>
-          </a:xfrm>
-          <a:prstGeom prst="rightArrow">
-            <a:avLst>
-              <a:gd name="adj1" fmla="val 50000"/>
-              <a:gd name="adj2" fmla="val 62000"/>
-            </a:avLst>
-          </a:prstGeom>
-          <a:solidFill>
-            <a:srgbClr val="FFFF00"/>
-          </a:solidFill>
-          <a:ln>
-            <a:solidFill>
-              <a:schemeClr val="tx1">
-                <a:lumMod val="75000"/>
-                <a:lumOff val="25000"/>
-              </a:schemeClr>
-            </a:solidFill>
-          </a:ln>
-        </p:spPr>
-        <p:style>
-          <a:lnRef idx="2">
-            <a:schemeClr val="accent1">
-              <a:shade val="50000"/>
-            </a:schemeClr>
-          </a:lnRef>
-          <a:fillRef idx="1">
-            <a:schemeClr val="accent1"/>
-          </a:fillRef>
-          <a:effectRef idx="0">
-            <a:schemeClr val="accent1"/>
-          </a:effectRef>
-          <a:fontRef idx="minor">
-            <a:schemeClr val="lt1"/>
-          </a:fontRef>
-        </p:style>
-        <p:txBody>
-          <a:bodyPr rtlCol="0" anchor="ctr"/>
-          <a:lstStyle/>
-          <a:p>
-            <a:pPr algn="ctr"/>
-            <a:endParaRPr kumimoji="1" lang="ja-JP" altLang="en-US"/>
-          </a:p>
-        </p:txBody>
-      </p:sp>
-      <p:pic>
-        <p:nvPicPr>
-          <p:cNvPr id="5" name="図 4"/>
-          <p:cNvPicPr>
-            <a:picLocks noChangeAspect="1"/>
-          </p:cNvPicPr>
-          <p:nvPr/>
-        </p:nvPicPr>
-        <p:blipFill rotWithShape="1">
-          <a:blip r:embed="rId4">
-            <a:extLst>
-              <a:ext uri="{28A0092B-C50C-407E-A947-70E740481C1C}">
-                <a14:useLocalDpi xmlns:a14="http://schemas.microsoft.com/office/drawing/2010/main" val="0"/>
-              </a:ext>
-            </a:extLst>
-          </a:blip>
-          <a:srcRect l="-373" t="32337" r="-7101" b="2864"/>
-          <a:stretch/>
-        </p:blipFill>
-        <p:spPr>
-          <a:xfrm>
-            <a:off x="114646" y="2407524"/>
-            <a:ext cx="5185954" cy="3126680"/>
-          </a:xfrm>
-          <a:prstGeom prst="rect">
-            <a:avLst/>
-          </a:prstGeom>
-        </p:spPr>
-      </p:pic>
-      <p:sp>
-        <p:nvSpPr>
-          <p:cNvPr id="52" name="角丸四角形 51"/>
-          <p:cNvSpPr/>
-          <p:nvPr/>
-        </p:nvSpPr>
-        <p:spPr>
-          <a:xfrm rot="256952">
-            <a:off x="436390" y="4024625"/>
-            <a:ext cx="2132756" cy="45719"/>
-          </a:xfrm>
-          <a:prstGeom prst="roundRect">
-            <a:avLst/>
-          </a:prstGeom>
-          <a:solidFill>
-            <a:schemeClr val="accent1">
-              <a:lumMod val="60000"/>
-              <a:lumOff val="40000"/>
-            </a:schemeClr>
-          </a:solidFill>
-          <a:ln>
-            <a:solidFill>
-              <a:schemeClr val="tx1"/>
-            </a:solidFill>
-          </a:ln>
-        </p:spPr>
-        <p:style>
-          <a:lnRef idx="2">
-            <a:schemeClr val="accent1">
-              <a:shade val="50000"/>
-            </a:schemeClr>
-          </a:lnRef>
-          <a:fillRef idx="1">
-            <a:schemeClr val="accent1"/>
-          </a:fillRef>
-          <a:effectRef idx="0">
-            <a:schemeClr val="accent1"/>
-          </a:effectRef>
-          <a:fontRef idx="minor">
-            <a:schemeClr val="lt1"/>
-          </a:fontRef>
-        </p:style>
-        <p:txBody>
-          <a:bodyPr rtlCol="0" anchor="ctr"/>
-          <a:lstStyle/>
-          <a:p>
-            <a:pPr algn="ctr"/>
-            <a:endParaRPr kumimoji="1" lang="ja-JP" altLang="en-US"/>
-          </a:p>
-        </p:txBody>
-      </p:sp>
-      <p:sp>
-        <p:nvSpPr>
-          <p:cNvPr id="53" name="角丸四角形 52"/>
-          <p:cNvSpPr/>
-          <p:nvPr/>
-        </p:nvSpPr>
-        <p:spPr>
-          <a:xfrm rot="20863825">
-            <a:off x="413271" y="4417967"/>
-            <a:ext cx="2197595" cy="45719"/>
-          </a:xfrm>
-          <a:prstGeom prst="roundRect">
-            <a:avLst/>
-          </a:prstGeom>
-          <a:solidFill>
-            <a:schemeClr val="accent1">
-              <a:lumMod val="60000"/>
-              <a:lumOff val="40000"/>
-            </a:schemeClr>
-          </a:solidFill>
-          <a:ln>
-            <a:solidFill>
-              <a:schemeClr val="tx1"/>
-            </a:solidFill>
-          </a:ln>
-        </p:spPr>
-        <p:style>
-          <a:lnRef idx="2">
-            <a:schemeClr val="accent1">
-              <a:shade val="50000"/>
-            </a:schemeClr>
-          </a:lnRef>
-          <a:fillRef idx="1">
-            <a:schemeClr val="accent1"/>
-          </a:fillRef>
-          <a:effectRef idx="0">
-            <a:schemeClr val="accent1"/>
-          </a:effectRef>
-          <a:fontRef idx="minor">
-            <a:schemeClr val="lt1"/>
-          </a:fontRef>
-        </p:style>
-        <p:txBody>
-          <a:bodyPr rtlCol="0" anchor="ctr"/>
-          <a:lstStyle/>
-          <a:p>
-            <a:pPr algn="ctr"/>
-            <a:endParaRPr kumimoji="1" lang="ja-JP" altLang="en-US"/>
-          </a:p>
-        </p:txBody>
-      </p:sp>
-      <p:sp>
-        <p:nvSpPr>
-          <p:cNvPr id="58" name="テキスト ボックス 57"/>
+          <p:cNvPr id="26" name="テキスト ボックス 25"/>
           <p:cNvSpPr txBox="1"/>
           <p:nvPr/>
         </p:nvSpPr>
         <p:spPr>
           <a:xfrm>
-            <a:off x="978053" y="4559030"/>
-            <a:ext cx="3507603" cy="400110"/>
+            <a:off x="1199747" y="4658290"/>
+            <a:ext cx="3072215" cy="400110"/>
           </a:xfrm>
           <a:prstGeom prst="rect">
             <a:avLst/>
@@ -7695,21 +8331,35 @@
                 <a:latin typeface="メイリオ" panose="020B0604030504040204" pitchFamily="50" charset="-128"/>
                 <a:ea typeface="メイリオ" panose="020B0604030504040204" pitchFamily="50" charset="-128"/>
               </a:rPr>
-              <a:t>敵から木を奪った時の画像</a:t>
-            </a:r>
-          </a:p>
-        </p:txBody>
-      </p:sp>
-      <p:sp>
-        <p:nvSpPr>
-          <p:cNvPr id="23" name="テキスト ボックス 22"/>
+              <a:t>回避</a:t>
+            </a:r>
+            <a:r>
+              <a:rPr lang="ja-JP" altLang="en-US" sz="2000" b="1" dirty="0">
+                <a:latin typeface="メイリオ" panose="020B0604030504040204" pitchFamily="50" charset="-128"/>
+                <a:ea typeface="メイリオ" panose="020B0604030504040204" pitchFamily="50" charset="-128"/>
+              </a:rPr>
+              <a:t>アクション</a:t>
+            </a:r>
+            <a:r>
+              <a:rPr lang="ja-JP" altLang="en-US" sz="2000" b="1" dirty="0" smtClean="0">
+                <a:latin typeface="メイリオ" panose="020B0604030504040204" pitchFamily="50" charset="-128"/>
+                <a:ea typeface="メイリオ" panose="020B0604030504040204" pitchFamily="50" charset="-128"/>
+              </a:rPr>
+              <a:t>の画像</a:t>
+            </a:r>
+          </a:p>
+        </p:txBody>
+      </p:sp>
+      <p:sp>
+        <p:nvSpPr>
+          <p:cNvPr id="27" name="テキスト ボックス 26"/>
           <p:cNvSpPr txBox="1"/>
           <p:nvPr/>
         </p:nvSpPr>
         <p:spPr>
           <a:xfrm>
-            <a:off x="5690975" y="4658687"/>
-            <a:ext cx="3507603" cy="400110"/>
+            <a:off x="5674765" y="4250707"/>
+            <a:ext cx="3072215" cy="400110"/>
           </a:xfrm>
           <a:prstGeom prst="rect">
             <a:avLst/>
@@ -7727,15 +8377,163 @@
                 <a:latin typeface="メイリオ" panose="020B0604030504040204" pitchFamily="50" charset="-128"/>
                 <a:ea typeface="メイリオ" panose="020B0604030504040204" pitchFamily="50" charset="-128"/>
               </a:rPr>
-              <a:t>敵から木を奪った時の画像</a:t>
-            </a:r>
+              <a:t>妨害アクションの画像</a:t>
+            </a:r>
+          </a:p>
+        </p:txBody>
+      </p:sp>
+      <p:sp>
+        <p:nvSpPr>
+          <p:cNvPr id="11" name="テキスト ボックス 30"/>
+          <p:cNvSpPr txBox="1"/>
+          <p:nvPr/>
+        </p:nvSpPr>
+        <p:spPr>
+          <a:xfrm>
+            <a:off x="0" y="47908"/>
+            <a:ext cx="9906000" cy="830997"/>
+          </a:xfrm>
+          <a:prstGeom prst="rect">
+            <a:avLst/>
+          </a:prstGeom>
+          <a:noFill/>
+        </p:spPr>
+        <p:txBody>
+          <a:bodyPr wrap="square" rtlCol="0">
+            <a:spAutoFit/>
+          </a:bodyPr>
+          <a:lstStyle>
+            <a:defPPr>
+              <a:defRPr lang="ja-JP"/>
+            </a:defPPr>
+            <a:lvl1pPr marL="0" algn="l" defTabSz="914400" rtl="0" eaLnBrk="1" latinLnBrk="0" hangingPunct="1">
+              <a:defRPr kumimoji="1" sz="1800" kern="1200">
+                <a:solidFill>
+                  <a:schemeClr val="tx1"/>
+                </a:solidFill>
+                <a:latin typeface="+mn-lt"/>
+                <a:ea typeface="+mn-ea"/>
+                <a:cs typeface="+mn-cs"/>
+              </a:defRPr>
+            </a:lvl1pPr>
+            <a:lvl2pPr marL="457200" algn="l" defTabSz="914400" rtl="0" eaLnBrk="1" latinLnBrk="0" hangingPunct="1">
+              <a:defRPr kumimoji="1" sz="1800" kern="1200">
+                <a:solidFill>
+                  <a:schemeClr val="tx1"/>
+                </a:solidFill>
+                <a:latin typeface="+mn-lt"/>
+                <a:ea typeface="+mn-ea"/>
+                <a:cs typeface="+mn-cs"/>
+              </a:defRPr>
+            </a:lvl2pPr>
+            <a:lvl3pPr marL="914400" algn="l" defTabSz="914400" rtl="0" eaLnBrk="1" latinLnBrk="0" hangingPunct="1">
+              <a:defRPr kumimoji="1" sz="1800" kern="1200">
+                <a:solidFill>
+                  <a:schemeClr val="tx1"/>
+                </a:solidFill>
+                <a:latin typeface="+mn-lt"/>
+                <a:ea typeface="+mn-ea"/>
+                <a:cs typeface="+mn-cs"/>
+              </a:defRPr>
+            </a:lvl3pPr>
+            <a:lvl4pPr marL="1371600" algn="l" defTabSz="914400" rtl="0" eaLnBrk="1" latinLnBrk="0" hangingPunct="1">
+              <a:defRPr kumimoji="1" sz="1800" kern="1200">
+                <a:solidFill>
+                  <a:schemeClr val="tx1"/>
+                </a:solidFill>
+                <a:latin typeface="+mn-lt"/>
+                <a:ea typeface="+mn-ea"/>
+                <a:cs typeface="+mn-cs"/>
+              </a:defRPr>
+            </a:lvl4pPr>
+            <a:lvl5pPr marL="1828800" algn="l" defTabSz="914400" rtl="0" eaLnBrk="1" latinLnBrk="0" hangingPunct="1">
+              <a:defRPr kumimoji="1" sz="1800" kern="1200">
+                <a:solidFill>
+                  <a:schemeClr val="tx1"/>
+                </a:solidFill>
+                <a:latin typeface="+mn-lt"/>
+                <a:ea typeface="+mn-ea"/>
+                <a:cs typeface="+mn-cs"/>
+              </a:defRPr>
+            </a:lvl5pPr>
+            <a:lvl6pPr marL="2286000" algn="l" defTabSz="914400" rtl="0" eaLnBrk="1" latinLnBrk="0" hangingPunct="1">
+              <a:defRPr kumimoji="1" sz="1800" kern="1200">
+                <a:solidFill>
+                  <a:schemeClr val="tx1"/>
+                </a:solidFill>
+                <a:latin typeface="+mn-lt"/>
+                <a:ea typeface="+mn-ea"/>
+                <a:cs typeface="+mn-cs"/>
+              </a:defRPr>
+            </a:lvl6pPr>
+            <a:lvl7pPr marL="2743200" algn="l" defTabSz="914400" rtl="0" eaLnBrk="1" latinLnBrk="0" hangingPunct="1">
+              <a:defRPr kumimoji="1" sz="1800" kern="1200">
+                <a:solidFill>
+                  <a:schemeClr val="tx1"/>
+                </a:solidFill>
+                <a:latin typeface="+mn-lt"/>
+                <a:ea typeface="+mn-ea"/>
+                <a:cs typeface="+mn-cs"/>
+              </a:defRPr>
+            </a:lvl7pPr>
+            <a:lvl8pPr marL="3200400" algn="l" defTabSz="914400" rtl="0" eaLnBrk="1" latinLnBrk="0" hangingPunct="1">
+              <a:defRPr kumimoji="1" sz="1800" kern="1200">
+                <a:solidFill>
+                  <a:schemeClr val="tx1"/>
+                </a:solidFill>
+                <a:latin typeface="+mn-lt"/>
+                <a:ea typeface="+mn-ea"/>
+                <a:cs typeface="+mn-cs"/>
+              </a:defRPr>
+            </a:lvl8pPr>
+            <a:lvl9pPr marL="3657600" algn="l" defTabSz="914400" rtl="0" eaLnBrk="1" latinLnBrk="0" hangingPunct="1">
+              <a:defRPr kumimoji="1" sz="1800" kern="1200">
+                <a:solidFill>
+                  <a:schemeClr val="tx1"/>
+                </a:solidFill>
+                <a:latin typeface="+mn-lt"/>
+                <a:ea typeface="+mn-ea"/>
+                <a:cs typeface="+mn-cs"/>
+              </a:defRPr>
+            </a:lvl9pPr>
+          </a:lstStyle>
+          <a:p>
+            <a:r>
+              <a:rPr lang="ja-JP" altLang="en-US" sz="4800" b="1" dirty="0" smtClean="0">
+                <a:solidFill>
+                  <a:schemeClr val="bg1"/>
+                </a:solidFill>
+                <a:effectLst>
+                  <a:glow rad="139700">
+                    <a:schemeClr val="tx1">
+                      <a:alpha val="70000"/>
+                    </a:schemeClr>
+                  </a:glow>
+                </a:effectLst>
+                <a:latin typeface="+mn-ea"/>
+              </a:rPr>
+              <a:t>蜘蛛のアクション</a:t>
+            </a:r>
+            <a:endParaRPr kumimoji="1" lang="ja-JP" altLang="en-US" sz="4800" b="1" dirty="0">
+              <a:solidFill>
+                <a:schemeClr val="bg1"/>
+              </a:solidFill>
+              <a:effectLst>
+                <a:glow rad="139700">
+                  <a:schemeClr val="tx1">
+                    <a:alpha val="70000"/>
+                  </a:schemeClr>
+                </a:glow>
+              </a:effectLst>
+              <a:latin typeface="+mn-ea"/>
+            </a:endParaRPr>
           </a:p>
         </p:txBody>
       </p:sp>
     </p:spTree>
     <p:extLst>
       <p:ext uri="{BB962C8B-B14F-4D97-AF65-F5344CB8AC3E}">
-        <p14:creationId xmlns:p14="http://schemas.microsoft.com/office/powerpoint/2010/main" val="4163390059"/>
+        <p14:creationId xmlns:p14="http://schemas.microsoft.com/office/powerpoint/2010/main" val="3616973409"/>
       </p:ext>
     </p:extLst>
   </p:cSld>
@@ -7769,52 +8567,46 @@
           <a:chExt cx="0" cy="0"/>
         </a:xfrm>
       </p:grpSpPr>
-      <p:sp>
-        <p:nvSpPr>
-          <p:cNvPr id="2" name="タイトル 1"/>
-          <p:cNvSpPr>
-            <a:spLocks noGrp="1"/>
-          </p:cNvSpPr>
-          <p:nvPr>
-            <p:ph type="title"/>
-          </p:nvPr>
-        </p:nvSpPr>
+      <p:pic>
+        <p:nvPicPr>
+          <p:cNvPr id="4" name="図 3"/>
+          <p:cNvPicPr>
+            <a:picLocks noChangeAspect="1"/>
+          </p:cNvPicPr>
+          <p:nvPr/>
+        </p:nvPicPr>
+        <p:blipFill>
+          <a:blip r:embed="rId2">
+            <a:extLst>
+              <a:ext uri="{28A0092B-C50C-407E-A947-70E740481C1C}">
+                <a14:useLocalDpi xmlns:a14="http://schemas.microsoft.com/office/drawing/2010/main" val="0"/>
+              </a:ext>
+            </a:extLst>
+          </a:blip>
+          <a:stretch>
+            <a:fillRect/>
+          </a:stretch>
+        </p:blipFill>
         <p:spPr>
           <a:xfrm>
-            <a:off x="0" y="0"/>
-            <a:ext cx="8543925" cy="1058863"/>
-          </a:xfrm>
-        </p:spPr>
-        <p:txBody>
-          <a:bodyPr>
-            <a:normAutofit/>
-          </a:bodyPr>
-          <a:lstStyle/>
-          <a:p>
-            <a:r>
-              <a:rPr lang="ja-JP" altLang="en-US" sz="4800" dirty="0" smtClean="0">
-                <a:latin typeface="HGS創英角ｺﾞｼｯｸUB" panose="020B0900000000000000" pitchFamily="50" charset="-128"/>
-                <a:ea typeface="HGS創英角ｺﾞｼｯｸUB" panose="020B0900000000000000" pitchFamily="50" charset="-128"/>
-              </a:rPr>
-              <a:t>アクション</a:t>
-            </a:r>
-            <a:endParaRPr lang="ja-JP" altLang="en-US" sz="4388" dirty="0">
-              <a:latin typeface="HGS創英角ｺﾞｼｯｸUB" panose="020B0900000000000000" pitchFamily="50" charset="-128"/>
-              <a:ea typeface="HGS創英角ｺﾞｼｯｸUB" panose="020B0900000000000000" pitchFamily="50" charset="-128"/>
-            </a:endParaRPr>
-          </a:p>
-        </p:txBody>
-      </p:sp>
-      <p:sp>
-        <p:nvSpPr>
-          <p:cNvPr id="4" name="テキスト ボックス 3"/>
+            <a:off x="1196273" y="1759373"/>
+            <a:ext cx="7884793" cy="4442137"/>
+          </a:xfrm>
+          <a:prstGeom prst="rect">
+            <a:avLst/>
+          </a:prstGeom>
+        </p:spPr>
+      </p:pic>
+      <p:sp>
+        <p:nvSpPr>
+          <p:cNvPr id="63" name="テキスト ボックス 62"/>
           <p:cNvSpPr txBox="1"/>
           <p:nvPr/>
         </p:nvSpPr>
         <p:spPr>
           <a:xfrm>
-            <a:off x="1485931" y="1268341"/>
-            <a:ext cx="7103887" cy="707886"/>
+            <a:off x="1055992" y="1320796"/>
+            <a:ext cx="1252859" cy="400110"/>
           </a:xfrm>
           <a:prstGeom prst="rect">
             <a:avLst/>
@@ -7828,116 +8620,108 @@
           <a:lstStyle/>
           <a:p>
             <a:r>
+              <a:rPr kumimoji="1" lang="ja-JP" altLang="en-US" sz="2000" b="1" dirty="0" smtClean="0">
+                <a:latin typeface="メイリオ" panose="020B0604030504040204" pitchFamily="50" charset="-128"/>
+                <a:ea typeface="メイリオ" panose="020B0604030504040204" pitchFamily="50" charset="-128"/>
+              </a:rPr>
+              <a:t>糸の残量</a:t>
+            </a:r>
+            <a:endParaRPr kumimoji="1" lang="ja-JP" altLang="en-US" sz="2000" b="1" dirty="0">
+              <a:latin typeface="メイリオ" panose="020B0604030504040204" pitchFamily="50" charset="-128"/>
+              <a:ea typeface="メイリオ" panose="020B0604030504040204" pitchFamily="50" charset="-128"/>
+            </a:endParaRPr>
+          </a:p>
+        </p:txBody>
+      </p:sp>
+      <p:sp>
+        <p:nvSpPr>
+          <p:cNvPr id="64" name="テキスト ボックス 63"/>
+          <p:cNvSpPr txBox="1"/>
+          <p:nvPr/>
+        </p:nvSpPr>
+        <p:spPr>
+          <a:xfrm>
+            <a:off x="5380083" y="6298120"/>
+            <a:ext cx="1865054" cy="400110"/>
+          </a:xfrm>
+          <a:prstGeom prst="rect">
+            <a:avLst/>
+          </a:prstGeom>
+          <a:noFill/>
+        </p:spPr>
+        <p:txBody>
+          <a:bodyPr wrap="square" rtlCol="0">
+            <a:spAutoFit/>
+          </a:bodyPr>
+          <a:lstStyle/>
+          <a:p>
+            <a:r>
               <a:rPr lang="ja-JP" altLang="en-US" sz="2000" b="1" dirty="0">
                 <a:latin typeface="メイリオ" panose="020B0604030504040204" pitchFamily="50" charset="-128"/>
                 <a:ea typeface="メイリオ" panose="020B0604030504040204" pitchFamily="50" charset="-128"/>
               </a:rPr>
-              <a:t>敵</a:t>
+              <a:t>プレイヤ</a:t>
             </a:r>
             <a:r>
               <a:rPr lang="ja-JP" altLang="en-US" sz="2000" b="1" dirty="0" smtClean="0">
                 <a:latin typeface="メイリオ" panose="020B0604030504040204" pitchFamily="50" charset="-128"/>
                 <a:ea typeface="メイリオ" panose="020B0604030504040204" pitchFamily="50" charset="-128"/>
               </a:rPr>
-              <a:t>の</a:t>
-            </a:r>
-            <a:r>
-              <a:rPr lang="ja-JP" altLang="en-US" sz="2000" b="1" dirty="0">
-                <a:latin typeface="メイリオ" panose="020B0604030504040204" pitchFamily="50" charset="-128"/>
-                <a:ea typeface="メイリオ" panose="020B0604030504040204" pitchFamily="50" charset="-128"/>
-              </a:rPr>
-              <a:t>糸</a:t>
-            </a:r>
-            <a:r>
-              <a:rPr lang="ja-JP" altLang="en-US" sz="2000" b="1" dirty="0" smtClean="0">
-                <a:latin typeface="メイリオ" panose="020B0604030504040204" pitchFamily="50" charset="-128"/>
-                <a:ea typeface="メイリオ" panose="020B0604030504040204" pitchFamily="50" charset="-128"/>
-              </a:rPr>
-              <a:t>とぶつかる時、避けて糸を奪う回避アクション</a:t>
-            </a:r>
-            <a:endParaRPr lang="en-US" altLang="ja-JP" sz="2000" b="1" dirty="0" smtClean="0">
+              <a:t>ー</a:t>
+            </a:r>
+            <a:endParaRPr kumimoji="1" lang="ja-JP" altLang="en-US" sz="2000" b="1" dirty="0">
               <a:latin typeface="メイリオ" panose="020B0604030504040204" pitchFamily="50" charset="-128"/>
               <a:ea typeface="メイリオ" panose="020B0604030504040204" pitchFamily="50" charset="-128"/>
             </a:endParaRPr>
           </a:p>
-          <a:p>
-            <a:r>
-              <a:rPr lang="ja-JP" altLang="en-US" sz="2000" b="1" dirty="0" smtClean="0">
-                <a:latin typeface="メイリオ" panose="020B0604030504040204" pitchFamily="50" charset="-128"/>
-                <a:ea typeface="メイリオ" panose="020B0604030504040204" pitchFamily="50" charset="-128"/>
-              </a:rPr>
-              <a:t>止まってる敵に体当たりで敵を叩き落とす妨害アクション</a:t>
-            </a:r>
-            <a:endParaRPr lang="en-US" altLang="ja-JP" sz="2000" b="1" dirty="0" smtClean="0">
-              <a:latin typeface="メイリオ" panose="020B0604030504040204" pitchFamily="50" charset="-128"/>
-              <a:ea typeface="メイリオ" panose="020B0604030504040204" pitchFamily="50" charset="-128"/>
-            </a:endParaRPr>
-          </a:p>
-        </p:txBody>
-      </p:sp>
-      <p:sp>
-        <p:nvSpPr>
-          <p:cNvPr id="22" name="角丸四角形 21"/>
-          <p:cNvSpPr/>
+        </p:txBody>
+      </p:sp>
+      <p:cxnSp>
+        <p:nvCxnSpPr>
+          <p:cNvPr id="75" name="直線矢印コネクタ 74"/>
+          <p:cNvCxnSpPr/>
           <p:nvPr/>
-        </p:nvSpPr>
-        <p:spPr>
-          <a:xfrm>
-            <a:off x="391421" y="2958604"/>
-            <a:ext cx="4097452" cy="3591954"/>
-          </a:xfrm>
-          <a:prstGeom prst="roundRect">
-            <a:avLst>
-              <a:gd name="adj" fmla="val 0"/>
-            </a:avLst>
+        </p:nvCxnSpPr>
+        <p:spPr>
+          <a:xfrm flipH="1" flipV="1">
+            <a:off x="5138670" y="4868214"/>
+            <a:ext cx="798647" cy="1333296"/>
+          </a:xfrm>
+          <a:prstGeom prst="straightConnector1">
+            <a:avLst/>
           </a:prstGeom>
-          <a:solidFill>
+          <a:ln w="57150">
+            <a:solidFill>
+              <a:srgbClr val="FFFF00"/>
+            </a:solidFill>
+            <a:tailEnd type="triangle"/>
+          </a:ln>
+        </p:spPr>
+        <p:style>
+          <a:lnRef idx="1">
             <a:schemeClr val="accent1"/>
-          </a:solidFill>
-          <a:ln>
-            <a:solidFill>
-              <a:schemeClr val="tx1">
-                <a:lumMod val="95000"/>
-                <a:lumOff val="5000"/>
-              </a:schemeClr>
-            </a:solidFill>
-          </a:ln>
-        </p:spPr>
-        <p:style>
-          <a:lnRef idx="2">
-            <a:schemeClr val="accent1">
-              <a:shade val="50000"/>
-            </a:schemeClr>
           </a:lnRef>
-          <a:fillRef idx="1">
+          <a:fillRef idx="0">
             <a:schemeClr val="accent1"/>
           </a:fillRef>
           <a:effectRef idx="0">
             <a:schemeClr val="accent1"/>
           </a:effectRef>
           <a:fontRef idx="minor">
-            <a:schemeClr val="lt1"/>
+            <a:schemeClr val="tx1"/>
           </a:fontRef>
         </p:style>
-        <p:txBody>
-          <a:bodyPr rtlCol="0" anchor="ctr"/>
-          <a:lstStyle/>
-          <a:p>
-            <a:pPr algn="ctr"/>
-            <a:endParaRPr kumimoji="1" lang="ja-JP" altLang="en-US"/>
-          </a:p>
-        </p:txBody>
-      </p:sp>
-      <p:sp>
-        <p:nvSpPr>
-          <p:cNvPr id="23" name="テキスト ボックス 22"/>
+      </p:cxnSp>
+      <p:sp>
+        <p:nvSpPr>
+          <p:cNvPr id="15" name="テキスト ボックス 14"/>
           <p:cNvSpPr txBox="1"/>
           <p:nvPr/>
         </p:nvSpPr>
         <p:spPr>
           <a:xfrm>
-            <a:off x="391422" y="2558494"/>
-            <a:ext cx="4831742" cy="400110"/>
+            <a:off x="8008258" y="6298471"/>
+            <a:ext cx="1865054" cy="400110"/>
           </a:xfrm>
           <a:prstGeom prst="rect">
             <a:avLst/>
@@ -7955,128 +8739,61 @@
                 <a:latin typeface="メイリオ" panose="020B0604030504040204" pitchFamily="50" charset="-128"/>
                 <a:ea typeface="メイリオ" panose="020B0604030504040204" pitchFamily="50" charset="-128"/>
               </a:rPr>
-              <a:t>回避により敵</a:t>
-            </a:r>
-            <a:r>
-              <a:rPr lang="ja-JP" altLang="en-US" sz="2000" b="1" dirty="0">
-                <a:latin typeface="メイリオ" panose="020B0604030504040204" pitchFamily="50" charset="-128"/>
-                <a:ea typeface="メイリオ" panose="020B0604030504040204" pitchFamily="50" charset="-128"/>
-              </a:rPr>
-              <a:t>の</a:t>
-            </a:r>
-            <a:r>
-              <a:rPr lang="ja-JP" altLang="en-US" sz="2000" b="1" dirty="0" smtClean="0">
-                <a:latin typeface="メイリオ" panose="020B0604030504040204" pitchFamily="50" charset="-128"/>
-                <a:ea typeface="メイリオ" panose="020B0604030504040204" pitchFamily="50" charset="-128"/>
-              </a:rPr>
-              <a:t>糸を奪い自分の糸に</a:t>
-            </a:r>
-            <a:endParaRPr lang="en-US" altLang="ja-JP" sz="2000" b="1" dirty="0" smtClean="0">
+              <a:t>ミニマップ</a:t>
+            </a:r>
+            <a:endParaRPr kumimoji="1" lang="ja-JP" altLang="en-US" sz="2000" b="1" dirty="0">
               <a:latin typeface="メイリオ" panose="020B0604030504040204" pitchFamily="50" charset="-128"/>
               <a:ea typeface="メイリオ" panose="020B0604030504040204" pitchFamily="50" charset="-128"/>
             </a:endParaRPr>
           </a:p>
         </p:txBody>
       </p:sp>
-      <p:sp>
-        <p:nvSpPr>
-          <p:cNvPr id="24" name="テキスト ボックス 23"/>
-          <p:cNvSpPr txBox="1"/>
+      <p:cxnSp>
+        <p:nvCxnSpPr>
+          <p:cNvPr id="16" name="直線矢印コネクタ 15"/>
+          <p:cNvCxnSpPr/>
           <p:nvPr/>
-        </p:nvSpPr>
-        <p:spPr>
-          <a:xfrm>
-            <a:off x="5037874" y="6150448"/>
-            <a:ext cx="4831742" cy="400110"/>
-          </a:xfrm>
-          <a:prstGeom prst="rect">
+        </p:nvCxnSpPr>
+        <p:spPr>
+          <a:xfrm flipH="1" flipV="1">
+            <a:off x="8320906" y="5666704"/>
+            <a:ext cx="239414" cy="632923"/>
+          </a:xfrm>
+          <a:prstGeom prst="straightConnector1">
             <a:avLst/>
           </a:prstGeom>
-          <a:noFill/>
-        </p:spPr>
-        <p:txBody>
-          <a:bodyPr wrap="square" rtlCol="0">
-            <a:spAutoFit/>
-          </a:bodyPr>
-          <a:lstStyle/>
-          <a:p>
-            <a:r>
-              <a:rPr lang="ja-JP" altLang="en-US" sz="2000" b="1" dirty="0" smtClean="0">
-                <a:latin typeface="メイリオ" panose="020B0604030504040204" pitchFamily="50" charset="-128"/>
-                <a:ea typeface="メイリオ" panose="020B0604030504040204" pitchFamily="50" charset="-128"/>
-              </a:rPr>
-              <a:t>体当たりで敵を地面に叩き落とす</a:t>
-            </a:r>
-            <a:endParaRPr lang="en-US" altLang="ja-JP" sz="2000" b="1" dirty="0" smtClean="0">
-              <a:latin typeface="メイリオ" panose="020B0604030504040204" pitchFamily="50" charset="-128"/>
-              <a:ea typeface="メイリオ" panose="020B0604030504040204" pitchFamily="50" charset="-128"/>
-            </a:endParaRPr>
-          </a:p>
-        </p:txBody>
-      </p:sp>
-      <p:sp>
-        <p:nvSpPr>
-          <p:cNvPr id="25" name="角丸四角形 24"/>
-          <p:cNvSpPr/>
-          <p:nvPr/>
-        </p:nvSpPr>
-        <p:spPr>
-          <a:xfrm>
-            <a:off x="5037874" y="2454730"/>
-            <a:ext cx="4097452" cy="3591954"/>
-          </a:xfrm>
-          <a:prstGeom prst="roundRect">
-            <a:avLst>
-              <a:gd name="adj" fmla="val 0"/>
-            </a:avLst>
-          </a:prstGeom>
-          <a:solidFill>
+          <a:ln w="57150">
+            <a:solidFill>
+              <a:srgbClr val="FFFF00"/>
+            </a:solidFill>
+            <a:tailEnd type="triangle"/>
+          </a:ln>
+        </p:spPr>
+        <p:style>
+          <a:lnRef idx="1">
             <a:schemeClr val="accent1"/>
-          </a:solidFill>
-          <a:ln>
-            <a:solidFill>
-              <a:schemeClr val="tx1">
-                <a:lumMod val="95000"/>
-                <a:lumOff val="5000"/>
-              </a:schemeClr>
-            </a:solidFill>
-          </a:ln>
-        </p:spPr>
-        <p:style>
-          <a:lnRef idx="2">
-            <a:schemeClr val="accent1">
-              <a:shade val="50000"/>
-            </a:schemeClr>
           </a:lnRef>
-          <a:fillRef idx="1">
+          <a:fillRef idx="0">
             <a:schemeClr val="accent1"/>
           </a:fillRef>
           <a:effectRef idx="0">
             <a:schemeClr val="accent1"/>
           </a:effectRef>
           <a:fontRef idx="minor">
-            <a:schemeClr val="lt1"/>
+            <a:schemeClr val="tx1"/>
           </a:fontRef>
         </p:style>
-        <p:txBody>
-          <a:bodyPr rtlCol="0" anchor="ctr"/>
-          <a:lstStyle/>
-          <a:p>
-            <a:pPr algn="ctr"/>
-            <a:endParaRPr kumimoji="1" lang="ja-JP" altLang="en-US"/>
-          </a:p>
-        </p:txBody>
-      </p:sp>
-      <p:sp>
-        <p:nvSpPr>
-          <p:cNvPr id="26" name="テキスト ボックス 25"/>
+      </p:cxnSp>
+      <p:sp>
+        <p:nvSpPr>
+          <p:cNvPr id="9" name="テキスト ボックス 8"/>
           <p:cNvSpPr txBox="1"/>
           <p:nvPr/>
         </p:nvSpPr>
         <p:spPr>
           <a:xfrm>
-            <a:off x="1199747" y="4658290"/>
-            <a:ext cx="3072215" cy="400110"/>
+            <a:off x="7760621" y="1350143"/>
+            <a:ext cx="1865054" cy="400110"/>
           </a:xfrm>
           <a:prstGeom prst="rect">
             <a:avLst/>
@@ -8094,35 +8811,32 @@
                 <a:latin typeface="メイリオ" panose="020B0604030504040204" pitchFamily="50" charset="-128"/>
                 <a:ea typeface="メイリオ" panose="020B0604030504040204" pitchFamily="50" charset="-128"/>
               </a:rPr>
-              <a:t>回避</a:t>
+              <a:t>制限</a:t>
             </a:r>
             <a:r>
               <a:rPr lang="ja-JP" altLang="en-US" sz="2000" b="1" dirty="0">
                 <a:latin typeface="メイリオ" panose="020B0604030504040204" pitchFamily="50" charset="-128"/>
                 <a:ea typeface="メイリオ" panose="020B0604030504040204" pitchFamily="50" charset="-128"/>
               </a:rPr>
-              <a:t>アクション</a:t>
-            </a:r>
-            <a:r>
-              <a:rPr lang="ja-JP" altLang="en-US" sz="2000" b="1" dirty="0" smtClean="0">
-                <a:latin typeface="メイリオ" panose="020B0604030504040204" pitchFamily="50" charset="-128"/>
-                <a:ea typeface="メイリオ" panose="020B0604030504040204" pitchFamily="50" charset="-128"/>
-              </a:rPr>
-              <a:t>の画像</a:t>
-            </a:r>
-          </a:p>
-        </p:txBody>
-      </p:sp>
-      <p:sp>
-        <p:nvSpPr>
-          <p:cNvPr id="27" name="テキスト ボックス 26"/>
+              <a:t>時間</a:t>
+            </a:r>
+            <a:endParaRPr kumimoji="1" lang="ja-JP" altLang="en-US" sz="2000" b="1" dirty="0">
+              <a:latin typeface="メイリオ" panose="020B0604030504040204" pitchFamily="50" charset="-128"/>
+              <a:ea typeface="メイリオ" panose="020B0604030504040204" pitchFamily="50" charset="-128"/>
+            </a:endParaRPr>
+          </a:p>
+        </p:txBody>
+      </p:sp>
+      <p:sp>
+        <p:nvSpPr>
+          <p:cNvPr id="10" name="テキスト ボックス 9"/>
           <p:cNvSpPr txBox="1"/>
           <p:nvPr/>
         </p:nvSpPr>
         <p:spPr>
           <a:xfrm>
-            <a:off x="5674765" y="4250707"/>
-            <a:ext cx="3072215" cy="400110"/>
+            <a:off x="-11725" y="2441644"/>
+            <a:ext cx="1865054" cy="400110"/>
           </a:xfrm>
           <a:prstGeom prst="rect">
             <a:avLst/>
@@ -8136,19 +8850,207 @@
           <a:lstStyle/>
           <a:p>
             <a:r>
-              <a:rPr lang="ja-JP" altLang="en-US" sz="2000" b="1" dirty="0" smtClean="0">
+              <a:rPr kumimoji="1" lang="ja-JP" altLang="en-US" sz="2000" b="1" dirty="0" smtClean="0">
                 <a:latin typeface="メイリオ" panose="020B0604030504040204" pitchFamily="50" charset="-128"/>
                 <a:ea typeface="メイリオ" panose="020B0604030504040204" pitchFamily="50" charset="-128"/>
               </a:rPr>
-              <a:t>妨害アクションの画像</a:t>
-            </a:r>
+              <a:t>対戦ログ</a:t>
+            </a:r>
+            <a:endParaRPr kumimoji="1" lang="ja-JP" altLang="en-US" sz="2000" b="1" dirty="0">
+              <a:latin typeface="メイリオ" panose="020B0604030504040204" pitchFamily="50" charset="-128"/>
+              <a:ea typeface="メイリオ" panose="020B0604030504040204" pitchFamily="50" charset="-128"/>
+            </a:endParaRPr>
+          </a:p>
+        </p:txBody>
+      </p:sp>
+      <p:cxnSp>
+        <p:nvCxnSpPr>
+          <p:cNvPr id="11" name="直線矢印コネクタ 10"/>
+          <p:cNvCxnSpPr/>
+          <p:nvPr/>
+        </p:nvCxnSpPr>
+        <p:spPr>
+          <a:xfrm flipV="1">
+            <a:off x="1055992" y="2421416"/>
+            <a:ext cx="334926" cy="217445"/>
+          </a:xfrm>
+          <a:prstGeom prst="straightConnector1">
+            <a:avLst/>
+          </a:prstGeom>
+          <a:ln w="57150">
+            <a:solidFill>
+              <a:srgbClr val="FFFF00"/>
+            </a:solidFill>
+            <a:tailEnd type="triangle"/>
+          </a:ln>
+        </p:spPr>
+        <p:style>
+          <a:lnRef idx="1">
+            <a:schemeClr val="accent1"/>
+          </a:lnRef>
+          <a:fillRef idx="0">
+            <a:schemeClr val="accent1"/>
+          </a:fillRef>
+          <a:effectRef idx="0">
+            <a:schemeClr val="accent1"/>
+          </a:effectRef>
+          <a:fontRef idx="minor">
+            <a:schemeClr val="tx1"/>
+          </a:fontRef>
+        </p:style>
+      </p:cxnSp>
+      <p:sp>
+        <p:nvSpPr>
+          <p:cNvPr id="17" name="テキスト ボックス 30"/>
+          <p:cNvSpPr txBox="1"/>
+          <p:nvPr/>
+        </p:nvSpPr>
+        <p:spPr>
+          <a:xfrm>
+            <a:off x="0" y="47908"/>
+            <a:ext cx="9906000" cy="830997"/>
+          </a:xfrm>
+          <a:prstGeom prst="rect">
+            <a:avLst/>
+          </a:prstGeom>
+          <a:noFill/>
+        </p:spPr>
+        <p:txBody>
+          <a:bodyPr wrap="square" rtlCol="0">
+            <a:spAutoFit/>
+          </a:bodyPr>
+          <a:lstStyle>
+            <a:defPPr>
+              <a:defRPr lang="ja-JP"/>
+            </a:defPPr>
+            <a:lvl1pPr marL="0" algn="l" defTabSz="914400" rtl="0" eaLnBrk="1" latinLnBrk="0" hangingPunct="1">
+              <a:defRPr kumimoji="1" sz="1800" kern="1200">
+                <a:solidFill>
+                  <a:schemeClr val="tx1"/>
+                </a:solidFill>
+                <a:latin typeface="+mn-lt"/>
+                <a:ea typeface="+mn-ea"/>
+                <a:cs typeface="+mn-cs"/>
+              </a:defRPr>
+            </a:lvl1pPr>
+            <a:lvl2pPr marL="457200" algn="l" defTabSz="914400" rtl="0" eaLnBrk="1" latinLnBrk="0" hangingPunct="1">
+              <a:defRPr kumimoji="1" sz="1800" kern="1200">
+                <a:solidFill>
+                  <a:schemeClr val="tx1"/>
+                </a:solidFill>
+                <a:latin typeface="+mn-lt"/>
+                <a:ea typeface="+mn-ea"/>
+                <a:cs typeface="+mn-cs"/>
+              </a:defRPr>
+            </a:lvl2pPr>
+            <a:lvl3pPr marL="914400" algn="l" defTabSz="914400" rtl="0" eaLnBrk="1" latinLnBrk="0" hangingPunct="1">
+              <a:defRPr kumimoji="1" sz="1800" kern="1200">
+                <a:solidFill>
+                  <a:schemeClr val="tx1"/>
+                </a:solidFill>
+                <a:latin typeface="+mn-lt"/>
+                <a:ea typeface="+mn-ea"/>
+                <a:cs typeface="+mn-cs"/>
+              </a:defRPr>
+            </a:lvl3pPr>
+            <a:lvl4pPr marL="1371600" algn="l" defTabSz="914400" rtl="0" eaLnBrk="1" latinLnBrk="0" hangingPunct="1">
+              <a:defRPr kumimoji="1" sz="1800" kern="1200">
+                <a:solidFill>
+                  <a:schemeClr val="tx1"/>
+                </a:solidFill>
+                <a:latin typeface="+mn-lt"/>
+                <a:ea typeface="+mn-ea"/>
+                <a:cs typeface="+mn-cs"/>
+              </a:defRPr>
+            </a:lvl4pPr>
+            <a:lvl5pPr marL="1828800" algn="l" defTabSz="914400" rtl="0" eaLnBrk="1" latinLnBrk="0" hangingPunct="1">
+              <a:defRPr kumimoji="1" sz="1800" kern="1200">
+                <a:solidFill>
+                  <a:schemeClr val="tx1"/>
+                </a:solidFill>
+                <a:latin typeface="+mn-lt"/>
+                <a:ea typeface="+mn-ea"/>
+                <a:cs typeface="+mn-cs"/>
+              </a:defRPr>
+            </a:lvl5pPr>
+            <a:lvl6pPr marL="2286000" algn="l" defTabSz="914400" rtl="0" eaLnBrk="1" latinLnBrk="0" hangingPunct="1">
+              <a:defRPr kumimoji="1" sz="1800" kern="1200">
+                <a:solidFill>
+                  <a:schemeClr val="tx1"/>
+                </a:solidFill>
+                <a:latin typeface="+mn-lt"/>
+                <a:ea typeface="+mn-ea"/>
+                <a:cs typeface="+mn-cs"/>
+              </a:defRPr>
+            </a:lvl6pPr>
+            <a:lvl7pPr marL="2743200" algn="l" defTabSz="914400" rtl="0" eaLnBrk="1" latinLnBrk="0" hangingPunct="1">
+              <a:defRPr kumimoji="1" sz="1800" kern="1200">
+                <a:solidFill>
+                  <a:schemeClr val="tx1"/>
+                </a:solidFill>
+                <a:latin typeface="+mn-lt"/>
+                <a:ea typeface="+mn-ea"/>
+                <a:cs typeface="+mn-cs"/>
+              </a:defRPr>
+            </a:lvl7pPr>
+            <a:lvl8pPr marL="3200400" algn="l" defTabSz="914400" rtl="0" eaLnBrk="1" latinLnBrk="0" hangingPunct="1">
+              <a:defRPr kumimoji="1" sz="1800" kern="1200">
+                <a:solidFill>
+                  <a:schemeClr val="tx1"/>
+                </a:solidFill>
+                <a:latin typeface="+mn-lt"/>
+                <a:ea typeface="+mn-ea"/>
+                <a:cs typeface="+mn-cs"/>
+              </a:defRPr>
+            </a:lvl8pPr>
+            <a:lvl9pPr marL="3657600" algn="l" defTabSz="914400" rtl="0" eaLnBrk="1" latinLnBrk="0" hangingPunct="1">
+              <a:defRPr kumimoji="1" sz="1800" kern="1200">
+                <a:solidFill>
+                  <a:schemeClr val="tx1"/>
+                </a:solidFill>
+                <a:latin typeface="+mn-lt"/>
+                <a:ea typeface="+mn-ea"/>
+                <a:cs typeface="+mn-cs"/>
+              </a:defRPr>
+            </a:lvl9pPr>
+          </a:lstStyle>
+          <a:p>
+            <a:r>
+              <a:rPr lang="ja-JP" altLang="en-US" sz="4800" b="1" dirty="0" smtClean="0">
+                <a:solidFill>
+                  <a:schemeClr val="bg1"/>
+                </a:solidFill>
+                <a:effectLst>
+                  <a:glow rad="139700">
+                    <a:schemeClr val="tx1">
+                      <a:alpha val="70000"/>
+                    </a:schemeClr>
+                  </a:glow>
+                </a:effectLst>
+                <a:latin typeface="+mn-ea"/>
+              </a:rPr>
+              <a:t>ゲーム画面</a:t>
+            </a:r>
+            <a:endParaRPr kumimoji="1" lang="ja-JP" altLang="en-US" sz="4800" b="1" dirty="0">
+              <a:solidFill>
+                <a:schemeClr val="bg1"/>
+              </a:solidFill>
+              <a:effectLst>
+                <a:glow rad="139700">
+                  <a:schemeClr val="tx1">
+                    <a:alpha val="70000"/>
+                  </a:schemeClr>
+                </a:glow>
+              </a:effectLst>
+              <a:latin typeface="+mn-ea"/>
+            </a:endParaRPr>
           </a:p>
         </p:txBody>
       </p:sp>
     </p:spTree>
     <p:extLst>
       <p:ext uri="{BB962C8B-B14F-4D97-AF65-F5344CB8AC3E}">
-        <p14:creationId xmlns:p14="http://schemas.microsoft.com/office/powerpoint/2010/main" val="3616973409"/>
+        <p14:creationId xmlns:p14="http://schemas.microsoft.com/office/powerpoint/2010/main" val="3913288961"/>
       </p:ext>
     </p:extLst>
   </p:cSld>
@@ -8184,57 +9086,14 @@
       </p:grpSpPr>
       <p:sp>
         <p:nvSpPr>
-          <p:cNvPr id="2" name="タイトル 1"/>
-          <p:cNvSpPr>
-            <a:spLocks noGrp="1"/>
-          </p:cNvSpPr>
-          <p:nvPr>
-            <p:ph type="title"/>
-          </p:nvPr>
-        </p:nvSpPr>
-        <p:spPr>
-          <a:xfrm>
-            <a:off x="0" y="0"/>
-            <a:ext cx="8543925" cy="1058863"/>
-          </a:xfrm>
-        </p:spPr>
-        <p:txBody>
-          <a:bodyPr>
-            <a:normAutofit/>
-          </a:bodyPr>
-          <a:lstStyle/>
-          <a:p>
-            <a:r>
-              <a:rPr lang="ja-JP" altLang="en-US" sz="4388" dirty="0" smtClean="0">
-                <a:latin typeface="HGS創英角ｺﾞｼｯｸUB" panose="020B0900000000000000" pitchFamily="50" charset="-128"/>
-                <a:ea typeface="HGS創英角ｺﾞｼｯｸUB" panose="020B0900000000000000" pitchFamily="50" charset="-128"/>
-              </a:rPr>
-              <a:t>陣地の</a:t>
-            </a:r>
-            <a:r>
-              <a:rPr lang="ja-JP" altLang="en-US" sz="4388" dirty="0" smtClean="0">
-                <a:latin typeface="HGS創英角ｺﾞｼｯｸUB" panose="020B0900000000000000" pitchFamily="50" charset="-128"/>
-                <a:ea typeface="HGS創英角ｺﾞｼｯｸUB" panose="020B0900000000000000" pitchFamily="50" charset="-128"/>
-              </a:rPr>
-              <a:t>スコア</a:t>
-            </a:r>
-            <a:endParaRPr lang="ja-JP" altLang="en-US" sz="4388" dirty="0">
-              <a:latin typeface="HGS創英角ｺﾞｼｯｸUB" panose="020B0900000000000000" pitchFamily="50" charset="-128"/>
-              <a:ea typeface="HGS創英角ｺﾞｼｯｸUB" panose="020B0900000000000000" pitchFamily="50" charset="-128"/>
-            </a:endParaRPr>
-          </a:p>
-        </p:txBody>
-      </p:sp>
-      <p:sp>
-        <p:nvSpPr>
           <p:cNvPr id="4" name="テキスト ボックス 3"/>
           <p:cNvSpPr txBox="1"/>
           <p:nvPr/>
         </p:nvSpPr>
         <p:spPr>
           <a:xfrm>
-            <a:off x="1773106" y="1174147"/>
-            <a:ext cx="7038385" cy="1015663"/>
+            <a:off x="830350" y="2149814"/>
+            <a:ext cx="8273665" cy="1815882"/>
           </a:xfrm>
           <a:prstGeom prst="rect">
             <a:avLst/>
@@ -8248,91 +9107,475 @@
           <a:lstStyle/>
           <a:p>
             <a:r>
-              <a:rPr lang="ja-JP" altLang="en-US" sz="2000" b="1" dirty="0" smtClean="0">
+              <a:rPr lang="ja-JP" altLang="en-US" sz="2800" b="1" dirty="0" smtClean="0">
                 <a:latin typeface="メイリオ" panose="020B0604030504040204" pitchFamily="50" charset="-128"/>
                 <a:ea typeface="メイリオ" panose="020B0604030504040204" pitchFamily="50" charset="-128"/>
               </a:rPr>
-              <a:t>終了時に陣地のスコアの多いプレイヤーが勝利</a:t>
-            </a:r>
-            <a:endParaRPr lang="en-US" altLang="ja-JP" sz="2000" b="1" dirty="0" smtClean="0">
+              <a:t>・移動だけで罠を貼りながら陣地を増やしていく</a:t>
+            </a:r>
+            <a:endParaRPr lang="en-US" altLang="ja-JP" sz="2800" b="1" dirty="0" smtClean="0">
               <a:latin typeface="メイリオ" panose="020B0604030504040204" pitchFamily="50" charset="-128"/>
               <a:ea typeface="メイリオ" panose="020B0604030504040204" pitchFamily="50" charset="-128"/>
             </a:endParaRPr>
           </a:p>
           <a:p>
-            <a:r>
-              <a:rPr lang="ja-JP" altLang="en-US" sz="2000" b="1" dirty="0" smtClean="0">
+            <a:endParaRPr lang="en-US" altLang="ja-JP" sz="2800" b="1" dirty="0">
+              <a:latin typeface="メイリオ" panose="020B0604030504040204" pitchFamily="50" charset="-128"/>
+              <a:ea typeface="メイリオ" panose="020B0604030504040204" pitchFamily="50" charset="-128"/>
+            </a:endParaRPr>
+          </a:p>
+          <a:p>
+            <a:r>
+              <a:rPr lang="ja-JP" altLang="en-US" sz="2800" b="1" dirty="0" smtClean="0">
                 <a:latin typeface="メイリオ" panose="020B0604030504040204" pitchFamily="50" charset="-128"/>
                 <a:ea typeface="メイリオ" panose="020B0604030504040204" pitchFamily="50" charset="-128"/>
               </a:rPr>
-              <a:t>縄張りは空中に貼ってある糸の長さ、貼った糸の数、</a:t>
-            </a:r>
-            <a:endParaRPr lang="en-US" altLang="ja-JP" sz="2000" b="1" dirty="0" smtClean="0">
+              <a:t>・移動や回避によって敵の陣地に潜入し、</a:t>
+            </a:r>
+            <a:endParaRPr lang="en-US" altLang="ja-JP" sz="2800" b="1" dirty="0" smtClean="0">
               <a:latin typeface="メイリオ" panose="020B0604030504040204" pitchFamily="50" charset="-128"/>
               <a:ea typeface="メイリオ" panose="020B0604030504040204" pitchFamily="50" charset="-128"/>
             </a:endParaRPr>
           </a:p>
           <a:p>
             <a:r>
-              <a:rPr lang="ja-JP" altLang="en-US" sz="2000" b="1" dirty="0" smtClean="0">
+              <a:rPr lang="ja-JP" altLang="en-US" sz="2800" b="1" dirty="0">
                 <a:latin typeface="メイリオ" panose="020B0604030504040204" pitchFamily="50" charset="-128"/>
                 <a:ea typeface="メイリオ" panose="020B0604030504040204" pitchFamily="50" charset="-128"/>
               </a:rPr>
-              <a:t>縄張りの木の本数のポイントの合計値になる</a:t>
-            </a:r>
-          </a:p>
-        </p:txBody>
-      </p:sp>
-      <p:sp>
-        <p:nvSpPr>
-          <p:cNvPr id="3" name="正方形/長方形 2"/>
-          <p:cNvSpPr/>
+              <a:t>　</a:t>
+            </a:r>
+            <a:r>
+              <a:rPr lang="ja-JP" altLang="en-US" sz="2800" b="1" dirty="0" smtClean="0">
+                <a:latin typeface="メイリオ" panose="020B0604030504040204" pitchFamily="50" charset="-128"/>
+                <a:ea typeface="メイリオ" panose="020B0604030504040204" pitchFamily="50" charset="-128"/>
+              </a:rPr>
+              <a:t>敵の縄張りを奪っていく</a:t>
+            </a:r>
+            <a:endParaRPr lang="en-US" altLang="ja-JP" sz="2800" b="1" dirty="0" smtClean="0">
+              <a:latin typeface="メイリオ" panose="020B0604030504040204" pitchFamily="50" charset="-128"/>
+              <a:ea typeface="メイリオ" panose="020B0604030504040204" pitchFamily="50" charset="-128"/>
+            </a:endParaRPr>
+          </a:p>
+        </p:txBody>
+      </p:sp>
+      <p:pic>
+        <p:nvPicPr>
+          <p:cNvPr id="5" name="図 4"/>
+          <p:cNvPicPr>
+            <a:picLocks noChangeAspect="1"/>
+          </p:cNvPicPr>
           <p:nvPr/>
-        </p:nvSpPr>
+        </p:nvPicPr>
+        <p:blipFill>
+          <a:blip r:embed="rId3">
+            <a:extLst>
+              <a:ext uri="{28A0092B-C50C-407E-A947-70E740481C1C}">
+                <a14:useLocalDpi xmlns:a14="http://schemas.microsoft.com/office/drawing/2010/main" val="0"/>
+              </a:ext>
+            </a:extLst>
+          </a:blip>
+          <a:stretch>
+            <a:fillRect/>
+          </a:stretch>
+        </p:blipFill>
         <p:spPr>
           <a:xfrm>
-            <a:off x="893617" y="2189810"/>
-            <a:ext cx="7917874" cy="4211130"/>
+            <a:off x="5924640" y="3965696"/>
+            <a:ext cx="1489344" cy="1489344"/>
           </a:xfrm>
           <a:prstGeom prst="rect">
             <a:avLst/>
           </a:prstGeom>
         </p:spPr>
+      </p:pic>
+      <p:cxnSp>
+        <p:nvCxnSpPr>
+          <p:cNvPr id="6" name="直線コネクタ 5"/>
+          <p:cNvCxnSpPr/>
+          <p:nvPr/>
+        </p:nvCxnSpPr>
+        <p:spPr>
+          <a:xfrm flipH="1">
+            <a:off x="5078603" y="4188642"/>
+            <a:ext cx="486450" cy="1648156"/>
+          </a:xfrm>
+          <a:prstGeom prst="line">
+            <a:avLst/>
+          </a:prstGeom>
+          <a:ln w="25400">
+            <a:solidFill>
+              <a:srgbClr val="FF0000"/>
+            </a:solidFill>
+          </a:ln>
+        </p:spPr>
         <p:style>
-          <a:lnRef idx="2">
-            <a:schemeClr val="accent1">
-              <a:shade val="50000"/>
-            </a:schemeClr>
+          <a:lnRef idx="1">
+            <a:schemeClr val="accent1"/>
           </a:lnRef>
-          <a:fillRef idx="1">
+          <a:fillRef idx="0">
             <a:schemeClr val="accent1"/>
           </a:fillRef>
           <a:effectRef idx="0">
             <a:schemeClr val="accent1"/>
           </a:effectRef>
           <a:fontRef idx="minor">
-            <a:schemeClr val="lt1"/>
+            <a:schemeClr val="tx1"/>
           </a:fontRef>
         </p:style>
-        <p:txBody>
-          <a:bodyPr rtlCol="0" anchor="ctr"/>
-          <a:lstStyle/>
-          <a:p>
-            <a:pPr algn="ctr"/>
-            <a:endParaRPr kumimoji="1" lang="ja-JP" altLang="en-US"/>
-          </a:p>
-        </p:txBody>
-      </p:sp>
-      <p:sp>
-        <p:nvSpPr>
-          <p:cNvPr id="12" name="テキスト ボックス 11"/>
+      </p:cxnSp>
+      <p:pic>
+        <p:nvPicPr>
+          <p:cNvPr id="8" name="図 7"/>
+          <p:cNvPicPr>
+            <a:picLocks noChangeAspect="1"/>
+          </p:cNvPicPr>
+          <p:nvPr/>
+        </p:nvPicPr>
+        <p:blipFill>
+          <a:blip r:embed="rId3">
+            <a:extLst>
+              <a:ext uri="{28A0092B-C50C-407E-A947-70E740481C1C}">
+                <a14:useLocalDpi xmlns:a14="http://schemas.microsoft.com/office/drawing/2010/main" val="0"/>
+              </a:ext>
+            </a:extLst>
+          </a:blip>
+          <a:stretch>
+            <a:fillRect/>
+          </a:stretch>
+        </p:blipFill>
+        <p:spPr>
+          <a:xfrm>
+            <a:off x="7400583" y="4043184"/>
+            <a:ext cx="2505417" cy="2505417"/>
+          </a:xfrm>
+          <a:prstGeom prst="rect">
+            <a:avLst/>
+          </a:prstGeom>
+        </p:spPr>
+      </p:pic>
+      <p:cxnSp>
+        <p:nvCxnSpPr>
+          <p:cNvPr id="9" name="直線コネクタ 8"/>
+          <p:cNvCxnSpPr/>
+          <p:nvPr/>
+        </p:nvCxnSpPr>
+        <p:spPr>
+          <a:xfrm flipH="1">
+            <a:off x="5727143" y="5534881"/>
+            <a:ext cx="2813149" cy="696922"/>
+          </a:xfrm>
+          <a:prstGeom prst="line">
+            <a:avLst/>
+          </a:prstGeom>
+          <a:ln w="25400">
+            <a:solidFill>
+              <a:schemeClr val="accent1">
+                <a:lumMod val="40000"/>
+                <a:lumOff val="60000"/>
+              </a:schemeClr>
+            </a:solidFill>
+          </a:ln>
+        </p:spPr>
+        <p:style>
+          <a:lnRef idx="1">
+            <a:schemeClr val="accent1"/>
+          </a:lnRef>
+          <a:fillRef idx="0">
+            <a:schemeClr val="accent1"/>
+          </a:fillRef>
+          <a:effectRef idx="0">
+            <a:schemeClr val="accent1"/>
+          </a:effectRef>
+          <a:fontRef idx="minor">
+            <a:schemeClr val="tx1"/>
+          </a:fontRef>
+        </p:style>
+      </p:cxnSp>
+      <p:pic>
+        <p:nvPicPr>
+          <p:cNvPr id="10" name="図 9"/>
+          <p:cNvPicPr>
+            <a:picLocks noChangeAspect="1"/>
+          </p:cNvPicPr>
+          <p:nvPr/>
+        </p:nvPicPr>
+        <p:blipFill>
+          <a:blip r:embed="rId4" cstate="print">
+            <a:extLst>
+              <a:ext uri="{28A0092B-C50C-407E-A947-70E740481C1C}">
+                <a14:useLocalDpi xmlns:a14="http://schemas.microsoft.com/office/drawing/2010/main" val="0"/>
+              </a:ext>
+            </a:extLst>
+          </a:blip>
+          <a:stretch>
+            <a:fillRect/>
+          </a:stretch>
+        </p:blipFill>
+        <p:spPr>
+          <a:xfrm rot="1139257">
+            <a:off x="5373348" y="5864406"/>
+            <a:ext cx="1159278" cy="829538"/>
+          </a:xfrm>
+          <a:prstGeom prst="rect">
+            <a:avLst/>
+          </a:prstGeom>
+        </p:spPr>
+      </p:pic>
+      <p:cxnSp>
+        <p:nvCxnSpPr>
+          <p:cNvPr id="11" name="直線コネクタ 10"/>
+          <p:cNvCxnSpPr/>
+          <p:nvPr/>
+        </p:nvCxnSpPr>
+        <p:spPr>
+          <a:xfrm>
+            <a:off x="6618942" y="5013238"/>
+            <a:ext cx="1305997" cy="1467149"/>
+          </a:xfrm>
+          <a:prstGeom prst="line">
+            <a:avLst/>
+          </a:prstGeom>
+          <a:ln w="25400">
+            <a:solidFill>
+              <a:srgbClr val="FF0000"/>
+            </a:solidFill>
+          </a:ln>
+        </p:spPr>
+        <p:style>
+          <a:lnRef idx="1">
+            <a:schemeClr val="accent1"/>
+          </a:lnRef>
+          <a:fillRef idx="0">
+            <a:schemeClr val="accent1"/>
+          </a:fillRef>
+          <a:effectRef idx="0">
+            <a:schemeClr val="accent1"/>
+          </a:effectRef>
+          <a:fontRef idx="minor">
+            <a:schemeClr val="tx1"/>
+          </a:fontRef>
+        </p:style>
+      </p:cxnSp>
+      <p:cxnSp>
+        <p:nvCxnSpPr>
+          <p:cNvPr id="12" name="直線コネクタ 11"/>
+          <p:cNvCxnSpPr/>
+          <p:nvPr/>
+        </p:nvCxnSpPr>
+        <p:spPr>
+          <a:xfrm flipH="1">
+            <a:off x="8175535" y="5534881"/>
+            <a:ext cx="367803" cy="1944698"/>
+          </a:xfrm>
+          <a:prstGeom prst="line">
+            <a:avLst/>
+          </a:prstGeom>
+          <a:ln w="25400">
+            <a:solidFill>
+              <a:schemeClr val="accent1">
+                <a:lumMod val="40000"/>
+                <a:lumOff val="60000"/>
+              </a:schemeClr>
+            </a:solidFill>
+          </a:ln>
+        </p:spPr>
+        <p:style>
+          <a:lnRef idx="1">
+            <a:schemeClr val="accent1"/>
+          </a:lnRef>
+          <a:fillRef idx="0">
+            <a:schemeClr val="accent1"/>
+          </a:fillRef>
+          <a:effectRef idx="0">
+            <a:schemeClr val="accent1"/>
+          </a:effectRef>
+          <a:fontRef idx="minor">
+            <a:schemeClr val="tx1"/>
+          </a:fontRef>
+        </p:style>
+      </p:cxnSp>
+      <p:pic>
+        <p:nvPicPr>
+          <p:cNvPr id="13" name="図 12"/>
+          <p:cNvPicPr>
+            <a:picLocks noChangeAspect="1"/>
+          </p:cNvPicPr>
+          <p:nvPr/>
+        </p:nvPicPr>
+        <p:blipFill>
+          <a:blip r:embed="rId5" cstate="print">
+            <a:extLst>
+              <a:ext uri="{28A0092B-C50C-407E-A947-70E740481C1C}">
+                <a14:useLocalDpi xmlns:a14="http://schemas.microsoft.com/office/drawing/2010/main" val="0"/>
+              </a:ext>
+            </a:extLst>
+          </a:blip>
+          <a:stretch>
+            <a:fillRect/>
+          </a:stretch>
+        </p:blipFill>
+        <p:spPr>
+          <a:xfrm flipH="1">
+            <a:off x="7238493" y="5844581"/>
+            <a:ext cx="1134899" cy="830968"/>
+          </a:xfrm>
+          <a:prstGeom prst="rect">
+            <a:avLst/>
+          </a:prstGeom>
+        </p:spPr>
+      </p:pic>
+      <p:cxnSp>
+        <p:nvCxnSpPr>
+          <p:cNvPr id="14" name="直線コネクタ 13"/>
+          <p:cNvCxnSpPr/>
+          <p:nvPr/>
+        </p:nvCxnSpPr>
+        <p:spPr>
+          <a:xfrm flipH="1">
+            <a:off x="4912919" y="5013238"/>
+            <a:ext cx="1734469" cy="981274"/>
+          </a:xfrm>
+          <a:prstGeom prst="line">
+            <a:avLst/>
+          </a:prstGeom>
+          <a:ln w="25400">
+            <a:solidFill>
+              <a:srgbClr val="FF0000"/>
+            </a:solidFill>
+          </a:ln>
+        </p:spPr>
+        <p:style>
+          <a:lnRef idx="1">
+            <a:schemeClr val="accent1"/>
+          </a:lnRef>
+          <a:fillRef idx="0">
+            <a:schemeClr val="accent1"/>
+          </a:fillRef>
+          <a:effectRef idx="0">
+            <a:schemeClr val="accent1"/>
+          </a:effectRef>
+          <a:fontRef idx="minor">
+            <a:schemeClr val="tx1"/>
+          </a:fontRef>
+        </p:style>
+      </p:cxnSp>
+      <p:pic>
+        <p:nvPicPr>
+          <p:cNvPr id="15" name="図 14"/>
+          <p:cNvPicPr>
+            <a:picLocks noChangeAspect="1"/>
+          </p:cNvPicPr>
+          <p:nvPr/>
+        </p:nvPicPr>
+        <p:blipFill>
+          <a:blip r:embed="rId3">
+            <a:extLst>
+              <a:ext uri="{28A0092B-C50C-407E-A947-70E740481C1C}">
+                <a14:useLocalDpi xmlns:a14="http://schemas.microsoft.com/office/drawing/2010/main" val="0"/>
+              </a:ext>
+            </a:extLst>
+          </a:blip>
+          <a:stretch>
+            <a:fillRect/>
+          </a:stretch>
+        </p:blipFill>
+        <p:spPr>
+          <a:xfrm>
+            <a:off x="3689240" y="4198144"/>
+            <a:ext cx="2505417" cy="2505417"/>
+          </a:xfrm>
+          <a:prstGeom prst="rect">
+            <a:avLst/>
+          </a:prstGeom>
+        </p:spPr>
+      </p:pic>
+      <p:cxnSp>
+        <p:nvCxnSpPr>
+          <p:cNvPr id="16" name="直線コネクタ 15"/>
+          <p:cNvCxnSpPr/>
+          <p:nvPr/>
+        </p:nvCxnSpPr>
+        <p:spPr>
+          <a:xfrm flipH="1">
+            <a:off x="4612124" y="6107486"/>
+            <a:ext cx="237293" cy="1337709"/>
+          </a:xfrm>
+          <a:prstGeom prst="line">
+            <a:avLst/>
+          </a:prstGeom>
+          <a:ln w="25400">
+            <a:solidFill>
+              <a:schemeClr val="accent1">
+                <a:lumMod val="40000"/>
+                <a:lumOff val="60000"/>
+              </a:schemeClr>
+            </a:solidFill>
+          </a:ln>
+        </p:spPr>
+        <p:style>
+          <a:lnRef idx="1">
+            <a:schemeClr val="accent1"/>
+          </a:lnRef>
+          <a:fillRef idx="0">
+            <a:schemeClr val="accent1"/>
+          </a:fillRef>
+          <a:effectRef idx="0">
+            <a:schemeClr val="accent1"/>
+          </a:effectRef>
+          <a:fontRef idx="minor">
+            <a:schemeClr val="tx1"/>
+          </a:fontRef>
+        </p:style>
+      </p:cxnSp>
+      <p:cxnSp>
+        <p:nvCxnSpPr>
+          <p:cNvPr id="17" name="直線コネクタ 16"/>
+          <p:cNvCxnSpPr/>
+          <p:nvPr/>
+        </p:nvCxnSpPr>
+        <p:spPr>
+          <a:xfrm flipH="1">
+            <a:off x="3266646" y="6104219"/>
+            <a:ext cx="1610603" cy="316621"/>
+          </a:xfrm>
+          <a:prstGeom prst="line">
+            <a:avLst/>
+          </a:prstGeom>
+          <a:ln w="25400">
+            <a:solidFill>
+              <a:schemeClr val="accent1">
+                <a:lumMod val="40000"/>
+                <a:lumOff val="60000"/>
+              </a:schemeClr>
+            </a:solidFill>
+          </a:ln>
+        </p:spPr>
+        <p:style>
+          <a:lnRef idx="1">
+            <a:schemeClr val="accent1"/>
+          </a:lnRef>
+          <a:fillRef idx="0">
+            <a:schemeClr val="accent1"/>
+          </a:fillRef>
+          <a:effectRef idx="0">
+            <a:schemeClr val="accent1"/>
+          </a:effectRef>
+          <a:fontRef idx="minor">
+            <a:schemeClr val="tx1"/>
+          </a:fontRef>
+        </p:style>
+      </p:cxnSp>
+      <p:sp>
+        <p:nvSpPr>
+          <p:cNvPr id="18" name="テキスト ボックス 30"/>
           <p:cNvSpPr txBox="1"/>
           <p:nvPr/>
         </p:nvSpPr>
         <p:spPr>
           <a:xfrm>
-            <a:off x="3863616" y="3895265"/>
-            <a:ext cx="1977875" cy="400110"/>
+            <a:off x="0" y="47908"/>
+            <a:ext cx="9906000" cy="830997"/>
           </a:xfrm>
           <a:prstGeom prst="rect">
             <a:avLst/>
@@ -8343,22 +9586,138 @@
           <a:bodyPr wrap="square" rtlCol="0">
             <a:spAutoFit/>
           </a:bodyPr>
-          <a:lstStyle/>
-          <a:p>
-            <a:r>
-              <a:rPr lang="ja-JP" altLang="en-US" sz="2000" b="1" dirty="0" smtClean="0">
-                <a:latin typeface="メイリオ" panose="020B0604030504040204" pitchFamily="50" charset="-128"/>
-                <a:ea typeface="メイリオ" panose="020B0604030504040204" pitchFamily="50" charset="-128"/>
+          <a:lstStyle>
+            <a:defPPr>
+              <a:defRPr lang="ja-JP"/>
+            </a:defPPr>
+            <a:lvl1pPr marL="0" algn="l" defTabSz="914400" rtl="0" eaLnBrk="1" latinLnBrk="0" hangingPunct="1">
+              <a:defRPr kumimoji="1" sz="1800" kern="1200">
+                <a:solidFill>
+                  <a:schemeClr val="tx1"/>
+                </a:solidFill>
+                <a:latin typeface="+mn-lt"/>
+                <a:ea typeface="+mn-ea"/>
+                <a:cs typeface="+mn-cs"/>
+              </a:defRPr>
+            </a:lvl1pPr>
+            <a:lvl2pPr marL="457200" algn="l" defTabSz="914400" rtl="0" eaLnBrk="1" latinLnBrk="0" hangingPunct="1">
+              <a:defRPr kumimoji="1" sz="1800" kern="1200">
+                <a:solidFill>
+                  <a:schemeClr val="tx1"/>
+                </a:solidFill>
+                <a:latin typeface="+mn-lt"/>
+                <a:ea typeface="+mn-ea"/>
+                <a:cs typeface="+mn-cs"/>
+              </a:defRPr>
+            </a:lvl2pPr>
+            <a:lvl3pPr marL="914400" algn="l" defTabSz="914400" rtl="0" eaLnBrk="1" latinLnBrk="0" hangingPunct="1">
+              <a:defRPr kumimoji="1" sz="1800" kern="1200">
+                <a:solidFill>
+                  <a:schemeClr val="tx1"/>
+                </a:solidFill>
+                <a:latin typeface="+mn-lt"/>
+                <a:ea typeface="+mn-ea"/>
+                <a:cs typeface="+mn-cs"/>
+              </a:defRPr>
+            </a:lvl3pPr>
+            <a:lvl4pPr marL="1371600" algn="l" defTabSz="914400" rtl="0" eaLnBrk="1" latinLnBrk="0" hangingPunct="1">
+              <a:defRPr kumimoji="1" sz="1800" kern="1200">
+                <a:solidFill>
+                  <a:schemeClr val="tx1"/>
+                </a:solidFill>
+                <a:latin typeface="+mn-lt"/>
+                <a:ea typeface="+mn-ea"/>
+                <a:cs typeface="+mn-cs"/>
+              </a:defRPr>
+            </a:lvl4pPr>
+            <a:lvl5pPr marL="1828800" algn="l" defTabSz="914400" rtl="0" eaLnBrk="1" latinLnBrk="0" hangingPunct="1">
+              <a:defRPr kumimoji="1" sz="1800" kern="1200">
+                <a:solidFill>
+                  <a:schemeClr val="tx1"/>
+                </a:solidFill>
+                <a:latin typeface="+mn-lt"/>
+                <a:ea typeface="+mn-ea"/>
+                <a:cs typeface="+mn-cs"/>
+              </a:defRPr>
+            </a:lvl5pPr>
+            <a:lvl6pPr marL="2286000" algn="l" defTabSz="914400" rtl="0" eaLnBrk="1" latinLnBrk="0" hangingPunct="1">
+              <a:defRPr kumimoji="1" sz="1800" kern="1200">
+                <a:solidFill>
+                  <a:schemeClr val="tx1"/>
+                </a:solidFill>
+                <a:latin typeface="+mn-lt"/>
+                <a:ea typeface="+mn-ea"/>
+                <a:cs typeface="+mn-cs"/>
+              </a:defRPr>
+            </a:lvl6pPr>
+            <a:lvl7pPr marL="2743200" algn="l" defTabSz="914400" rtl="0" eaLnBrk="1" latinLnBrk="0" hangingPunct="1">
+              <a:defRPr kumimoji="1" sz="1800" kern="1200">
+                <a:solidFill>
+                  <a:schemeClr val="tx1"/>
+                </a:solidFill>
+                <a:latin typeface="+mn-lt"/>
+                <a:ea typeface="+mn-ea"/>
+                <a:cs typeface="+mn-cs"/>
+              </a:defRPr>
+            </a:lvl7pPr>
+            <a:lvl8pPr marL="3200400" algn="l" defTabSz="914400" rtl="0" eaLnBrk="1" latinLnBrk="0" hangingPunct="1">
+              <a:defRPr kumimoji="1" sz="1800" kern="1200">
+                <a:solidFill>
+                  <a:schemeClr val="tx1"/>
+                </a:solidFill>
+                <a:latin typeface="+mn-lt"/>
+                <a:ea typeface="+mn-ea"/>
+                <a:cs typeface="+mn-cs"/>
+              </a:defRPr>
+            </a:lvl8pPr>
+            <a:lvl9pPr marL="3657600" algn="l" defTabSz="914400" rtl="0" eaLnBrk="1" latinLnBrk="0" hangingPunct="1">
+              <a:defRPr kumimoji="1" sz="1800" kern="1200">
+                <a:solidFill>
+                  <a:schemeClr val="tx1"/>
+                </a:solidFill>
+                <a:latin typeface="+mn-lt"/>
+                <a:ea typeface="+mn-ea"/>
+                <a:cs typeface="+mn-cs"/>
+              </a:defRPr>
+            </a:lvl9pPr>
+          </a:lstStyle>
+          <a:p>
+            <a:r>
+              <a:rPr lang="ja-JP" altLang="en-US" sz="4800" b="1" dirty="0">
+                <a:solidFill>
+                  <a:schemeClr val="bg1"/>
+                </a:solidFill>
+                <a:effectLst>
+                  <a:glow rad="139700">
+                    <a:schemeClr val="tx1">
+                      <a:alpha val="70000"/>
+                    </a:schemeClr>
+                  </a:glow>
+                </a:effectLst>
+                <a:latin typeface="+mn-ea"/>
               </a:rPr>
-              <a:t>リザルト画面</a:t>
-            </a:r>
+              <a:t>セールスポイント</a:t>
+            </a:r>
+            <a:endParaRPr kumimoji="1" lang="ja-JP" altLang="en-US" sz="4800" b="1" dirty="0">
+              <a:solidFill>
+                <a:schemeClr val="bg1"/>
+              </a:solidFill>
+              <a:effectLst>
+                <a:glow rad="139700">
+                  <a:schemeClr val="tx1">
+                    <a:alpha val="70000"/>
+                  </a:schemeClr>
+                </a:glow>
+              </a:effectLst>
+              <a:latin typeface="+mn-ea"/>
+            </a:endParaRPr>
           </a:p>
         </p:txBody>
       </p:sp>
     </p:spTree>
     <p:extLst>
       <p:ext uri="{BB962C8B-B14F-4D97-AF65-F5344CB8AC3E}">
-        <p14:creationId xmlns:p14="http://schemas.microsoft.com/office/powerpoint/2010/main" val="2508594583"/>
+        <p14:creationId xmlns:p14="http://schemas.microsoft.com/office/powerpoint/2010/main" val="1057348968"/>
       </p:ext>
     </p:extLst>
   </p:cSld>

--- a/企画や仕様(統合用)/String Territory(修正版).pptx
+++ b/企画や仕様(統合用)/String Territory(修正版).pptx
@@ -206,7 +206,7 @@
           <a:p>
             <a:fld id="{1B03BAC4-C04D-4969-A8BB-188AA8489B67}" type="datetimeFigureOut">
               <a:rPr kumimoji="1" lang="ja-JP" altLang="en-US" smtClean="0"/>
-              <a:t>2018/1/18</a:t>
+              <a:t>2018/1/23</a:t>
             </a:fld>
             <a:endParaRPr kumimoji="1" lang="ja-JP" altLang="en-US"/>
           </a:p>
@@ -1057,7 +1057,7 @@
           <a:p>
             <a:fld id="{99AF3CBB-D79F-447F-A9FD-6682532DA180}" type="datetimeFigureOut">
               <a:rPr kumimoji="1" lang="ja-JP" altLang="en-US" smtClean="0"/>
-              <a:t>2018/1/18</a:t>
+              <a:t>2018/1/23</a:t>
             </a:fld>
             <a:endParaRPr kumimoji="1" lang="ja-JP" altLang="en-US"/>
           </a:p>
@@ -1259,7 +1259,7 @@
           <a:p>
             <a:fld id="{99AF3CBB-D79F-447F-A9FD-6682532DA180}" type="datetimeFigureOut">
               <a:rPr kumimoji="1" lang="ja-JP" altLang="en-US" smtClean="0"/>
-              <a:t>2018/1/18</a:t>
+              <a:t>2018/1/23</a:t>
             </a:fld>
             <a:endParaRPr kumimoji="1" lang="ja-JP" altLang="en-US"/>
           </a:p>
@@ -1471,7 +1471,7 @@
           <a:p>
             <a:fld id="{99AF3CBB-D79F-447F-A9FD-6682532DA180}" type="datetimeFigureOut">
               <a:rPr kumimoji="1" lang="ja-JP" altLang="en-US" smtClean="0"/>
-              <a:t>2018/1/18</a:t>
+              <a:t>2018/1/23</a:t>
             </a:fld>
             <a:endParaRPr kumimoji="1" lang="ja-JP" altLang="en-US"/>
           </a:p>
@@ -1673,7 +1673,7 @@
           <a:p>
             <a:fld id="{99AF3CBB-D79F-447F-A9FD-6682532DA180}" type="datetimeFigureOut">
               <a:rPr kumimoji="1" lang="ja-JP" altLang="en-US" smtClean="0"/>
-              <a:t>2018/1/18</a:t>
+              <a:t>2018/1/23</a:t>
             </a:fld>
             <a:endParaRPr kumimoji="1" lang="ja-JP" altLang="en-US"/>
           </a:p>
@@ -1917,7 +1917,7 @@
           <a:p>
             <a:fld id="{99AF3CBB-D79F-447F-A9FD-6682532DA180}" type="datetimeFigureOut">
               <a:rPr kumimoji="1" lang="ja-JP" altLang="en-US" smtClean="0"/>
-              <a:t>2018/1/18</a:t>
+              <a:t>2018/1/23</a:t>
             </a:fld>
             <a:endParaRPr kumimoji="1" lang="ja-JP" altLang="en-US"/>
           </a:p>
@@ -2213,7 +2213,7 @@
           <a:p>
             <a:fld id="{99AF3CBB-D79F-447F-A9FD-6682532DA180}" type="datetimeFigureOut">
               <a:rPr kumimoji="1" lang="ja-JP" altLang="en-US" smtClean="0"/>
-              <a:t>2018/1/18</a:t>
+              <a:t>2018/1/23</a:t>
             </a:fld>
             <a:endParaRPr kumimoji="1" lang="ja-JP" altLang="en-US"/>
           </a:p>
@@ -2651,7 +2651,7 @@
           <a:p>
             <a:fld id="{99AF3CBB-D79F-447F-A9FD-6682532DA180}" type="datetimeFigureOut">
               <a:rPr kumimoji="1" lang="ja-JP" altLang="en-US" smtClean="0"/>
-              <a:t>2018/1/18</a:t>
+              <a:t>2018/1/23</a:t>
             </a:fld>
             <a:endParaRPr kumimoji="1" lang="ja-JP" altLang="en-US"/>
           </a:p>
@@ -2805,7 +2805,7 @@
           <a:p>
             <a:fld id="{99AF3CBB-D79F-447F-A9FD-6682532DA180}" type="datetimeFigureOut">
               <a:rPr kumimoji="1" lang="ja-JP" altLang="en-US" smtClean="0"/>
-              <a:t>2018/1/18</a:t>
+              <a:t>2018/1/23</a:t>
             </a:fld>
             <a:endParaRPr kumimoji="1" lang="ja-JP" altLang="en-US"/>
           </a:p>
@@ -2907,7 +2907,7 @@
           <a:p>
             <a:fld id="{99AF3CBB-D79F-447F-A9FD-6682532DA180}" type="datetimeFigureOut">
               <a:rPr kumimoji="1" lang="ja-JP" altLang="en-US" smtClean="0"/>
-              <a:t>2018/1/18</a:t>
+              <a:t>2018/1/23</a:t>
             </a:fld>
             <a:endParaRPr kumimoji="1" lang="ja-JP" altLang="en-US"/>
           </a:p>
@@ -3216,7 +3216,7 @@
           <a:p>
             <a:fld id="{99AF3CBB-D79F-447F-A9FD-6682532DA180}" type="datetimeFigureOut">
               <a:rPr kumimoji="1" lang="ja-JP" altLang="en-US" smtClean="0"/>
-              <a:t>2018/1/18</a:t>
+              <a:t>2018/1/23</a:t>
             </a:fld>
             <a:endParaRPr kumimoji="1" lang="ja-JP" altLang="en-US"/>
           </a:p>
@@ -3473,7 +3473,7 @@
           <a:p>
             <a:fld id="{99AF3CBB-D79F-447F-A9FD-6682532DA180}" type="datetimeFigureOut">
               <a:rPr kumimoji="1" lang="ja-JP" altLang="en-US" smtClean="0"/>
-              <a:t>2018/1/18</a:t>
+              <a:t>2018/1/23</a:t>
             </a:fld>
             <a:endParaRPr kumimoji="1" lang="ja-JP" altLang="en-US"/>
           </a:p>
@@ -3792,7 +3792,7 @@
           <a:p>
             <a:fld id="{99AF3CBB-D79F-447F-A9FD-6682532DA180}" type="datetimeFigureOut">
               <a:rPr kumimoji="1" lang="ja-JP" altLang="en-US" smtClean="0"/>
-              <a:t>2018/1/18</a:t>
+              <a:t>2018/1/23</a:t>
             </a:fld>
             <a:endParaRPr kumimoji="1" lang="ja-JP" altLang="en-US"/>
           </a:p>
@@ -6342,23 +6342,7 @@
                 </a:effectLst>
                 <a:latin typeface="+mn-ea"/>
               </a:rPr>
-              <a:t>行きたい木へ</a:t>
-            </a:r>
-            <a:r>
-              <a:rPr lang="ja-JP" altLang="en-US" sz="2000" b="1" dirty="0" smtClean="0">
-                <a:solidFill>
-                  <a:schemeClr val="bg1"/>
-                </a:solidFill>
-                <a:effectLst>
-                  <a:glow rad="139700">
-                    <a:schemeClr val="tx1">
-                      <a:alpha val="70000"/>
-                    </a:schemeClr>
-                  </a:glow>
-                </a:effectLst>
-                <a:latin typeface="+mn-ea"/>
-              </a:rPr>
-              <a:t>ジャンプ</a:t>
+              <a:t>行きたい木へジャンプ</a:t>
             </a:r>
             <a:r>
               <a:rPr lang="ja-JP" altLang="en-US" sz="2000" b="1" dirty="0">
@@ -6959,40 +6943,26 @@
                 <a:latin typeface="メイリオ" panose="020B0604030504040204" pitchFamily="50" charset="-128"/>
                 <a:ea typeface="メイリオ" panose="020B0604030504040204" pitchFamily="50" charset="-128"/>
               </a:rPr>
-              <a:t>敵の木に着地したら敵の陣地メーターが減って</a:t>
-            </a:r>
+              <a:t>敵の木に着地したら敵の陣地メーターが減っていく</a:t>
+            </a:r>
+            <a:endParaRPr lang="en-US" altLang="ja-JP" sz="2000" b="1" dirty="0" smtClean="0">
+              <a:latin typeface="メイリオ" panose="020B0604030504040204" pitchFamily="50" charset="-128"/>
+              <a:ea typeface="メイリオ" panose="020B0604030504040204" pitchFamily="50" charset="-128"/>
+            </a:endParaRPr>
+          </a:p>
+          <a:p>
+            <a:endParaRPr lang="en-US" altLang="ja-JP" sz="2000" b="1" dirty="0">
+              <a:latin typeface="メイリオ" panose="020B0604030504040204" pitchFamily="50" charset="-128"/>
+              <a:ea typeface="メイリオ" panose="020B0604030504040204" pitchFamily="50" charset="-128"/>
+            </a:endParaRPr>
+          </a:p>
+          <a:p>
             <a:r>
               <a:rPr lang="ja-JP" altLang="en-US" sz="2000" b="1" dirty="0" smtClean="0">
                 <a:latin typeface="メイリオ" panose="020B0604030504040204" pitchFamily="50" charset="-128"/>
                 <a:ea typeface="メイリオ" panose="020B0604030504040204" pitchFamily="50" charset="-128"/>
               </a:rPr>
-              <a:t>いく</a:t>
-            </a:r>
-            <a:endParaRPr lang="en-US" altLang="ja-JP" sz="2000" b="1" dirty="0" smtClean="0">
-              <a:latin typeface="メイリオ" panose="020B0604030504040204" pitchFamily="50" charset="-128"/>
-              <a:ea typeface="メイリオ" panose="020B0604030504040204" pitchFamily="50" charset="-128"/>
-            </a:endParaRPr>
-          </a:p>
-          <a:p>
-            <a:endParaRPr lang="en-US" altLang="ja-JP" sz="2000" b="1" dirty="0">
-              <a:latin typeface="メイリオ" panose="020B0604030504040204" pitchFamily="50" charset="-128"/>
-              <a:ea typeface="メイリオ" panose="020B0604030504040204" pitchFamily="50" charset="-128"/>
-            </a:endParaRPr>
-          </a:p>
-          <a:p>
-            <a:r>
-              <a:rPr lang="ja-JP" altLang="en-US" sz="2000" b="1" dirty="0" smtClean="0">
-                <a:latin typeface="メイリオ" panose="020B0604030504040204" pitchFamily="50" charset="-128"/>
-                <a:ea typeface="メイリオ" panose="020B0604030504040204" pitchFamily="50" charset="-128"/>
-              </a:rPr>
-              <a:t>陣地メーターを</a:t>
-            </a:r>
-            <a:r>
-              <a:rPr lang="ja-JP" altLang="en-US" sz="2000" b="1" dirty="0" smtClean="0">
-                <a:latin typeface="メイリオ" panose="020B0604030504040204" pitchFamily="50" charset="-128"/>
-                <a:ea typeface="メイリオ" panose="020B0604030504040204" pitchFamily="50" charset="-128"/>
-              </a:rPr>
-              <a:t>０にすることで敵から木を奪う</a:t>
+              <a:t>陣地メーターを０にすることで敵から木を奪う</a:t>
             </a:r>
             <a:endParaRPr lang="en-US" altLang="ja-JP" sz="2000" b="1" dirty="0" smtClean="0">
               <a:latin typeface="メイリオ" panose="020B0604030504040204" pitchFamily="50" charset="-128"/>

--- a/企画や仕様(統合用)/String Territory(修正版).pptx
+++ b/企画や仕様(統合用)/String Territory(修正版).pptx
@@ -13,11 +13,11 @@
     <p:sldId id="259" r:id="rId4"/>
     <p:sldId id="260" r:id="rId5"/>
     <p:sldId id="271" r:id="rId6"/>
-    <p:sldId id="264" r:id="rId7"/>
-    <p:sldId id="267" r:id="rId8"/>
-    <p:sldId id="270" r:id="rId9"/>
-    <p:sldId id="269" r:id="rId10"/>
-    <p:sldId id="272" r:id="rId11"/>
+    <p:sldId id="273" r:id="rId7"/>
+    <p:sldId id="264" r:id="rId8"/>
+    <p:sldId id="267" r:id="rId9"/>
+    <p:sldId id="270" r:id="rId10"/>
+    <p:sldId id="269" r:id="rId11"/>
   </p:sldIdLst>
   <p:sldSz cx="9906000" cy="6858000" type="A4"/>
   <p:notesSz cx="6858000" cy="9144000"/>
@@ -206,7 +206,7 @@
           <a:p>
             <a:fld id="{1B03BAC4-C04D-4969-A8BB-188AA8489B67}" type="datetimeFigureOut">
               <a:rPr kumimoji="1" lang="ja-JP" altLang="en-US" smtClean="0"/>
-              <a:t>2018/1/23</a:t>
+              <a:t>2018/1/25</a:t>
             </a:fld>
             <a:endParaRPr kumimoji="1" lang="ja-JP" altLang="en-US"/>
           </a:p>
@@ -748,7 +748,7 @@
     </p:spTree>
     <p:extLst>
       <p:ext uri="{BB962C8B-B14F-4D97-AF65-F5344CB8AC3E}">
-        <p14:creationId xmlns:p14="http://schemas.microsoft.com/office/powerpoint/2010/main" val="1729258735"/>
+        <p14:creationId xmlns:p14="http://schemas.microsoft.com/office/powerpoint/2010/main" val="954931840"/>
       </p:ext>
     </p:extLst>
   </p:cSld>
@@ -832,7 +832,7 @@
     </p:spTree>
     <p:extLst>
       <p:ext uri="{BB962C8B-B14F-4D97-AF65-F5344CB8AC3E}">
-        <p14:creationId xmlns:p14="http://schemas.microsoft.com/office/powerpoint/2010/main" val="2334527174"/>
+        <p14:creationId xmlns:p14="http://schemas.microsoft.com/office/powerpoint/2010/main" val="1729258735"/>
       </p:ext>
     </p:extLst>
   </p:cSld>
@@ -907,7 +907,91 @@
           <a:p>
             <a:fld id="{4EBB97A6-96AC-4930-A586-7B32CC3AFFC3}" type="slidenum">
               <a:rPr kumimoji="1" lang="ja-JP" altLang="en-US" smtClean="0"/>
-              <a:t>9</a:t>
+              <a:t>8</a:t>
+            </a:fld>
+            <a:endParaRPr kumimoji="1" lang="ja-JP" altLang="en-US"/>
+          </a:p>
+        </p:txBody>
+      </p:sp>
+    </p:spTree>
+    <p:extLst>
+      <p:ext uri="{BB962C8B-B14F-4D97-AF65-F5344CB8AC3E}">
+        <p14:creationId xmlns:p14="http://schemas.microsoft.com/office/powerpoint/2010/main" val="2334527174"/>
+      </p:ext>
+    </p:extLst>
+  </p:cSld>
+  <p:clrMapOvr>
+    <a:masterClrMapping/>
+  </p:clrMapOvr>
+</p:notes>
+</file>
+
+<file path=ppt/notesSlides/notesSlide6.xml><?xml version="1.0" encoding="utf-8"?>
+<p:notes xmlns:a="http://schemas.openxmlformats.org/drawingml/2006/main" xmlns:r="http://schemas.openxmlformats.org/officeDocument/2006/relationships" xmlns:p="http://schemas.openxmlformats.org/presentationml/2006/main">
+  <p:cSld>
+    <p:spTree>
+      <p:nvGrpSpPr>
+        <p:cNvPr id="1" name=""/>
+        <p:cNvGrpSpPr/>
+        <p:nvPr/>
+      </p:nvGrpSpPr>
+      <p:grpSpPr>
+        <a:xfrm>
+          <a:off x="0" y="0"/>
+          <a:ext cx="0" cy="0"/>
+          <a:chOff x="0" y="0"/>
+          <a:chExt cx="0" cy="0"/>
+        </a:xfrm>
+      </p:grpSpPr>
+      <p:sp>
+        <p:nvSpPr>
+          <p:cNvPr id="2" name="スライド イメージ プレースホルダー 1"/>
+          <p:cNvSpPr>
+            <a:spLocks noGrp="1" noRot="1" noChangeAspect="1"/>
+          </p:cNvSpPr>
+          <p:nvPr>
+            <p:ph type="sldImg"/>
+          </p:nvPr>
+        </p:nvSpPr>
+        <p:spPr/>
+      </p:sp>
+      <p:sp>
+        <p:nvSpPr>
+          <p:cNvPr id="3" name="ノート プレースホルダー 2"/>
+          <p:cNvSpPr>
+            <a:spLocks noGrp="1"/>
+          </p:cNvSpPr>
+          <p:nvPr>
+            <p:ph type="body" idx="1"/>
+          </p:nvPr>
+        </p:nvSpPr>
+        <p:spPr/>
+        <p:txBody>
+          <a:bodyPr/>
+          <a:lstStyle/>
+          <a:p>
+            <a:endParaRPr kumimoji="1" lang="ja-JP" altLang="en-US" dirty="0"/>
+          </a:p>
+        </p:txBody>
+      </p:sp>
+      <p:sp>
+        <p:nvSpPr>
+          <p:cNvPr id="4" name="スライド番号プレースホルダー 3"/>
+          <p:cNvSpPr>
+            <a:spLocks noGrp="1"/>
+          </p:cNvSpPr>
+          <p:nvPr>
+            <p:ph type="sldNum" sz="quarter" idx="10"/>
+          </p:nvPr>
+        </p:nvSpPr>
+        <p:spPr/>
+        <p:txBody>
+          <a:bodyPr/>
+          <a:lstStyle/>
+          <a:p>
+            <a:fld id="{4EBB97A6-96AC-4930-A586-7B32CC3AFFC3}" type="slidenum">
+              <a:rPr kumimoji="1" lang="ja-JP" altLang="en-US" smtClean="0"/>
+              <a:t>10</a:t>
             </a:fld>
             <a:endParaRPr kumimoji="1" lang="ja-JP" altLang="en-US"/>
           </a:p>
@@ -1057,7 +1141,7 @@
           <a:p>
             <a:fld id="{99AF3CBB-D79F-447F-A9FD-6682532DA180}" type="datetimeFigureOut">
               <a:rPr kumimoji="1" lang="ja-JP" altLang="en-US" smtClean="0"/>
-              <a:t>2018/1/23</a:t>
+              <a:t>2018/1/25</a:t>
             </a:fld>
             <a:endParaRPr kumimoji="1" lang="ja-JP" altLang="en-US"/>
           </a:p>
@@ -1259,7 +1343,7 @@
           <a:p>
             <a:fld id="{99AF3CBB-D79F-447F-A9FD-6682532DA180}" type="datetimeFigureOut">
               <a:rPr kumimoji="1" lang="ja-JP" altLang="en-US" smtClean="0"/>
-              <a:t>2018/1/23</a:t>
+              <a:t>2018/1/25</a:t>
             </a:fld>
             <a:endParaRPr kumimoji="1" lang="ja-JP" altLang="en-US"/>
           </a:p>
@@ -1471,7 +1555,7 @@
           <a:p>
             <a:fld id="{99AF3CBB-D79F-447F-A9FD-6682532DA180}" type="datetimeFigureOut">
               <a:rPr kumimoji="1" lang="ja-JP" altLang="en-US" smtClean="0"/>
-              <a:t>2018/1/23</a:t>
+              <a:t>2018/1/25</a:t>
             </a:fld>
             <a:endParaRPr kumimoji="1" lang="ja-JP" altLang="en-US"/>
           </a:p>
@@ -1673,7 +1757,7 @@
           <a:p>
             <a:fld id="{99AF3CBB-D79F-447F-A9FD-6682532DA180}" type="datetimeFigureOut">
               <a:rPr kumimoji="1" lang="ja-JP" altLang="en-US" smtClean="0"/>
-              <a:t>2018/1/23</a:t>
+              <a:t>2018/1/25</a:t>
             </a:fld>
             <a:endParaRPr kumimoji="1" lang="ja-JP" altLang="en-US"/>
           </a:p>
@@ -1917,7 +2001,7 @@
           <a:p>
             <a:fld id="{99AF3CBB-D79F-447F-A9FD-6682532DA180}" type="datetimeFigureOut">
               <a:rPr kumimoji="1" lang="ja-JP" altLang="en-US" smtClean="0"/>
-              <a:t>2018/1/23</a:t>
+              <a:t>2018/1/25</a:t>
             </a:fld>
             <a:endParaRPr kumimoji="1" lang="ja-JP" altLang="en-US"/>
           </a:p>
@@ -2213,7 +2297,7 @@
           <a:p>
             <a:fld id="{99AF3CBB-D79F-447F-A9FD-6682532DA180}" type="datetimeFigureOut">
               <a:rPr kumimoji="1" lang="ja-JP" altLang="en-US" smtClean="0"/>
-              <a:t>2018/1/23</a:t>
+              <a:t>2018/1/25</a:t>
             </a:fld>
             <a:endParaRPr kumimoji="1" lang="ja-JP" altLang="en-US"/>
           </a:p>
@@ -2651,7 +2735,7 @@
           <a:p>
             <a:fld id="{99AF3CBB-D79F-447F-A9FD-6682532DA180}" type="datetimeFigureOut">
               <a:rPr kumimoji="1" lang="ja-JP" altLang="en-US" smtClean="0"/>
-              <a:t>2018/1/23</a:t>
+              <a:t>2018/1/25</a:t>
             </a:fld>
             <a:endParaRPr kumimoji="1" lang="ja-JP" altLang="en-US"/>
           </a:p>
@@ -2805,7 +2889,7 @@
           <a:p>
             <a:fld id="{99AF3CBB-D79F-447F-A9FD-6682532DA180}" type="datetimeFigureOut">
               <a:rPr kumimoji="1" lang="ja-JP" altLang="en-US" smtClean="0"/>
-              <a:t>2018/1/23</a:t>
+              <a:t>2018/1/25</a:t>
             </a:fld>
             <a:endParaRPr kumimoji="1" lang="ja-JP" altLang="en-US"/>
           </a:p>
@@ -2907,7 +2991,7 @@
           <a:p>
             <a:fld id="{99AF3CBB-D79F-447F-A9FD-6682532DA180}" type="datetimeFigureOut">
               <a:rPr kumimoji="1" lang="ja-JP" altLang="en-US" smtClean="0"/>
-              <a:t>2018/1/23</a:t>
+              <a:t>2018/1/25</a:t>
             </a:fld>
             <a:endParaRPr kumimoji="1" lang="ja-JP" altLang="en-US"/>
           </a:p>
@@ -3216,7 +3300,7 @@
           <a:p>
             <a:fld id="{99AF3CBB-D79F-447F-A9FD-6682532DA180}" type="datetimeFigureOut">
               <a:rPr kumimoji="1" lang="ja-JP" altLang="en-US" smtClean="0"/>
-              <a:t>2018/1/23</a:t>
+              <a:t>2018/1/25</a:t>
             </a:fld>
             <a:endParaRPr kumimoji="1" lang="ja-JP" altLang="en-US"/>
           </a:p>
@@ -3473,7 +3557,7 @@
           <a:p>
             <a:fld id="{99AF3CBB-D79F-447F-A9FD-6682532DA180}" type="datetimeFigureOut">
               <a:rPr kumimoji="1" lang="ja-JP" altLang="en-US" smtClean="0"/>
-              <a:t>2018/1/23</a:t>
+              <a:t>2018/1/25</a:t>
             </a:fld>
             <a:endParaRPr kumimoji="1" lang="ja-JP" altLang="en-US"/>
           </a:p>
@@ -3792,7 +3876,7 @@
           <a:p>
             <a:fld id="{99AF3CBB-D79F-447F-A9FD-6682532DA180}" type="datetimeFigureOut">
               <a:rPr kumimoji="1" lang="ja-JP" altLang="en-US" smtClean="0"/>
-              <a:t>2018/1/23</a:t>
+              <a:t>2018/1/25</a:t>
             </a:fld>
             <a:endParaRPr kumimoji="1" lang="ja-JP" altLang="en-US"/>
           </a:p>
@@ -4416,16 +4500,91 @@
           <a:chExt cx="0" cy="0"/>
         </a:xfrm>
       </p:grpSpPr>
+      <p:sp>
+        <p:nvSpPr>
+          <p:cNvPr id="4" name="テキスト ボックス 3"/>
+          <p:cNvSpPr txBox="1"/>
+          <p:nvPr/>
+        </p:nvSpPr>
+        <p:spPr>
+          <a:xfrm>
+            <a:off x="830350" y="2149814"/>
+            <a:ext cx="8273665" cy="1815882"/>
+          </a:xfrm>
+          <a:prstGeom prst="rect">
+            <a:avLst/>
+          </a:prstGeom>
+          <a:noFill/>
+        </p:spPr>
+        <p:txBody>
+          <a:bodyPr wrap="square" rtlCol="0">
+            <a:spAutoFit/>
+          </a:bodyPr>
+          <a:lstStyle/>
+          <a:p>
+            <a:r>
+              <a:rPr lang="ja-JP" altLang="en-US" sz="2800" b="1" dirty="0" smtClean="0">
+                <a:latin typeface="メイリオ" panose="020B0604030504040204" pitchFamily="50" charset="-128"/>
+                <a:ea typeface="メイリオ" panose="020B0604030504040204" pitchFamily="50" charset="-128"/>
+              </a:rPr>
+              <a:t>・移動だけで罠を貼りながら陣地を増やしていく</a:t>
+            </a:r>
+            <a:endParaRPr lang="en-US" altLang="ja-JP" sz="2800" b="1" dirty="0" smtClean="0">
+              <a:latin typeface="メイリオ" panose="020B0604030504040204" pitchFamily="50" charset="-128"/>
+              <a:ea typeface="メイリオ" panose="020B0604030504040204" pitchFamily="50" charset="-128"/>
+            </a:endParaRPr>
+          </a:p>
+          <a:p>
+            <a:endParaRPr lang="en-US" altLang="ja-JP" sz="2800" b="1" dirty="0">
+              <a:latin typeface="メイリオ" panose="020B0604030504040204" pitchFamily="50" charset="-128"/>
+              <a:ea typeface="メイリオ" panose="020B0604030504040204" pitchFamily="50" charset="-128"/>
+            </a:endParaRPr>
+          </a:p>
+          <a:p>
+            <a:r>
+              <a:rPr lang="ja-JP" altLang="en-US" sz="2800" b="1" dirty="0" smtClean="0">
+                <a:latin typeface="メイリオ" panose="020B0604030504040204" pitchFamily="50" charset="-128"/>
+                <a:ea typeface="メイリオ" panose="020B0604030504040204" pitchFamily="50" charset="-128"/>
+              </a:rPr>
+              <a:t>・移動や回避によって敵の陣地に潜入し、</a:t>
+            </a:r>
+            <a:endParaRPr lang="en-US" altLang="ja-JP" sz="2800" b="1" dirty="0" smtClean="0">
+              <a:latin typeface="メイリオ" panose="020B0604030504040204" pitchFamily="50" charset="-128"/>
+              <a:ea typeface="メイリオ" panose="020B0604030504040204" pitchFamily="50" charset="-128"/>
+            </a:endParaRPr>
+          </a:p>
+          <a:p>
+            <a:r>
+              <a:rPr lang="ja-JP" altLang="en-US" sz="2800" b="1" dirty="0">
+                <a:latin typeface="メイリオ" panose="020B0604030504040204" pitchFamily="50" charset="-128"/>
+                <a:ea typeface="メイリオ" panose="020B0604030504040204" pitchFamily="50" charset="-128"/>
+              </a:rPr>
+              <a:t>　</a:t>
+            </a:r>
+            <a:r>
+              <a:rPr lang="ja-JP" altLang="en-US" sz="2800" b="1" dirty="0" smtClean="0">
+                <a:latin typeface="メイリオ" panose="020B0604030504040204" pitchFamily="50" charset="-128"/>
+                <a:ea typeface="メイリオ" panose="020B0604030504040204" pitchFamily="50" charset="-128"/>
+              </a:rPr>
+              <a:t>敵の縄張りを奪っていく</a:t>
+            </a:r>
+            <a:endParaRPr lang="en-US" altLang="ja-JP" sz="2800" b="1" dirty="0" smtClean="0">
+              <a:latin typeface="メイリオ" panose="020B0604030504040204" pitchFamily="50" charset="-128"/>
+              <a:ea typeface="メイリオ" panose="020B0604030504040204" pitchFamily="50" charset="-128"/>
+            </a:endParaRPr>
+          </a:p>
+        </p:txBody>
+      </p:sp>
       <p:pic>
         <p:nvPicPr>
-          <p:cNvPr id="3" name="図 2"/>
+          <p:cNvPr id="5" name="図 4"/>
           <p:cNvPicPr>
             <a:picLocks noChangeAspect="1"/>
           </p:cNvPicPr>
           <p:nvPr/>
         </p:nvPicPr>
         <p:blipFill>
-          <a:blip r:embed="rId2">
+          <a:blip r:embed="rId3">
             <a:extLst>
               <a:ext uri="{28A0092B-C50C-407E-A947-70E740481C1C}">
                 <a14:useLocalDpi xmlns:a14="http://schemas.microsoft.com/office/drawing/2010/main" val="0"/>
@@ -4438,234 +4597,556 @@
         </p:blipFill>
         <p:spPr>
           <a:xfrm>
-            <a:off x="1196273" y="1463159"/>
-            <a:ext cx="7884793" cy="4442137"/>
+            <a:off x="5924640" y="3965696"/>
+            <a:ext cx="1489344" cy="1489344"/>
           </a:xfrm>
           <a:prstGeom prst="rect">
             <a:avLst/>
           </a:prstGeom>
         </p:spPr>
       </p:pic>
-      <p:sp>
-        <p:nvSpPr>
-          <p:cNvPr id="4" name="正方形/長方形 3"/>
-          <p:cNvSpPr/>
+      <p:cxnSp>
+        <p:nvCxnSpPr>
+          <p:cNvPr id="6" name="直線コネクタ 5"/>
+          <p:cNvCxnSpPr/>
           <p:nvPr/>
-        </p:nvSpPr>
-        <p:spPr>
-          <a:xfrm>
-            <a:off x="7071960" y="4057832"/>
-            <a:ext cx="1453488" cy="1558343"/>
-          </a:xfrm>
-          <a:prstGeom prst="rect">
+        </p:nvCxnSpPr>
+        <p:spPr>
+          <a:xfrm flipH="1">
+            <a:off x="5078603" y="4188642"/>
+            <a:ext cx="486450" cy="1648156"/>
+          </a:xfrm>
+          <a:prstGeom prst="line">
             <a:avLst/>
           </a:prstGeom>
+          <a:ln w="25400">
+            <a:solidFill>
+              <a:srgbClr val="FF0000"/>
+            </a:solidFill>
+          </a:ln>
         </p:spPr>
         <p:style>
-          <a:lnRef idx="2">
-            <a:schemeClr val="accent1">
-              <a:shade val="50000"/>
-            </a:schemeClr>
+          <a:lnRef idx="1">
+            <a:schemeClr val="accent1"/>
           </a:lnRef>
-          <a:fillRef idx="1">
+          <a:fillRef idx="0">
             <a:schemeClr val="accent1"/>
           </a:fillRef>
           <a:effectRef idx="0">
             <a:schemeClr val="accent1"/>
           </a:effectRef>
           <a:fontRef idx="minor">
-            <a:schemeClr val="lt1"/>
+            <a:schemeClr val="tx1"/>
           </a:fontRef>
         </p:style>
-        <p:txBody>
-          <a:bodyPr rtlCol="0" anchor="ctr"/>
-          <a:lstStyle/>
-          <a:p>
-            <a:pPr algn="ctr"/>
-            <a:r>
-              <a:rPr kumimoji="1" lang="ja-JP" altLang="en-US" dirty="0" smtClean="0"/>
-              <a:t>ミニマップ</a:t>
-            </a:r>
-            <a:endParaRPr kumimoji="1" lang="ja-JP" altLang="en-US" dirty="0"/>
-          </a:p>
-        </p:txBody>
-      </p:sp>
-      <p:sp>
-        <p:nvSpPr>
-          <p:cNvPr id="5" name="テキスト ボックス 4"/>
-          <p:cNvSpPr txBox="1"/>
+      </p:cxnSp>
+      <p:pic>
+        <p:nvPicPr>
+          <p:cNvPr id="8" name="図 7"/>
+          <p:cNvPicPr>
+            <a:picLocks noChangeAspect="1"/>
+          </p:cNvPicPr>
           <p:nvPr/>
-        </p:nvSpPr>
+        </p:nvPicPr>
+        <p:blipFill>
+          <a:blip r:embed="rId3">
+            <a:extLst>
+              <a:ext uri="{28A0092B-C50C-407E-A947-70E740481C1C}">
+                <a14:useLocalDpi xmlns:a14="http://schemas.microsoft.com/office/drawing/2010/main" val="0"/>
+              </a:ext>
+            </a:extLst>
+          </a:blip>
+          <a:stretch>
+            <a:fillRect/>
+          </a:stretch>
+        </p:blipFill>
         <p:spPr>
           <a:xfrm>
-            <a:off x="1196273" y="5512158"/>
-            <a:ext cx="3491637" cy="461665"/>
+            <a:off x="7400583" y="4043184"/>
+            <a:ext cx="2505417" cy="2505417"/>
           </a:xfrm>
           <a:prstGeom prst="rect">
             <a:avLst/>
           </a:prstGeom>
-          <a:noFill/>
-        </p:spPr>
-        <p:txBody>
-          <a:bodyPr wrap="square" rtlCol="0">
-            <a:spAutoFit/>
-          </a:bodyPr>
-          <a:lstStyle/>
-          <a:p>
-            <a:r>
-              <a:rPr kumimoji="1" lang="ja-JP" altLang="en-US" sz="2400" b="1" dirty="0" smtClean="0"/>
-              <a:t>行動ログ炉グログロ具</a:t>
-            </a:r>
-            <a:endParaRPr kumimoji="1" lang="ja-JP" altLang="en-US" sz="2400" b="1" dirty="0"/>
-          </a:p>
-        </p:txBody>
-      </p:sp>
-      <p:sp>
-        <p:nvSpPr>
-          <p:cNvPr id="6" name="角丸四角形 5"/>
-          <p:cNvSpPr/>
+        </p:spPr>
+      </p:pic>
+      <p:cxnSp>
+        <p:nvCxnSpPr>
+          <p:cNvPr id="9" name="直線コネクタ 8"/>
+          <p:cNvCxnSpPr/>
           <p:nvPr/>
-        </p:nvSpPr>
-        <p:spPr>
-          <a:xfrm>
-            <a:off x="7045290" y="3442915"/>
-            <a:ext cx="1506828" cy="482623"/>
-          </a:xfrm>
-          <a:prstGeom prst="roundRect">
+        </p:nvCxnSpPr>
+        <p:spPr>
+          <a:xfrm flipH="1">
+            <a:off x="5727143" y="5534881"/>
+            <a:ext cx="2813149" cy="696922"/>
+          </a:xfrm>
+          <a:prstGeom prst="line">
             <a:avLst/>
           </a:prstGeom>
+          <a:ln w="25400">
+            <a:solidFill>
+              <a:schemeClr val="accent1">
+                <a:lumMod val="40000"/>
+                <a:lumOff val="60000"/>
+              </a:schemeClr>
+            </a:solidFill>
+          </a:ln>
         </p:spPr>
         <p:style>
-          <a:lnRef idx="2">
-            <a:schemeClr val="accent1">
-              <a:shade val="50000"/>
-            </a:schemeClr>
+          <a:lnRef idx="1">
+            <a:schemeClr val="accent1"/>
           </a:lnRef>
-          <a:fillRef idx="1">
+          <a:fillRef idx="0">
             <a:schemeClr val="accent1"/>
           </a:fillRef>
           <a:effectRef idx="0">
             <a:schemeClr val="accent1"/>
           </a:effectRef>
           <a:fontRef idx="minor">
-            <a:schemeClr val="lt1"/>
+            <a:schemeClr val="tx1"/>
           </a:fontRef>
         </p:style>
-        <p:txBody>
-          <a:bodyPr rtlCol="0" anchor="ctr"/>
-          <a:lstStyle/>
-          <a:p>
-            <a:pPr algn="ctr"/>
-            <a:r>
-              <a:rPr lang="ja-JP" altLang="en-US" dirty="0"/>
-              <a:t>先</a:t>
-            </a:r>
-            <a:r>
-              <a:rPr kumimoji="1" lang="ja-JP" altLang="en-US" dirty="0" smtClean="0"/>
-              <a:t>ゲージ</a:t>
-            </a:r>
-            <a:endParaRPr kumimoji="1" lang="ja-JP" altLang="en-US" dirty="0"/>
-          </a:p>
-        </p:txBody>
-      </p:sp>
-      <p:sp>
-        <p:nvSpPr>
-          <p:cNvPr id="7" name="角丸四角形 6"/>
-          <p:cNvSpPr/>
+      </p:cxnSp>
+      <p:pic>
+        <p:nvPicPr>
+          <p:cNvPr id="10" name="図 9"/>
+          <p:cNvPicPr>
+            <a:picLocks noChangeAspect="1"/>
+          </p:cNvPicPr>
           <p:nvPr/>
-        </p:nvSpPr>
-        <p:spPr>
-          <a:xfrm>
-            <a:off x="3760994" y="5163683"/>
-            <a:ext cx="2755349" cy="221660"/>
-          </a:xfrm>
-          <a:prstGeom prst="roundRect">
+        </p:nvPicPr>
+        <p:blipFill>
+          <a:blip r:embed="rId4" cstate="print">
+            <a:extLst>
+              <a:ext uri="{28A0092B-C50C-407E-A947-70E740481C1C}">
+                <a14:useLocalDpi xmlns:a14="http://schemas.microsoft.com/office/drawing/2010/main" val="0"/>
+              </a:ext>
+            </a:extLst>
+          </a:blip>
+          <a:stretch>
+            <a:fillRect/>
+          </a:stretch>
+        </p:blipFill>
+        <p:spPr>
+          <a:xfrm rot="1139257">
+            <a:off x="5373348" y="5864406"/>
+            <a:ext cx="1159278" cy="829538"/>
+          </a:xfrm>
+          <a:prstGeom prst="rect">
             <a:avLst/>
           </a:prstGeom>
         </p:spPr>
+      </p:pic>
+      <p:cxnSp>
+        <p:nvCxnSpPr>
+          <p:cNvPr id="11" name="直線コネクタ 10"/>
+          <p:cNvCxnSpPr/>
+          <p:nvPr/>
+        </p:nvCxnSpPr>
+        <p:spPr>
+          <a:xfrm>
+            <a:off x="6618942" y="5013238"/>
+            <a:ext cx="1305997" cy="1467149"/>
+          </a:xfrm>
+          <a:prstGeom prst="line">
+            <a:avLst/>
+          </a:prstGeom>
+          <a:ln w="25400">
+            <a:solidFill>
+              <a:srgbClr val="FF0000"/>
+            </a:solidFill>
+          </a:ln>
+        </p:spPr>
         <p:style>
-          <a:lnRef idx="2">
-            <a:schemeClr val="accent1">
-              <a:shade val="50000"/>
-            </a:schemeClr>
+          <a:lnRef idx="1">
+            <a:schemeClr val="accent1"/>
           </a:lnRef>
-          <a:fillRef idx="1">
+          <a:fillRef idx="0">
             <a:schemeClr val="accent1"/>
           </a:fillRef>
           <a:effectRef idx="0">
             <a:schemeClr val="accent1"/>
           </a:effectRef>
           <a:fontRef idx="minor">
-            <a:schemeClr val="lt1"/>
+            <a:schemeClr val="tx1"/>
           </a:fontRef>
         </p:style>
-        <p:txBody>
-          <a:bodyPr rtlCol="0" anchor="ctr"/>
-          <a:lstStyle/>
-          <a:p>
-            <a:pPr algn="ctr"/>
-            <a:r>
-              <a:rPr kumimoji="1" lang="ja-JP" altLang="en-US" dirty="0" smtClean="0"/>
-              <a:t>今いるゲージ</a:t>
-            </a:r>
-            <a:endParaRPr kumimoji="1" lang="ja-JP" altLang="en-US" dirty="0"/>
-          </a:p>
-        </p:txBody>
-      </p:sp>
-      <p:sp>
-        <p:nvSpPr>
-          <p:cNvPr id="8" name="楕円 7"/>
-          <p:cNvSpPr/>
+      </p:cxnSp>
+      <p:cxnSp>
+        <p:nvCxnSpPr>
+          <p:cNvPr id="12" name="直線コネクタ 11"/>
+          <p:cNvCxnSpPr/>
           <p:nvPr/>
-        </p:nvSpPr>
-        <p:spPr>
-          <a:xfrm>
-            <a:off x="7211803" y="1558345"/>
-            <a:ext cx="1313645" cy="515154"/>
-          </a:xfrm>
-          <a:prstGeom prst="ellipse">
+        </p:nvCxnSpPr>
+        <p:spPr>
+          <a:xfrm flipH="1">
+            <a:off x="8175535" y="5534881"/>
+            <a:ext cx="367803" cy="1944698"/>
+          </a:xfrm>
+          <a:prstGeom prst="line">
             <a:avLst/>
           </a:prstGeom>
+          <a:ln w="25400">
+            <a:solidFill>
+              <a:schemeClr val="accent1">
+                <a:lumMod val="40000"/>
+                <a:lumOff val="60000"/>
+              </a:schemeClr>
+            </a:solidFill>
+          </a:ln>
         </p:spPr>
         <p:style>
-          <a:lnRef idx="2">
-            <a:schemeClr val="accent1">
-              <a:shade val="50000"/>
-            </a:schemeClr>
+          <a:lnRef idx="1">
+            <a:schemeClr val="accent1"/>
           </a:lnRef>
-          <a:fillRef idx="1">
+          <a:fillRef idx="0">
             <a:schemeClr val="accent1"/>
           </a:fillRef>
           <a:effectRef idx="0">
             <a:schemeClr val="accent1"/>
           </a:effectRef>
           <a:fontRef idx="minor">
-            <a:schemeClr val="lt1"/>
+            <a:schemeClr val="tx1"/>
           </a:fontRef>
         </p:style>
-        <p:txBody>
-          <a:bodyPr rtlCol="0" anchor="ctr"/>
-          <a:lstStyle/>
-          <a:p>
-            <a:pPr algn="ctr"/>
-            <a:r>
-              <a:rPr kumimoji="1" lang="ja-JP" altLang="en-US" dirty="0" smtClean="0"/>
-              <a:t>タイマ</a:t>
-            </a:r>
-            <a:endParaRPr kumimoji="1" lang="ja-JP" altLang="en-US" dirty="0"/>
+      </p:cxnSp>
+      <p:pic>
+        <p:nvPicPr>
+          <p:cNvPr id="13" name="図 12"/>
+          <p:cNvPicPr>
+            <a:picLocks noChangeAspect="1"/>
+          </p:cNvPicPr>
+          <p:nvPr/>
+        </p:nvPicPr>
+        <p:blipFill>
+          <a:blip r:embed="rId5" cstate="print">
+            <a:extLst>
+              <a:ext uri="{28A0092B-C50C-407E-A947-70E740481C1C}">
+                <a14:useLocalDpi xmlns:a14="http://schemas.microsoft.com/office/drawing/2010/main" val="0"/>
+              </a:ext>
+            </a:extLst>
+          </a:blip>
+          <a:stretch>
+            <a:fillRect/>
+          </a:stretch>
+        </p:blipFill>
+        <p:spPr>
+          <a:xfrm flipH="1">
+            <a:off x="7238493" y="5844581"/>
+            <a:ext cx="1134899" cy="830968"/>
+          </a:xfrm>
+          <a:prstGeom prst="rect">
+            <a:avLst/>
+          </a:prstGeom>
+        </p:spPr>
+      </p:pic>
+      <p:cxnSp>
+        <p:nvCxnSpPr>
+          <p:cNvPr id="14" name="直線コネクタ 13"/>
+          <p:cNvCxnSpPr/>
+          <p:nvPr/>
+        </p:nvCxnSpPr>
+        <p:spPr>
+          <a:xfrm flipH="1">
+            <a:off x="4912919" y="5013238"/>
+            <a:ext cx="1734469" cy="981274"/>
+          </a:xfrm>
+          <a:prstGeom prst="line">
+            <a:avLst/>
+          </a:prstGeom>
+          <a:ln w="25400">
+            <a:solidFill>
+              <a:srgbClr val="FF0000"/>
+            </a:solidFill>
+          </a:ln>
+        </p:spPr>
+        <p:style>
+          <a:lnRef idx="1">
+            <a:schemeClr val="accent1"/>
+          </a:lnRef>
+          <a:fillRef idx="0">
+            <a:schemeClr val="accent1"/>
+          </a:fillRef>
+          <a:effectRef idx="0">
+            <a:schemeClr val="accent1"/>
+          </a:effectRef>
+          <a:fontRef idx="minor">
+            <a:schemeClr val="tx1"/>
+          </a:fontRef>
+        </p:style>
+      </p:cxnSp>
+      <p:pic>
+        <p:nvPicPr>
+          <p:cNvPr id="15" name="図 14"/>
+          <p:cNvPicPr>
+            <a:picLocks noChangeAspect="1"/>
+          </p:cNvPicPr>
+          <p:nvPr/>
+        </p:nvPicPr>
+        <p:blipFill>
+          <a:blip r:embed="rId3">
+            <a:extLst>
+              <a:ext uri="{28A0092B-C50C-407E-A947-70E740481C1C}">
+                <a14:useLocalDpi xmlns:a14="http://schemas.microsoft.com/office/drawing/2010/main" val="0"/>
+              </a:ext>
+            </a:extLst>
+          </a:blip>
+          <a:stretch>
+            <a:fillRect/>
+          </a:stretch>
+        </p:blipFill>
+        <p:spPr>
+          <a:xfrm>
+            <a:off x="3689240" y="4198144"/>
+            <a:ext cx="2505417" cy="2505417"/>
+          </a:xfrm>
+          <a:prstGeom prst="rect">
+            <a:avLst/>
+          </a:prstGeom>
+        </p:spPr>
+      </p:pic>
+      <p:cxnSp>
+        <p:nvCxnSpPr>
+          <p:cNvPr id="16" name="直線コネクタ 15"/>
+          <p:cNvCxnSpPr/>
+          <p:nvPr/>
+        </p:nvCxnSpPr>
+        <p:spPr>
+          <a:xfrm flipH="1">
+            <a:off x="4612124" y="6107486"/>
+            <a:ext cx="237293" cy="1337709"/>
+          </a:xfrm>
+          <a:prstGeom prst="line">
+            <a:avLst/>
+          </a:prstGeom>
+          <a:ln w="25400">
+            <a:solidFill>
+              <a:schemeClr val="accent1">
+                <a:lumMod val="40000"/>
+                <a:lumOff val="60000"/>
+              </a:schemeClr>
+            </a:solidFill>
+          </a:ln>
+        </p:spPr>
+        <p:style>
+          <a:lnRef idx="1">
+            <a:schemeClr val="accent1"/>
+          </a:lnRef>
+          <a:fillRef idx="0">
+            <a:schemeClr val="accent1"/>
+          </a:fillRef>
+          <a:effectRef idx="0">
+            <a:schemeClr val="accent1"/>
+          </a:effectRef>
+          <a:fontRef idx="minor">
+            <a:schemeClr val="tx1"/>
+          </a:fontRef>
+        </p:style>
+      </p:cxnSp>
+      <p:cxnSp>
+        <p:nvCxnSpPr>
+          <p:cNvPr id="17" name="直線コネクタ 16"/>
+          <p:cNvCxnSpPr/>
+          <p:nvPr/>
+        </p:nvCxnSpPr>
+        <p:spPr>
+          <a:xfrm flipH="1">
+            <a:off x="3266646" y="6104219"/>
+            <a:ext cx="1610603" cy="316621"/>
+          </a:xfrm>
+          <a:prstGeom prst="line">
+            <a:avLst/>
+          </a:prstGeom>
+          <a:ln w="25400">
+            <a:solidFill>
+              <a:schemeClr val="accent1">
+                <a:lumMod val="40000"/>
+                <a:lumOff val="60000"/>
+              </a:schemeClr>
+            </a:solidFill>
+          </a:ln>
+        </p:spPr>
+        <p:style>
+          <a:lnRef idx="1">
+            <a:schemeClr val="accent1"/>
+          </a:lnRef>
+          <a:fillRef idx="0">
+            <a:schemeClr val="accent1"/>
+          </a:fillRef>
+          <a:effectRef idx="0">
+            <a:schemeClr val="accent1"/>
+          </a:effectRef>
+          <a:fontRef idx="minor">
+            <a:schemeClr val="tx1"/>
+          </a:fontRef>
+        </p:style>
+      </p:cxnSp>
+      <p:sp>
+        <p:nvSpPr>
+          <p:cNvPr id="18" name="テキスト ボックス 30"/>
+          <p:cNvSpPr txBox="1"/>
+          <p:nvPr/>
+        </p:nvSpPr>
+        <p:spPr>
+          <a:xfrm>
+            <a:off x="0" y="47908"/>
+            <a:ext cx="9906000" cy="830997"/>
+          </a:xfrm>
+          <a:prstGeom prst="rect">
+            <a:avLst/>
+          </a:prstGeom>
+          <a:noFill/>
+        </p:spPr>
+        <p:txBody>
+          <a:bodyPr wrap="square" rtlCol="0">
+            <a:spAutoFit/>
+          </a:bodyPr>
+          <a:lstStyle>
+            <a:defPPr>
+              <a:defRPr lang="ja-JP"/>
+            </a:defPPr>
+            <a:lvl1pPr marL="0" algn="l" defTabSz="914400" rtl="0" eaLnBrk="1" latinLnBrk="0" hangingPunct="1">
+              <a:defRPr kumimoji="1" sz="1800" kern="1200">
+                <a:solidFill>
+                  <a:schemeClr val="tx1"/>
+                </a:solidFill>
+                <a:latin typeface="+mn-lt"/>
+                <a:ea typeface="+mn-ea"/>
+                <a:cs typeface="+mn-cs"/>
+              </a:defRPr>
+            </a:lvl1pPr>
+            <a:lvl2pPr marL="457200" algn="l" defTabSz="914400" rtl="0" eaLnBrk="1" latinLnBrk="0" hangingPunct="1">
+              <a:defRPr kumimoji="1" sz="1800" kern="1200">
+                <a:solidFill>
+                  <a:schemeClr val="tx1"/>
+                </a:solidFill>
+                <a:latin typeface="+mn-lt"/>
+                <a:ea typeface="+mn-ea"/>
+                <a:cs typeface="+mn-cs"/>
+              </a:defRPr>
+            </a:lvl2pPr>
+            <a:lvl3pPr marL="914400" algn="l" defTabSz="914400" rtl="0" eaLnBrk="1" latinLnBrk="0" hangingPunct="1">
+              <a:defRPr kumimoji="1" sz="1800" kern="1200">
+                <a:solidFill>
+                  <a:schemeClr val="tx1"/>
+                </a:solidFill>
+                <a:latin typeface="+mn-lt"/>
+                <a:ea typeface="+mn-ea"/>
+                <a:cs typeface="+mn-cs"/>
+              </a:defRPr>
+            </a:lvl3pPr>
+            <a:lvl4pPr marL="1371600" algn="l" defTabSz="914400" rtl="0" eaLnBrk="1" latinLnBrk="0" hangingPunct="1">
+              <a:defRPr kumimoji="1" sz="1800" kern="1200">
+                <a:solidFill>
+                  <a:schemeClr val="tx1"/>
+                </a:solidFill>
+                <a:latin typeface="+mn-lt"/>
+                <a:ea typeface="+mn-ea"/>
+                <a:cs typeface="+mn-cs"/>
+              </a:defRPr>
+            </a:lvl4pPr>
+            <a:lvl5pPr marL="1828800" algn="l" defTabSz="914400" rtl="0" eaLnBrk="1" latinLnBrk="0" hangingPunct="1">
+              <a:defRPr kumimoji="1" sz="1800" kern="1200">
+                <a:solidFill>
+                  <a:schemeClr val="tx1"/>
+                </a:solidFill>
+                <a:latin typeface="+mn-lt"/>
+                <a:ea typeface="+mn-ea"/>
+                <a:cs typeface="+mn-cs"/>
+              </a:defRPr>
+            </a:lvl5pPr>
+            <a:lvl6pPr marL="2286000" algn="l" defTabSz="914400" rtl="0" eaLnBrk="1" latinLnBrk="0" hangingPunct="1">
+              <a:defRPr kumimoji="1" sz="1800" kern="1200">
+                <a:solidFill>
+                  <a:schemeClr val="tx1"/>
+                </a:solidFill>
+                <a:latin typeface="+mn-lt"/>
+                <a:ea typeface="+mn-ea"/>
+                <a:cs typeface="+mn-cs"/>
+              </a:defRPr>
+            </a:lvl6pPr>
+            <a:lvl7pPr marL="2743200" algn="l" defTabSz="914400" rtl="0" eaLnBrk="1" latinLnBrk="0" hangingPunct="1">
+              <a:defRPr kumimoji="1" sz="1800" kern="1200">
+                <a:solidFill>
+                  <a:schemeClr val="tx1"/>
+                </a:solidFill>
+                <a:latin typeface="+mn-lt"/>
+                <a:ea typeface="+mn-ea"/>
+                <a:cs typeface="+mn-cs"/>
+              </a:defRPr>
+            </a:lvl7pPr>
+            <a:lvl8pPr marL="3200400" algn="l" defTabSz="914400" rtl="0" eaLnBrk="1" latinLnBrk="0" hangingPunct="1">
+              <a:defRPr kumimoji="1" sz="1800" kern="1200">
+                <a:solidFill>
+                  <a:schemeClr val="tx1"/>
+                </a:solidFill>
+                <a:latin typeface="+mn-lt"/>
+                <a:ea typeface="+mn-ea"/>
+                <a:cs typeface="+mn-cs"/>
+              </a:defRPr>
+            </a:lvl8pPr>
+            <a:lvl9pPr marL="3657600" algn="l" defTabSz="914400" rtl="0" eaLnBrk="1" latinLnBrk="0" hangingPunct="1">
+              <a:defRPr kumimoji="1" sz="1800" kern="1200">
+                <a:solidFill>
+                  <a:schemeClr val="tx1"/>
+                </a:solidFill>
+                <a:latin typeface="+mn-lt"/>
+                <a:ea typeface="+mn-ea"/>
+                <a:cs typeface="+mn-cs"/>
+              </a:defRPr>
+            </a:lvl9pPr>
+          </a:lstStyle>
+          <a:p>
+            <a:r>
+              <a:rPr lang="ja-JP" altLang="en-US" sz="4800" b="1" dirty="0">
+                <a:solidFill>
+                  <a:schemeClr val="bg1"/>
+                </a:solidFill>
+                <a:effectLst>
+                  <a:glow rad="139700">
+                    <a:schemeClr val="tx1">
+                      <a:alpha val="70000"/>
+                    </a:schemeClr>
+                  </a:glow>
+                </a:effectLst>
+                <a:latin typeface="+mn-ea"/>
+              </a:rPr>
+              <a:t>セールスポイント</a:t>
+            </a:r>
+            <a:endParaRPr kumimoji="1" lang="ja-JP" altLang="en-US" sz="4800" b="1" dirty="0">
+              <a:solidFill>
+                <a:schemeClr val="bg1"/>
+              </a:solidFill>
+              <a:effectLst>
+                <a:glow rad="139700">
+                  <a:schemeClr val="tx1">
+                    <a:alpha val="70000"/>
+                  </a:schemeClr>
+                </a:glow>
+              </a:effectLst>
+              <a:latin typeface="+mn-ea"/>
+            </a:endParaRPr>
           </a:p>
         </p:txBody>
       </p:sp>
     </p:spTree>
     <p:extLst>
       <p:ext uri="{BB962C8B-B14F-4D97-AF65-F5344CB8AC3E}">
-        <p14:creationId xmlns:p14="http://schemas.microsoft.com/office/powerpoint/2010/main" val="355548349"/>
+        <p14:creationId xmlns:p14="http://schemas.microsoft.com/office/powerpoint/2010/main" val="1057348968"/>
       </p:ext>
     </p:extLst>
   </p:cSld>
   <p:clrMapOvr>
     <a:masterClrMapping/>
   </p:clrMapOvr>
+  <p:timing>
+    <p:tnLst>
+      <p:par>
+        <p:cTn id="1" dur="indefinite" restart="never" nodeType="tmRoot"/>
+      </p:par>
+    </p:tnLst>
+  </p:timing>
 </p:sld>
 </file>
 
@@ -6750,7 +7231,7 @@
         </p:nvSpPr>
         <p:spPr>
           <a:xfrm>
-            <a:off x="435774" y="1607517"/>
+            <a:off x="432628" y="1465136"/>
             <a:ext cx="4057074" cy="2554545"/>
           </a:xfrm>
           <a:prstGeom prst="rect">
@@ -6908,8 +7389,8 @@
         </p:blipFill>
         <p:spPr>
           <a:xfrm>
-            <a:off x="4909089" y="1599245"/>
-            <a:ext cx="4528826" cy="2558936"/>
+            <a:off x="4489702" y="1190635"/>
+            <a:ext cx="5006869" cy="2829046"/>
           </a:xfrm>
           <a:prstGeom prst="rect">
             <a:avLst/>
@@ -6979,8 +7460,8 @@
         </p:nvSpPr>
         <p:spPr>
           <a:xfrm>
-            <a:off x="324210" y="4158181"/>
-            <a:ext cx="4584879" cy="2564591"/>
+            <a:off x="324210" y="4162062"/>
+            <a:ext cx="4715723" cy="2582815"/>
           </a:xfrm>
           <a:prstGeom prst="rect">
             <a:avLst/>
@@ -7019,7 +7500,7 @@
         </p:nvSpPr>
         <p:spPr>
           <a:xfrm>
-            <a:off x="4909089" y="3881182"/>
+            <a:off x="4489702" y="3773450"/>
             <a:ext cx="2084048" cy="276999"/>
           </a:xfrm>
           <a:prstGeom prst="rect">
@@ -7288,6 +7769,110 @@
           <a:chExt cx="0" cy="0"/>
         </a:xfrm>
       </p:grpSpPr>
+      <p:sp>
+        <p:nvSpPr>
+          <p:cNvPr id="4" name="テキスト ボックス 3"/>
+          <p:cNvSpPr txBox="1"/>
+          <p:nvPr/>
+        </p:nvSpPr>
+        <p:spPr>
+          <a:xfrm>
+            <a:off x="432628" y="1465136"/>
+            <a:ext cx="4057074" cy="1938992"/>
+          </a:xfrm>
+          <a:prstGeom prst="rect">
+            <a:avLst/>
+          </a:prstGeom>
+          <a:noFill/>
+        </p:spPr>
+        <p:txBody>
+          <a:bodyPr wrap="square" rtlCol="0">
+            <a:spAutoFit/>
+          </a:bodyPr>
+          <a:lstStyle/>
+          <a:p>
+            <a:r>
+              <a:rPr lang="ja-JP" altLang="en-US" sz="2000" b="1" dirty="0" smtClean="0">
+                <a:latin typeface="メイリオ" panose="020B0604030504040204" pitchFamily="50" charset="-128"/>
+                <a:ea typeface="メイリオ" panose="020B0604030504040204" pitchFamily="50" charset="-128"/>
+              </a:rPr>
+              <a:t>プレイヤーは木を狙うことでその木に向かってジャンプができる</a:t>
+            </a:r>
+            <a:endParaRPr lang="en-US" altLang="ja-JP" sz="2000" b="1" dirty="0" smtClean="0">
+              <a:latin typeface="メイリオ" panose="020B0604030504040204" pitchFamily="50" charset="-128"/>
+              <a:ea typeface="メイリオ" panose="020B0604030504040204" pitchFamily="50" charset="-128"/>
+            </a:endParaRPr>
+          </a:p>
+          <a:p>
+            <a:endParaRPr lang="en-US" altLang="ja-JP" sz="2000" b="1" dirty="0" smtClean="0">
+              <a:latin typeface="メイリオ" panose="020B0604030504040204" pitchFamily="50" charset="-128"/>
+              <a:ea typeface="メイリオ" panose="020B0604030504040204" pitchFamily="50" charset="-128"/>
+            </a:endParaRPr>
+          </a:p>
+          <a:p>
+            <a:r>
+              <a:rPr lang="ja-JP" altLang="en-US" sz="2000" b="1" dirty="0">
+                <a:latin typeface="メイリオ" panose="020B0604030504040204" pitchFamily="50" charset="-128"/>
+                <a:ea typeface="メイリオ" panose="020B0604030504040204" pitchFamily="50" charset="-128"/>
+              </a:rPr>
+              <a:t>糸に繋がれた木から陣取ってない木</a:t>
+            </a:r>
+            <a:r>
+              <a:rPr lang="ja-JP" altLang="en-US" sz="2000" b="1" dirty="0" smtClean="0">
+                <a:latin typeface="メイリオ" panose="020B0604030504040204" pitchFamily="50" charset="-128"/>
+                <a:ea typeface="メイリオ" panose="020B0604030504040204" pitchFamily="50" charset="-128"/>
+              </a:rPr>
+              <a:t>に跳んだ場合、糸</a:t>
+            </a:r>
+            <a:r>
+              <a:rPr lang="ja-JP" altLang="en-US" sz="2000" b="1" dirty="0">
+                <a:latin typeface="メイリオ" panose="020B0604030504040204" pitchFamily="50" charset="-128"/>
+                <a:ea typeface="メイリオ" panose="020B0604030504040204" pitchFamily="50" charset="-128"/>
+              </a:rPr>
+              <a:t>が</a:t>
+            </a:r>
+            <a:r>
+              <a:rPr lang="en-US" altLang="ja-JP" sz="2000" b="1" dirty="0">
+                <a:latin typeface="メイリオ" panose="020B0604030504040204" pitchFamily="50" charset="-128"/>
+                <a:ea typeface="メイリオ" panose="020B0604030504040204" pitchFamily="50" charset="-128"/>
+              </a:rPr>
+              <a:t>2</a:t>
+            </a:r>
+            <a:r>
+              <a:rPr lang="ja-JP" altLang="en-US" sz="2000" b="1" dirty="0">
+                <a:latin typeface="メイリオ" panose="020B0604030504040204" pitchFamily="50" charset="-128"/>
+                <a:ea typeface="メイリオ" panose="020B0604030504040204" pitchFamily="50" charset="-128"/>
+              </a:rPr>
+              <a:t>本の木</a:t>
+            </a:r>
+            <a:r>
+              <a:rPr lang="ja-JP" altLang="en-US" sz="2000" b="1" dirty="0" smtClean="0">
+                <a:latin typeface="メイリオ" panose="020B0604030504040204" pitchFamily="50" charset="-128"/>
+                <a:ea typeface="メイリオ" panose="020B0604030504040204" pitchFamily="50" charset="-128"/>
+              </a:rPr>
+              <a:t>に繋がっていれば</a:t>
+            </a:r>
+            <a:r>
+              <a:rPr lang="ja-JP" altLang="en-US" sz="2000" b="1" dirty="0">
+                <a:latin typeface="メイリオ" panose="020B0604030504040204" pitchFamily="50" charset="-128"/>
+                <a:ea typeface="メイリオ" panose="020B0604030504040204" pitchFamily="50" charset="-128"/>
+              </a:rPr>
+              <a:t>早く陣地を</a:t>
+            </a:r>
+            <a:r>
+              <a:rPr lang="ja-JP" altLang="en-US" sz="2000" b="1" dirty="0" smtClean="0">
+                <a:latin typeface="メイリオ" panose="020B0604030504040204" pitchFamily="50" charset="-128"/>
+                <a:ea typeface="メイリオ" panose="020B0604030504040204" pitchFamily="50" charset="-128"/>
+              </a:rPr>
+              <a:t>取れる</a:t>
+            </a:r>
+            <a:endParaRPr lang="en-US" altLang="ja-JP" sz="2000" b="1" dirty="0" smtClean="0">
+              <a:latin typeface="メイリオ" panose="020B0604030504040204" pitchFamily="50" charset="-128"/>
+              <a:ea typeface="メイリオ" panose="020B0604030504040204" pitchFamily="50" charset="-128"/>
+            </a:endParaRPr>
+          </a:p>
+        </p:txBody>
+      </p:sp>
       <p:pic>
         <p:nvPicPr>
           <p:cNvPr id="5" name="図 4"/>
@@ -7296,7 +7881,7 @@
           </p:cNvPicPr>
           <p:nvPr/>
         </p:nvPicPr>
-        <p:blipFill>
+        <p:blipFill rotWithShape="1">
           <a:blip r:embed="rId3" cstate="print">
             <a:extLst>
               <a:ext uri="{28A0092B-C50C-407E-A947-70E740481C1C}">
@@ -7304,60 +7889,29 @@
               </a:ext>
             </a:extLst>
           </a:blip>
-          <a:stretch>
-            <a:fillRect/>
-          </a:stretch>
+          <a:srcRect l="97" r="195"/>
+          <a:stretch/>
         </p:blipFill>
         <p:spPr>
           <a:xfrm>
-            <a:off x="357666" y="3693747"/>
-            <a:ext cx="4307768" cy="2426912"/>
+            <a:off x="4489702" y="1190635"/>
+            <a:ext cx="5006869" cy="2829046"/>
           </a:xfrm>
           <a:prstGeom prst="rect">
             <a:avLst/>
           </a:prstGeom>
         </p:spPr>
       </p:pic>
-      <p:pic>
-        <p:nvPicPr>
-          <p:cNvPr id="6" name="図 5"/>
-          <p:cNvPicPr>
-            <a:picLocks noChangeAspect="1"/>
-          </p:cNvPicPr>
-          <p:nvPr/>
-        </p:nvPicPr>
-        <p:blipFill>
-          <a:blip r:embed="rId3" cstate="print">
-            <a:extLst>
-              <a:ext uri="{28A0092B-C50C-407E-A947-70E740481C1C}">
-                <a14:useLocalDpi xmlns:a14="http://schemas.microsoft.com/office/drawing/2010/main" val="0"/>
-              </a:ext>
-            </a:extLst>
-          </a:blip>
-          <a:stretch>
-            <a:fillRect/>
-          </a:stretch>
-        </p:blipFill>
-        <p:spPr>
-          <a:xfrm>
-            <a:off x="5264516" y="3709468"/>
-            <a:ext cx="4307768" cy="2426912"/>
-          </a:xfrm>
-          <a:prstGeom prst="rect">
-            <a:avLst/>
-          </a:prstGeom>
-        </p:spPr>
-      </p:pic>
-      <p:sp>
-        <p:nvSpPr>
-          <p:cNvPr id="8" name="テキスト ボックス 7"/>
+      <p:sp>
+        <p:nvSpPr>
+          <p:cNvPr id="7" name="テキスト ボックス 6"/>
           <p:cNvSpPr txBox="1"/>
           <p:nvPr/>
         </p:nvSpPr>
         <p:spPr>
           <a:xfrm>
-            <a:off x="5264516" y="5846503"/>
-            <a:ext cx="2900690" cy="276999"/>
+            <a:off x="5039933" y="4608411"/>
+            <a:ext cx="4606344" cy="1631216"/>
           </a:xfrm>
           <a:prstGeom prst="rect">
             <a:avLst/>
@@ -7371,65 +7925,52 @@
           <a:lstStyle/>
           <a:p>
             <a:r>
-              <a:rPr kumimoji="1" lang="en-US" altLang="ja-JP" sz="1200" b="1" dirty="0" smtClean="0">
-                <a:solidFill>
-                  <a:srgbClr val="FF0000"/>
-                </a:solidFill>
+              <a:rPr lang="ja-JP" altLang="en-US" sz="2000" b="1" dirty="0" smtClean="0">
+                <a:latin typeface="メイリオ" panose="020B0604030504040204" pitchFamily="50" charset="-128"/>
+                <a:ea typeface="メイリオ" panose="020B0604030504040204" pitchFamily="50" charset="-128"/>
               </a:rPr>
-              <a:t>※</a:t>
-            </a:r>
-            <a:r>
-              <a:rPr lang="ja-JP" altLang="en-US" sz="1200" b="1" dirty="0">
-                <a:solidFill>
-                  <a:srgbClr val="FF0000"/>
-                </a:solidFill>
+              <a:t>敵の木に着地したら敵の陣地メーターが減っていく</a:t>
+            </a:r>
+            <a:endParaRPr lang="en-US" altLang="ja-JP" sz="2000" b="1" dirty="0" smtClean="0">
+              <a:latin typeface="メイリオ" panose="020B0604030504040204" pitchFamily="50" charset="-128"/>
+              <a:ea typeface="メイリオ" panose="020B0604030504040204" pitchFamily="50" charset="-128"/>
+            </a:endParaRPr>
+          </a:p>
+          <a:p>
+            <a:endParaRPr lang="en-US" altLang="ja-JP" sz="2000" b="1" dirty="0">
+              <a:latin typeface="メイリオ" panose="020B0604030504040204" pitchFamily="50" charset="-128"/>
+              <a:ea typeface="メイリオ" panose="020B0604030504040204" pitchFamily="50" charset="-128"/>
+            </a:endParaRPr>
+          </a:p>
+          <a:p>
+            <a:r>
+              <a:rPr lang="ja-JP" altLang="en-US" sz="2000" b="1" dirty="0" smtClean="0">
+                <a:latin typeface="メイリオ" panose="020B0604030504040204" pitchFamily="50" charset="-128"/>
+                <a:ea typeface="メイリオ" panose="020B0604030504040204" pitchFamily="50" charset="-128"/>
               </a:rPr>
-              <a:t>トラップ</a:t>
-            </a:r>
-            <a:r>
-              <a:rPr lang="ja-JP" altLang="en-US" sz="1200" b="1" dirty="0" smtClean="0">
-                <a:solidFill>
-                  <a:srgbClr val="FF0000"/>
-                </a:solidFill>
-              </a:rPr>
-              <a:t>に掛かった画像に修正</a:t>
-            </a:r>
-            <a:endParaRPr kumimoji="1" lang="ja-JP" altLang="en-US" sz="1200" b="1" dirty="0">
-              <a:solidFill>
-                <a:srgbClr val="FF0000"/>
-              </a:solidFill>
+              <a:t>陣地メーターを０にすることで敵から木を奪う</a:t>
+            </a:r>
+            <a:endParaRPr lang="en-US" altLang="ja-JP" sz="2000" b="1" dirty="0" smtClean="0">
+              <a:latin typeface="メイリオ" panose="020B0604030504040204" pitchFamily="50" charset="-128"/>
+              <a:ea typeface="メイリオ" panose="020B0604030504040204" pitchFamily="50" charset="-128"/>
             </a:endParaRPr>
           </a:p>
         </p:txBody>
       </p:sp>
       <p:sp>
         <p:nvSpPr>
-          <p:cNvPr id="9" name="右矢印 8"/>
+          <p:cNvPr id="6" name="正方形/長方形 5"/>
           <p:cNvSpPr/>
           <p:nvPr/>
         </p:nvSpPr>
         <p:spPr>
           <a:xfrm>
-            <a:off x="4565144" y="4642432"/>
-            <a:ext cx="934135" cy="810570"/>
-          </a:xfrm>
-          <a:prstGeom prst="rightArrow">
-            <a:avLst>
-              <a:gd name="adj1" fmla="val 50000"/>
-              <a:gd name="adj2" fmla="val 67388"/>
-            </a:avLst>
+            <a:off x="324210" y="4162062"/>
+            <a:ext cx="4715723" cy="2582815"/>
+          </a:xfrm>
+          <a:prstGeom prst="rect">
+            <a:avLst/>
           </a:prstGeom>
-          <a:solidFill>
-            <a:srgbClr val="FFFF00"/>
-          </a:solidFill>
-          <a:ln>
-            <a:solidFill>
-              <a:schemeClr val="tx1">
-                <a:lumMod val="75000"/>
-                <a:lumOff val="25000"/>
-              </a:schemeClr>
-            </a:solidFill>
-          </a:ln>
         </p:spPr>
         <p:style>
           <a:lnRef idx="2">
@@ -7458,14 +7999,14 @@
       </p:sp>
       <p:sp>
         <p:nvSpPr>
-          <p:cNvPr id="10" name="テキスト ボックス 9"/>
+          <p:cNvPr id="9" name="テキスト ボックス 8"/>
           <p:cNvSpPr txBox="1"/>
           <p:nvPr/>
         </p:nvSpPr>
         <p:spPr>
           <a:xfrm>
-            <a:off x="698613" y="1439739"/>
-            <a:ext cx="4346477" cy="1323439"/>
+            <a:off x="4489702" y="3773450"/>
+            <a:ext cx="2084048" cy="276999"/>
           </a:xfrm>
           <a:prstGeom prst="rect">
             <a:avLst/>
@@ -7479,134 +8020,6 @@
           <a:lstStyle/>
           <a:p>
             <a:r>
-              <a:rPr lang="ja-JP" altLang="en-US" sz="2000" b="1" dirty="0" smtClean="0">
-                <a:latin typeface="メイリオ" panose="020B0604030504040204" pitchFamily="50" charset="-128"/>
-                <a:ea typeface="メイリオ" panose="020B0604030504040204" pitchFamily="50" charset="-128"/>
-              </a:rPr>
-              <a:t>糸を連続で２本張ると巣を作れる</a:t>
-            </a:r>
-            <a:endParaRPr lang="en-US" altLang="ja-JP" sz="2000" b="1" dirty="0" smtClean="0">
-              <a:latin typeface="メイリオ" panose="020B0604030504040204" pitchFamily="50" charset="-128"/>
-              <a:ea typeface="メイリオ" panose="020B0604030504040204" pitchFamily="50" charset="-128"/>
-            </a:endParaRPr>
-          </a:p>
-          <a:p>
-            <a:endParaRPr lang="en-US" altLang="ja-JP" sz="2000" b="1" dirty="0">
-              <a:latin typeface="メイリオ" panose="020B0604030504040204" pitchFamily="50" charset="-128"/>
-              <a:ea typeface="メイリオ" panose="020B0604030504040204" pitchFamily="50" charset="-128"/>
-            </a:endParaRPr>
-          </a:p>
-          <a:p>
-            <a:r>
-              <a:rPr lang="ja-JP" altLang="en-US" sz="2000" b="1" dirty="0" smtClean="0">
-                <a:latin typeface="メイリオ" panose="020B0604030504040204" pitchFamily="50" charset="-128"/>
-                <a:ea typeface="メイリオ" panose="020B0604030504040204" pitchFamily="50" charset="-128"/>
-              </a:rPr>
-              <a:t>巣を作ることによって広い範囲を</a:t>
-            </a:r>
-            <a:endParaRPr lang="en-US" altLang="ja-JP" sz="2000" b="1" dirty="0" smtClean="0">
-              <a:latin typeface="メイリオ" panose="020B0604030504040204" pitchFamily="50" charset="-128"/>
-              <a:ea typeface="メイリオ" panose="020B0604030504040204" pitchFamily="50" charset="-128"/>
-            </a:endParaRPr>
-          </a:p>
-          <a:p>
-            <a:r>
-              <a:rPr lang="ja-JP" altLang="en-US" sz="2000" b="1" dirty="0">
-                <a:latin typeface="メイリオ" panose="020B0604030504040204" pitchFamily="50" charset="-128"/>
-                <a:ea typeface="メイリオ" panose="020B0604030504040204" pitchFamily="50" charset="-128"/>
-              </a:rPr>
-              <a:t>陣取</a:t>
-            </a:r>
-            <a:r>
-              <a:rPr lang="ja-JP" altLang="en-US" sz="2000" b="1" dirty="0" smtClean="0">
-                <a:latin typeface="メイリオ" panose="020B0604030504040204" pitchFamily="50" charset="-128"/>
-                <a:ea typeface="メイリオ" panose="020B0604030504040204" pitchFamily="50" charset="-128"/>
-              </a:rPr>
-              <a:t>ることができる</a:t>
-            </a:r>
-            <a:endParaRPr lang="en-US" altLang="ja-JP" sz="2000" b="1" dirty="0" smtClean="0">
-              <a:latin typeface="メイリオ" panose="020B0604030504040204" pitchFamily="50" charset="-128"/>
-              <a:ea typeface="メイリオ" panose="020B0604030504040204" pitchFamily="50" charset="-128"/>
-            </a:endParaRPr>
-          </a:p>
-        </p:txBody>
-      </p:sp>
-      <p:sp>
-        <p:nvSpPr>
-          <p:cNvPr id="12" name="角丸四角形 11"/>
-          <p:cNvSpPr/>
-          <p:nvPr/>
-        </p:nvSpPr>
-        <p:spPr>
-          <a:xfrm>
-            <a:off x="5070153" y="1038216"/>
-            <a:ext cx="3031767" cy="2076078"/>
-          </a:xfrm>
-          <a:prstGeom prst="roundRect">
-            <a:avLst>
-              <a:gd name="adj" fmla="val 0"/>
-            </a:avLst>
-          </a:prstGeom>
-          <a:solidFill>
-            <a:schemeClr val="accent1"/>
-          </a:solidFill>
-          <a:ln>
-            <a:solidFill>
-              <a:schemeClr val="tx1">
-                <a:lumMod val="95000"/>
-                <a:lumOff val="5000"/>
-              </a:schemeClr>
-            </a:solidFill>
-          </a:ln>
-        </p:spPr>
-        <p:style>
-          <a:lnRef idx="2">
-            <a:schemeClr val="accent1">
-              <a:shade val="50000"/>
-            </a:schemeClr>
-          </a:lnRef>
-          <a:fillRef idx="1">
-            <a:schemeClr val="accent1"/>
-          </a:fillRef>
-          <a:effectRef idx="0">
-            <a:schemeClr val="accent1"/>
-          </a:effectRef>
-          <a:fontRef idx="minor">
-            <a:schemeClr val="lt1"/>
-          </a:fontRef>
-        </p:style>
-        <p:txBody>
-          <a:bodyPr rtlCol="0" anchor="ctr"/>
-          <a:lstStyle/>
-          <a:p>
-            <a:pPr algn="ctr"/>
-            <a:endParaRPr kumimoji="1" lang="ja-JP" altLang="en-US"/>
-          </a:p>
-        </p:txBody>
-      </p:sp>
-      <p:sp>
-        <p:nvSpPr>
-          <p:cNvPr id="13" name="テキスト ボックス 12"/>
-          <p:cNvSpPr txBox="1"/>
-          <p:nvPr/>
-        </p:nvSpPr>
-        <p:spPr>
-          <a:xfrm>
-            <a:off x="5070153" y="2852394"/>
-            <a:ext cx="2084048" cy="276999"/>
-          </a:xfrm>
-          <a:prstGeom prst="rect">
-            <a:avLst/>
-          </a:prstGeom>
-          <a:noFill/>
-        </p:spPr>
-        <p:txBody>
-          <a:bodyPr wrap="square" rtlCol="0">
-            <a:spAutoFit/>
-          </a:bodyPr>
-          <a:lstStyle/>
-          <a:p>
-            <a:r>
               <a:rPr kumimoji="1" lang="en-US" altLang="ja-JP" sz="1200" b="1" dirty="0" smtClean="0">
                 <a:solidFill>
                   <a:srgbClr val="FF0000"/>
@@ -7620,7 +8033,7 @@
                   <a:srgbClr val="FF0000"/>
                 </a:solidFill>
               </a:rPr>
-              <a:t>蜘蛛の巣の画像</a:t>
+              <a:t>メーター付きで修正する</a:t>
             </a:r>
             <a:endParaRPr kumimoji="1" lang="ja-JP" altLang="en-US" sz="1200" b="1" dirty="0">
               <a:solidFill>
@@ -7632,14 +8045,60 @@
       </p:sp>
       <p:sp>
         <p:nvSpPr>
-          <p:cNvPr id="14" name="テキスト ボックス 30"/>
+          <p:cNvPr id="11" name="テキスト ボックス 10"/>
           <p:cNvSpPr txBox="1"/>
           <p:nvPr/>
         </p:nvSpPr>
         <p:spPr>
           <a:xfrm>
-            <a:off x="1" y="3185866"/>
-            <a:ext cx="9905999" cy="461665"/>
+            <a:off x="324210" y="6445773"/>
+            <a:ext cx="2084048" cy="276999"/>
+          </a:xfrm>
+          <a:prstGeom prst="rect">
+            <a:avLst/>
+          </a:prstGeom>
+          <a:noFill/>
+        </p:spPr>
+        <p:txBody>
+          <a:bodyPr wrap="square" rtlCol="0">
+            <a:spAutoFit/>
+          </a:bodyPr>
+          <a:lstStyle/>
+          <a:p>
+            <a:r>
+              <a:rPr kumimoji="1" lang="en-US" altLang="ja-JP" sz="1200" b="1" dirty="0" smtClean="0">
+                <a:solidFill>
+                  <a:srgbClr val="FF0000"/>
+                </a:solidFill>
+              </a:rPr>
+              <a:t>※</a:t>
+            </a:r>
+            <a:r>
+              <a:rPr kumimoji="1" lang="ja-JP" altLang="en-US" sz="1200" b="1" dirty="0" smtClean="0">
+                <a:solidFill>
+                  <a:srgbClr val="FF0000"/>
+                </a:solidFill>
+              </a:rPr>
+              <a:t>奪う画像追加</a:t>
+            </a:r>
+            <a:endParaRPr kumimoji="1" lang="ja-JP" altLang="en-US" sz="1200" b="1" dirty="0">
+              <a:solidFill>
+                <a:srgbClr val="FF0000"/>
+              </a:solidFill>
+            </a:endParaRPr>
+          </a:p>
+        </p:txBody>
+      </p:sp>
+      <p:sp>
+        <p:nvSpPr>
+          <p:cNvPr id="13" name="テキスト ボックス 30"/>
+          <p:cNvSpPr txBox="1"/>
+          <p:nvPr/>
+        </p:nvSpPr>
+        <p:spPr>
+          <a:xfrm>
+            <a:off x="0" y="47908"/>
+            <a:ext cx="9906000" cy="830997"/>
           </a:xfrm>
           <a:prstGeom prst="rect">
             <a:avLst/>
@@ -7746,9 +8205,8 @@
             </a:lvl9pPr>
           </a:lstStyle>
           <a:p>
-            <a:pPr algn="ctr"/>
-            <a:r>
-              <a:rPr lang="ja-JP" altLang="en-US" sz="2400" b="1" dirty="0">
+            <a:r>
+              <a:rPr kumimoji="1" lang="ja-JP" altLang="en-US" sz="4800" b="1" dirty="0" smtClean="0">
                 <a:solidFill>
                   <a:schemeClr val="bg1"/>
                 </a:solidFill>
@@ -7761,203 +8219,7 @@
                 </a:effectLst>
                 <a:latin typeface="+mn-ea"/>
               </a:rPr>
-              <a:t>糸</a:t>
-            </a:r>
-            <a:r>
-              <a:rPr lang="ja-JP" altLang="en-US" sz="2400" b="1" dirty="0" smtClean="0">
-                <a:solidFill>
-                  <a:schemeClr val="bg1"/>
-                </a:solidFill>
-                <a:effectLst>
-                  <a:glow rad="139700">
-                    <a:schemeClr val="tx1">
-                      <a:alpha val="70000"/>
-                    </a:schemeClr>
-                  </a:glow>
-                </a:effectLst>
-                <a:latin typeface="+mn-ea"/>
-              </a:rPr>
-              <a:t>は</a:t>
-            </a:r>
-            <a:r>
-              <a:rPr lang="ja-JP" altLang="en-US" sz="2400" b="1" dirty="0">
-                <a:solidFill>
-                  <a:schemeClr val="bg1"/>
-                </a:solidFill>
-                <a:effectLst>
-                  <a:glow rad="139700">
-                    <a:schemeClr val="tx1">
-                      <a:alpha val="70000"/>
-                    </a:schemeClr>
-                  </a:glow>
-                </a:effectLst>
-                <a:latin typeface="+mn-ea"/>
-              </a:rPr>
-              <a:t>罠</a:t>
-            </a:r>
-            <a:r>
-              <a:rPr lang="ja-JP" altLang="en-US" sz="2400" b="1" dirty="0" smtClean="0">
-                <a:solidFill>
-                  <a:schemeClr val="bg1"/>
-                </a:solidFill>
-                <a:effectLst>
-                  <a:glow rad="139700">
-                    <a:schemeClr val="tx1">
-                      <a:alpha val="70000"/>
-                    </a:schemeClr>
-                  </a:glow>
-                </a:effectLst>
-                <a:latin typeface="+mn-ea"/>
-              </a:rPr>
-              <a:t>にすることができ、敵にくっつくと数秒間動けなくできる</a:t>
-            </a:r>
-            <a:endParaRPr lang="en-US" altLang="ja-JP" sz="2400" b="1" dirty="0" smtClean="0">
-              <a:solidFill>
-                <a:schemeClr val="bg1"/>
-              </a:solidFill>
-              <a:effectLst>
-                <a:glow rad="139700">
-                  <a:schemeClr val="tx1">
-                    <a:alpha val="70000"/>
-                  </a:schemeClr>
-                </a:glow>
-              </a:effectLst>
-              <a:latin typeface="+mn-ea"/>
-            </a:endParaRPr>
-          </a:p>
-        </p:txBody>
-      </p:sp>
-      <p:sp>
-        <p:nvSpPr>
-          <p:cNvPr id="16" name="テキスト ボックス 30"/>
-          <p:cNvSpPr txBox="1"/>
-          <p:nvPr/>
-        </p:nvSpPr>
-        <p:spPr>
-          <a:xfrm>
-            <a:off x="0" y="47908"/>
-            <a:ext cx="9906000" cy="830997"/>
-          </a:xfrm>
-          <a:prstGeom prst="rect">
-            <a:avLst/>
-          </a:prstGeom>
-          <a:noFill/>
-        </p:spPr>
-        <p:txBody>
-          <a:bodyPr wrap="square" rtlCol="0">
-            <a:spAutoFit/>
-          </a:bodyPr>
-          <a:lstStyle>
-            <a:defPPr>
-              <a:defRPr lang="ja-JP"/>
-            </a:defPPr>
-            <a:lvl1pPr marL="0" algn="l" defTabSz="914400" rtl="0" eaLnBrk="1" latinLnBrk="0" hangingPunct="1">
-              <a:defRPr kumimoji="1" sz="1800" kern="1200">
-                <a:solidFill>
-                  <a:schemeClr val="tx1"/>
-                </a:solidFill>
-                <a:latin typeface="+mn-lt"/>
-                <a:ea typeface="+mn-ea"/>
-                <a:cs typeface="+mn-cs"/>
-              </a:defRPr>
-            </a:lvl1pPr>
-            <a:lvl2pPr marL="457200" algn="l" defTabSz="914400" rtl="0" eaLnBrk="1" latinLnBrk="0" hangingPunct="1">
-              <a:defRPr kumimoji="1" sz="1800" kern="1200">
-                <a:solidFill>
-                  <a:schemeClr val="tx1"/>
-                </a:solidFill>
-                <a:latin typeface="+mn-lt"/>
-                <a:ea typeface="+mn-ea"/>
-                <a:cs typeface="+mn-cs"/>
-              </a:defRPr>
-            </a:lvl2pPr>
-            <a:lvl3pPr marL="914400" algn="l" defTabSz="914400" rtl="0" eaLnBrk="1" latinLnBrk="0" hangingPunct="1">
-              <a:defRPr kumimoji="1" sz="1800" kern="1200">
-                <a:solidFill>
-                  <a:schemeClr val="tx1"/>
-                </a:solidFill>
-                <a:latin typeface="+mn-lt"/>
-                <a:ea typeface="+mn-ea"/>
-                <a:cs typeface="+mn-cs"/>
-              </a:defRPr>
-            </a:lvl3pPr>
-            <a:lvl4pPr marL="1371600" algn="l" defTabSz="914400" rtl="0" eaLnBrk="1" latinLnBrk="0" hangingPunct="1">
-              <a:defRPr kumimoji="1" sz="1800" kern="1200">
-                <a:solidFill>
-                  <a:schemeClr val="tx1"/>
-                </a:solidFill>
-                <a:latin typeface="+mn-lt"/>
-                <a:ea typeface="+mn-ea"/>
-                <a:cs typeface="+mn-cs"/>
-              </a:defRPr>
-            </a:lvl4pPr>
-            <a:lvl5pPr marL="1828800" algn="l" defTabSz="914400" rtl="0" eaLnBrk="1" latinLnBrk="0" hangingPunct="1">
-              <a:defRPr kumimoji="1" sz="1800" kern="1200">
-                <a:solidFill>
-                  <a:schemeClr val="tx1"/>
-                </a:solidFill>
-                <a:latin typeface="+mn-lt"/>
-                <a:ea typeface="+mn-ea"/>
-                <a:cs typeface="+mn-cs"/>
-              </a:defRPr>
-            </a:lvl5pPr>
-            <a:lvl6pPr marL="2286000" algn="l" defTabSz="914400" rtl="0" eaLnBrk="1" latinLnBrk="0" hangingPunct="1">
-              <a:defRPr kumimoji="1" sz="1800" kern="1200">
-                <a:solidFill>
-                  <a:schemeClr val="tx1"/>
-                </a:solidFill>
-                <a:latin typeface="+mn-lt"/>
-                <a:ea typeface="+mn-ea"/>
-                <a:cs typeface="+mn-cs"/>
-              </a:defRPr>
-            </a:lvl6pPr>
-            <a:lvl7pPr marL="2743200" algn="l" defTabSz="914400" rtl="0" eaLnBrk="1" latinLnBrk="0" hangingPunct="1">
-              <a:defRPr kumimoji="1" sz="1800" kern="1200">
-                <a:solidFill>
-                  <a:schemeClr val="tx1"/>
-                </a:solidFill>
-                <a:latin typeface="+mn-lt"/>
-                <a:ea typeface="+mn-ea"/>
-                <a:cs typeface="+mn-cs"/>
-              </a:defRPr>
-            </a:lvl7pPr>
-            <a:lvl8pPr marL="3200400" algn="l" defTabSz="914400" rtl="0" eaLnBrk="1" latinLnBrk="0" hangingPunct="1">
-              <a:defRPr kumimoji="1" sz="1800" kern="1200">
-                <a:solidFill>
-                  <a:schemeClr val="tx1"/>
-                </a:solidFill>
-                <a:latin typeface="+mn-lt"/>
-                <a:ea typeface="+mn-ea"/>
-                <a:cs typeface="+mn-cs"/>
-              </a:defRPr>
-            </a:lvl8pPr>
-            <a:lvl9pPr marL="3657600" algn="l" defTabSz="914400" rtl="0" eaLnBrk="1" latinLnBrk="0" hangingPunct="1">
-              <a:defRPr kumimoji="1" sz="1800" kern="1200">
-                <a:solidFill>
-                  <a:schemeClr val="tx1"/>
-                </a:solidFill>
-                <a:latin typeface="+mn-lt"/>
-                <a:ea typeface="+mn-ea"/>
-                <a:cs typeface="+mn-cs"/>
-              </a:defRPr>
-            </a:lvl9pPr>
-          </a:lstStyle>
-          <a:p>
-            <a:r>
-              <a:rPr lang="ja-JP" altLang="en-US" sz="4800" b="1" dirty="0" smtClean="0">
-                <a:solidFill>
-                  <a:schemeClr val="bg1"/>
-                </a:solidFill>
-                <a:effectLst>
-                  <a:glow rad="139700">
-                    <a:schemeClr val="tx1">
-                      <a:alpha val="70000"/>
-                    </a:schemeClr>
-                  </a:glow>
-                </a:effectLst>
-                <a:latin typeface="+mn-ea"/>
-              </a:rPr>
-              <a:t>糸の活用</a:t>
+              <a:t>ジャンプと糸の関係</a:t>
             </a:r>
             <a:endParaRPr kumimoji="1" lang="ja-JP" altLang="en-US" sz="4800" b="1" dirty="0">
               <a:solidFill>
@@ -7978,7 +8240,7 @@
     </p:spTree>
     <p:extLst>
       <p:ext uri="{BB962C8B-B14F-4D97-AF65-F5344CB8AC3E}">
-        <p14:creationId xmlns:p14="http://schemas.microsoft.com/office/powerpoint/2010/main" val="1244037295"/>
+        <p14:creationId xmlns:p14="http://schemas.microsoft.com/office/powerpoint/2010/main" val="3199775814"/>
       </p:ext>
     </p:extLst>
   </p:cSld>
@@ -8012,6 +8274,730 @@
           <a:chExt cx="0" cy="0"/>
         </a:xfrm>
       </p:grpSpPr>
+      <p:pic>
+        <p:nvPicPr>
+          <p:cNvPr id="5" name="図 4"/>
+          <p:cNvPicPr>
+            <a:picLocks noChangeAspect="1"/>
+          </p:cNvPicPr>
+          <p:nvPr/>
+        </p:nvPicPr>
+        <p:blipFill>
+          <a:blip r:embed="rId3" cstate="print">
+            <a:extLst>
+              <a:ext uri="{28A0092B-C50C-407E-A947-70E740481C1C}">
+                <a14:useLocalDpi xmlns:a14="http://schemas.microsoft.com/office/drawing/2010/main" val="0"/>
+              </a:ext>
+            </a:extLst>
+          </a:blip>
+          <a:stretch>
+            <a:fillRect/>
+          </a:stretch>
+        </p:blipFill>
+        <p:spPr>
+          <a:xfrm>
+            <a:off x="357666" y="3693747"/>
+            <a:ext cx="4307768" cy="2426912"/>
+          </a:xfrm>
+          <a:prstGeom prst="rect">
+            <a:avLst/>
+          </a:prstGeom>
+        </p:spPr>
+      </p:pic>
+      <p:pic>
+        <p:nvPicPr>
+          <p:cNvPr id="6" name="図 5"/>
+          <p:cNvPicPr>
+            <a:picLocks noChangeAspect="1"/>
+          </p:cNvPicPr>
+          <p:nvPr/>
+        </p:nvPicPr>
+        <p:blipFill>
+          <a:blip r:embed="rId3" cstate="print">
+            <a:extLst>
+              <a:ext uri="{28A0092B-C50C-407E-A947-70E740481C1C}">
+                <a14:useLocalDpi xmlns:a14="http://schemas.microsoft.com/office/drawing/2010/main" val="0"/>
+              </a:ext>
+            </a:extLst>
+          </a:blip>
+          <a:stretch>
+            <a:fillRect/>
+          </a:stretch>
+        </p:blipFill>
+        <p:spPr>
+          <a:xfrm>
+            <a:off x="5264516" y="3709468"/>
+            <a:ext cx="4307768" cy="2426912"/>
+          </a:xfrm>
+          <a:prstGeom prst="rect">
+            <a:avLst/>
+          </a:prstGeom>
+        </p:spPr>
+      </p:pic>
+      <p:sp>
+        <p:nvSpPr>
+          <p:cNvPr id="8" name="テキスト ボックス 7"/>
+          <p:cNvSpPr txBox="1"/>
+          <p:nvPr/>
+        </p:nvSpPr>
+        <p:spPr>
+          <a:xfrm>
+            <a:off x="5264516" y="5846503"/>
+            <a:ext cx="2900690" cy="276999"/>
+          </a:xfrm>
+          <a:prstGeom prst="rect">
+            <a:avLst/>
+          </a:prstGeom>
+          <a:noFill/>
+        </p:spPr>
+        <p:txBody>
+          <a:bodyPr wrap="square" rtlCol="0">
+            <a:spAutoFit/>
+          </a:bodyPr>
+          <a:lstStyle/>
+          <a:p>
+            <a:r>
+              <a:rPr kumimoji="1" lang="en-US" altLang="ja-JP" sz="1200" b="1" dirty="0" smtClean="0">
+                <a:solidFill>
+                  <a:srgbClr val="FF0000"/>
+                </a:solidFill>
+              </a:rPr>
+              <a:t>※</a:t>
+            </a:r>
+            <a:r>
+              <a:rPr lang="ja-JP" altLang="en-US" sz="1200" b="1" dirty="0">
+                <a:solidFill>
+                  <a:srgbClr val="FF0000"/>
+                </a:solidFill>
+              </a:rPr>
+              <a:t>トラップ</a:t>
+            </a:r>
+            <a:r>
+              <a:rPr lang="ja-JP" altLang="en-US" sz="1200" b="1" dirty="0" smtClean="0">
+                <a:solidFill>
+                  <a:srgbClr val="FF0000"/>
+                </a:solidFill>
+              </a:rPr>
+              <a:t>に掛かった画像に修正</a:t>
+            </a:r>
+            <a:endParaRPr kumimoji="1" lang="ja-JP" altLang="en-US" sz="1200" b="1" dirty="0">
+              <a:solidFill>
+                <a:srgbClr val="FF0000"/>
+              </a:solidFill>
+            </a:endParaRPr>
+          </a:p>
+        </p:txBody>
+      </p:sp>
+      <p:sp>
+        <p:nvSpPr>
+          <p:cNvPr id="9" name="右矢印 8"/>
+          <p:cNvSpPr/>
+          <p:nvPr/>
+        </p:nvSpPr>
+        <p:spPr>
+          <a:xfrm>
+            <a:off x="4565144" y="4642432"/>
+            <a:ext cx="934135" cy="810570"/>
+          </a:xfrm>
+          <a:prstGeom prst="rightArrow">
+            <a:avLst>
+              <a:gd name="adj1" fmla="val 50000"/>
+              <a:gd name="adj2" fmla="val 67388"/>
+            </a:avLst>
+          </a:prstGeom>
+          <a:solidFill>
+            <a:srgbClr val="FFFF00"/>
+          </a:solidFill>
+          <a:ln>
+            <a:solidFill>
+              <a:schemeClr val="tx1">
+                <a:lumMod val="75000"/>
+                <a:lumOff val="25000"/>
+              </a:schemeClr>
+            </a:solidFill>
+          </a:ln>
+        </p:spPr>
+        <p:style>
+          <a:lnRef idx="2">
+            <a:schemeClr val="accent1">
+              <a:shade val="50000"/>
+            </a:schemeClr>
+          </a:lnRef>
+          <a:fillRef idx="1">
+            <a:schemeClr val="accent1"/>
+          </a:fillRef>
+          <a:effectRef idx="0">
+            <a:schemeClr val="accent1"/>
+          </a:effectRef>
+          <a:fontRef idx="minor">
+            <a:schemeClr val="lt1"/>
+          </a:fontRef>
+        </p:style>
+        <p:txBody>
+          <a:bodyPr rtlCol="0" anchor="ctr"/>
+          <a:lstStyle/>
+          <a:p>
+            <a:pPr algn="ctr"/>
+            <a:endParaRPr kumimoji="1" lang="ja-JP" altLang="en-US"/>
+          </a:p>
+        </p:txBody>
+      </p:sp>
+      <p:sp>
+        <p:nvSpPr>
+          <p:cNvPr id="10" name="テキスト ボックス 9"/>
+          <p:cNvSpPr txBox="1"/>
+          <p:nvPr/>
+        </p:nvSpPr>
+        <p:spPr>
+          <a:xfrm>
+            <a:off x="698613" y="1439739"/>
+            <a:ext cx="4346477" cy="1323439"/>
+          </a:xfrm>
+          <a:prstGeom prst="rect">
+            <a:avLst/>
+          </a:prstGeom>
+          <a:noFill/>
+        </p:spPr>
+        <p:txBody>
+          <a:bodyPr wrap="square" rtlCol="0">
+            <a:spAutoFit/>
+          </a:bodyPr>
+          <a:lstStyle/>
+          <a:p>
+            <a:r>
+              <a:rPr lang="ja-JP" altLang="en-US" sz="2000" b="1" dirty="0" smtClean="0">
+                <a:latin typeface="メイリオ" panose="020B0604030504040204" pitchFamily="50" charset="-128"/>
+                <a:ea typeface="メイリオ" panose="020B0604030504040204" pitchFamily="50" charset="-128"/>
+              </a:rPr>
+              <a:t>糸を連続で２本張ると巣を作れる</a:t>
+            </a:r>
+            <a:endParaRPr lang="en-US" altLang="ja-JP" sz="2000" b="1" dirty="0" smtClean="0">
+              <a:latin typeface="メイリオ" panose="020B0604030504040204" pitchFamily="50" charset="-128"/>
+              <a:ea typeface="メイリオ" panose="020B0604030504040204" pitchFamily="50" charset="-128"/>
+            </a:endParaRPr>
+          </a:p>
+          <a:p>
+            <a:endParaRPr lang="en-US" altLang="ja-JP" sz="2000" b="1" dirty="0">
+              <a:latin typeface="メイリオ" panose="020B0604030504040204" pitchFamily="50" charset="-128"/>
+              <a:ea typeface="メイリオ" panose="020B0604030504040204" pitchFamily="50" charset="-128"/>
+            </a:endParaRPr>
+          </a:p>
+          <a:p>
+            <a:r>
+              <a:rPr lang="ja-JP" altLang="en-US" sz="2000" b="1" dirty="0" smtClean="0">
+                <a:latin typeface="メイリオ" panose="020B0604030504040204" pitchFamily="50" charset="-128"/>
+                <a:ea typeface="メイリオ" panose="020B0604030504040204" pitchFamily="50" charset="-128"/>
+              </a:rPr>
+              <a:t>巣を作ることによって広い範囲を</a:t>
+            </a:r>
+            <a:endParaRPr lang="en-US" altLang="ja-JP" sz="2000" b="1" dirty="0" smtClean="0">
+              <a:latin typeface="メイリオ" panose="020B0604030504040204" pitchFamily="50" charset="-128"/>
+              <a:ea typeface="メイリオ" panose="020B0604030504040204" pitchFamily="50" charset="-128"/>
+            </a:endParaRPr>
+          </a:p>
+          <a:p>
+            <a:r>
+              <a:rPr lang="ja-JP" altLang="en-US" sz="2000" b="1" dirty="0">
+                <a:latin typeface="メイリオ" panose="020B0604030504040204" pitchFamily="50" charset="-128"/>
+                <a:ea typeface="メイリオ" panose="020B0604030504040204" pitchFamily="50" charset="-128"/>
+              </a:rPr>
+              <a:t>陣取</a:t>
+            </a:r>
+            <a:r>
+              <a:rPr lang="ja-JP" altLang="en-US" sz="2000" b="1" dirty="0" smtClean="0">
+                <a:latin typeface="メイリオ" panose="020B0604030504040204" pitchFamily="50" charset="-128"/>
+                <a:ea typeface="メイリオ" panose="020B0604030504040204" pitchFamily="50" charset="-128"/>
+              </a:rPr>
+              <a:t>ることができる</a:t>
+            </a:r>
+            <a:endParaRPr lang="en-US" altLang="ja-JP" sz="2000" b="1" dirty="0" smtClean="0">
+              <a:latin typeface="メイリオ" panose="020B0604030504040204" pitchFamily="50" charset="-128"/>
+              <a:ea typeface="メイリオ" panose="020B0604030504040204" pitchFamily="50" charset="-128"/>
+            </a:endParaRPr>
+          </a:p>
+        </p:txBody>
+      </p:sp>
+      <p:sp>
+        <p:nvSpPr>
+          <p:cNvPr id="12" name="角丸四角形 11"/>
+          <p:cNvSpPr/>
+          <p:nvPr/>
+        </p:nvSpPr>
+        <p:spPr>
+          <a:xfrm>
+            <a:off x="5070153" y="1038216"/>
+            <a:ext cx="3031767" cy="2076078"/>
+          </a:xfrm>
+          <a:prstGeom prst="roundRect">
+            <a:avLst>
+              <a:gd name="adj" fmla="val 0"/>
+            </a:avLst>
+          </a:prstGeom>
+          <a:solidFill>
+            <a:schemeClr val="accent1"/>
+          </a:solidFill>
+          <a:ln>
+            <a:solidFill>
+              <a:schemeClr val="tx1">
+                <a:lumMod val="95000"/>
+                <a:lumOff val="5000"/>
+              </a:schemeClr>
+            </a:solidFill>
+          </a:ln>
+        </p:spPr>
+        <p:style>
+          <a:lnRef idx="2">
+            <a:schemeClr val="accent1">
+              <a:shade val="50000"/>
+            </a:schemeClr>
+          </a:lnRef>
+          <a:fillRef idx="1">
+            <a:schemeClr val="accent1"/>
+          </a:fillRef>
+          <a:effectRef idx="0">
+            <a:schemeClr val="accent1"/>
+          </a:effectRef>
+          <a:fontRef idx="minor">
+            <a:schemeClr val="lt1"/>
+          </a:fontRef>
+        </p:style>
+        <p:txBody>
+          <a:bodyPr rtlCol="0" anchor="ctr"/>
+          <a:lstStyle/>
+          <a:p>
+            <a:pPr algn="ctr"/>
+            <a:endParaRPr kumimoji="1" lang="ja-JP" altLang="en-US"/>
+          </a:p>
+        </p:txBody>
+      </p:sp>
+      <p:sp>
+        <p:nvSpPr>
+          <p:cNvPr id="13" name="テキスト ボックス 12"/>
+          <p:cNvSpPr txBox="1"/>
+          <p:nvPr/>
+        </p:nvSpPr>
+        <p:spPr>
+          <a:xfrm>
+            <a:off x="5070153" y="2852394"/>
+            <a:ext cx="2084048" cy="276999"/>
+          </a:xfrm>
+          <a:prstGeom prst="rect">
+            <a:avLst/>
+          </a:prstGeom>
+          <a:noFill/>
+        </p:spPr>
+        <p:txBody>
+          <a:bodyPr wrap="square" rtlCol="0">
+            <a:spAutoFit/>
+          </a:bodyPr>
+          <a:lstStyle/>
+          <a:p>
+            <a:r>
+              <a:rPr kumimoji="1" lang="en-US" altLang="ja-JP" sz="1200" b="1" dirty="0" smtClean="0">
+                <a:solidFill>
+                  <a:srgbClr val="FF0000"/>
+                </a:solidFill>
+              </a:rPr>
+              <a:t>※</a:t>
+            </a:r>
+            <a:r>
+              <a:rPr kumimoji="1" lang="ja-JP" altLang="en-US" sz="1200" b="1" dirty="0" smtClean="0">
+                <a:solidFill>
+                  <a:srgbClr val="FF0000"/>
+                </a:solidFill>
+              </a:rPr>
+              <a:t>蜘蛛の巣の画像</a:t>
+            </a:r>
+            <a:endParaRPr kumimoji="1" lang="ja-JP" altLang="en-US" sz="1200" b="1" dirty="0">
+              <a:solidFill>
+                <a:srgbClr val="FF0000"/>
+              </a:solidFill>
+            </a:endParaRPr>
+          </a:p>
+        </p:txBody>
+      </p:sp>
+      <p:sp>
+        <p:nvSpPr>
+          <p:cNvPr id="14" name="テキスト ボックス 30"/>
+          <p:cNvSpPr txBox="1"/>
+          <p:nvPr/>
+        </p:nvSpPr>
+        <p:spPr>
+          <a:xfrm>
+            <a:off x="1" y="3185866"/>
+            <a:ext cx="9905999" cy="461665"/>
+          </a:xfrm>
+          <a:prstGeom prst="rect">
+            <a:avLst/>
+          </a:prstGeom>
+          <a:noFill/>
+        </p:spPr>
+        <p:txBody>
+          <a:bodyPr wrap="square" rtlCol="0">
+            <a:spAutoFit/>
+          </a:bodyPr>
+          <a:lstStyle>
+            <a:defPPr>
+              <a:defRPr lang="ja-JP"/>
+            </a:defPPr>
+            <a:lvl1pPr marL="0" algn="l" defTabSz="914400" rtl="0" eaLnBrk="1" latinLnBrk="0" hangingPunct="1">
+              <a:defRPr kumimoji="1" sz="1800" kern="1200">
+                <a:solidFill>
+                  <a:schemeClr val="tx1"/>
+                </a:solidFill>
+                <a:latin typeface="+mn-lt"/>
+                <a:ea typeface="+mn-ea"/>
+                <a:cs typeface="+mn-cs"/>
+              </a:defRPr>
+            </a:lvl1pPr>
+            <a:lvl2pPr marL="457200" algn="l" defTabSz="914400" rtl="0" eaLnBrk="1" latinLnBrk="0" hangingPunct="1">
+              <a:defRPr kumimoji="1" sz="1800" kern="1200">
+                <a:solidFill>
+                  <a:schemeClr val="tx1"/>
+                </a:solidFill>
+                <a:latin typeface="+mn-lt"/>
+                <a:ea typeface="+mn-ea"/>
+                <a:cs typeface="+mn-cs"/>
+              </a:defRPr>
+            </a:lvl2pPr>
+            <a:lvl3pPr marL="914400" algn="l" defTabSz="914400" rtl="0" eaLnBrk="1" latinLnBrk="0" hangingPunct="1">
+              <a:defRPr kumimoji="1" sz="1800" kern="1200">
+                <a:solidFill>
+                  <a:schemeClr val="tx1"/>
+                </a:solidFill>
+                <a:latin typeface="+mn-lt"/>
+                <a:ea typeface="+mn-ea"/>
+                <a:cs typeface="+mn-cs"/>
+              </a:defRPr>
+            </a:lvl3pPr>
+            <a:lvl4pPr marL="1371600" algn="l" defTabSz="914400" rtl="0" eaLnBrk="1" latinLnBrk="0" hangingPunct="1">
+              <a:defRPr kumimoji="1" sz="1800" kern="1200">
+                <a:solidFill>
+                  <a:schemeClr val="tx1"/>
+                </a:solidFill>
+                <a:latin typeface="+mn-lt"/>
+                <a:ea typeface="+mn-ea"/>
+                <a:cs typeface="+mn-cs"/>
+              </a:defRPr>
+            </a:lvl4pPr>
+            <a:lvl5pPr marL="1828800" algn="l" defTabSz="914400" rtl="0" eaLnBrk="1" latinLnBrk="0" hangingPunct="1">
+              <a:defRPr kumimoji="1" sz="1800" kern="1200">
+                <a:solidFill>
+                  <a:schemeClr val="tx1"/>
+                </a:solidFill>
+                <a:latin typeface="+mn-lt"/>
+                <a:ea typeface="+mn-ea"/>
+                <a:cs typeface="+mn-cs"/>
+              </a:defRPr>
+            </a:lvl5pPr>
+            <a:lvl6pPr marL="2286000" algn="l" defTabSz="914400" rtl="0" eaLnBrk="1" latinLnBrk="0" hangingPunct="1">
+              <a:defRPr kumimoji="1" sz="1800" kern="1200">
+                <a:solidFill>
+                  <a:schemeClr val="tx1"/>
+                </a:solidFill>
+                <a:latin typeface="+mn-lt"/>
+                <a:ea typeface="+mn-ea"/>
+                <a:cs typeface="+mn-cs"/>
+              </a:defRPr>
+            </a:lvl6pPr>
+            <a:lvl7pPr marL="2743200" algn="l" defTabSz="914400" rtl="0" eaLnBrk="1" latinLnBrk="0" hangingPunct="1">
+              <a:defRPr kumimoji="1" sz="1800" kern="1200">
+                <a:solidFill>
+                  <a:schemeClr val="tx1"/>
+                </a:solidFill>
+                <a:latin typeface="+mn-lt"/>
+                <a:ea typeface="+mn-ea"/>
+                <a:cs typeface="+mn-cs"/>
+              </a:defRPr>
+            </a:lvl7pPr>
+            <a:lvl8pPr marL="3200400" algn="l" defTabSz="914400" rtl="0" eaLnBrk="1" latinLnBrk="0" hangingPunct="1">
+              <a:defRPr kumimoji="1" sz="1800" kern="1200">
+                <a:solidFill>
+                  <a:schemeClr val="tx1"/>
+                </a:solidFill>
+                <a:latin typeface="+mn-lt"/>
+                <a:ea typeface="+mn-ea"/>
+                <a:cs typeface="+mn-cs"/>
+              </a:defRPr>
+            </a:lvl8pPr>
+            <a:lvl9pPr marL="3657600" algn="l" defTabSz="914400" rtl="0" eaLnBrk="1" latinLnBrk="0" hangingPunct="1">
+              <a:defRPr kumimoji="1" sz="1800" kern="1200">
+                <a:solidFill>
+                  <a:schemeClr val="tx1"/>
+                </a:solidFill>
+                <a:latin typeface="+mn-lt"/>
+                <a:ea typeface="+mn-ea"/>
+                <a:cs typeface="+mn-cs"/>
+              </a:defRPr>
+            </a:lvl9pPr>
+          </a:lstStyle>
+          <a:p>
+            <a:pPr algn="ctr"/>
+            <a:r>
+              <a:rPr lang="ja-JP" altLang="en-US" sz="2400" b="1" dirty="0">
+                <a:solidFill>
+                  <a:schemeClr val="bg1"/>
+                </a:solidFill>
+                <a:effectLst>
+                  <a:glow rad="139700">
+                    <a:schemeClr val="tx1">
+                      <a:alpha val="70000"/>
+                    </a:schemeClr>
+                  </a:glow>
+                </a:effectLst>
+                <a:latin typeface="+mn-ea"/>
+              </a:rPr>
+              <a:t>糸</a:t>
+            </a:r>
+            <a:r>
+              <a:rPr lang="ja-JP" altLang="en-US" sz="2400" b="1" dirty="0" smtClean="0">
+                <a:solidFill>
+                  <a:schemeClr val="bg1"/>
+                </a:solidFill>
+                <a:effectLst>
+                  <a:glow rad="139700">
+                    <a:schemeClr val="tx1">
+                      <a:alpha val="70000"/>
+                    </a:schemeClr>
+                  </a:glow>
+                </a:effectLst>
+                <a:latin typeface="+mn-ea"/>
+              </a:rPr>
+              <a:t>は</a:t>
+            </a:r>
+            <a:r>
+              <a:rPr lang="ja-JP" altLang="en-US" sz="2400" b="1" dirty="0">
+                <a:solidFill>
+                  <a:schemeClr val="bg1"/>
+                </a:solidFill>
+                <a:effectLst>
+                  <a:glow rad="139700">
+                    <a:schemeClr val="tx1">
+                      <a:alpha val="70000"/>
+                    </a:schemeClr>
+                  </a:glow>
+                </a:effectLst>
+                <a:latin typeface="+mn-ea"/>
+              </a:rPr>
+              <a:t>罠</a:t>
+            </a:r>
+            <a:r>
+              <a:rPr lang="ja-JP" altLang="en-US" sz="2400" b="1" dirty="0" smtClean="0">
+                <a:solidFill>
+                  <a:schemeClr val="bg1"/>
+                </a:solidFill>
+                <a:effectLst>
+                  <a:glow rad="139700">
+                    <a:schemeClr val="tx1">
+                      <a:alpha val="70000"/>
+                    </a:schemeClr>
+                  </a:glow>
+                </a:effectLst>
+                <a:latin typeface="+mn-ea"/>
+              </a:rPr>
+              <a:t>にすることができ、敵にくっつくと数秒間動けなくできる</a:t>
+            </a:r>
+            <a:endParaRPr lang="en-US" altLang="ja-JP" sz="2400" b="1" dirty="0" smtClean="0">
+              <a:solidFill>
+                <a:schemeClr val="bg1"/>
+              </a:solidFill>
+              <a:effectLst>
+                <a:glow rad="139700">
+                  <a:schemeClr val="tx1">
+                    <a:alpha val="70000"/>
+                  </a:schemeClr>
+                </a:glow>
+              </a:effectLst>
+              <a:latin typeface="+mn-ea"/>
+            </a:endParaRPr>
+          </a:p>
+        </p:txBody>
+      </p:sp>
+      <p:sp>
+        <p:nvSpPr>
+          <p:cNvPr id="16" name="テキスト ボックス 30"/>
+          <p:cNvSpPr txBox="1"/>
+          <p:nvPr/>
+        </p:nvSpPr>
+        <p:spPr>
+          <a:xfrm>
+            <a:off x="0" y="47908"/>
+            <a:ext cx="9906000" cy="830997"/>
+          </a:xfrm>
+          <a:prstGeom prst="rect">
+            <a:avLst/>
+          </a:prstGeom>
+          <a:noFill/>
+        </p:spPr>
+        <p:txBody>
+          <a:bodyPr wrap="square" rtlCol="0">
+            <a:spAutoFit/>
+          </a:bodyPr>
+          <a:lstStyle>
+            <a:defPPr>
+              <a:defRPr lang="ja-JP"/>
+            </a:defPPr>
+            <a:lvl1pPr marL="0" algn="l" defTabSz="914400" rtl="0" eaLnBrk="1" latinLnBrk="0" hangingPunct="1">
+              <a:defRPr kumimoji="1" sz="1800" kern="1200">
+                <a:solidFill>
+                  <a:schemeClr val="tx1"/>
+                </a:solidFill>
+                <a:latin typeface="+mn-lt"/>
+                <a:ea typeface="+mn-ea"/>
+                <a:cs typeface="+mn-cs"/>
+              </a:defRPr>
+            </a:lvl1pPr>
+            <a:lvl2pPr marL="457200" algn="l" defTabSz="914400" rtl="0" eaLnBrk="1" latinLnBrk="0" hangingPunct="1">
+              <a:defRPr kumimoji="1" sz="1800" kern="1200">
+                <a:solidFill>
+                  <a:schemeClr val="tx1"/>
+                </a:solidFill>
+                <a:latin typeface="+mn-lt"/>
+                <a:ea typeface="+mn-ea"/>
+                <a:cs typeface="+mn-cs"/>
+              </a:defRPr>
+            </a:lvl2pPr>
+            <a:lvl3pPr marL="914400" algn="l" defTabSz="914400" rtl="0" eaLnBrk="1" latinLnBrk="0" hangingPunct="1">
+              <a:defRPr kumimoji="1" sz="1800" kern="1200">
+                <a:solidFill>
+                  <a:schemeClr val="tx1"/>
+                </a:solidFill>
+                <a:latin typeface="+mn-lt"/>
+                <a:ea typeface="+mn-ea"/>
+                <a:cs typeface="+mn-cs"/>
+              </a:defRPr>
+            </a:lvl3pPr>
+            <a:lvl4pPr marL="1371600" algn="l" defTabSz="914400" rtl="0" eaLnBrk="1" latinLnBrk="0" hangingPunct="1">
+              <a:defRPr kumimoji="1" sz="1800" kern="1200">
+                <a:solidFill>
+                  <a:schemeClr val="tx1"/>
+                </a:solidFill>
+                <a:latin typeface="+mn-lt"/>
+                <a:ea typeface="+mn-ea"/>
+                <a:cs typeface="+mn-cs"/>
+              </a:defRPr>
+            </a:lvl4pPr>
+            <a:lvl5pPr marL="1828800" algn="l" defTabSz="914400" rtl="0" eaLnBrk="1" latinLnBrk="0" hangingPunct="1">
+              <a:defRPr kumimoji="1" sz="1800" kern="1200">
+                <a:solidFill>
+                  <a:schemeClr val="tx1"/>
+                </a:solidFill>
+                <a:latin typeface="+mn-lt"/>
+                <a:ea typeface="+mn-ea"/>
+                <a:cs typeface="+mn-cs"/>
+              </a:defRPr>
+            </a:lvl5pPr>
+            <a:lvl6pPr marL="2286000" algn="l" defTabSz="914400" rtl="0" eaLnBrk="1" latinLnBrk="0" hangingPunct="1">
+              <a:defRPr kumimoji="1" sz="1800" kern="1200">
+                <a:solidFill>
+                  <a:schemeClr val="tx1"/>
+                </a:solidFill>
+                <a:latin typeface="+mn-lt"/>
+                <a:ea typeface="+mn-ea"/>
+                <a:cs typeface="+mn-cs"/>
+              </a:defRPr>
+            </a:lvl6pPr>
+            <a:lvl7pPr marL="2743200" algn="l" defTabSz="914400" rtl="0" eaLnBrk="1" latinLnBrk="0" hangingPunct="1">
+              <a:defRPr kumimoji="1" sz="1800" kern="1200">
+                <a:solidFill>
+                  <a:schemeClr val="tx1"/>
+                </a:solidFill>
+                <a:latin typeface="+mn-lt"/>
+                <a:ea typeface="+mn-ea"/>
+                <a:cs typeface="+mn-cs"/>
+              </a:defRPr>
+            </a:lvl7pPr>
+            <a:lvl8pPr marL="3200400" algn="l" defTabSz="914400" rtl="0" eaLnBrk="1" latinLnBrk="0" hangingPunct="1">
+              <a:defRPr kumimoji="1" sz="1800" kern="1200">
+                <a:solidFill>
+                  <a:schemeClr val="tx1"/>
+                </a:solidFill>
+                <a:latin typeface="+mn-lt"/>
+                <a:ea typeface="+mn-ea"/>
+                <a:cs typeface="+mn-cs"/>
+              </a:defRPr>
+            </a:lvl8pPr>
+            <a:lvl9pPr marL="3657600" algn="l" defTabSz="914400" rtl="0" eaLnBrk="1" latinLnBrk="0" hangingPunct="1">
+              <a:defRPr kumimoji="1" sz="1800" kern="1200">
+                <a:solidFill>
+                  <a:schemeClr val="tx1"/>
+                </a:solidFill>
+                <a:latin typeface="+mn-lt"/>
+                <a:ea typeface="+mn-ea"/>
+                <a:cs typeface="+mn-cs"/>
+              </a:defRPr>
+            </a:lvl9pPr>
+          </a:lstStyle>
+          <a:p>
+            <a:r>
+              <a:rPr lang="ja-JP" altLang="en-US" sz="4800" b="1" dirty="0" smtClean="0">
+                <a:solidFill>
+                  <a:schemeClr val="bg1"/>
+                </a:solidFill>
+                <a:effectLst>
+                  <a:glow rad="139700">
+                    <a:schemeClr val="tx1">
+                      <a:alpha val="70000"/>
+                    </a:schemeClr>
+                  </a:glow>
+                </a:effectLst>
+                <a:latin typeface="+mn-ea"/>
+              </a:rPr>
+              <a:t>糸の活用</a:t>
+            </a:r>
+            <a:endParaRPr kumimoji="1" lang="ja-JP" altLang="en-US" sz="4800" b="1" dirty="0">
+              <a:solidFill>
+                <a:schemeClr val="bg1"/>
+              </a:solidFill>
+              <a:effectLst>
+                <a:glow rad="139700">
+                  <a:schemeClr val="tx1">
+                    <a:alpha val="70000"/>
+                  </a:schemeClr>
+                </a:glow>
+              </a:effectLst>
+              <a:latin typeface="+mn-ea"/>
+            </a:endParaRPr>
+          </a:p>
+        </p:txBody>
+      </p:sp>
+    </p:spTree>
+    <p:extLst>
+      <p:ext uri="{BB962C8B-B14F-4D97-AF65-F5344CB8AC3E}">
+        <p14:creationId xmlns:p14="http://schemas.microsoft.com/office/powerpoint/2010/main" val="1244037295"/>
+      </p:ext>
+    </p:extLst>
+  </p:cSld>
+  <p:clrMapOvr>
+    <a:masterClrMapping/>
+  </p:clrMapOvr>
+  <p:timing>
+    <p:tnLst>
+      <p:par>
+        <p:cTn id="1" dur="indefinite" restart="never" nodeType="tmRoot"/>
+      </p:par>
+    </p:tnLst>
+  </p:timing>
+</p:sld>
+</file>
+
+<file path=ppt/slides/slide8.xml><?xml version="1.0" encoding="utf-8"?>
+<p:sld xmlns:a="http://schemas.openxmlformats.org/drawingml/2006/main" xmlns:r="http://schemas.openxmlformats.org/officeDocument/2006/relationships" xmlns:p="http://schemas.openxmlformats.org/presentationml/2006/main">
+  <p:cSld>
+    <p:spTree>
+      <p:nvGrpSpPr>
+        <p:cNvPr id="1" name=""/>
+        <p:cNvGrpSpPr/>
+        <p:nvPr/>
+      </p:nvGrpSpPr>
+      <p:grpSpPr>
+        <a:xfrm>
+          <a:off x="0" y="0"/>
+          <a:ext cx="0" cy="0"/>
+          <a:chOff x="0" y="0"/>
+          <a:chExt cx="0" cy="0"/>
+        </a:xfrm>
+      </p:grpSpPr>
       <p:sp>
         <p:nvSpPr>
           <p:cNvPr id="4" name="テキスト ボックス 3"/>
@@ -8520,7 +9506,7 @@
 </p:sld>
 </file>
 
-<file path=ppt/slides/slide8.xml><?xml version="1.0" encoding="utf-8"?>
+<file path=ppt/slides/slide9.xml><?xml version="1.0" encoding="utf-8"?>
 <p:sld xmlns:a="http://schemas.openxmlformats.org/drawingml/2006/main" xmlns:r="http://schemas.openxmlformats.org/officeDocument/2006/relationships" xmlns:p="http://schemas.openxmlformats.org/presentationml/2006/main">
   <p:cSld>
     <p:spTree>
@@ -9021,673 +10007,6 @@
     <p:extLst>
       <p:ext uri="{BB962C8B-B14F-4D97-AF65-F5344CB8AC3E}">
         <p14:creationId xmlns:p14="http://schemas.microsoft.com/office/powerpoint/2010/main" val="3913288961"/>
-      </p:ext>
-    </p:extLst>
-  </p:cSld>
-  <p:clrMapOvr>
-    <a:masterClrMapping/>
-  </p:clrMapOvr>
-  <p:timing>
-    <p:tnLst>
-      <p:par>
-        <p:cTn id="1" dur="indefinite" restart="never" nodeType="tmRoot"/>
-      </p:par>
-    </p:tnLst>
-  </p:timing>
-</p:sld>
-</file>
-
-<file path=ppt/slides/slide9.xml><?xml version="1.0" encoding="utf-8"?>
-<p:sld xmlns:a="http://schemas.openxmlformats.org/drawingml/2006/main" xmlns:r="http://schemas.openxmlformats.org/officeDocument/2006/relationships" xmlns:p="http://schemas.openxmlformats.org/presentationml/2006/main">
-  <p:cSld>
-    <p:spTree>
-      <p:nvGrpSpPr>
-        <p:cNvPr id="1" name=""/>
-        <p:cNvGrpSpPr/>
-        <p:nvPr/>
-      </p:nvGrpSpPr>
-      <p:grpSpPr>
-        <a:xfrm>
-          <a:off x="0" y="0"/>
-          <a:ext cx="0" cy="0"/>
-          <a:chOff x="0" y="0"/>
-          <a:chExt cx="0" cy="0"/>
-        </a:xfrm>
-      </p:grpSpPr>
-      <p:sp>
-        <p:nvSpPr>
-          <p:cNvPr id="4" name="テキスト ボックス 3"/>
-          <p:cNvSpPr txBox="1"/>
-          <p:nvPr/>
-        </p:nvSpPr>
-        <p:spPr>
-          <a:xfrm>
-            <a:off x="830350" y="2149814"/>
-            <a:ext cx="8273665" cy="1815882"/>
-          </a:xfrm>
-          <a:prstGeom prst="rect">
-            <a:avLst/>
-          </a:prstGeom>
-          <a:noFill/>
-        </p:spPr>
-        <p:txBody>
-          <a:bodyPr wrap="square" rtlCol="0">
-            <a:spAutoFit/>
-          </a:bodyPr>
-          <a:lstStyle/>
-          <a:p>
-            <a:r>
-              <a:rPr lang="ja-JP" altLang="en-US" sz="2800" b="1" dirty="0" smtClean="0">
-                <a:latin typeface="メイリオ" panose="020B0604030504040204" pitchFamily="50" charset="-128"/>
-                <a:ea typeface="メイリオ" panose="020B0604030504040204" pitchFamily="50" charset="-128"/>
-              </a:rPr>
-              <a:t>・移動だけで罠を貼りながら陣地を増やしていく</a:t>
-            </a:r>
-            <a:endParaRPr lang="en-US" altLang="ja-JP" sz="2800" b="1" dirty="0" smtClean="0">
-              <a:latin typeface="メイリオ" panose="020B0604030504040204" pitchFamily="50" charset="-128"/>
-              <a:ea typeface="メイリオ" panose="020B0604030504040204" pitchFamily="50" charset="-128"/>
-            </a:endParaRPr>
-          </a:p>
-          <a:p>
-            <a:endParaRPr lang="en-US" altLang="ja-JP" sz="2800" b="1" dirty="0">
-              <a:latin typeface="メイリオ" panose="020B0604030504040204" pitchFamily="50" charset="-128"/>
-              <a:ea typeface="メイリオ" panose="020B0604030504040204" pitchFamily="50" charset="-128"/>
-            </a:endParaRPr>
-          </a:p>
-          <a:p>
-            <a:r>
-              <a:rPr lang="ja-JP" altLang="en-US" sz="2800" b="1" dirty="0" smtClean="0">
-                <a:latin typeface="メイリオ" panose="020B0604030504040204" pitchFamily="50" charset="-128"/>
-                <a:ea typeface="メイリオ" panose="020B0604030504040204" pitchFamily="50" charset="-128"/>
-              </a:rPr>
-              <a:t>・移動や回避によって敵の陣地に潜入し、</a:t>
-            </a:r>
-            <a:endParaRPr lang="en-US" altLang="ja-JP" sz="2800" b="1" dirty="0" smtClean="0">
-              <a:latin typeface="メイリオ" panose="020B0604030504040204" pitchFamily="50" charset="-128"/>
-              <a:ea typeface="メイリオ" panose="020B0604030504040204" pitchFamily="50" charset="-128"/>
-            </a:endParaRPr>
-          </a:p>
-          <a:p>
-            <a:r>
-              <a:rPr lang="ja-JP" altLang="en-US" sz="2800" b="1" dirty="0">
-                <a:latin typeface="メイリオ" panose="020B0604030504040204" pitchFamily="50" charset="-128"/>
-                <a:ea typeface="メイリオ" panose="020B0604030504040204" pitchFamily="50" charset="-128"/>
-              </a:rPr>
-              <a:t>　</a:t>
-            </a:r>
-            <a:r>
-              <a:rPr lang="ja-JP" altLang="en-US" sz="2800" b="1" dirty="0" smtClean="0">
-                <a:latin typeface="メイリオ" panose="020B0604030504040204" pitchFamily="50" charset="-128"/>
-                <a:ea typeface="メイリオ" panose="020B0604030504040204" pitchFamily="50" charset="-128"/>
-              </a:rPr>
-              <a:t>敵の縄張りを奪っていく</a:t>
-            </a:r>
-            <a:endParaRPr lang="en-US" altLang="ja-JP" sz="2800" b="1" dirty="0" smtClean="0">
-              <a:latin typeface="メイリオ" panose="020B0604030504040204" pitchFamily="50" charset="-128"/>
-              <a:ea typeface="メイリオ" panose="020B0604030504040204" pitchFamily="50" charset="-128"/>
-            </a:endParaRPr>
-          </a:p>
-        </p:txBody>
-      </p:sp>
-      <p:pic>
-        <p:nvPicPr>
-          <p:cNvPr id="5" name="図 4"/>
-          <p:cNvPicPr>
-            <a:picLocks noChangeAspect="1"/>
-          </p:cNvPicPr>
-          <p:nvPr/>
-        </p:nvPicPr>
-        <p:blipFill>
-          <a:blip r:embed="rId3">
-            <a:extLst>
-              <a:ext uri="{28A0092B-C50C-407E-A947-70E740481C1C}">
-                <a14:useLocalDpi xmlns:a14="http://schemas.microsoft.com/office/drawing/2010/main" val="0"/>
-              </a:ext>
-            </a:extLst>
-          </a:blip>
-          <a:stretch>
-            <a:fillRect/>
-          </a:stretch>
-        </p:blipFill>
-        <p:spPr>
-          <a:xfrm>
-            <a:off x="5924640" y="3965696"/>
-            <a:ext cx="1489344" cy="1489344"/>
-          </a:xfrm>
-          <a:prstGeom prst="rect">
-            <a:avLst/>
-          </a:prstGeom>
-        </p:spPr>
-      </p:pic>
-      <p:cxnSp>
-        <p:nvCxnSpPr>
-          <p:cNvPr id="6" name="直線コネクタ 5"/>
-          <p:cNvCxnSpPr/>
-          <p:nvPr/>
-        </p:nvCxnSpPr>
-        <p:spPr>
-          <a:xfrm flipH="1">
-            <a:off x="5078603" y="4188642"/>
-            <a:ext cx="486450" cy="1648156"/>
-          </a:xfrm>
-          <a:prstGeom prst="line">
-            <a:avLst/>
-          </a:prstGeom>
-          <a:ln w="25400">
-            <a:solidFill>
-              <a:srgbClr val="FF0000"/>
-            </a:solidFill>
-          </a:ln>
-        </p:spPr>
-        <p:style>
-          <a:lnRef idx="1">
-            <a:schemeClr val="accent1"/>
-          </a:lnRef>
-          <a:fillRef idx="0">
-            <a:schemeClr val="accent1"/>
-          </a:fillRef>
-          <a:effectRef idx="0">
-            <a:schemeClr val="accent1"/>
-          </a:effectRef>
-          <a:fontRef idx="minor">
-            <a:schemeClr val="tx1"/>
-          </a:fontRef>
-        </p:style>
-      </p:cxnSp>
-      <p:pic>
-        <p:nvPicPr>
-          <p:cNvPr id="8" name="図 7"/>
-          <p:cNvPicPr>
-            <a:picLocks noChangeAspect="1"/>
-          </p:cNvPicPr>
-          <p:nvPr/>
-        </p:nvPicPr>
-        <p:blipFill>
-          <a:blip r:embed="rId3">
-            <a:extLst>
-              <a:ext uri="{28A0092B-C50C-407E-A947-70E740481C1C}">
-                <a14:useLocalDpi xmlns:a14="http://schemas.microsoft.com/office/drawing/2010/main" val="0"/>
-              </a:ext>
-            </a:extLst>
-          </a:blip>
-          <a:stretch>
-            <a:fillRect/>
-          </a:stretch>
-        </p:blipFill>
-        <p:spPr>
-          <a:xfrm>
-            <a:off x="7400583" y="4043184"/>
-            <a:ext cx="2505417" cy="2505417"/>
-          </a:xfrm>
-          <a:prstGeom prst="rect">
-            <a:avLst/>
-          </a:prstGeom>
-        </p:spPr>
-      </p:pic>
-      <p:cxnSp>
-        <p:nvCxnSpPr>
-          <p:cNvPr id="9" name="直線コネクタ 8"/>
-          <p:cNvCxnSpPr/>
-          <p:nvPr/>
-        </p:nvCxnSpPr>
-        <p:spPr>
-          <a:xfrm flipH="1">
-            <a:off x="5727143" y="5534881"/>
-            <a:ext cx="2813149" cy="696922"/>
-          </a:xfrm>
-          <a:prstGeom prst="line">
-            <a:avLst/>
-          </a:prstGeom>
-          <a:ln w="25400">
-            <a:solidFill>
-              <a:schemeClr val="accent1">
-                <a:lumMod val="40000"/>
-                <a:lumOff val="60000"/>
-              </a:schemeClr>
-            </a:solidFill>
-          </a:ln>
-        </p:spPr>
-        <p:style>
-          <a:lnRef idx="1">
-            <a:schemeClr val="accent1"/>
-          </a:lnRef>
-          <a:fillRef idx="0">
-            <a:schemeClr val="accent1"/>
-          </a:fillRef>
-          <a:effectRef idx="0">
-            <a:schemeClr val="accent1"/>
-          </a:effectRef>
-          <a:fontRef idx="minor">
-            <a:schemeClr val="tx1"/>
-          </a:fontRef>
-        </p:style>
-      </p:cxnSp>
-      <p:pic>
-        <p:nvPicPr>
-          <p:cNvPr id="10" name="図 9"/>
-          <p:cNvPicPr>
-            <a:picLocks noChangeAspect="1"/>
-          </p:cNvPicPr>
-          <p:nvPr/>
-        </p:nvPicPr>
-        <p:blipFill>
-          <a:blip r:embed="rId4" cstate="print">
-            <a:extLst>
-              <a:ext uri="{28A0092B-C50C-407E-A947-70E740481C1C}">
-                <a14:useLocalDpi xmlns:a14="http://schemas.microsoft.com/office/drawing/2010/main" val="0"/>
-              </a:ext>
-            </a:extLst>
-          </a:blip>
-          <a:stretch>
-            <a:fillRect/>
-          </a:stretch>
-        </p:blipFill>
-        <p:spPr>
-          <a:xfrm rot="1139257">
-            <a:off x="5373348" y="5864406"/>
-            <a:ext cx="1159278" cy="829538"/>
-          </a:xfrm>
-          <a:prstGeom prst="rect">
-            <a:avLst/>
-          </a:prstGeom>
-        </p:spPr>
-      </p:pic>
-      <p:cxnSp>
-        <p:nvCxnSpPr>
-          <p:cNvPr id="11" name="直線コネクタ 10"/>
-          <p:cNvCxnSpPr/>
-          <p:nvPr/>
-        </p:nvCxnSpPr>
-        <p:spPr>
-          <a:xfrm>
-            <a:off x="6618942" y="5013238"/>
-            <a:ext cx="1305997" cy="1467149"/>
-          </a:xfrm>
-          <a:prstGeom prst="line">
-            <a:avLst/>
-          </a:prstGeom>
-          <a:ln w="25400">
-            <a:solidFill>
-              <a:srgbClr val="FF0000"/>
-            </a:solidFill>
-          </a:ln>
-        </p:spPr>
-        <p:style>
-          <a:lnRef idx="1">
-            <a:schemeClr val="accent1"/>
-          </a:lnRef>
-          <a:fillRef idx="0">
-            <a:schemeClr val="accent1"/>
-          </a:fillRef>
-          <a:effectRef idx="0">
-            <a:schemeClr val="accent1"/>
-          </a:effectRef>
-          <a:fontRef idx="minor">
-            <a:schemeClr val="tx1"/>
-          </a:fontRef>
-        </p:style>
-      </p:cxnSp>
-      <p:cxnSp>
-        <p:nvCxnSpPr>
-          <p:cNvPr id="12" name="直線コネクタ 11"/>
-          <p:cNvCxnSpPr/>
-          <p:nvPr/>
-        </p:nvCxnSpPr>
-        <p:spPr>
-          <a:xfrm flipH="1">
-            <a:off x="8175535" y="5534881"/>
-            <a:ext cx="367803" cy="1944698"/>
-          </a:xfrm>
-          <a:prstGeom prst="line">
-            <a:avLst/>
-          </a:prstGeom>
-          <a:ln w="25400">
-            <a:solidFill>
-              <a:schemeClr val="accent1">
-                <a:lumMod val="40000"/>
-                <a:lumOff val="60000"/>
-              </a:schemeClr>
-            </a:solidFill>
-          </a:ln>
-        </p:spPr>
-        <p:style>
-          <a:lnRef idx="1">
-            <a:schemeClr val="accent1"/>
-          </a:lnRef>
-          <a:fillRef idx="0">
-            <a:schemeClr val="accent1"/>
-          </a:fillRef>
-          <a:effectRef idx="0">
-            <a:schemeClr val="accent1"/>
-          </a:effectRef>
-          <a:fontRef idx="minor">
-            <a:schemeClr val="tx1"/>
-          </a:fontRef>
-        </p:style>
-      </p:cxnSp>
-      <p:pic>
-        <p:nvPicPr>
-          <p:cNvPr id="13" name="図 12"/>
-          <p:cNvPicPr>
-            <a:picLocks noChangeAspect="1"/>
-          </p:cNvPicPr>
-          <p:nvPr/>
-        </p:nvPicPr>
-        <p:blipFill>
-          <a:blip r:embed="rId5" cstate="print">
-            <a:extLst>
-              <a:ext uri="{28A0092B-C50C-407E-A947-70E740481C1C}">
-                <a14:useLocalDpi xmlns:a14="http://schemas.microsoft.com/office/drawing/2010/main" val="0"/>
-              </a:ext>
-            </a:extLst>
-          </a:blip>
-          <a:stretch>
-            <a:fillRect/>
-          </a:stretch>
-        </p:blipFill>
-        <p:spPr>
-          <a:xfrm flipH="1">
-            <a:off x="7238493" y="5844581"/>
-            <a:ext cx="1134899" cy="830968"/>
-          </a:xfrm>
-          <a:prstGeom prst="rect">
-            <a:avLst/>
-          </a:prstGeom>
-        </p:spPr>
-      </p:pic>
-      <p:cxnSp>
-        <p:nvCxnSpPr>
-          <p:cNvPr id="14" name="直線コネクタ 13"/>
-          <p:cNvCxnSpPr/>
-          <p:nvPr/>
-        </p:nvCxnSpPr>
-        <p:spPr>
-          <a:xfrm flipH="1">
-            <a:off x="4912919" y="5013238"/>
-            <a:ext cx="1734469" cy="981274"/>
-          </a:xfrm>
-          <a:prstGeom prst="line">
-            <a:avLst/>
-          </a:prstGeom>
-          <a:ln w="25400">
-            <a:solidFill>
-              <a:srgbClr val="FF0000"/>
-            </a:solidFill>
-          </a:ln>
-        </p:spPr>
-        <p:style>
-          <a:lnRef idx="1">
-            <a:schemeClr val="accent1"/>
-          </a:lnRef>
-          <a:fillRef idx="0">
-            <a:schemeClr val="accent1"/>
-          </a:fillRef>
-          <a:effectRef idx="0">
-            <a:schemeClr val="accent1"/>
-          </a:effectRef>
-          <a:fontRef idx="minor">
-            <a:schemeClr val="tx1"/>
-          </a:fontRef>
-        </p:style>
-      </p:cxnSp>
-      <p:pic>
-        <p:nvPicPr>
-          <p:cNvPr id="15" name="図 14"/>
-          <p:cNvPicPr>
-            <a:picLocks noChangeAspect="1"/>
-          </p:cNvPicPr>
-          <p:nvPr/>
-        </p:nvPicPr>
-        <p:blipFill>
-          <a:blip r:embed="rId3">
-            <a:extLst>
-              <a:ext uri="{28A0092B-C50C-407E-A947-70E740481C1C}">
-                <a14:useLocalDpi xmlns:a14="http://schemas.microsoft.com/office/drawing/2010/main" val="0"/>
-              </a:ext>
-            </a:extLst>
-          </a:blip>
-          <a:stretch>
-            <a:fillRect/>
-          </a:stretch>
-        </p:blipFill>
-        <p:spPr>
-          <a:xfrm>
-            <a:off x="3689240" y="4198144"/>
-            <a:ext cx="2505417" cy="2505417"/>
-          </a:xfrm>
-          <a:prstGeom prst="rect">
-            <a:avLst/>
-          </a:prstGeom>
-        </p:spPr>
-      </p:pic>
-      <p:cxnSp>
-        <p:nvCxnSpPr>
-          <p:cNvPr id="16" name="直線コネクタ 15"/>
-          <p:cNvCxnSpPr/>
-          <p:nvPr/>
-        </p:nvCxnSpPr>
-        <p:spPr>
-          <a:xfrm flipH="1">
-            <a:off x="4612124" y="6107486"/>
-            <a:ext cx="237293" cy="1337709"/>
-          </a:xfrm>
-          <a:prstGeom prst="line">
-            <a:avLst/>
-          </a:prstGeom>
-          <a:ln w="25400">
-            <a:solidFill>
-              <a:schemeClr val="accent1">
-                <a:lumMod val="40000"/>
-                <a:lumOff val="60000"/>
-              </a:schemeClr>
-            </a:solidFill>
-          </a:ln>
-        </p:spPr>
-        <p:style>
-          <a:lnRef idx="1">
-            <a:schemeClr val="accent1"/>
-          </a:lnRef>
-          <a:fillRef idx="0">
-            <a:schemeClr val="accent1"/>
-          </a:fillRef>
-          <a:effectRef idx="0">
-            <a:schemeClr val="accent1"/>
-          </a:effectRef>
-          <a:fontRef idx="minor">
-            <a:schemeClr val="tx1"/>
-          </a:fontRef>
-        </p:style>
-      </p:cxnSp>
-      <p:cxnSp>
-        <p:nvCxnSpPr>
-          <p:cNvPr id="17" name="直線コネクタ 16"/>
-          <p:cNvCxnSpPr/>
-          <p:nvPr/>
-        </p:nvCxnSpPr>
-        <p:spPr>
-          <a:xfrm flipH="1">
-            <a:off x="3266646" y="6104219"/>
-            <a:ext cx="1610603" cy="316621"/>
-          </a:xfrm>
-          <a:prstGeom prst="line">
-            <a:avLst/>
-          </a:prstGeom>
-          <a:ln w="25400">
-            <a:solidFill>
-              <a:schemeClr val="accent1">
-                <a:lumMod val="40000"/>
-                <a:lumOff val="60000"/>
-              </a:schemeClr>
-            </a:solidFill>
-          </a:ln>
-        </p:spPr>
-        <p:style>
-          <a:lnRef idx="1">
-            <a:schemeClr val="accent1"/>
-          </a:lnRef>
-          <a:fillRef idx="0">
-            <a:schemeClr val="accent1"/>
-          </a:fillRef>
-          <a:effectRef idx="0">
-            <a:schemeClr val="accent1"/>
-          </a:effectRef>
-          <a:fontRef idx="minor">
-            <a:schemeClr val="tx1"/>
-          </a:fontRef>
-        </p:style>
-      </p:cxnSp>
-      <p:sp>
-        <p:nvSpPr>
-          <p:cNvPr id="18" name="テキスト ボックス 30"/>
-          <p:cNvSpPr txBox="1"/>
-          <p:nvPr/>
-        </p:nvSpPr>
-        <p:spPr>
-          <a:xfrm>
-            <a:off x="0" y="47908"/>
-            <a:ext cx="9906000" cy="830997"/>
-          </a:xfrm>
-          <a:prstGeom prst="rect">
-            <a:avLst/>
-          </a:prstGeom>
-          <a:noFill/>
-        </p:spPr>
-        <p:txBody>
-          <a:bodyPr wrap="square" rtlCol="0">
-            <a:spAutoFit/>
-          </a:bodyPr>
-          <a:lstStyle>
-            <a:defPPr>
-              <a:defRPr lang="ja-JP"/>
-            </a:defPPr>
-            <a:lvl1pPr marL="0" algn="l" defTabSz="914400" rtl="0" eaLnBrk="1" latinLnBrk="0" hangingPunct="1">
-              <a:defRPr kumimoji="1" sz="1800" kern="1200">
-                <a:solidFill>
-                  <a:schemeClr val="tx1"/>
-                </a:solidFill>
-                <a:latin typeface="+mn-lt"/>
-                <a:ea typeface="+mn-ea"/>
-                <a:cs typeface="+mn-cs"/>
-              </a:defRPr>
-            </a:lvl1pPr>
-            <a:lvl2pPr marL="457200" algn="l" defTabSz="914400" rtl="0" eaLnBrk="1" latinLnBrk="0" hangingPunct="1">
-              <a:defRPr kumimoji="1" sz="1800" kern="1200">
-                <a:solidFill>
-                  <a:schemeClr val="tx1"/>
-                </a:solidFill>
-                <a:latin typeface="+mn-lt"/>
-                <a:ea typeface="+mn-ea"/>
-                <a:cs typeface="+mn-cs"/>
-              </a:defRPr>
-            </a:lvl2pPr>
-            <a:lvl3pPr marL="914400" algn="l" defTabSz="914400" rtl="0" eaLnBrk="1" latinLnBrk="0" hangingPunct="1">
-              <a:defRPr kumimoji="1" sz="1800" kern="1200">
-                <a:solidFill>
-                  <a:schemeClr val="tx1"/>
-                </a:solidFill>
-                <a:latin typeface="+mn-lt"/>
-                <a:ea typeface="+mn-ea"/>
-                <a:cs typeface="+mn-cs"/>
-              </a:defRPr>
-            </a:lvl3pPr>
-            <a:lvl4pPr marL="1371600" algn="l" defTabSz="914400" rtl="0" eaLnBrk="1" latinLnBrk="0" hangingPunct="1">
-              <a:defRPr kumimoji="1" sz="1800" kern="1200">
-                <a:solidFill>
-                  <a:schemeClr val="tx1"/>
-                </a:solidFill>
-                <a:latin typeface="+mn-lt"/>
-                <a:ea typeface="+mn-ea"/>
-                <a:cs typeface="+mn-cs"/>
-              </a:defRPr>
-            </a:lvl4pPr>
-            <a:lvl5pPr marL="1828800" algn="l" defTabSz="914400" rtl="0" eaLnBrk="1" latinLnBrk="0" hangingPunct="1">
-              <a:defRPr kumimoji="1" sz="1800" kern="1200">
-                <a:solidFill>
-                  <a:schemeClr val="tx1"/>
-                </a:solidFill>
-                <a:latin typeface="+mn-lt"/>
-                <a:ea typeface="+mn-ea"/>
-                <a:cs typeface="+mn-cs"/>
-              </a:defRPr>
-            </a:lvl5pPr>
-            <a:lvl6pPr marL="2286000" algn="l" defTabSz="914400" rtl="0" eaLnBrk="1" latinLnBrk="0" hangingPunct="1">
-              <a:defRPr kumimoji="1" sz="1800" kern="1200">
-                <a:solidFill>
-                  <a:schemeClr val="tx1"/>
-                </a:solidFill>
-                <a:latin typeface="+mn-lt"/>
-                <a:ea typeface="+mn-ea"/>
-                <a:cs typeface="+mn-cs"/>
-              </a:defRPr>
-            </a:lvl6pPr>
-            <a:lvl7pPr marL="2743200" algn="l" defTabSz="914400" rtl="0" eaLnBrk="1" latinLnBrk="0" hangingPunct="1">
-              <a:defRPr kumimoji="1" sz="1800" kern="1200">
-                <a:solidFill>
-                  <a:schemeClr val="tx1"/>
-                </a:solidFill>
-                <a:latin typeface="+mn-lt"/>
-                <a:ea typeface="+mn-ea"/>
-                <a:cs typeface="+mn-cs"/>
-              </a:defRPr>
-            </a:lvl7pPr>
-            <a:lvl8pPr marL="3200400" algn="l" defTabSz="914400" rtl="0" eaLnBrk="1" latinLnBrk="0" hangingPunct="1">
-              <a:defRPr kumimoji="1" sz="1800" kern="1200">
-                <a:solidFill>
-                  <a:schemeClr val="tx1"/>
-                </a:solidFill>
-                <a:latin typeface="+mn-lt"/>
-                <a:ea typeface="+mn-ea"/>
-                <a:cs typeface="+mn-cs"/>
-              </a:defRPr>
-            </a:lvl8pPr>
-            <a:lvl9pPr marL="3657600" algn="l" defTabSz="914400" rtl="0" eaLnBrk="1" latinLnBrk="0" hangingPunct="1">
-              <a:defRPr kumimoji="1" sz="1800" kern="1200">
-                <a:solidFill>
-                  <a:schemeClr val="tx1"/>
-                </a:solidFill>
-                <a:latin typeface="+mn-lt"/>
-                <a:ea typeface="+mn-ea"/>
-                <a:cs typeface="+mn-cs"/>
-              </a:defRPr>
-            </a:lvl9pPr>
-          </a:lstStyle>
-          <a:p>
-            <a:r>
-              <a:rPr lang="ja-JP" altLang="en-US" sz="4800" b="1" dirty="0">
-                <a:solidFill>
-                  <a:schemeClr val="bg1"/>
-                </a:solidFill>
-                <a:effectLst>
-                  <a:glow rad="139700">
-                    <a:schemeClr val="tx1">
-                      <a:alpha val="70000"/>
-                    </a:schemeClr>
-                  </a:glow>
-                </a:effectLst>
-                <a:latin typeface="+mn-ea"/>
-              </a:rPr>
-              <a:t>セールスポイント</a:t>
-            </a:r>
-            <a:endParaRPr kumimoji="1" lang="ja-JP" altLang="en-US" sz="4800" b="1" dirty="0">
-              <a:solidFill>
-                <a:schemeClr val="bg1"/>
-              </a:solidFill>
-              <a:effectLst>
-                <a:glow rad="139700">
-                  <a:schemeClr val="tx1">
-                    <a:alpha val="70000"/>
-                  </a:schemeClr>
-                </a:glow>
-              </a:effectLst>
-              <a:latin typeface="+mn-ea"/>
-            </a:endParaRPr>
-          </a:p>
-        </p:txBody>
-      </p:sp>
-    </p:spTree>
-    <p:extLst>
-      <p:ext uri="{BB962C8B-B14F-4D97-AF65-F5344CB8AC3E}">
-        <p14:creationId xmlns:p14="http://schemas.microsoft.com/office/powerpoint/2010/main" val="1057348968"/>
       </p:ext>
     </p:extLst>
   </p:cSld>
